--- a/9.発表資料/グループディスカッション_グループA.pptx
+++ b/9.発表資料/グループディスカッション_グループA.pptx
@@ -5,7 +5,7 @@
     <p:sldMasterId id="2147483687" r:id="rId1"/>
   </p:sldMasterIdLst>
   <p:notesMasterIdLst>
-    <p:notesMasterId r:id="rId14"/>
+    <p:notesMasterId r:id="rId11"/>
   </p:notesMasterIdLst>
   <p:sldIdLst>
     <p:sldId id="256" r:id="rId2"/>
@@ -13,13 +13,10 @@
     <p:sldId id="257" r:id="rId4"/>
     <p:sldId id="258" r:id="rId5"/>
     <p:sldId id="259" r:id="rId6"/>
-    <p:sldId id="265" r:id="rId7"/>
-    <p:sldId id="261" r:id="rId8"/>
-    <p:sldId id="260" r:id="rId9"/>
-    <p:sldId id="262" r:id="rId10"/>
-    <p:sldId id="263" r:id="rId11"/>
-    <p:sldId id="267" r:id="rId12"/>
-    <p:sldId id="264" r:id="rId13"/>
+    <p:sldId id="270" r:id="rId7"/>
+    <p:sldId id="262" r:id="rId8"/>
+    <p:sldId id="271" r:id="rId9"/>
+    <p:sldId id="263" r:id="rId10"/>
   </p:sldIdLst>
   <p:sldSz cx="12192000" cy="6858000"/>
   <p:notesSz cx="6858000" cy="9144000"/>
@@ -126,1038 +123,6 @@
 </p:presentation>
 </file>
 
-<file path=ppt/charts/chart1.xml><?xml version="1.0" encoding="utf-8"?>
-<c:chartSpace xmlns:c="http://schemas.openxmlformats.org/drawingml/2006/chart" xmlns:a="http://schemas.openxmlformats.org/drawingml/2006/main" xmlns:r="http://schemas.openxmlformats.org/officeDocument/2006/relationships" xmlns:c16r2="http://schemas.microsoft.com/office/drawing/2015/06/chart">
-  <c:date1904 val="0"/>
-  <c:lang val="ja-JP"/>
-  <c:roundedCorners val="0"/>
-  <mc:AlternateContent xmlns:mc="http://schemas.openxmlformats.org/markup-compatibility/2006">
-    <mc:Choice xmlns:c14="http://schemas.microsoft.com/office/drawing/2007/8/2/chart" Requires="c14">
-      <c14:style val="102"/>
-    </mc:Choice>
-    <mc:Fallback>
-      <c:style val="2"/>
-    </mc:Fallback>
-  </mc:AlternateContent>
-  <c:chart>
-    <c:title>
-      <c:overlay val="0"/>
-      <c:spPr>
-        <a:noFill/>
-        <a:ln>
-          <a:noFill/>
-        </a:ln>
-        <a:effectLst/>
-      </c:spPr>
-      <c:txPr>
-        <a:bodyPr rot="0" spcFirstLastPara="1" vertOverflow="ellipsis" vert="horz" wrap="square" anchor="ctr" anchorCtr="1"/>
-        <a:lstStyle/>
-        <a:p>
-          <a:pPr>
-            <a:defRPr sz="2200" b="1" i="0" u="none" strike="noStrike" kern="1200" baseline="0">
-              <a:solidFill>
-                <a:schemeClr val="dk1">
-                  <a:lumMod val="75000"/>
-                  <a:lumOff val="25000"/>
-                </a:schemeClr>
-              </a:solidFill>
-              <a:latin typeface="+mn-lt"/>
-              <a:ea typeface="+mn-ea"/>
-              <a:cs typeface="+mn-cs"/>
-            </a:defRPr>
-          </a:pPr>
-          <a:endParaRPr lang="ja-JP"/>
-        </a:p>
-      </c:txPr>
-    </c:title>
-    <c:autoTitleDeleted val="0"/>
-    <c:plotArea>
-      <c:layout/>
-      <c:pieChart>
-        <c:varyColors val="1"/>
-        <c:ser>
-          <c:idx val="0"/>
-          <c:order val="0"/>
-          <c:tx>
-            <c:strRef>
-              <c:f>Sheet1!$B$1</c:f>
-              <c:strCache>
-                <c:ptCount val="1"/>
-                <c:pt idx="0">
-                  <c:v>４月</c:v>
-                </c:pt>
-              </c:strCache>
-            </c:strRef>
-          </c:tx>
-          <c:dPt>
-            <c:idx val="0"/>
-            <c:bubble3D val="0"/>
-            <c:spPr>
-              <a:solidFill>
-                <a:schemeClr val="accent1"/>
-              </a:solidFill>
-              <a:ln>
-                <a:noFill/>
-              </a:ln>
-              <a:effectLst>
-                <a:outerShdw blurRad="254000" sx="102000" sy="102000" algn="ctr" rotWithShape="0">
-                  <a:prstClr val="black">
-                    <a:alpha val="20000"/>
-                  </a:prstClr>
-                </a:outerShdw>
-              </a:effectLst>
-            </c:spPr>
-            <c:extLst>
-              <c:ext xmlns:c16="http://schemas.microsoft.com/office/drawing/2014/chart" uri="{C3380CC4-5D6E-409C-BE32-E72D297353CC}">
-                <c16:uniqueId val="{00000001-09D3-4E42-A0D9-5934BBDC84A4}"/>
-              </c:ext>
-            </c:extLst>
-          </c:dPt>
-          <c:dPt>
-            <c:idx val="1"/>
-            <c:bubble3D val="0"/>
-            <c:spPr>
-              <a:solidFill>
-                <a:schemeClr val="accent2"/>
-              </a:solidFill>
-              <a:ln>
-                <a:noFill/>
-              </a:ln>
-              <a:effectLst>
-                <a:outerShdw blurRad="254000" sx="102000" sy="102000" algn="ctr" rotWithShape="0">
-                  <a:prstClr val="black">
-                    <a:alpha val="20000"/>
-                  </a:prstClr>
-                </a:outerShdw>
-              </a:effectLst>
-            </c:spPr>
-            <c:extLst>
-              <c:ext xmlns:c16="http://schemas.microsoft.com/office/drawing/2014/chart" uri="{C3380CC4-5D6E-409C-BE32-E72D297353CC}">
-                <c16:uniqueId val="{00000003-09D3-4E42-A0D9-5934BBDC84A4}"/>
-              </c:ext>
-            </c:extLst>
-          </c:dPt>
-          <c:dPt>
-            <c:idx val="2"/>
-            <c:bubble3D val="0"/>
-            <c:spPr>
-              <a:solidFill>
-                <a:schemeClr val="accent3"/>
-              </a:solidFill>
-              <a:ln>
-                <a:noFill/>
-              </a:ln>
-              <a:effectLst>
-                <a:outerShdw blurRad="254000" sx="102000" sy="102000" algn="ctr" rotWithShape="0">
-                  <a:prstClr val="black">
-                    <a:alpha val="20000"/>
-                  </a:prstClr>
-                </a:outerShdw>
-              </a:effectLst>
-            </c:spPr>
-            <c:extLst>
-              <c:ext xmlns:c16="http://schemas.microsoft.com/office/drawing/2014/chart" uri="{C3380CC4-5D6E-409C-BE32-E72D297353CC}">
-                <c16:uniqueId val="{00000005-09D3-4E42-A0D9-5934BBDC84A4}"/>
-              </c:ext>
-            </c:extLst>
-          </c:dPt>
-          <c:dPt>
-            <c:idx val="3"/>
-            <c:bubble3D val="0"/>
-            <c:spPr>
-              <a:solidFill>
-                <a:schemeClr val="accent4"/>
-              </a:solidFill>
-              <a:ln>
-                <a:noFill/>
-              </a:ln>
-              <a:effectLst>
-                <a:outerShdw blurRad="254000" sx="102000" sy="102000" algn="ctr" rotWithShape="0">
-                  <a:prstClr val="black">
-                    <a:alpha val="20000"/>
-                  </a:prstClr>
-                </a:outerShdw>
-              </a:effectLst>
-            </c:spPr>
-            <c:extLst>
-              <c:ext xmlns:c16="http://schemas.microsoft.com/office/drawing/2014/chart" uri="{C3380CC4-5D6E-409C-BE32-E72D297353CC}">
-                <c16:uniqueId val="{00000007-09D3-4E42-A0D9-5934BBDC84A4}"/>
-              </c:ext>
-            </c:extLst>
-          </c:dPt>
-          <c:dLbls>
-            <c:spPr>
-              <a:pattFill prst="pct75">
-                <a:fgClr>
-                  <a:schemeClr val="dk1">
-                    <a:lumMod val="75000"/>
-                    <a:lumOff val="25000"/>
-                  </a:schemeClr>
-                </a:fgClr>
-                <a:bgClr>
-                  <a:schemeClr val="dk1">
-                    <a:lumMod val="65000"/>
-                    <a:lumOff val="35000"/>
-                  </a:schemeClr>
-                </a:bgClr>
-              </a:pattFill>
-              <a:ln>
-                <a:noFill/>
-              </a:ln>
-              <a:effectLst>
-                <a:outerShdw blurRad="50800" dist="38100" dir="2700000" algn="tl" rotWithShape="0">
-                  <a:prstClr val="black">
-                    <a:alpha val="40000"/>
-                  </a:prstClr>
-                </a:outerShdw>
-              </a:effectLst>
-            </c:spPr>
-            <c:txPr>
-              <a:bodyPr rot="0" spcFirstLastPara="1" vertOverflow="ellipsis" vert="horz" wrap="square" lIns="38100" tIns="19050" rIns="38100" bIns="19050" anchor="ctr" anchorCtr="1">
-                <a:spAutoFit/>
-              </a:bodyPr>
-              <a:lstStyle/>
-              <a:p>
-                <a:pPr>
-                  <a:defRPr sz="1330" b="1" i="0" u="none" strike="noStrike" kern="1200" baseline="0">
-                    <a:solidFill>
-                      <a:schemeClr val="lt1"/>
-                    </a:solidFill>
-                    <a:latin typeface="+mn-lt"/>
-                    <a:ea typeface="+mn-ea"/>
-                    <a:cs typeface="+mn-cs"/>
-                  </a:defRPr>
-                </a:pPr>
-                <a:endParaRPr lang="ja-JP"/>
-              </a:p>
-            </c:txPr>
-            <c:dLblPos val="ctr"/>
-            <c:showLegendKey val="0"/>
-            <c:showVal val="0"/>
-            <c:showCatName val="0"/>
-            <c:showSerName val="0"/>
-            <c:showPercent val="1"/>
-            <c:showBubbleSize val="0"/>
-            <c:showLeaderLines val="1"/>
-            <c:leaderLines>
-              <c:spPr>
-                <a:ln w="9525">
-                  <a:solidFill>
-                    <a:schemeClr val="dk1">
-                      <a:lumMod val="50000"/>
-                      <a:lumOff val="50000"/>
-                    </a:schemeClr>
-                  </a:solidFill>
-                </a:ln>
-                <a:effectLst/>
-              </c:spPr>
-            </c:leaderLines>
-            <c:extLst>
-              <c:ext xmlns:c15="http://schemas.microsoft.com/office/drawing/2012/chart" uri="{CE6537A1-D6FC-4f65-9D91-7224C49458BB}"/>
-            </c:extLst>
-          </c:dLbls>
-          <c:cat>
-            <c:strRef>
-              <c:f>Sheet1!$A$2:$A$5</c:f>
-              <c:strCache>
-                <c:ptCount val="4"/>
-                <c:pt idx="0">
-                  <c:v>食費</c:v>
-                </c:pt>
-                <c:pt idx="1">
-                  <c:v>交通費</c:v>
-                </c:pt>
-                <c:pt idx="2">
-                  <c:v>娯楽費</c:v>
-                </c:pt>
-                <c:pt idx="3">
-                  <c:v>その他</c:v>
-                </c:pt>
-              </c:strCache>
-            </c:strRef>
-          </c:cat>
-          <c:val>
-            <c:numRef>
-              <c:f>Sheet1!$B$2:$B$5</c:f>
-              <c:numCache>
-                <c:formatCode>General</c:formatCode>
-                <c:ptCount val="4"/>
-                <c:pt idx="0">
-                  <c:v>7000</c:v>
-                </c:pt>
-                <c:pt idx="1">
-                  <c:v>15000</c:v>
-                </c:pt>
-                <c:pt idx="2">
-                  <c:v>10000</c:v>
-                </c:pt>
-                <c:pt idx="3">
-                  <c:v>10000</c:v>
-                </c:pt>
-              </c:numCache>
-            </c:numRef>
-          </c:val>
-          <c:extLst>
-            <c:ext xmlns:c16="http://schemas.microsoft.com/office/drawing/2014/chart" uri="{C3380CC4-5D6E-409C-BE32-E72D297353CC}">
-              <c16:uniqueId val="{00000000-0600-47A0-B38C-7DD28B31DC72}"/>
-            </c:ext>
-          </c:extLst>
-        </c:ser>
-        <c:dLbls>
-          <c:dLblPos val="ctr"/>
-          <c:showLegendKey val="0"/>
-          <c:showVal val="0"/>
-          <c:showCatName val="0"/>
-          <c:showSerName val="0"/>
-          <c:showPercent val="1"/>
-          <c:showBubbleSize val="0"/>
-          <c:showLeaderLines val="1"/>
-        </c:dLbls>
-        <c:firstSliceAng val="0"/>
-      </c:pieChart>
-      <c:spPr>
-        <a:noFill/>
-        <a:ln>
-          <a:noFill/>
-        </a:ln>
-        <a:effectLst/>
-      </c:spPr>
-    </c:plotArea>
-    <c:legend>
-      <c:legendPos val="r"/>
-      <c:overlay val="0"/>
-      <c:spPr>
-        <a:solidFill>
-          <a:schemeClr val="lt1">
-            <a:lumMod val="95000"/>
-            <a:alpha val="39000"/>
-          </a:schemeClr>
-        </a:solidFill>
-        <a:ln>
-          <a:noFill/>
-        </a:ln>
-        <a:effectLst/>
-      </c:spPr>
-      <c:txPr>
-        <a:bodyPr rot="0" spcFirstLastPara="1" vertOverflow="ellipsis" vert="horz" wrap="square" anchor="ctr" anchorCtr="1"/>
-        <a:lstStyle/>
-        <a:p>
-          <a:pPr>
-            <a:defRPr sz="1197" b="0" i="0" u="none" strike="noStrike" kern="1200" baseline="0">
-              <a:solidFill>
-                <a:schemeClr val="dk1">
-                  <a:lumMod val="75000"/>
-                  <a:lumOff val="25000"/>
-                </a:schemeClr>
-              </a:solidFill>
-              <a:latin typeface="+mn-lt"/>
-              <a:ea typeface="+mn-ea"/>
-              <a:cs typeface="+mn-cs"/>
-            </a:defRPr>
-          </a:pPr>
-          <a:endParaRPr lang="ja-JP"/>
-        </a:p>
-      </c:txPr>
-    </c:legend>
-    <c:plotVisOnly val="1"/>
-    <c:dispBlanksAs val="gap"/>
-    <c:extLst>
-      <c:ext xmlns:c16r3="http://schemas.microsoft.com/office/drawing/2017/03/chart" uri="{56B9EC1D-385E-4148-901F-78D8002777C0}">
-        <c16r3:dataDisplayOptions16>
-          <c16r3:dispNaAsBlank val="1"/>
-        </c16r3:dataDisplayOptions16>
-      </c:ext>
-    </c:extLst>
-    <c:showDLblsOverMax val="0"/>
-  </c:chart>
-  <c:spPr>
-    <a:gradFill flip="none" rotWithShape="1">
-      <a:gsLst>
-        <a:gs pos="0">
-          <a:schemeClr val="lt1"/>
-        </a:gs>
-        <a:gs pos="39000">
-          <a:schemeClr val="lt1"/>
-        </a:gs>
-        <a:gs pos="100000">
-          <a:schemeClr val="lt1">
-            <a:lumMod val="75000"/>
-          </a:schemeClr>
-        </a:gs>
-      </a:gsLst>
-      <a:path path="circle">
-        <a:fillToRect l="50000" t="-80000" r="50000" b="180000"/>
-      </a:path>
-      <a:tileRect/>
-    </a:gradFill>
-    <a:ln w="9525" cap="flat" cmpd="sng" algn="ctr">
-      <a:solidFill>
-        <a:schemeClr val="dk1">
-          <a:lumMod val="25000"/>
-          <a:lumOff val="75000"/>
-        </a:schemeClr>
-      </a:solidFill>
-      <a:round/>
-    </a:ln>
-    <a:effectLst/>
-  </c:spPr>
-  <c:txPr>
-    <a:bodyPr/>
-    <a:lstStyle/>
-    <a:p>
-      <a:pPr>
-        <a:defRPr/>
-      </a:pPr>
-      <a:endParaRPr lang="ja-JP"/>
-    </a:p>
-  </c:txPr>
-  <c:externalData r:id="rId3">
-    <c:autoUpdate val="0"/>
-  </c:externalData>
-</c:chartSpace>
-</file>
-
-<file path=ppt/charts/colors1.xml><?xml version="1.0" encoding="utf-8"?>
-<cs:colorStyle xmlns:cs="http://schemas.microsoft.com/office/drawing/2012/chartStyle" xmlns:a="http://schemas.openxmlformats.org/drawingml/2006/main" meth="cycle" id="10">
-  <a:schemeClr val="accent1"/>
-  <a:schemeClr val="accent2"/>
-  <a:schemeClr val="accent3"/>
-  <a:schemeClr val="accent4"/>
-  <a:schemeClr val="accent5"/>
-  <a:schemeClr val="accent6"/>
-  <cs:variation/>
-  <cs:variation>
-    <a:lumMod val="60000"/>
-  </cs:variation>
-  <cs:variation>
-    <a:lumMod val="80000"/>
-    <a:lumOff val="20000"/>
-  </cs:variation>
-  <cs:variation>
-    <a:lumMod val="80000"/>
-  </cs:variation>
-  <cs:variation>
-    <a:lumMod val="60000"/>
-    <a:lumOff val="40000"/>
-  </cs:variation>
-  <cs:variation>
-    <a:lumMod val="50000"/>
-  </cs:variation>
-  <cs:variation>
-    <a:lumMod val="70000"/>
-    <a:lumOff val="30000"/>
-  </cs:variation>
-  <cs:variation>
-    <a:lumMod val="70000"/>
-  </cs:variation>
-  <cs:variation>
-    <a:lumMod val="50000"/>
-    <a:lumOff val="50000"/>
-  </cs:variation>
-</cs:colorStyle>
-</file>
-
-<file path=ppt/charts/style1.xml><?xml version="1.0" encoding="utf-8"?>
-<cs:chartStyle xmlns:cs="http://schemas.microsoft.com/office/drawing/2012/chartStyle" xmlns:a="http://schemas.openxmlformats.org/drawingml/2006/main" id="253">
-  <cs:axisTitle>
-    <cs:lnRef idx="0"/>
-    <cs:fillRef idx="0"/>
-    <cs:effectRef idx="0"/>
-    <cs:fontRef idx="minor">
-      <a:schemeClr val="dk1">
-        <a:lumMod val="75000"/>
-        <a:lumOff val="25000"/>
-      </a:schemeClr>
-    </cs:fontRef>
-    <cs:defRPr sz="1197" b="1" kern="1200"/>
-  </cs:axisTitle>
-  <cs:categoryAxis>
-    <cs:lnRef idx="0"/>
-    <cs:fillRef idx="0"/>
-    <cs:effectRef idx="0"/>
-    <cs:fontRef idx="minor">
-      <a:schemeClr val="dk1">
-        <a:lumMod val="75000"/>
-        <a:lumOff val="25000"/>
-      </a:schemeClr>
-    </cs:fontRef>
-    <cs:spPr>
-      <a:ln w="19050" cap="flat" cmpd="sng" algn="ctr">
-        <a:solidFill>
-          <a:schemeClr val="dk1">
-            <a:lumMod val="75000"/>
-            <a:lumOff val="25000"/>
-          </a:schemeClr>
-        </a:solidFill>
-        <a:round/>
-      </a:ln>
-    </cs:spPr>
-    <cs:defRPr sz="1197" kern="1200" cap="all" baseline="0"/>
-  </cs:categoryAxis>
-  <cs:chartArea>
-    <cs:lnRef idx="0"/>
-    <cs:fillRef idx="0"/>
-    <cs:effectRef idx="0"/>
-    <cs:fontRef idx="minor">
-      <a:schemeClr val="dk1"/>
-    </cs:fontRef>
-    <cs:spPr>
-      <a:gradFill flip="none" rotWithShape="1">
-        <a:gsLst>
-          <a:gs pos="0">
-            <a:schemeClr val="lt1"/>
-          </a:gs>
-          <a:gs pos="39000">
-            <a:schemeClr val="lt1"/>
-          </a:gs>
-          <a:gs pos="100000">
-            <a:schemeClr val="lt1">
-              <a:lumMod val="75000"/>
-            </a:schemeClr>
-          </a:gs>
-        </a:gsLst>
-        <a:path path="circle">
-          <a:fillToRect l="50000" t="-80000" r="50000" b="180000"/>
-        </a:path>
-        <a:tileRect/>
-      </a:gradFill>
-      <a:ln w="9525" cap="flat" cmpd="sng" algn="ctr">
-        <a:solidFill>
-          <a:schemeClr val="dk1">
-            <a:lumMod val="25000"/>
-            <a:lumOff val="75000"/>
-          </a:schemeClr>
-        </a:solidFill>
-        <a:round/>
-      </a:ln>
-    </cs:spPr>
-    <cs:defRPr sz="1197" kern="1200"/>
-  </cs:chartArea>
-  <cs:dataLabel>
-    <cs:lnRef idx="0"/>
-    <cs:fillRef idx="0"/>
-    <cs:effectRef idx="0"/>
-    <cs:fontRef idx="minor">
-      <a:schemeClr val="lt1"/>
-    </cs:fontRef>
-    <cs:spPr>
-      <a:pattFill prst="pct75">
-        <a:fgClr>
-          <a:schemeClr val="dk1">
-            <a:lumMod val="75000"/>
-            <a:lumOff val="25000"/>
-          </a:schemeClr>
-        </a:fgClr>
-        <a:bgClr>
-          <a:schemeClr val="dk1">
-            <a:lumMod val="65000"/>
-            <a:lumOff val="35000"/>
-          </a:schemeClr>
-        </a:bgClr>
-      </a:pattFill>
-      <a:effectLst>
-        <a:outerShdw blurRad="50800" dist="38100" dir="2700000" algn="tl" rotWithShape="0">
-          <a:prstClr val="black">
-            <a:alpha val="40000"/>
-          </a:prstClr>
-        </a:outerShdw>
-      </a:effectLst>
-    </cs:spPr>
-    <cs:defRPr sz="1330" b="1" i="0" u="none" strike="noStrike" kern="1200" baseline="0"/>
-  </cs:dataLabel>
-  <cs:dataLabelCallout>
-    <cs:lnRef idx="0"/>
-    <cs:fillRef idx="0"/>
-    <cs:effectRef idx="0"/>
-    <cs:fontRef idx="minor">
-      <a:schemeClr val="lt1"/>
-    </cs:fontRef>
-    <cs:spPr>
-      <a:pattFill prst="pct75">
-        <a:fgClr>
-          <a:schemeClr val="dk1">
-            <a:lumMod val="75000"/>
-            <a:lumOff val="25000"/>
-          </a:schemeClr>
-        </a:fgClr>
-        <a:bgClr>
-          <a:schemeClr val="dk1">
-            <a:lumMod val="65000"/>
-            <a:lumOff val="35000"/>
-          </a:schemeClr>
-        </a:bgClr>
-      </a:pattFill>
-      <a:effectLst>
-        <a:outerShdw blurRad="50800" dist="38100" dir="2700000" algn="tl" rotWithShape="0">
-          <a:prstClr val="black">
-            <a:alpha val="40000"/>
-          </a:prstClr>
-        </a:outerShdw>
-      </a:effectLst>
-    </cs:spPr>
-    <cs:defRPr sz="1330" b="1" i="0" u="none" strike="noStrike" kern="1200" baseline="0"/>
-    <cs:bodyPr rot="0" spcFirstLastPara="1" vertOverflow="clip" horzOverflow="clip" vert="horz" wrap="square" lIns="36576" tIns="18288" rIns="36576" bIns="18288" anchor="ctr" anchorCtr="1">
-      <a:spAutoFit/>
-    </cs:bodyPr>
-  </cs:dataLabelCallout>
-  <cs:dataPoint>
-    <cs:lnRef idx="0"/>
-    <cs:fillRef idx="0">
-      <cs:styleClr val="auto"/>
-    </cs:fillRef>
-    <cs:effectRef idx="0"/>
-    <cs:fontRef idx="minor">
-      <a:schemeClr val="dk1"/>
-    </cs:fontRef>
-    <cs:spPr>
-      <a:solidFill>
-        <a:schemeClr val="phClr"/>
-      </a:solidFill>
-      <a:effectLst>
-        <a:outerShdw blurRad="254000" sx="102000" sy="102000" algn="ctr" rotWithShape="0">
-          <a:prstClr val="black">
-            <a:alpha val="20000"/>
-          </a:prstClr>
-        </a:outerShdw>
-      </a:effectLst>
-    </cs:spPr>
-  </cs:dataPoint>
-  <cs:dataPoint3D>
-    <cs:lnRef idx="0"/>
-    <cs:fillRef idx="0">
-      <cs:styleClr val="auto"/>
-    </cs:fillRef>
-    <cs:effectRef idx="0"/>
-    <cs:fontRef idx="minor">
-      <a:schemeClr val="dk1"/>
-    </cs:fontRef>
-    <cs:spPr>
-      <a:solidFill>
-        <a:schemeClr val="phClr"/>
-      </a:solidFill>
-      <a:effectLst>
-        <a:outerShdw blurRad="254000" sx="102000" sy="102000" algn="ctr" rotWithShape="0">
-          <a:prstClr val="black">
-            <a:alpha val="20000"/>
-          </a:prstClr>
-        </a:outerShdw>
-      </a:effectLst>
-    </cs:spPr>
-  </cs:dataPoint3D>
-  <cs:dataPointLine>
-    <cs:lnRef idx="0">
-      <cs:styleClr val="auto"/>
-    </cs:lnRef>
-    <cs:fillRef idx="0"/>
-    <cs:effectRef idx="0"/>
-    <cs:fontRef idx="minor">
-      <a:schemeClr val="dk1"/>
-    </cs:fontRef>
-    <cs:spPr>
-      <a:ln w="31750" cap="rnd">
-        <a:solidFill>
-          <a:schemeClr val="phClr">
-            <a:alpha val="85000"/>
-          </a:schemeClr>
-        </a:solidFill>
-        <a:round/>
-      </a:ln>
-    </cs:spPr>
-  </cs:dataPointLine>
-  <cs:dataPointMarker>
-    <cs:lnRef idx="0"/>
-    <cs:fillRef idx="0">
-      <cs:styleClr val="auto"/>
-    </cs:fillRef>
-    <cs:effectRef idx="0"/>
-    <cs:fontRef idx="minor">
-      <a:schemeClr val="dk1"/>
-    </cs:fontRef>
-    <cs:spPr>
-      <a:solidFill>
-        <a:schemeClr val="phClr">
-          <a:alpha val="85000"/>
-        </a:schemeClr>
-      </a:solidFill>
-    </cs:spPr>
-  </cs:dataPointMarker>
-  <cs:dataPointMarkerLayout symbol="circle" size="6"/>
-  <cs:dataPointWireframe>
-    <cs:lnRef idx="0">
-      <cs:styleClr val="auto"/>
-    </cs:lnRef>
-    <cs:fillRef idx="0"/>
-    <cs:effectRef idx="0"/>
-    <cs:fontRef idx="minor">
-      <a:schemeClr val="dk1"/>
-    </cs:fontRef>
-    <cs:spPr>
-      <a:ln w="9525" cap="rnd">
-        <a:solidFill>
-          <a:schemeClr val="phClr"/>
-        </a:solidFill>
-        <a:round/>
-      </a:ln>
-    </cs:spPr>
-  </cs:dataPointWireframe>
-  <cs:dataTable>
-    <cs:lnRef idx="0"/>
-    <cs:fillRef idx="0"/>
-    <cs:effectRef idx="0"/>
-    <cs:fontRef idx="minor">
-      <a:schemeClr val="dk1">
-        <a:lumMod val="75000"/>
-        <a:lumOff val="25000"/>
-      </a:schemeClr>
-    </cs:fontRef>
-    <cs:spPr>
-      <a:ln w="9525">
-        <a:solidFill>
-          <a:schemeClr val="dk1">
-            <a:lumMod val="35000"/>
-            <a:lumOff val="65000"/>
-          </a:schemeClr>
-        </a:solidFill>
-      </a:ln>
-    </cs:spPr>
-    <cs:defRPr sz="1197" kern="1200"/>
-  </cs:dataTable>
-  <cs:downBar>
-    <cs:lnRef idx="0"/>
-    <cs:fillRef idx="0"/>
-    <cs:effectRef idx="0"/>
-    <cs:fontRef idx="minor">
-      <a:schemeClr val="dk1"/>
-    </cs:fontRef>
-    <cs:spPr>
-      <a:solidFill>
-        <a:schemeClr val="dk1">
-          <a:lumMod val="50000"/>
-          <a:lumOff val="50000"/>
-        </a:schemeClr>
-      </a:solidFill>
-      <a:ln w="9525">
-        <a:solidFill>
-          <a:schemeClr val="dk1">
-            <a:lumMod val="65000"/>
-            <a:lumOff val="35000"/>
-          </a:schemeClr>
-        </a:solidFill>
-      </a:ln>
-    </cs:spPr>
-  </cs:downBar>
-  <cs:dropLine>
-    <cs:lnRef idx="0"/>
-    <cs:fillRef idx="0"/>
-    <cs:effectRef idx="0"/>
-    <cs:fontRef idx="minor">
-      <a:schemeClr val="dk1"/>
-    </cs:fontRef>
-    <cs:spPr>
-      <a:ln w="9525">
-        <a:solidFill>
-          <a:schemeClr val="dk1">
-            <a:lumMod val="35000"/>
-            <a:lumOff val="65000"/>
-          </a:schemeClr>
-        </a:solidFill>
-        <a:prstDash val="dash"/>
-      </a:ln>
-    </cs:spPr>
-  </cs:dropLine>
-  <cs:errorBar>
-    <cs:lnRef idx="0"/>
-    <cs:fillRef idx="0"/>
-    <cs:effectRef idx="0"/>
-    <cs:fontRef idx="minor">
-      <a:schemeClr val="dk1"/>
-    </cs:fontRef>
-    <cs:spPr>
-      <a:ln w="9525">
-        <a:solidFill>
-          <a:schemeClr val="dk1">
-            <a:lumMod val="65000"/>
-            <a:lumOff val="35000"/>
-          </a:schemeClr>
-        </a:solidFill>
-        <a:round/>
-      </a:ln>
-    </cs:spPr>
-  </cs:errorBar>
-  <cs:floor>
-    <cs:lnRef idx="0"/>
-    <cs:fillRef idx="0"/>
-    <cs:effectRef idx="0"/>
-    <cs:fontRef idx="minor">
-      <a:schemeClr val="dk1"/>
-    </cs:fontRef>
-  </cs:floor>
-  <cs:gridlineMajor>
-    <cs:lnRef idx="0"/>
-    <cs:fillRef idx="0"/>
-    <cs:effectRef idx="0"/>
-    <cs:fontRef idx="minor">
-      <a:schemeClr val="dk1"/>
-    </cs:fontRef>
-    <cs:spPr>
-      <a:ln w="9525" cap="flat" cmpd="sng" algn="ctr">
-        <a:gradFill>
-          <a:gsLst>
-            <a:gs pos="100000">
-              <a:schemeClr val="dk1">
-                <a:lumMod val="95000"/>
-                <a:lumOff val="5000"/>
-                <a:alpha val="42000"/>
-              </a:schemeClr>
-            </a:gs>
-            <a:gs pos="0">
-              <a:schemeClr val="lt1">
-                <a:lumMod val="75000"/>
-                <a:alpha val="36000"/>
-              </a:schemeClr>
-            </a:gs>
-          </a:gsLst>
-          <a:lin ang="5400000" scaled="0"/>
-        </a:gradFill>
-        <a:round/>
-      </a:ln>
-    </cs:spPr>
-  </cs:gridlineMajor>
-  <cs:gridlineMinor>
-    <cs:lnRef idx="0"/>
-    <cs:fillRef idx="0"/>
-    <cs:effectRef idx="0"/>
-    <cs:fontRef idx="minor">
-      <a:schemeClr val="dk1"/>
-    </cs:fontRef>
-    <cs:spPr>
-      <a:ln>
-        <a:gradFill>
-          <a:gsLst>
-            <a:gs pos="100000">
-              <a:schemeClr val="dk1">
-                <a:lumMod val="95000"/>
-                <a:lumOff val="5000"/>
-                <a:alpha val="42000"/>
-              </a:schemeClr>
-            </a:gs>
-            <a:gs pos="0">
-              <a:schemeClr val="lt1">
-                <a:lumMod val="75000"/>
-                <a:alpha val="36000"/>
-              </a:schemeClr>
-            </a:gs>
-          </a:gsLst>
-          <a:lin ang="5400000" scaled="0"/>
-        </a:gradFill>
-      </a:ln>
-    </cs:spPr>
-  </cs:gridlineMinor>
-  <cs:hiLoLine>
-    <cs:lnRef idx="0"/>
-    <cs:fillRef idx="0"/>
-    <cs:effectRef idx="0"/>
-    <cs:fontRef idx="minor">
-      <a:schemeClr val="dk1"/>
-    </cs:fontRef>
-    <cs:spPr>
-      <a:ln w="9525">
-        <a:solidFill>
-          <a:schemeClr val="dk1">
-            <a:lumMod val="35000"/>
-            <a:lumOff val="65000"/>
-          </a:schemeClr>
-        </a:solidFill>
-        <a:prstDash val="dash"/>
-      </a:ln>
-    </cs:spPr>
-  </cs:hiLoLine>
-  <cs:leaderLine>
-    <cs:lnRef idx="0"/>
-    <cs:fillRef idx="0"/>
-    <cs:effectRef idx="0"/>
-    <cs:fontRef idx="minor">
-      <a:schemeClr val="dk1"/>
-    </cs:fontRef>
-    <cs:spPr>
-      <a:ln w="9525">
-        <a:solidFill>
-          <a:schemeClr val="dk1">
-            <a:lumMod val="50000"/>
-            <a:lumOff val="50000"/>
-          </a:schemeClr>
-        </a:solidFill>
-      </a:ln>
-    </cs:spPr>
-  </cs:leaderLine>
-  <cs:legend>
-    <cs:lnRef idx="0"/>
-    <cs:fillRef idx="0"/>
-    <cs:effectRef idx="0"/>
-    <cs:fontRef idx="minor">
-      <a:schemeClr val="dk1">
-        <a:lumMod val="75000"/>
-        <a:lumOff val="25000"/>
-      </a:schemeClr>
-    </cs:fontRef>
-    <cs:spPr>
-      <a:solidFill>
-        <a:schemeClr val="lt1">
-          <a:lumMod val="95000"/>
-          <a:alpha val="39000"/>
-        </a:schemeClr>
-      </a:solidFill>
-    </cs:spPr>
-    <cs:defRPr sz="1197" kern="1200"/>
-  </cs:legend>
-  <cs:plotArea>
-    <cs:lnRef idx="0"/>
-    <cs:fillRef idx="0"/>
-    <cs:effectRef idx="0"/>
-    <cs:fontRef idx="minor">
-      <a:schemeClr val="dk1"/>
-    </cs:fontRef>
-  </cs:plotArea>
-  <cs:plotArea3D>
-    <cs:lnRef idx="0"/>
-    <cs:fillRef idx="0"/>
-    <cs:effectRef idx="0"/>
-    <cs:fontRef idx="minor">
-      <a:schemeClr val="dk1"/>
-    </cs:fontRef>
-  </cs:plotArea3D>
-  <cs:seriesAxis>
-    <cs:lnRef idx="0"/>
-    <cs:fillRef idx="0"/>
-    <cs:effectRef idx="0"/>
-    <cs:fontRef idx="minor">
-      <a:schemeClr val="dk1">
-        <a:lumMod val="75000"/>
-        <a:lumOff val="25000"/>
-      </a:schemeClr>
-    </cs:fontRef>
-    <cs:spPr>
-      <a:ln w="31750" cap="flat" cmpd="sng" algn="ctr">
-        <a:solidFill>
-          <a:schemeClr val="dk1">
-            <a:lumMod val="75000"/>
-            <a:lumOff val="25000"/>
-          </a:schemeClr>
-        </a:solidFill>
-        <a:round/>
-      </a:ln>
-    </cs:spPr>
-    <cs:defRPr sz="1197" kern="1200"/>
-  </cs:seriesAxis>
-  <cs:seriesLine>
-    <cs:lnRef idx="0"/>
-    <cs:fillRef idx="0"/>
-    <cs:effectRef idx="0"/>
-    <cs:fontRef idx="minor">
-      <a:schemeClr val="dk1"/>
-    </cs:fontRef>
-    <cs:spPr>
-      <a:ln w="9525">
-        <a:solidFill>
-          <a:schemeClr val="dk1">
-            <a:lumMod val="50000"/>
-            <a:lumOff val="50000"/>
-          </a:schemeClr>
-        </a:solidFill>
-        <a:round/>
-      </a:ln>
-    </cs:spPr>
-  </cs:seriesLine>
-  <cs:title>
-    <cs:lnRef idx="0"/>
-    <cs:fillRef idx="0"/>
-    <cs:effectRef idx="0"/>
-    <cs:fontRef idx="minor">
-      <a:schemeClr val="dk1">
-        <a:lumMod val="75000"/>
-        <a:lumOff val="25000"/>
-      </a:schemeClr>
-    </cs:fontRef>
-    <cs:defRPr sz="2200" b="1" kern="1200" baseline="0"/>
-  </cs:title>
-  <cs:trendline>
-    <cs:lnRef idx="0">
-      <cs:styleClr val="auto"/>
-    </cs:lnRef>
-    <cs:fillRef idx="0"/>
-    <cs:effectRef idx="0"/>
-    <cs:fontRef idx="minor">
-      <a:schemeClr val="dk1"/>
-    </cs:fontRef>
-    <cs:spPr>
-      <a:ln w="19050" cap="rnd">
-        <a:solidFill>
-          <a:schemeClr val="phClr"/>
-        </a:solidFill>
-      </a:ln>
-    </cs:spPr>
-  </cs:trendline>
-  <cs:trendlineLabel>
-    <cs:lnRef idx="0"/>
-    <cs:fillRef idx="0"/>
-    <cs:effectRef idx="0"/>
-    <cs:fontRef idx="minor">
-      <a:schemeClr val="dk1">
-        <a:lumMod val="75000"/>
-        <a:lumOff val="25000"/>
-      </a:schemeClr>
-    </cs:fontRef>
-    <cs:defRPr sz="1197" kern="1200"/>
-  </cs:trendlineLabel>
-  <cs:upBar>
-    <cs:lnRef idx="0"/>
-    <cs:fillRef idx="0"/>
-    <cs:effectRef idx="0"/>
-    <cs:fontRef idx="minor">
-      <a:schemeClr val="dk1"/>
-    </cs:fontRef>
-    <cs:spPr>
-      <a:solidFill>
-        <a:schemeClr val="lt1"/>
-      </a:solidFill>
-      <a:ln w="9525">
-        <a:solidFill>
-          <a:schemeClr val="dk1">
-            <a:lumMod val="65000"/>
-            <a:lumOff val="35000"/>
-          </a:schemeClr>
-        </a:solidFill>
-      </a:ln>
-    </cs:spPr>
-  </cs:upBar>
-  <cs:valueAxis>
-    <cs:lnRef idx="0"/>
-    <cs:fillRef idx="0"/>
-    <cs:effectRef idx="0"/>
-    <cs:fontRef idx="minor">
-      <a:schemeClr val="dk1">
-        <a:lumMod val="75000"/>
-        <a:lumOff val="25000"/>
-      </a:schemeClr>
-    </cs:fontRef>
-    <cs:spPr>
-      <a:ln>
-        <a:noFill/>
-      </a:ln>
-    </cs:spPr>
-    <cs:defRPr sz="1197" kern="1200"/>
-  </cs:valueAxis>
-  <cs:wall>
-    <cs:lnRef idx="0"/>
-    <cs:fillRef idx="0"/>
-    <cs:effectRef idx="0"/>
-    <cs:fontRef idx="minor">
-      <a:schemeClr val="dk1"/>
-    </cs:fontRef>
-  </cs:wall>
-</cs:chartStyle>
-</file>
-
 <file path=ppt/notesMasters/notesMaster1.xml><?xml version="1.0" encoding="utf-8"?>
 <p:notesMaster xmlns:a="http://schemas.openxmlformats.org/drawingml/2006/main" xmlns:r="http://schemas.openxmlformats.org/officeDocument/2006/relationships" xmlns:p="http://schemas.openxmlformats.org/presentationml/2006/main">
   <p:cSld>
@@ -1240,7 +205,7 @@
           <a:p>
             <a:fld id="{F058BF6C-206F-4AAE-B98E-F04B0A00992F}" type="datetimeFigureOut">
               <a:rPr kumimoji="1" lang="ja-JP" altLang="en-US" smtClean="0"/>
-              <a:t>2020/6/5</a:t>
+              <a:t>2020/6/25</a:t>
             </a:fld>
             <a:endParaRPr kumimoji="1" lang="ja-JP" altLang="en-US"/>
           </a:p>
@@ -1634,93 +599,6 @@
 </p:notes>
 </file>
 
-<file path=ppt/notesSlides/notesSlide10.xml><?xml version="1.0" encoding="utf-8"?>
-<p:notes xmlns:a="http://schemas.openxmlformats.org/drawingml/2006/main" xmlns:r="http://schemas.openxmlformats.org/officeDocument/2006/relationships" xmlns:p="http://schemas.openxmlformats.org/presentationml/2006/main">
-  <p:cSld>
-    <p:spTree>
-      <p:nvGrpSpPr>
-        <p:cNvPr id="1" name=""/>
-        <p:cNvGrpSpPr/>
-        <p:nvPr/>
-      </p:nvGrpSpPr>
-      <p:grpSpPr>
-        <a:xfrm>
-          <a:off x="0" y="0"/>
-          <a:ext cx="0" cy="0"/>
-          <a:chOff x="0" y="0"/>
-          <a:chExt cx="0" cy="0"/>
-        </a:xfrm>
-      </p:grpSpPr>
-      <p:sp>
-        <p:nvSpPr>
-          <p:cNvPr id="2" name="スライド イメージ プレースホルダー 1"/>
-          <p:cNvSpPr>
-            <a:spLocks noGrp="1" noRot="1" noChangeAspect="1"/>
-          </p:cNvSpPr>
-          <p:nvPr>
-            <p:ph type="sldImg"/>
-          </p:nvPr>
-        </p:nvSpPr>
-        <p:spPr/>
-      </p:sp>
-      <p:sp>
-        <p:nvSpPr>
-          <p:cNvPr id="3" name="ノート プレースホルダー 2"/>
-          <p:cNvSpPr>
-            <a:spLocks noGrp="1"/>
-          </p:cNvSpPr>
-          <p:nvPr>
-            <p:ph type="body" idx="1"/>
-          </p:nvPr>
-        </p:nvSpPr>
-        <p:spPr/>
-        <p:txBody>
-          <a:bodyPr/>
-          <a:lstStyle/>
-          <a:p>
-            <a:r>
-              <a:rPr kumimoji="1" lang="ja-JP" altLang="en-US" dirty="0"/>
-              <a:t>大まかなシステムの流れについて説明を行う。</a:t>
-            </a:r>
-          </a:p>
-        </p:txBody>
-      </p:sp>
-      <p:sp>
-        <p:nvSpPr>
-          <p:cNvPr id="4" name="スライド番号プレースホルダー 3"/>
-          <p:cNvSpPr>
-            <a:spLocks noGrp="1"/>
-          </p:cNvSpPr>
-          <p:nvPr>
-            <p:ph type="sldNum" sz="quarter" idx="5"/>
-          </p:nvPr>
-        </p:nvSpPr>
-        <p:spPr/>
-        <p:txBody>
-          <a:bodyPr/>
-          <a:lstStyle/>
-          <a:p>
-            <a:fld id="{C5F0AAD1-73BA-49F9-B2C5-148F68FD1FEC}" type="slidenum">
-              <a:rPr kumimoji="1" lang="ja-JP" altLang="en-US" smtClean="0"/>
-              <a:t>12</a:t>
-            </a:fld>
-            <a:endParaRPr kumimoji="1" lang="ja-JP" altLang="en-US"/>
-          </a:p>
-        </p:txBody>
-      </p:sp>
-    </p:spTree>
-    <p:extLst>
-      <p:ext uri="{BB962C8B-B14F-4D97-AF65-F5344CB8AC3E}">
-        <p14:creationId xmlns:p14="http://schemas.microsoft.com/office/powerpoint/2010/main" val="1206517289"/>
-      </p:ext>
-    </p:extLst>
-  </p:cSld>
-  <p:clrMapOvr>
-    <a:masterClrMapping/>
-  </p:clrMapOvr>
-</p:notes>
-</file>
-
 <file path=ppt/notesSlides/notesSlide2.xml><?xml version="1.0" encoding="utf-8"?>
 <p:notes xmlns:a="http://schemas.openxmlformats.org/drawingml/2006/main" xmlns:r="http://schemas.openxmlformats.org/officeDocument/2006/relationships" xmlns:p="http://schemas.openxmlformats.org/presentationml/2006/main">
   <p:cSld>
@@ -2261,135 +1139,30 @@
           <a:lstStyle/>
           <a:p>
             <a:r>
-              <a:rPr kumimoji="1" lang="ja-JP" altLang="en-US" sz="1200" kern="1200" dirty="0">
-                <a:solidFill>
-                  <a:schemeClr val="tx1"/>
-                </a:solidFill>
-                <a:effectLst/>
-                <a:latin typeface="+mn-lt"/>
-                <a:ea typeface="+mn-ea"/>
-                <a:cs typeface="+mn-cs"/>
-              </a:rPr>
-              <a:t>・</a:t>
-            </a:r>
-            <a:r>
-              <a:rPr kumimoji="1" lang="ja-JP" altLang="ja-JP" sz="1200" kern="1200" dirty="0">
-                <a:solidFill>
-                  <a:schemeClr val="tx1"/>
-                </a:solidFill>
-                <a:effectLst/>
-                <a:latin typeface="+mn-lt"/>
-                <a:ea typeface="+mn-ea"/>
-                <a:cs typeface="+mn-cs"/>
-              </a:rPr>
-              <a:t>表は家計簿アプリに入力された情報をもとに表示を行</a:t>
-            </a:r>
-            <a:r>
-              <a:rPr kumimoji="1" lang="ja-JP" altLang="en-US" sz="1200" kern="1200" dirty="0">
-                <a:solidFill>
-                  <a:schemeClr val="tx1"/>
-                </a:solidFill>
-                <a:effectLst/>
-                <a:latin typeface="+mn-lt"/>
-                <a:ea typeface="+mn-ea"/>
-                <a:cs typeface="+mn-cs"/>
-              </a:rPr>
-              <a:t>う。</a:t>
-            </a:r>
-            <a:endParaRPr kumimoji="1" lang="en-US" altLang="ja-JP" sz="1200" kern="1200" dirty="0">
-              <a:solidFill>
-                <a:schemeClr val="tx1"/>
-              </a:solidFill>
-              <a:effectLst/>
-              <a:latin typeface="+mn-lt"/>
-              <a:ea typeface="+mn-ea"/>
-              <a:cs typeface="+mn-cs"/>
-            </a:endParaRPr>
-          </a:p>
-          <a:p>
-            <a:r>
-              <a:rPr kumimoji="1" lang="ja-JP" altLang="en-US" sz="1200" kern="1200" dirty="0">
-                <a:solidFill>
-                  <a:schemeClr val="tx1"/>
-                </a:solidFill>
-                <a:effectLst/>
-                <a:latin typeface="+mn-lt"/>
-                <a:ea typeface="+mn-ea"/>
-                <a:cs typeface="+mn-cs"/>
-              </a:rPr>
-              <a:t>・表の表示は</a:t>
-            </a:r>
-            <a:r>
-              <a:rPr kumimoji="1" lang="ja-JP" altLang="ja-JP" sz="1200" kern="1200" dirty="0">
-                <a:solidFill>
-                  <a:schemeClr val="tx1"/>
-                </a:solidFill>
-                <a:effectLst/>
-                <a:latin typeface="+mn-lt"/>
-                <a:ea typeface="+mn-ea"/>
-                <a:cs typeface="+mn-cs"/>
-              </a:rPr>
-              <a:t>日付、出費内容、金額</a:t>
-            </a:r>
-            <a:r>
-              <a:rPr kumimoji="1" lang="ja-JP" altLang="en-US" sz="1200" kern="1200" dirty="0">
-                <a:solidFill>
-                  <a:schemeClr val="tx1"/>
-                </a:solidFill>
-                <a:effectLst/>
-                <a:latin typeface="+mn-lt"/>
-                <a:ea typeface="+mn-ea"/>
-                <a:cs typeface="+mn-cs"/>
-              </a:rPr>
-              <a:t>を年月ごとに分け、合計金額を出したうえで出力する。</a:t>
-            </a:r>
-            <a:endParaRPr kumimoji="1" lang="ja-JP" altLang="ja-JP" sz="1200" kern="1200" dirty="0">
-              <a:solidFill>
-                <a:schemeClr val="tx1"/>
-              </a:solidFill>
-              <a:effectLst/>
-              <a:latin typeface="+mn-lt"/>
-              <a:ea typeface="+mn-ea"/>
-              <a:cs typeface="+mn-cs"/>
-            </a:endParaRPr>
-          </a:p>
-          <a:p>
-            <a:r>
-              <a:rPr kumimoji="1" lang="ja-JP" altLang="ja-JP" sz="1200" kern="1200" dirty="0">
-                <a:solidFill>
-                  <a:schemeClr val="tx1"/>
-                </a:solidFill>
-                <a:effectLst/>
-                <a:latin typeface="+mn-lt"/>
-                <a:ea typeface="+mn-ea"/>
-                <a:cs typeface="+mn-cs"/>
-              </a:rPr>
-              <a:t>・レコード修正・削除を行える。</a:t>
-            </a:r>
-            <a:endParaRPr kumimoji="1" lang="en-US" altLang="ja-JP" sz="1200" kern="1200" dirty="0">
-              <a:solidFill>
-                <a:schemeClr val="tx1"/>
-              </a:solidFill>
-              <a:effectLst/>
-              <a:latin typeface="+mn-lt"/>
-              <a:ea typeface="+mn-ea"/>
-              <a:cs typeface="+mn-cs"/>
-            </a:endParaRPr>
-          </a:p>
-          <a:p>
-            <a:r>
-              <a:rPr kumimoji="1" lang="ja-JP" altLang="en-US" sz="1200" kern="1200" dirty="0">
-                <a:solidFill>
-                  <a:schemeClr val="tx1"/>
-                </a:solidFill>
-                <a:effectLst/>
-                <a:latin typeface="+mn-lt"/>
-                <a:ea typeface="+mn-ea"/>
-                <a:cs typeface="+mn-cs"/>
-              </a:rPr>
-              <a:t>・情報が多くなるほど内容がわかりにくくなる。</a:t>
-            </a:r>
-            <a:endParaRPr kumimoji="1" lang="ja-JP" altLang="en-US" dirty="0"/>
+              <a:rPr kumimoji="1" lang="ja-JP" altLang="en-US" dirty="0"/>
+              <a:t>開発物の主な特徴として</a:t>
+            </a:r>
+            <a:endParaRPr kumimoji="1" lang="en-US" altLang="ja-JP" dirty="0"/>
+          </a:p>
+          <a:p>
+            <a:r>
+              <a:rPr kumimoji="1" lang="ja-JP" altLang="en-US" dirty="0"/>
+              <a:t>・グラフの表示</a:t>
+            </a:r>
+            <a:endParaRPr kumimoji="1" lang="en-US" altLang="ja-JP" dirty="0"/>
+          </a:p>
+          <a:p>
+            <a:r>
+              <a:rPr kumimoji="1" lang="ja-JP" altLang="en-US" dirty="0"/>
+              <a:t>・通知機能</a:t>
+            </a:r>
+            <a:endParaRPr kumimoji="1" lang="en-US" altLang="ja-JP" dirty="0"/>
+          </a:p>
+          <a:p>
+            <a:r>
+              <a:rPr kumimoji="1" lang="ja-JP" altLang="en-US" dirty="0"/>
+              <a:t>などがあげられる</a:t>
+            </a:r>
           </a:p>
         </p:txBody>
       </p:sp>
@@ -2419,7 +1192,7 @@
     </p:spTree>
     <p:extLst>
       <p:ext uri="{BB962C8B-B14F-4D97-AF65-F5344CB8AC3E}">
-        <p14:creationId xmlns:p14="http://schemas.microsoft.com/office/powerpoint/2010/main" val="1442547059"/>
+        <p14:creationId xmlns:p14="http://schemas.microsoft.com/office/powerpoint/2010/main" val="699206462"/>
       </p:ext>
     </p:extLst>
   </p:cSld>
@@ -2474,7 +1247,7 @@
           <a:lstStyle/>
           <a:p>
             <a:r>
-              <a:rPr kumimoji="1" lang="ja-JP" altLang="ja-JP" sz="1200" kern="1200" dirty="0">
+              <a:rPr kumimoji="1" lang="ja-JP" altLang="en-US" sz="1200" kern="1200" dirty="0">
                 <a:solidFill>
                   <a:schemeClr val="tx1"/>
                 </a:solidFill>
@@ -2486,7 +1259,7 @@
               <a:t>・</a:t>
             </a:r>
             <a:r>
-              <a:rPr kumimoji="1" lang="ja-JP" altLang="en-US" sz="1200" kern="1200" dirty="0">
+              <a:rPr kumimoji="1" lang="ja-JP" altLang="ja-JP" sz="1200" kern="1200" dirty="0">
                 <a:solidFill>
                   <a:schemeClr val="tx1"/>
                 </a:solidFill>
@@ -2495,10 +1268,10 @@
                 <a:ea typeface="+mn-ea"/>
                 <a:cs typeface="+mn-cs"/>
               </a:rPr>
-              <a:t>入力された情報を可視化し</a:t>
-            </a:r>
-            <a:r>
-              <a:rPr kumimoji="1" lang="ja-JP" altLang="ja-JP" sz="1200" kern="1200" dirty="0">
+              <a:t>円グラフによって視覚的にわかりや</a:t>
+            </a:r>
+            <a:r>
+              <a:rPr kumimoji="1" lang="ja-JP" altLang="en-US" sz="1200" kern="1200" dirty="0">
                 <a:solidFill>
                   <a:schemeClr val="tx1"/>
                 </a:solidFill>
@@ -2507,8 +1280,19 @@
                 <a:ea typeface="+mn-ea"/>
                 <a:cs typeface="+mn-cs"/>
               </a:rPr>
-              <a:t>、</a:t>
-            </a:r>
+              <a:t>い</a:t>
+            </a:r>
+            <a:endParaRPr kumimoji="1" lang="en-US" altLang="ja-JP" sz="1200" kern="1200" dirty="0">
+              <a:solidFill>
+                <a:schemeClr val="tx1"/>
+              </a:solidFill>
+              <a:effectLst/>
+              <a:latin typeface="+mn-lt"/>
+              <a:ea typeface="+mn-ea"/>
+              <a:cs typeface="+mn-cs"/>
+            </a:endParaRPr>
+          </a:p>
+          <a:p>
             <a:r>
               <a:rPr kumimoji="1" lang="ja-JP" altLang="en-US" sz="1200" kern="1200" dirty="0">
                 <a:solidFill>
@@ -2519,7 +1303,7 @@
                 <a:ea typeface="+mn-ea"/>
                 <a:cs typeface="+mn-cs"/>
               </a:rPr>
-              <a:t>把握できるよう</a:t>
+              <a:t>・</a:t>
             </a:r>
             <a:r>
               <a:rPr kumimoji="1" lang="ja-JP" altLang="ja-JP" sz="1200" kern="1200" dirty="0">
@@ -2531,12 +1315,21 @@
                 <a:ea typeface="+mn-ea"/>
                 <a:cs typeface="+mn-cs"/>
               </a:rPr>
-              <a:t>円グラフの表示を行う。</a:t>
-            </a:r>
-          </a:p>
-          <a:p>
-            <a:r>
-              <a:rPr kumimoji="1" lang="en-US" altLang="ja-JP" sz="1200" kern="1200" dirty="0">
+              <a:t>通知機能によって毎日の家計簿を付けるための機能</a:t>
+            </a:r>
+            <a:endParaRPr kumimoji="1" lang="en-US" altLang="ja-JP" sz="1200" kern="1200" dirty="0">
+              <a:solidFill>
+                <a:schemeClr val="tx1"/>
+              </a:solidFill>
+              <a:effectLst/>
+              <a:latin typeface="+mn-lt"/>
+              <a:ea typeface="+mn-ea"/>
+              <a:cs typeface="+mn-cs"/>
+            </a:endParaRPr>
+          </a:p>
+          <a:p>
+            <a:r>
+              <a:rPr kumimoji="1" lang="ja-JP" altLang="en-US" sz="1200" kern="1200" dirty="0">
                 <a:solidFill>
                   <a:schemeClr val="tx1"/>
                 </a:solidFill>
@@ -2545,7 +1338,7 @@
                 <a:ea typeface="+mn-ea"/>
                 <a:cs typeface="+mn-cs"/>
               </a:rPr>
-              <a:t>	</a:t>
+              <a:t>・</a:t>
             </a:r>
             <a:r>
               <a:rPr kumimoji="1" lang="ja-JP" altLang="ja-JP" sz="1200" kern="1200" dirty="0">
@@ -2557,110 +1350,10 @@
                 <a:ea typeface="+mn-ea"/>
                 <a:cs typeface="+mn-cs"/>
               </a:rPr>
-              <a:t>・食費内容</a:t>
-            </a:r>
-            <a:r>
-              <a:rPr kumimoji="1" lang="ja-JP" altLang="en-US" sz="1200" kern="1200" dirty="0">
-                <a:solidFill>
-                  <a:schemeClr val="tx1"/>
-                </a:solidFill>
-                <a:effectLst/>
-                <a:latin typeface="+mn-lt"/>
-                <a:ea typeface="+mn-ea"/>
-                <a:cs typeface="+mn-cs"/>
-              </a:rPr>
-              <a:t>の割合を</a:t>
-            </a:r>
-            <a:r>
-              <a:rPr kumimoji="1" lang="ja-JP" altLang="ja-JP" sz="1200" kern="1200" dirty="0">
-                <a:solidFill>
-                  <a:schemeClr val="tx1"/>
-                </a:solidFill>
-                <a:effectLst/>
-                <a:latin typeface="+mn-lt"/>
-                <a:ea typeface="+mn-ea"/>
-                <a:cs typeface="+mn-cs"/>
-              </a:rPr>
-              <a:t>表示する</a:t>
-            </a:r>
-          </a:p>
-          <a:p>
-            <a:r>
-              <a:rPr kumimoji="1" lang="en-US" altLang="ja-JP" sz="1200" kern="1200" dirty="0">
-                <a:solidFill>
-                  <a:schemeClr val="tx1"/>
-                </a:solidFill>
-                <a:effectLst/>
-                <a:latin typeface="+mn-lt"/>
-                <a:ea typeface="+mn-ea"/>
-                <a:cs typeface="+mn-cs"/>
-              </a:rPr>
-              <a:t>		</a:t>
-            </a:r>
-            <a:r>
-              <a:rPr kumimoji="1" lang="ja-JP" altLang="ja-JP" sz="1200" kern="1200" dirty="0">
-                <a:solidFill>
-                  <a:schemeClr val="tx1"/>
-                </a:solidFill>
-                <a:effectLst/>
-                <a:latin typeface="+mn-lt"/>
-                <a:ea typeface="+mn-ea"/>
-                <a:cs typeface="+mn-cs"/>
-              </a:rPr>
-              <a:t>・食費</a:t>
-            </a:r>
-          </a:p>
-          <a:p>
-            <a:r>
-              <a:rPr kumimoji="1" lang="en-US" altLang="ja-JP" sz="1200" kern="1200" dirty="0">
-                <a:solidFill>
-                  <a:schemeClr val="tx1"/>
-                </a:solidFill>
-                <a:effectLst/>
-                <a:latin typeface="+mn-lt"/>
-                <a:ea typeface="+mn-ea"/>
-                <a:cs typeface="+mn-cs"/>
-              </a:rPr>
-              <a:t>		</a:t>
-            </a:r>
-            <a:r>
-              <a:rPr kumimoji="1" lang="ja-JP" altLang="ja-JP" sz="1200" kern="1200" dirty="0">
-                <a:solidFill>
-                  <a:schemeClr val="tx1"/>
-                </a:solidFill>
-                <a:effectLst/>
-                <a:latin typeface="+mn-lt"/>
-                <a:ea typeface="+mn-ea"/>
-                <a:cs typeface="+mn-cs"/>
-              </a:rPr>
-              <a:t>・交通費</a:t>
-            </a:r>
-          </a:p>
-          <a:p>
-            <a:r>
-              <a:rPr kumimoji="1" lang="en-US" altLang="ja-JP" sz="1200" kern="1200" dirty="0">
-                <a:solidFill>
-                  <a:schemeClr val="tx1"/>
-                </a:solidFill>
-                <a:effectLst/>
-                <a:latin typeface="+mn-lt"/>
-                <a:ea typeface="+mn-ea"/>
-                <a:cs typeface="+mn-cs"/>
-              </a:rPr>
-              <a:t>		</a:t>
-            </a:r>
-            <a:r>
-              <a:rPr kumimoji="1" lang="ja-JP" altLang="ja-JP" sz="1200" kern="1200" dirty="0">
-                <a:solidFill>
-                  <a:schemeClr val="tx1"/>
-                </a:solidFill>
-                <a:effectLst/>
-                <a:latin typeface="+mn-lt"/>
-                <a:ea typeface="+mn-ea"/>
-                <a:cs typeface="+mn-cs"/>
-              </a:rPr>
-              <a:t>・通信費など</a:t>
-            </a:r>
+              <a:t>ユーザーにとって使いやすい・わかりやすい家計簿アプリの開発を目指していきたいと思います。</a:t>
+            </a:r>
+          </a:p>
+          <a:p>
             <a:endParaRPr kumimoji="1" lang="ja-JP" altLang="en-US" dirty="0"/>
           </a:p>
         </p:txBody>
@@ -2691,7 +1384,7 @@
     </p:spTree>
     <p:extLst>
       <p:ext uri="{BB962C8B-B14F-4D97-AF65-F5344CB8AC3E}">
-        <p14:creationId xmlns:p14="http://schemas.microsoft.com/office/powerpoint/2010/main" val="1933452850"/>
+        <p14:creationId xmlns:p14="http://schemas.microsoft.com/office/powerpoint/2010/main" val="1675948578"/>
       </p:ext>
     </p:extLst>
   </p:cSld>
@@ -2746,254 +1439,30 @@
           <a:lstStyle/>
           <a:p>
             <a:r>
-              <a:rPr kumimoji="1" lang="ja-JP" altLang="en-US" sz="1200" kern="1200" dirty="0">
-                <a:solidFill>
-                  <a:schemeClr val="tx1"/>
-                </a:solidFill>
-                <a:effectLst/>
-                <a:latin typeface="+mn-lt"/>
-                <a:ea typeface="+mn-ea"/>
-                <a:cs typeface="+mn-cs"/>
-              </a:rPr>
-              <a:t>・毎日家計簿を付けると浪費を減らせるが</a:t>
-            </a:r>
-            <a:endParaRPr kumimoji="1" lang="en-US" altLang="ja-JP" sz="1200" kern="1200" dirty="0">
-              <a:solidFill>
-                <a:schemeClr val="tx1"/>
-              </a:solidFill>
-              <a:effectLst/>
-              <a:latin typeface="+mn-lt"/>
-              <a:ea typeface="+mn-ea"/>
-              <a:cs typeface="+mn-cs"/>
-            </a:endParaRPr>
-          </a:p>
-          <a:p>
-            <a:r>
-              <a:rPr kumimoji="1" lang="ja-JP" altLang="en-US" sz="1200" kern="1200" dirty="0">
-                <a:solidFill>
-                  <a:schemeClr val="tx1"/>
-                </a:solidFill>
-                <a:effectLst/>
-                <a:latin typeface="+mn-lt"/>
-                <a:ea typeface="+mn-ea"/>
-                <a:cs typeface="+mn-cs"/>
-              </a:rPr>
-              <a:t>　めんどくさい・忘れるなどの</a:t>
-            </a:r>
-            <a:r>
-              <a:rPr kumimoji="1" lang="ja-JP" altLang="en-US" sz="1200" kern="1200">
-                <a:solidFill>
-                  <a:schemeClr val="tx1"/>
-                </a:solidFill>
-                <a:effectLst/>
-                <a:latin typeface="+mn-lt"/>
-                <a:ea typeface="+mn-ea"/>
-                <a:cs typeface="+mn-cs"/>
-              </a:rPr>
-              <a:t>理由から継続できないユーザー</a:t>
-            </a:r>
-            <a:r>
-              <a:rPr kumimoji="1" lang="ja-JP" altLang="en-US" sz="1200" kern="1200" dirty="0">
-                <a:solidFill>
-                  <a:schemeClr val="tx1"/>
-                </a:solidFill>
-                <a:effectLst/>
-                <a:latin typeface="+mn-lt"/>
-                <a:ea typeface="+mn-ea"/>
-                <a:cs typeface="+mn-cs"/>
-              </a:rPr>
-              <a:t>がいる</a:t>
-            </a:r>
-            <a:endParaRPr kumimoji="1" lang="en-US" altLang="ja-JP" sz="1200" kern="1200" dirty="0">
-              <a:solidFill>
-                <a:schemeClr val="tx1"/>
-              </a:solidFill>
-              <a:effectLst/>
-              <a:latin typeface="+mn-lt"/>
-              <a:ea typeface="+mn-ea"/>
-              <a:cs typeface="+mn-cs"/>
-            </a:endParaRPr>
-          </a:p>
-          <a:p>
-            <a:endParaRPr kumimoji="1" lang="en-US" altLang="ja-JP" sz="1200" kern="1200" dirty="0">
-              <a:solidFill>
-                <a:schemeClr val="tx1"/>
-              </a:solidFill>
-              <a:effectLst/>
-              <a:latin typeface="+mn-lt"/>
-              <a:ea typeface="+mn-ea"/>
-              <a:cs typeface="+mn-cs"/>
-            </a:endParaRPr>
-          </a:p>
-          <a:p>
-            <a:r>
-              <a:rPr kumimoji="1" lang="ja-JP" altLang="en-US" sz="1200" kern="1200" dirty="0">
-                <a:solidFill>
-                  <a:schemeClr val="tx1"/>
-                </a:solidFill>
-                <a:effectLst/>
-                <a:latin typeface="+mn-lt"/>
-                <a:ea typeface="+mn-ea"/>
-                <a:cs typeface="+mn-cs"/>
-              </a:rPr>
-              <a:t>・この問題を解決するために</a:t>
-            </a:r>
-            <a:r>
-              <a:rPr kumimoji="1" lang="ja-JP" altLang="ja-JP" sz="1200" kern="1200" dirty="0">
-                <a:solidFill>
-                  <a:schemeClr val="tx1"/>
-                </a:solidFill>
-                <a:effectLst/>
-                <a:latin typeface="+mn-lt"/>
-                <a:ea typeface="+mn-ea"/>
-                <a:cs typeface="+mn-cs"/>
-              </a:rPr>
-              <a:t>特定時間に</a:t>
-            </a:r>
-            <a:r>
-              <a:rPr kumimoji="1" lang="en-US" altLang="ja-JP" sz="1200" kern="1200" dirty="0">
-                <a:solidFill>
-                  <a:schemeClr val="tx1"/>
-                </a:solidFill>
-                <a:effectLst/>
-                <a:latin typeface="+mn-lt"/>
-                <a:ea typeface="+mn-ea"/>
-                <a:cs typeface="+mn-cs"/>
-              </a:rPr>
-              <a:t>LINE</a:t>
-            </a:r>
-            <a:r>
-              <a:rPr kumimoji="1" lang="ja-JP" altLang="ja-JP" sz="1200" kern="1200" dirty="0">
-                <a:solidFill>
-                  <a:schemeClr val="tx1"/>
-                </a:solidFill>
-                <a:effectLst/>
-                <a:latin typeface="+mn-lt"/>
-                <a:ea typeface="+mn-ea"/>
-                <a:cs typeface="+mn-cs"/>
-              </a:rPr>
-              <a:t>などを使用してログインを促す通知をユーザーに送る</a:t>
-            </a:r>
-            <a:endParaRPr kumimoji="1" lang="en-US" altLang="ja-JP" sz="1200" kern="1200" dirty="0">
-              <a:solidFill>
-                <a:schemeClr val="tx1"/>
-              </a:solidFill>
-              <a:effectLst/>
-              <a:latin typeface="+mn-lt"/>
-              <a:ea typeface="+mn-ea"/>
-              <a:cs typeface="+mn-cs"/>
-            </a:endParaRPr>
-          </a:p>
-          <a:p>
-            <a:r>
-              <a:rPr kumimoji="1" lang="ja-JP" altLang="en-US" sz="1200" kern="1200" dirty="0">
-                <a:solidFill>
-                  <a:schemeClr val="tx1"/>
-                </a:solidFill>
-                <a:effectLst/>
-                <a:latin typeface="+mn-lt"/>
-                <a:ea typeface="+mn-ea"/>
-                <a:cs typeface="+mn-cs"/>
-              </a:rPr>
-              <a:t>・</a:t>
-            </a:r>
-            <a:r>
-              <a:rPr kumimoji="1" lang="en-US" altLang="ja-JP" sz="1200" kern="1200" dirty="0">
-                <a:solidFill>
-                  <a:schemeClr val="tx1"/>
-                </a:solidFill>
-                <a:effectLst/>
-                <a:latin typeface="+mn-lt"/>
-                <a:ea typeface="+mn-ea"/>
-                <a:cs typeface="+mn-cs"/>
-              </a:rPr>
-              <a:t>PC</a:t>
-            </a:r>
-            <a:r>
-              <a:rPr kumimoji="1" lang="ja-JP" altLang="en-US" sz="1200" kern="1200" dirty="0">
-                <a:solidFill>
-                  <a:schemeClr val="tx1"/>
-                </a:solidFill>
-                <a:effectLst/>
-                <a:latin typeface="+mn-lt"/>
-                <a:ea typeface="+mn-ea"/>
-                <a:cs typeface="+mn-cs"/>
-              </a:rPr>
-              <a:t>やスマホに</a:t>
-            </a:r>
-            <a:r>
-              <a:rPr kumimoji="1" lang="en-US" altLang="ja-JP" sz="1200" kern="1200" dirty="0">
-                <a:solidFill>
-                  <a:schemeClr val="tx1"/>
-                </a:solidFill>
-                <a:effectLst/>
-                <a:latin typeface="+mn-lt"/>
-                <a:ea typeface="+mn-ea"/>
-                <a:cs typeface="+mn-cs"/>
-              </a:rPr>
-              <a:t>LINE</a:t>
-            </a:r>
-            <a:r>
-              <a:rPr kumimoji="1" lang="ja-JP" altLang="en-US" sz="1200" kern="1200" dirty="0">
-                <a:solidFill>
-                  <a:schemeClr val="tx1"/>
-                </a:solidFill>
-                <a:effectLst/>
-                <a:latin typeface="+mn-lt"/>
-                <a:ea typeface="+mn-ea"/>
-                <a:cs typeface="+mn-cs"/>
-              </a:rPr>
-              <a:t>を導入していれば利用できる。</a:t>
-            </a:r>
-            <a:endParaRPr kumimoji="1" lang="en-US" altLang="ja-JP" sz="1200" kern="1200" dirty="0">
-              <a:solidFill>
-                <a:schemeClr val="tx1"/>
-              </a:solidFill>
-              <a:effectLst/>
-              <a:latin typeface="+mn-lt"/>
-              <a:ea typeface="+mn-ea"/>
-              <a:cs typeface="+mn-cs"/>
-            </a:endParaRPr>
-          </a:p>
-          <a:p>
-            <a:r>
-              <a:rPr kumimoji="1" lang="ja-JP" altLang="ja-JP" sz="1200" kern="1200" dirty="0">
-                <a:solidFill>
-                  <a:schemeClr val="tx1"/>
-                </a:solidFill>
-                <a:effectLst/>
-                <a:latin typeface="+mn-lt"/>
-                <a:ea typeface="+mn-ea"/>
-                <a:cs typeface="+mn-cs"/>
-              </a:rPr>
-              <a:t>・継続的に家計簿を付ける手助けになる</a:t>
-            </a:r>
-          </a:p>
-          <a:p>
-            <a:r>
-              <a:rPr kumimoji="1" lang="en-US" altLang="ja-JP" sz="1200" kern="1200" dirty="0">
-                <a:solidFill>
-                  <a:schemeClr val="tx1"/>
-                </a:solidFill>
-                <a:effectLst/>
-                <a:latin typeface="+mn-lt"/>
-                <a:ea typeface="+mn-ea"/>
-                <a:cs typeface="+mn-cs"/>
-              </a:rPr>
-              <a:t> </a:t>
-            </a:r>
-            <a:endParaRPr kumimoji="1" lang="ja-JP" altLang="ja-JP" sz="1200" kern="1200" dirty="0">
-              <a:solidFill>
-                <a:schemeClr val="tx1"/>
-              </a:solidFill>
-              <a:effectLst/>
-              <a:latin typeface="+mn-lt"/>
-              <a:ea typeface="+mn-ea"/>
-              <a:cs typeface="+mn-cs"/>
-            </a:endParaRPr>
-          </a:p>
-          <a:p>
-            <a:endParaRPr kumimoji="1" lang="ja-JP" altLang="en-US" dirty="0"/>
+              <a:rPr kumimoji="1" lang="ja-JP" altLang="en-US" dirty="0"/>
+              <a:t>開発物の主な特徴として</a:t>
+            </a:r>
+            <a:endParaRPr kumimoji="1" lang="en-US" altLang="ja-JP" dirty="0"/>
+          </a:p>
+          <a:p>
+            <a:r>
+              <a:rPr kumimoji="1" lang="ja-JP" altLang="en-US" dirty="0"/>
+              <a:t>・グラフの表示</a:t>
+            </a:r>
+            <a:endParaRPr kumimoji="1" lang="en-US" altLang="ja-JP" dirty="0"/>
+          </a:p>
+          <a:p>
+            <a:r>
+              <a:rPr kumimoji="1" lang="ja-JP" altLang="en-US" dirty="0"/>
+              <a:t>・通知機能</a:t>
+            </a:r>
+            <a:endParaRPr kumimoji="1" lang="en-US" altLang="ja-JP" dirty="0"/>
+          </a:p>
+          <a:p>
+            <a:r>
+              <a:rPr kumimoji="1" lang="ja-JP" altLang="en-US" dirty="0"/>
+              <a:t>などがあげられる</a:t>
+            </a:r>
           </a:p>
         </p:txBody>
       </p:sp>
@@ -3023,314 +1492,7 @@
     </p:spTree>
     <p:extLst>
       <p:ext uri="{BB962C8B-B14F-4D97-AF65-F5344CB8AC3E}">
-        <p14:creationId xmlns:p14="http://schemas.microsoft.com/office/powerpoint/2010/main" val="3631216687"/>
-      </p:ext>
-    </p:extLst>
-  </p:cSld>
-  <p:clrMapOvr>
-    <a:masterClrMapping/>
-  </p:clrMapOvr>
-</p:notes>
-</file>
-
-<file path=ppt/notesSlides/notesSlide8.xml><?xml version="1.0" encoding="utf-8"?>
-<p:notes xmlns:a="http://schemas.openxmlformats.org/drawingml/2006/main" xmlns:r="http://schemas.openxmlformats.org/officeDocument/2006/relationships" xmlns:p="http://schemas.openxmlformats.org/presentationml/2006/main">
-  <p:cSld>
-    <p:spTree>
-      <p:nvGrpSpPr>
-        <p:cNvPr id="1" name=""/>
-        <p:cNvGrpSpPr/>
-        <p:nvPr/>
-      </p:nvGrpSpPr>
-      <p:grpSpPr>
-        <a:xfrm>
-          <a:off x="0" y="0"/>
-          <a:ext cx="0" cy="0"/>
-          <a:chOff x="0" y="0"/>
-          <a:chExt cx="0" cy="0"/>
-        </a:xfrm>
-      </p:grpSpPr>
-      <p:sp>
-        <p:nvSpPr>
-          <p:cNvPr id="2" name="スライド イメージ プレースホルダー 1"/>
-          <p:cNvSpPr>
-            <a:spLocks noGrp="1" noRot="1" noChangeAspect="1"/>
-          </p:cNvSpPr>
-          <p:nvPr>
-            <p:ph type="sldImg"/>
-          </p:nvPr>
-        </p:nvSpPr>
-        <p:spPr/>
-      </p:sp>
-      <p:sp>
-        <p:nvSpPr>
-          <p:cNvPr id="3" name="ノート プレースホルダー 2"/>
-          <p:cNvSpPr>
-            <a:spLocks noGrp="1"/>
-          </p:cNvSpPr>
-          <p:nvPr>
-            <p:ph type="body" idx="1"/>
-          </p:nvPr>
-        </p:nvSpPr>
-        <p:spPr/>
-        <p:txBody>
-          <a:bodyPr/>
-          <a:lstStyle/>
-          <a:p>
-            <a:r>
-              <a:rPr kumimoji="1" lang="ja-JP" altLang="en-US" sz="1200" kern="1200" dirty="0">
-                <a:solidFill>
-                  <a:schemeClr val="tx1"/>
-                </a:solidFill>
-                <a:effectLst/>
-                <a:latin typeface="+mn-lt"/>
-                <a:ea typeface="+mn-ea"/>
-                <a:cs typeface="+mn-cs"/>
-              </a:rPr>
-              <a:t>・</a:t>
-            </a:r>
-            <a:r>
-              <a:rPr kumimoji="1" lang="ja-JP" altLang="ja-JP" sz="1200" kern="1200" dirty="0">
-                <a:solidFill>
-                  <a:schemeClr val="tx1"/>
-                </a:solidFill>
-                <a:effectLst/>
-                <a:latin typeface="+mn-lt"/>
-                <a:ea typeface="+mn-ea"/>
-                <a:cs typeface="+mn-cs"/>
-              </a:rPr>
-              <a:t>円グラフによって視覚的にわかりや</a:t>
-            </a:r>
-            <a:r>
-              <a:rPr kumimoji="1" lang="ja-JP" altLang="en-US" sz="1200" kern="1200" dirty="0">
-                <a:solidFill>
-                  <a:schemeClr val="tx1"/>
-                </a:solidFill>
-                <a:effectLst/>
-                <a:latin typeface="+mn-lt"/>
-                <a:ea typeface="+mn-ea"/>
-                <a:cs typeface="+mn-cs"/>
-              </a:rPr>
-              <a:t>い</a:t>
-            </a:r>
-            <a:endParaRPr kumimoji="1" lang="en-US" altLang="ja-JP" sz="1200" kern="1200" dirty="0">
-              <a:solidFill>
-                <a:schemeClr val="tx1"/>
-              </a:solidFill>
-              <a:effectLst/>
-              <a:latin typeface="+mn-lt"/>
-              <a:ea typeface="+mn-ea"/>
-              <a:cs typeface="+mn-cs"/>
-            </a:endParaRPr>
-          </a:p>
-          <a:p>
-            <a:r>
-              <a:rPr kumimoji="1" lang="ja-JP" altLang="en-US" sz="1200" kern="1200" dirty="0">
-                <a:solidFill>
-                  <a:schemeClr val="tx1"/>
-                </a:solidFill>
-                <a:effectLst/>
-                <a:latin typeface="+mn-lt"/>
-                <a:ea typeface="+mn-ea"/>
-                <a:cs typeface="+mn-cs"/>
-              </a:rPr>
-              <a:t>・</a:t>
-            </a:r>
-            <a:r>
-              <a:rPr kumimoji="1" lang="ja-JP" altLang="ja-JP" sz="1200" kern="1200" dirty="0">
-                <a:solidFill>
-                  <a:schemeClr val="tx1"/>
-                </a:solidFill>
-                <a:effectLst/>
-                <a:latin typeface="+mn-lt"/>
-                <a:ea typeface="+mn-ea"/>
-                <a:cs typeface="+mn-cs"/>
-              </a:rPr>
-              <a:t>通知機能によって毎日の家計簿を付けるための機能</a:t>
-            </a:r>
-            <a:endParaRPr kumimoji="1" lang="en-US" altLang="ja-JP" sz="1200" kern="1200" dirty="0">
-              <a:solidFill>
-                <a:schemeClr val="tx1"/>
-              </a:solidFill>
-              <a:effectLst/>
-              <a:latin typeface="+mn-lt"/>
-              <a:ea typeface="+mn-ea"/>
-              <a:cs typeface="+mn-cs"/>
-            </a:endParaRPr>
-          </a:p>
-          <a:p>
-            <a:r>
-              <a:rPr kumimoji="1" lang="ja-JP" altLang="en-US" sz="1200" kern="1200" dirty="0">
-                <a:solidFill>
-                  <a:schemeClr val="tx1"/>
-                </a:solidFill>
-                <a:effectLst/>
-                <a:latin typeface="+mn-lt"/>
-                <a:ea typeface="+mn-ea"/>
-                <a:cs typeface="+mn-cs"/>
-              </a:rPr>
-              <a:t>・</a:t>
-            </a:r>
-            <a:r>
-              <a:rPr kumimoji="1" lang="ja-JP" altLang="ja-JP" sz="1200" kern="1200" dirty="0">
-                <a:solidFill>
-                  <a:schemeClr val="tx1"/>
-                </a:solidFill>
-                <a:effectLst/>
-                <a:latin typeface="+mn-lt"/>
-                <a:ea typeface="+mn-ea"/>
-                <a:cs typeface="+mn-cs"/>
-              </a:rPr>
-              <a:t>ユーザーにとって使いやすい・わかりやすい家計簿アプリの開発を目指していきたいと思います。</a:t>
-            </a:r>
-          </a:p>
-          <a:p>
-            <a:endParaRPr kumimoji="1" lang="ja-JP" altLang="en-US" dirty="0"/>
-          </a:p>
-        </p:txBody>
-      </p:sp>
-      <p:sp>
-        <p:nvSpPr>
-          <p:cNvPr id="4" name="スライド番号プレースホルダー 3"/>
-          <p:cNvSpPr>
-            <a:spLocks noGrp="1"/>
-          </p:cNvSpPr>
-          <p:nvPr>
-            <p:ph type="sldNum" sz="quarter" idx="5"/>
-          </p:nvPr>
-        </p:nvSpPr>
-        <p:spPr/>
-        <p:txBody>
-          <a:bodyPr/>
-          <a:lstStyle/>
-          <a:p>
-            <a:fld id="{C5F0AAD1-73BA-49F9-B2C5-148F68FD1FEC}" type="slidenum">
-              <a:rPr kumimoji="1" lang="ja-JP" altLang="en-US" smtClean="0"/>
-              <a:t>9</a:t>
-            </a:fld>
-            <a:endParaRPr kumimoji="1" lang="ja-JP" altLang="en-US"/>
-          </a:p>
-        </p:txBody>
-      </p:sp>
-    </p:spTree>
-    <p:extLst>
-      <p:ext uri="{BB962C8B-B14F-4D97-AF65-F5344CB8AC3E}">
-        <p14:creationId xmlns:p14="http://schemas.microsoft.com/office/powerpoint/2010/main" val="1675948578"/>
-      </p:ext>
-    </p:extLst>
-  </p:cSld>
-  <p:clrMapOvr>
-    <a:masterClrMapping/>
-  </p:clrMapOvr>
-</p:notes>
-</file>
-
-<file path=ppt/notesSlides/notesSlide9.xml><?xml version="1.0" encoding="utf-8"?>
-<p:notes xmlns:a="http://schemas.openxmlformats.org/drawingml/2006/main" xmlns:r="http://schemas.openxmlformats.org/officeDocument/2006/relationships" xmlns:p="http://schemas.openxmlformats.org/presentationml/2006/main">
-  <p:cSld>
-    <p:spTree>
-      <p:nvGrpSpPr>
-        <p:cNvPr id="1" name=""/>
-        <p:cNvGrpSpPr/>
-        <p:nvPr/>
-      </p:nvGrpSpPr>
-      <p:grpSpPr>
-        <a:xfrm>
-          <a:off x="0" y="0"/>
-          <a:ext cx="0" cy="0"/>
-          <a:chOff x="0" y="0"/>
-          <a:chExt cx="0" cy="0"/>
-        </a:xfrm>
-      </p:grpSpPr>
-      <p:sp>
-        <p:nvSpPr>
-          <p:cNvPr id="2" name="スライド イメージ プレースホルダー 1"/>
-          <p:cNvSpPr>
-            <a:spLocks noGrp="1" noRot="1" noChangeAspect="1"/>
-          </p:cNvSpPr>
-          <p:nvPr>
-            <p:ph type="sldImg"/>
-          </p:nvPr>
-        </p:nvSpPr>
-        <p:spPr/>
-      </p:sp>
-      <p:sp>
-        <p:nvSpPr>
-          <p:cNvPr id="3" name="ノート プレースホルダー 2"/>
-          <p:cNvSpPr>
-            <a:spLocks noGrp="1"/>
-          </p:cNvSpPr>
-          <p:nvPr>
-            <p:ph type="body" idx="1"/>
-          </p:nvPr>
-        </p:nvSpPr>
-        <p:spPr/>
-        <p:txBody>
-          <a:bodyPr/>
-          <a:lstStyle/>
-          <a:p>
-            <a:r>
-              <a:rPr lang="ja-JP" altLang="en-US" sz="1200" dirty="0">
-                <a:solidFill>
-                  <a:schemeClr val="tx1"/>
-                </a:solidFill>
-                <a:latin typeface="メイリオ" panose="020B0604030504040204" pitchFamily="50" charset="-128"/>
-                <a:ea typeface="メイリオ" panose="020B0604030504040204" pitchFamily="50" charset="-128"/>
-              </a:rPr>
-              <a:t>ユーザが使いやすい</a:t>
-            </a:r>
-            <a:endParaRPr lang="en-US" altLang="ja-JP" sz="1200" dirty="0">
-              <a:solidFill>
-                <a:schemeClr val="tx1"/>
-              </a:solidFill>
-              <a:latin typeface="メイリオ" panose="020B0604030504040204" pitchFamily="50" charset="-128"/>
-              <a:ea typeface="メイリオ" panose="020B0604030504040204" pitchFamily="50" charset="-128"/>
-            </a:endParaRPr>
-          </a:p>
-          <a:p>
-            <a:r>
-              <a:rPr lang="ja-JP" altLang="en-US" sz="1200" dirty="0">
-                <a:solidFill>
-                  <a:schemeClr val="tx1"/>
-                </a:solidFill>
-                <a:latin typeface="メイリオ" panose="020B0604030504040204" pitchFamily="50" charset="-128"/>
-                <a:ea typeface="メイリオ" panose="020B0604030504040204" pitchFamily="50" charset="-128"/>
-              </a:rPr>
-              <a:t>家計簿アプリの作成を目指す</a:t>
-            </a:r>
-          </a:p>
-          <a:p>
-            <a:endParaRPr kumimoji="1" lang="ja-JP" altLang="en-US" dirty="0"/>
-          </a:p>
-        </p:txBody>
-      </p:sp>
-      <p:sp>
-        <p:nvSpPr>
-          <p:cNvPr id="4" name="スライド番号プレースホルダー 3"/>
-          <p:cNvSpPr>
-            <a:spLocks noGrp="1"/>
-          </p:cNvSpPr>
-          <p:nvPr>
-            <p:ph type="sldNum" sz="quarter" idx="5"/>
-          </p:nvPr>
-        </p:nvSpPr>
-        <p:spPr/>
-        <p:txBody>
-          <a:bodyPr/>
-          <a:lstStyle/>
-          <a:p>
-            <a:fld id="{C5F0AAD1-73BA-49F9-B2C5-148F68FD1FEC}" type="slidenum">
-              <a:rPr kumimoji="1" lang="ja-JP" altLang="en-US" smtClean="0"/>
-              <a:t>11</a:t>
-            </a:fld>
-            <a:endParaRPr kumimoji="1" lang="ja-JP" altLang="en-US"/>
-          </a:p>
-        </p:txBody>
-      </p:sp>
-    </p:spTree>
-    <p:extLst>
-      <p:ext uri="{BB962C8B-B14F-4D97-AF65-F5344CB8AC3E}">
-        <p14:creationId xmlns:p14="http://schemas.microsoft.com/office/powerpoint/2010/main" val="86249045"/>
+        <p14:creationId xmlns:p14="http://schemas.microsoft.com/office/powerpoint/2010/main" val="1500310010"/>
       </p:ext>
     </p:extLst>
   </p:cSld>
@@ -3479,7 +1641,7 @@
           <a:p>
             <a:fld id="{05EA5B4D-3085-4260-9D17-3A6C004E7E0F}" type="datetimeFigureOut">
               <a:rPr kumimoji="1" lang="ja-JP" altLang="en-US" smtClean="0"/>
-              <a:t>2020/6/5</a:t>
+              <a:t>2020/6/25</a:t>
             </a:fld>
             <a:endParaRPr kumimoji="1" lang="ja-JP" altLang="en-US"/>
           </a:p>
@@ -3722,7 +1884,7 @@
           <a:p>
             <a:fld id="{05EA5B4D-3085-4260-9D17-3A6C004E7E0F}" type="datetimeFigureOut">
               <a:rPr kumimoji="1" lang="ja-JP" altLang="en-US" smtClean="0"/>
-              <a:t>2020/6/5</a:t>
+              <a:t>2020/6/25</a:t>
             </a:fld>
             <a:endParaRPr kumimoji="1" lang="ja-JP" altLang="en-US"/>
           </a:p>
@@ -3969,7 +2131,7 @@
           <a:p>
             <a:fld id="{05EA5B4D-3085-4260-9D17-3A6C004E7E0F}" type="datetimeFigureOut">
               <a:rPr kumimoji="1" lang="ja-JP" altLang="en-US" smtClean="0"/>
-              <a:t>2020/6/5</a:t>
+              <a:t>2020/6/25</a:t>
             </a:fld>
             <a:endParaRPr kumimoji="1" lang="ja-JP" altLang="en-US"/>
           </a:p>
@@ -4202,7 +2364,7 @@
           <a:p>
             <a:fld id="{05EA5B4D-3085-4260-9D17-3A6C004E7E0F}" type="datetimeFigureOut">
               <a:rPr kumimoji="1" lang="ja-JP" altLang="en-US" smtClean="0"/>
-              <a:t>2020/6/5</a:t>
+              <a:t>2020/6/25</a:t>
             </a:fld>
             <a:endParaRPr kumimoji="1" lang="ja-JP" altLang="en-US"/>
           </a:p>
@@ -4481,7 +2643,7 @@
           <a:p>
             <a:fld id="{05EA5B4D-3085-4260-9D17-3A6C004E7E0F}" type="datetimeFigureOut">
               <a:rPr kumimoji="1" lang="ja-JP" altLang="en-US" smtClean="0"/>
-              <a:t>2020/6/5</a:t>
+              <a:t>2020/6/25</a:t>
             </a:fld>
             <a:endParaRPr kumimoji="1" lang="ja-JP" altLang="en-US"/>
           </a:p>
@@ -4813,7 +2975,7 @@
           <a:p>
             <a:fld id="{05EA5B4D-3085-4260-9D17-3A6C004E7E0F}" type="datetimeFigureOut">
               <a:rPr kumimoji="1" lang="ja-JP" altLang="en-US" smtClean="0"/>
-              <a:t>2020/6/5</a:t>
+              <a:t>2020/6/25</a:t>
             </a:fld>
             <a:endParaRPr kumimoji="1" lang="ja-JP" altLang="en-US"/>
           </a:p>
@@ -5293,7 +3455,7 @@
           <a:p>
             <a:fld id="{05EA5B4D-3085-4260-9D17-3A6C004E7E0F}" type="datetimeFigureOut">
               <a:rPr kumimoji="1" lang="ja-JP" altLang="en-US" smtClean="0"/>
-              <a:t>2020/6/5</a:t>
+              <a:t>2020/6/25</a:t>
             </a:fld>
             <a:endParaRPr kumimoji="1" lang="ja-JP" altLang="en-US"/>
           </a:p>
@@ -5442,7 +3604,7 @@
           <a:p>
             <a:fld id="{05EA5B4D-3085-4260-9D17-3A6C004E7E0F}" type="datetimeFigureOut">
               <a:rPr kumimoji="1" lang="ja-JP" altLang="en-US" smtClean="0"/>
-              <a:t>2020/6/5</a:t>
+              <a:t>2020/6/25</a:t>
             </a:fld>
             <a:endParaRPr kumimoji="1" lang="ja-JP" altLang="en-US"/>
           </a:p>
@@ -5568,7 +3730,7 @@
           <a:p>
             <a:fld id="{05EA5B4D-3085-4260-9D17-3A6C004E7E0F}" type="datetimeFigureOut">
               <a:rPr kumimoji="1" lang="ja-JP" altLang="en-US" smtClean="0"/>
-              <a:t>2020/6/5</a:t>
+              <a:t>2020/6/25</a:t>
             </a:fld>
             <a:endParaRPr kumimoji="1" lang="ja-JP" altLang="en-US"/>
           </a:p>
@@ -5851,7 +4013,7 @@
           <a:p>
             <a:fld id="{05EA5B4D-3085-4260-9D17-3A6C004E7E0F}" type="datetimeFigureOut">
               <a:rPr kumimoji="1" lang="ja-JP" altLang="en-US" smtClean="0"/>
-              <a:t>2020/6/5</a:t>
+              <a:t>2020/6/25</a:t>
             </a:fld>
             <a:endParaRPr kumimoji="1" lang="ja-JP" altLang="en-US"/>
           </a:p>
@@ -6296,7 +4458,7 @@
           <a:p>
             <a:fld id="{05EA5B4D-3085-4260-9D17-3A6C004E7E0F}" type="datetimeFigureOut">
               <a:rPr kumimoji="1" lang="ja-JP" altLang="en-US" smtClean="0"/>
-              <a:t>2020/6/5</a:t>
+              <a:t>2020/6/25</a:t>
             </a:fld>
             <a:endParaRPr kumimoji="1" lang="ja-JP" altLang="en-US"/>
           </a:p>
@@ -6655,7 +4817,7 @@
           <a:p>
             <a:fld id="{05EA5B4D-3085-4260-9D17-3A6C004E7E0F}" type="datetimeFigureOut">
               <a:rPr kumimoji="1" lang="ja-JP" altLang="en-US" smtClean="0"/>
-              <a:t>2020/6/5</a:t>
+              <a:t>2020/6/25</a:t>
             </a:fld>
             <a:endParaRPr kumimoji="1" lang="ja-JP" altLang="en-US"/>
           </a:p>
@@ -7249,863 +5411,6 @@
 </p:sld>
 </file>
 
-<file path=ppt/slides/slide10.xml><?xml version="1.0" encoding="utf-8"?>
-<p:sld xmlns:a="http://schemas.openxmlformats.org/drawingml/2006/main" xmlns:r="http://schemas.openxmlformats.org/officeDocument/2006/relationships" xmlns:p="http://schemas.openxmlformats.org/presentationml/2006/main">
-  <p:cSld>
-    <p:spTree>
-      <p:nvGrpSpPr>
-        <p:cNvPr id="1" name=""/>
-        <p:cNvGrpSpPr/>
-        <p:nvPr/>
-      </p:nvGrpSpPr>
-      <p:grpSpPr>
-        <a:xfrm>
-          <a:off x="0" y="0"/>
-          <a:ext cx="0" cy="0"/>
-          <a:chOff x="0" y="0"/>
-          <a:chExt cx="0" cy="0"/>
-        </a:xfrm>
-      </p:grpSpPr>
-      <p:sp>
-        <p:nvSpPr>
-          <p:cNvPr id="2" name="タイトル 1">
-            <a:extLst>
-              <a:ext uri="{FF2B5EF4-FFF2-40B4-BE49-F238E27FC236}">
-                <a16:creationId xmlns:a16="http://schemas.microsoft.com/office/drawing/2014/main" id="{FFABA0C2-B4FA-42D6-8028-545472FA6A61}"/>
-              </a:ext>
-            </a:extLst>
-          </p:cNvPr>
-          <p:cNvSpPr>
-            <a:spLocks noGrp="1"/>
-          </p:cNvSpPr>
-          <p:nvPr>
-            <p:ph type="title"/>
-          </p:nvPr>
-        </p:nvSpPr>
-        <p:spPr>
-          <a:xfrm>
-            <a:off x="906437" y="3298480"/>
-            <a:ext cx="10936111" cy="1325563"/>
-          </a:xfrm>
-        </p:spPr>
-        <p:txBody>
-          <a:bodyPr>
-            <a:normAutofit fontScale="90000"/>
-          </a:bodyPr>
-          <a:lstStyle/>
-          <a:p>
-            <a:r>
-              <a:rPr lang="ja-JP" altLang="en-US" sz="6600" b="1" dirty="0">
-                <a:latin typeface="メイリオ" panose="020B0604030504040204" pitchFamily="50" charset="-128"/>
-                <a:ea typeface="メイリオ" panose="020B0604030504040204" pitchFamily="50" charset="-128"/>
-              </a:rPr>
-              <a:t>ご清聴ありがとうございました</a:t>
-            </a:r>
-            <a:endParaRPr kumimoji="1" lang="ja-JP" altLang="en-US" sz="6600" b="1" dirty="0">
-              <a:latin typeface="メイリオ" panose="020B0604030504040204" pitchFamily="50" charset="-128"/>
-              <a:ea typeface="メイリオ" panose="020B0604030504040204" pitchFamily="50" charset="-128"/>
-            </a:endParaRPr>
-          </a:p>
-        </p:txBody>
-      </p:sp>
-    </p:spTree>
-    <p:extLst>
-      <p:ext uri="{BB962C8B-B14F-4D97-AF65-F5344CB8AC3E}">
-        <p14:creationId xmlns:p14="http://schemas.microsoft.com/office/powerpoint/2010/main" val="930684599"/>
-      </p:ext>
-    </p:extLst>
-  </p:cSld>
-  <p:clrMapOvr>
-    <a:masterClrMapping/>
-  </p:clrMapOvr>
-</p:sld>
-</file>
-
-<file path=ppt/slides/slide11.xml><?xml version="1.0" encoding="utf-8"?>
-<p:sld xmlns:a="http://schemas.openxmlformats.org/drawingml/2006/main" xmlns:r="http://schemas.openxmlformats.org/officeDocument/2006/relationships" xmlns:p="http://schemas.openxmlformats.org/presentationml/2006/main" show="0">
-  <p:cSld>
-    <p:spTree>
-      <p:nvGrpSpPr>
-        <p:cNvPr id="1" name=""/>
-        <p:cNvGrpSpPr/>
-        <p:nvPr/>
-      </p:nvGrpSpPr>
-      <p:grpSpPr>
-        <a:xfrm>
-          <a:off x="0" y="0"/>
-          <a:ext cx="0" cy="0"/>
-          <a:chOff x="0" y="0"/>
-          <a:chExt cx="0" cy="0"/>
-        </a:xfrm>
-      </p:grpSpPr>
-      <p:sp>
-        <p:nvSpPr>
-          <p:cNvPr id="2" name="タイトル 1">
-            <a:extLst>
-              <a:ext uri="{FF2B5EF4-FFF2-40B4-BE49-F238E27FC236}">
-                <a16:creationId xmlns:a16="http://schemas.microsoft.com/office/drawing/2014/main" id="{FFABA0C2-B4FA-42D6-8028-545472FA6A61}"/>
-              </a:ext>
-            </a:extLst>
-          </p:cNvPr>
-          <p:cNvSpPr>
-            <a:spLocks noGrp="1"/>
-          </p:cNvSpPr>
-          <p:nvPr>
-            <p:ph type="title"/>
-          </p:nvPr>
-        </p:nvSpPr>
-        <p:spPr/>
-        <p:txBody>
-          <a:bodyPr>
-            <a:normAutofit/>
-          </a:bodyPr>
-          <a:lstStyle/>
-          <a:p>
-            <a:r>
-              <a:rPr kumimoji="1" lang="ja-JP" altLang="en-US" sz="6600" b="1" dirty="0">
-                <a:latin typeface="メイリオ" panose="020B0604030504040204" pitchFamily="50" charset="-128"/>
-                <a:ea typeface="メイリオ" panose="020B0604030504040204" pitchFamily="50" charset="-128"/>
-              </a:rPr>
-              <a:t>まとめ</a:t>
-            </a:r>
-          </a:p>
-        </p:txBody>
-      </p:sp>
-      <p:sp>
-        <p:nvSpPr>
-          <p:cNvPr id="4" name="テキスト ボックス 3">
-            <a:extLst>
-              <a:ext uri="{FF2B5EF4-FFF2-40B4-BE49-F238E27FC236}">
-                <a16:creationId xmlns:a16="http://schemas.microsoft.com/office/drawing/2014/main" id="{F6B07B36-F475-49AB-98BA-68CEE1A6A6C1}"/>
-              </a:ext>
-            </a:extLst>
-          </p:cNvPr>
-          <p:cNvSpPr txBox="1"/>
-          <p:nvPr/>
-        </p:nvSpPr>
-        <p:spPr>
-          <a:xfrm>
-            <a:off x="1676400" y="2243220"/>
-            <a:ext cx="10515600" cy="1107996"/>
-          </a:xfrm>
-          <a:prstGeom prst="rect">
-            <a:avLst/>
-          </a:prstGeom>
-          <a:noFill/>
-        </p:spPr>
-        <p:txBody>
-          <a:bodyPr wrap="square" rtlCol="0">
-            <a:spAutoFit/>
-          </a:bodyPr>
-          <a:lstStyle/>
-          <a:p>
-            <a:r>
-              <a:rPr kumimoji="1" lang="ja-JP" altLang="en-US" sz="6600" b="1" dirty="0">
-                <a:latin typeface="メイリオ" panose="020B0604030504040204" pitchFamily="50" charset="-128"/>
-                <a:ea typeface="メイリオ" panose="020B0604030504040204" pitchFamily="50" charset="-128"/>
-              </a:rPr>
-              <a:t>ユーザーが使いやすい</a:t>
-            </a:r>
-          </a:p>
-        </p:txBody>
-      </p:sp>
-      <p:sp>
-        <p:nvSpPr>
-          <p:cNvPr id="8" name="テキスト ボックス 7">
-            <a:extLst>
-              <a:ext uri="{FF2B5EF4-FFF2-40B4-BE49-F238E27FC236}">
-                <a16:creationId xmlns:a16="http://schemas.microsoft.com/office/drawing/2014/main" id="{B64809F7-4D2B-46A6-95EA-B1B704123C55}"/>
-              </a:ext>
-            </a:extLst>
-          </p:cNvPr>
-          <p:cNvSpPr txBox="1"/>
-          <p:nvPr/>
-        </p:nvSpPr>
-        <p:spPr>
-          <a:xfrm>
-            <a:off x="1675760" y="3433512"/>
-            <a:ext cx="8840480" cy="1107996"/>
-          </a:xfrm>
-          <a:prstGeom prst="rect">
-            <a:avLst/>
-          </a:prstGeom>
-          <a:noFill/>
-        </p:spPr>
-        <p:txBody>
-          <a:bodyPr wrap="square" rtlCol="0">
-            <a:spAutoFit/>
-          </a:bodyPr>
-          <a:lstStyle/>
-          <a:p>
-            <a:r>
-              <a:rPr kumimoji="1" lang="ja-JP" altLang="en-US" sz="6600" b="1" dirty="0">
-                <a:latin typeface="メイリオ" panose="020B0604030504040204" pitchFamily="50" charset="-128"/>
-                <a:ea typeface="メイリオ" panose="020B0604030504040204" pitchFamily="50" charset="-128"/>
-              </a:rPr>
-              <a:t>家計簿アプリを目指す</a:t>
-            </a:r>
-          </a:p>
-        </p:txBody>
-      </p:sp>
-    </p:spTree>
-    <p:extLst>
-      <p:ext uri="{BB962C8B-B14F-4D97-AF65-F5344CB8AC3E}">
-        <p14:creationId xmlns:p14="http://schemas.microsoft.com/office/powerpoint/2010/main" val="2856672876"/>
-      </p:ext>
-    </p:extLst>
-  </p:cSld>
-  <p:clrMapOvr>
-    <a:masterClrMapping/>
-  </p:clrMapOvr>
-</p:sld>
-</file>
-
-<file path=ppt/slides/slide12.xml><?xml version="1.0" encoding="utf-8"?>
-<p:sld xmlns:a="http://schemas.openxmlformats.org/drawingml/2006/main" xmlns:r="http://schemas.openxmlformats.org/officeDocument/2006/relationships" xmlns:p="http://schemas.openxmlformats.org/presentationml/2006/main" show="0">
-  <p:cSld>
-    <p:spTree>
-      <p:nvGrpSpPr>
-        <p:cNvPr id="1" name=""/>
-        <p:cNvGrpSpPr/>
-        <p:nvPr/>
-      </p:nvGrpSpPr>
-      <p:grpSpPr>
-        <a:xfrm>
-          <a:off x="0" y="0"/>
-          <a:ext cx="0" cy="0"/>
-          <a:chOff x="0" y="0"/>
-          <a:chExt cx="0" cy="0"/>
-        </a:xfrm>
-      </p:grpSpPr>
-      <p:sp>
-        <p:nvSpPr>
-          <p:cNvPr id="2" name="タイトル 1">
-            <a:extLst>
-              <a:ext uri="{FF2B5EF4-FFF2-40B4-BE49-F238E27FC236}">
-                <a16:creationId xmlns:a16="http://schemas.microsoft.com/office/drawing/2014/main" id="{FFABA0C2-B4FA-42D6-8028-545472FA6A61}"/>
-              </a:ext>
-            </a:extLst>
-          </p:cNvPr>
-          <p:cNvSpPr>
-            <a:spLocks noGrp="1"/>
-          </p:cNvSpPr>
-          <p:nvPr>
-            <p:ph type="title"/>
-          </p:nvPr>
-        </p:nvSpPr>
-        <p:spPr/>
-        <p:txBody>
-          <a:bodyPr>
-            <a:normAutofit/>
-          </a:bodyPr>
-          <a:lstStyle/>
-          <a:p>
-            <a:r>
-              <a:rPr kumimoji="1" lang="ja-JP" altLang="en-US" sz="6600" b="1" dirty="0"/>
-              <a:t>システムの流れ図</a:t>
-            </a:r>
-          </a:p>
-        </p:txBody>
-      </p:sp>
-      <p:sp>
-        <p:nvSpPr>
-          <p:cNvPr id="3" name="四角形: 角を丸くする 2">
-            <a:extLst>
-              <a:ext uri="{FF2B5EF4-FFF2-40B4-BE49-F238E27FC236}">
-                <a16:creationId xmlns:a16="http://schemas.microsoft.com/office/drawing/2014/main" id="{74DB3251-5219-46C6-9B9F-7113BDC97138}"/>
-              </a:ext>
-            </a:extLst>
-          </p:cNvPr>
-          <p:cNvSpPr/>
-          <p:nvPr/>
-        </p:nvSpPr>
-        <p:spPr>
-          <a:xfrm>
-            <a:off x="498186" y="3939824"/>
-            <a:ext cx="1761066" cy="1083733"/>
-          </a:xfrm>
-          <a:prstGeom prst="roundRect">
-            <a:avLst/>
-          </a:prstGeom>
-        </p:spPr>
-        <p:style>
-          <a:lnRef idx="2">
-            <a:schemeClr val="accent1">
-              <a:shade val="50000"/>
-            </a:schemeClr>
-          </a:lnRef>
-          <a:fillRef idx="1">
-            <a:schemeClr val="accent1"/>
-          </a:fillRef>
-          <a:effectRef idx="0">
-            <a:schemeClr val="accent1"/>
-          </a:effectRef>
-          <a:fontRef idx="minor">
-            <a:schemeClr val="lt1"/>
-          </a:fontRef>
-        </p:style>
-        <p:txBody>
-          <a:bodyPr rtlCol="0" anchor="ctr"/>
-          <a:lstStyle/>
-          <a:p>
-            <a:pPr algn="ctr"/>
-            <a:r>
-              <a:rPr kumimoji="1" lang="ja-JP" altLang="en-US" dirty="0"/>
-              <a:t>ログイン</a:t>
-            </a:r>
-          </a:p>
-        </p:txBody>
-      </p:sp>
-      <p:sp>
-        <p:nvSpPr>
-          <p:cNvPr id="4" name="四角形: 角を丸くする 3">
-            <a:extLst>
-              <a:ext uri="{FF2B5EF4-FFF2-40B4-BE49-F238E27FC236}">
-                <a16:creationId xmlns:a16="http://schemas.microsoft.com/office/drawing/2014/main" id="{B65C9EC2-357D-4033-8D6B-5C1A25F3C732}"/>
-              </a:ext>
-            </a:extLst>
-          </p:cNvPr>
-          <p:cNvSpPr/>
-          <p:nvPr/>
-        </p:nvSpPr>
-        <p:spPr>
-          <a:xfrm>
-            <a:off x="4027311" y="3951110"/>
-            <a:ext cx="1761066" cy="1083733"/>
-          </a:xfrm>
-          <a:prstGeom prst="roundRect">
-            <a:avLst/>
-          </a:prstGeom>
-        </p:spPr>
-        <p:style>
-          <a:lnRef idx="2">
-            <a:schemeClr val="accent1">
-              <a:shade val="50000"/>
-            </a:schemeClr>
-          </a:lnRef>
-          <a:fillRef idx="1">
-            <a:schemeClr val="accent1"/>
-          </a:fillRef>
-          <a:effectRef idx="0">
-            <a:schemeClr val="accent1"/>
-          </a:effectRef>
-          <a:fontRef idx="minor">
-            <a:schemeClr val="lt1"/>
-          </a:fontRef>
-        </p:style>
-        <p:txBody>
-          <a:bodyPr rtlCol="0" anchor="ctr"/>
-          <a:lstStyle/>
-          <a:p>
-            <a:pPr algn="ctr"/>
-            <a:r>
-              <a:rPr kumimoji="1" lang="ja-JP" altLang="en-US" dirty="0"/>
-              <a:t>メニュー</a:t>
-            </a:r>
-          </a:p>
-        </p:txBody>
-      </p:sp>
-      <p:sp>
-        <p:nvSpPr>
-          <p:cNvPr id="5" name="四角形: 角を丸くする 4">
-            <a:extLst>
-              <a:ext uri="{FF2B5EF4-FFF2-40B4-BE49-F238E27FC236}">
-                <a16:creationId xmlns:a16="http://schemas.microsoft.com/office/drawing/2014/main" id="{B18812CE-A403-4502-96FB-11BCE88DB41E}"/>
-              </a:ext>
-            </a:extLst>
-          </p:cNvPr>
-          <p:cNvSpPr/>
-          <p:nvPr/>
-        </p:nvSpPr>
-        <p:spPr>
-          <a:xfrm>
-            <a:off x="7631276" y="2345267"/>
-            <a:ext cx="1761066" cy="1083733"/>
-          </a:xfrm>
-          <a:prstGeom prst="roundRect">
-            <a:avLst/>
-          </a:prstGeom>
-        </p:spPr>
-        <p:style>
-          <a:lnRef idx="2">
-            <a:schemeClr val="accent1">
-              <a:shade val="50000"/>
-            </a:schemeClr>
-          </a:lnRef>
-          <a:fillRef idx="1">
-            <a:schemeClr val="accent1"/>
-          </a:fillRef>
-          <a:effectRef idx="0">
-            <a:schemeClr val="accent1"/>
-          </a:effectRef>
-          <a:fontRef idx="minor">
-            <a:schemeClr val="lt1"/>
-          </a:fontRef>
-        </p:style>
-        <p:txBody>
-          <a:bodyPr rtlCol="0" anchor="ctr"/>
-          <a:lstStyle/>
-          <a:p>
-            <a:pPr algn="ctr"/>
-            <a:r>
-              <a:rPr kumimoji="1" lang="ja-JP" altLang="en-US" dirty="0"/>
-              <a:t>支出の記入・修正・削除</a:t>
-            </a:r>
-          </a:p>
-        </p:txBody>
-      </p:sp>
-      <p:sp>
-        <p:nvSpPr>
-          <p:cNvPr id="6" name="四角形: 角を丸くする 5">
-            <a:extLst>
-              <a:ext uri="{FF2B5EF4-FFF2-40B4-BE49-F238E27FC236}">
-                <a16:creationId xmlns:a16="http://schemas.microsoft.com/office/drawing/2014/main" id="{D3C5FBD9-D834-43A3-99CA-87848A8FDF77}"/>
-              </a:ext>
-            </a:extLst>
-          </p:cNvPr>
-          <p:cNvSpPr/>
-          <p:nvPr/>
-        </p:nvSpPr>
-        <p:spPr>
-          <a:xfrm>
-            <a:off x="7631276" y="3903131"/>
-            <a:ext cx="1761066" cy="1083733"/>
-          </a:xfrm>
-          <a:prstGeom prst="roundRect">
-            <a:avLst/>
-          </a:prstGeom>
-        </p:spPr>
-        <p:style>
-          <a:lnRef idx="2">
-            <a:schemeClr val="accent1">
-              <a:shade val="50000"/>
-            </a:schemeClr>
-          </a:lnRef>
-          <a:fillRef idx="1">
-            <a:schemeClr val="accent1"/>
-          </a:fillRef>
-          <a:effectRef idx="0">
-            <a:schemeClr val="accent1"/>
-          </a:effectRef>
-          <a:fontRef idx="minor">
-            <a:schemeClr val="lt1"/>
-          </a:fontRef>
-        </p:style>
-        <p:txBody>
-          <a:bodyPr rtlCol="0" anchor="ctr"/>
-          <a:lstStyle/>
-          <a:p>
-            <a:pPr algn="ctr"/>
-            <a:r>
-              <a:rPr kumimoji="1" lang="ja-JP" altLang="en-US" dirty="0"/>
-              <a:t>表の表示</a:t>
-            </a:r>
-          </a:p>
-        </p:txBody>
-      </p:sp>
-      <p:sp>
-        <p:nvSpPr>
-          <p:cNvPr id="7" name="四角形: 角を丸くする 6">
-            <a:extLst>
-              <a:ext uri="{FF2B5EF4-FFF2-40B4-BE49-F238E27FC236}">
-                <a16:creationId xmlns:a16="http://schemas.microsoft.com/office/drawing/2014/main" id="{4AC1EBE1-A9AF-406C-8E19-66C1FF4C653B}"/>
-              </a:ext>
-            </a:extLst>
-          </p:cNvPr>
-          <p:cNvSpPr/>
-          <p:nvPr/>
-        </p:nvSpPr>
-        <p:spPr>
-          <a:xfrm>
-            <a:off x="7631276" y="5619043"/>
-            <a:ext cx="1761066" cy="1083733"/>
-          </a:xfrm>
-          <a:prstGeom prst="roundRect">
-            <a:avLst/>
-          </a:prstGeom>
-        </p:spPr>
-        <p:style>
-          <a:lnRef idx="2">
-            <a:schemeClr val="accent1">
-              <a:shade val="50000"/>
-            </a:schemeClr>
-          </a:lnRef>
-          <a:fillRef idx="1">
-            <a:schemeClr val="accent1"/>
-          </a:fillRef>
-          <a:effectRef idx="0">
-            <a:schemeClr val="accent1"/>
-          </a:effectRef>
-          <a:fontRef idx="minor">
-            <a:schemeClr val="lt1"/>
-          </a:fontRef>
-        </p:style>
-        <p:txBody>
-          <a:bodyPr rtlCol="0" anchor="ctr"/>
-          <a:lstStyle/>
-          <a:p>
-            <a:pPr algn="ctr"/>
-            <a:r>
-              <a:rPr kumimoji="1" lang="ja-JP" altLang="en-US" dirty="0"/>
-              <a:t>グラフの表示</a:t>
-            </a:r>
-          </a:p>
-        </p:txBody>
-      </p:sp>
-      <p:sp>
-        <p:nvSpPr>
-          <p:cNvPr id="8" name="四角形: 角を丸くする 7">
-            <a:extLst>
-              <a:ext uri="{FF2B5EF4-FFF2-40B4-BE49-F238E27FC236}">
-                <a16:creationId xmlns:a16="http://schemas.microsoft.com/office/drawing/2014/main" id="{DB79EDAD-893D-4993-BFC5-730211480FE8}"/>
-              </a:ext>
-            </a:extLst>
-          </p:cNvPr>
-          <p:cNvSpPr/>
-          <p:nvPr/>
-        </p:nvSpPr>
-        <p:spPr>
-          <a:xfrm>
-            <a:off x="2262034" y="5489227"/>
-            <a:ext cx="1761066" cy="1083733"/>
-          </a:xfrm>
-          <a:prstGeom prst="roundRect">
-            <a:avLst/>
-          </a:prstGeom>
-        </p:spPr>
-        <p:style>
-          <a:lnRef idx="2">
-            <a:schemeClr val="accent1">
-              <a:shade val="50000"/>
-            </a:schemeClr>
-          </a:lnRef>
-          <a:fillRef idx="1">
-            <a:schemeClr val="accent1"/>
-          </a:fillRef>
-          <a:effectRef idx="0">
-            <a:schemeClr val="accent1"/>
-          </a:effectRef>
-          <a:fontRef idx="minor">
-            <a:schemeClr val="lt1"/>
-          </a:fontRef>
-        </p:style>
-        <p:txBody>
-          <a:bodyPr rtlCol="0" anchor="ctr"/>
-          <a:lstStyle/>
-          <a:p>
-            <a:pPr algn="ctr"/>
-            <a:r>
-              <a:rPr kumimoji="1" lang="ja-JP" altLang="en-US" dirty="0"/>
-              <a:t>ログアウト</a:t>
-            </a:r>
-          </a:p>
-        </p:txBody>
-      </p:sp>
-      <p:sp>
-        <p:nvSpPr>
-          <p:cNvPr id="9" name="矢印: 右 8">
-            <a:extLst>
-              <a:ext uri="{FF2B5EF4-FFF2-40B4-BE49-F238E27FC236}">
-                <a16:creationId xmlns:a16="http://schemas.microsoft.com/office/drawing/2014/main" id="{3990CAFE-81F6-46E0-A1BA-3A9AA12A3D79}"/>
-              </a:ext>
-            </a:extLst>
-          </p:cNvPr>
-          <p:cNvSpPr/>
-          <p:nvPr/>
-        </p:nvSpPr>
-        <p:spPr>
-          <a:xfrm>
-            <a:off x="2405995" y="4230510"/>
-            <a:ext cx="1474571" cy="587022"/>
-          </a:xfrm>
-          <a:prstGeom prst="rightArrow">
-            <a:avLst/>
-          </a:prstGeom>
-        </p:spPr>
-        <p:style>
-          <a:lnRef idx="2">
-            <a:schemeClr val="accent1">
-              <a:shade val="50000"/>
-            </a:schemeClr>
-          </a:lnRef>
-          <a:fillRef idx="1">
-            <a:schemeClr val="accent1"/>
-          </a:fillRef>
-          <a:effectRef idx="0">
-            <a:schemeClr val="accent1"/>
-          </a:effectRef>
-          <a:fontRef idx="minor">
-            <a:schemeClr val="lt1"/>
-          </a:fontRef>
-        </p:style>
-        <p:txBody>
-          <a:bodyPr rtlCol="0" anchor="ctr"/>
-          <a:lstStyle/>
-          <a:p>
-            <a:pPr algn="ctr"/>
-            <a:endParaRPr kumimoji="1" lang="ja-JP" altLang="en-US"/>
-          </a:p>
-        </p:txBody>
-      </p:sp>
-      <p:sp>
-        <p:nvSpPr>
-          <p:cNvPr id="10" name="矢印: 右 9">
-            <a:extLst>
-              <a:ext uri="{FF2B5EF4-FFF2-40B4-BE49-F238E27FC236}">
-                <a16:creationId xmlns:a16="http://schemas.microsoft.com/office/drawing/2014/main" id="{3940F8E6-4EE8-43AB-9E5C-C0DA696F40BF}"/>
-              </a:ext>
-            </a:extLst>
-          </p:cNvPr>
-          <p:cNvSpPr/>
-          <p:nvPr/>
-        </p:nvSpPr>
-        <p:spPr>
-          <a:xfrm>
-            <a:off x="5935121" y="4199465"/>
-            <a:ext cx="1549411" cy="587022"/>
-          </a:xfrm>
-          <a:prstGeom prst="rightArrow">
-            <a:avLst/>
-          </a:prstGeom>
-        </p:spPr>
-        <p:style>
-          <a:lnRef idx="2">
-            <a:schemeClr val="accent1">
-              <a:shade val="50000"/>
-            </a:schemeClr>
-          </a:lnRef>
-          <a:fillRef idx="1">
-            <a:schemeClr val="accent1"/>
-          </a:fillRef>
-          <a:effectRef idx="0">
-            <a:schemeClr val="accent1"/>
-          </a:effectRef>
-          <a:fontRef idx="minor">
-            <a:schemeClr val="lt1"/>
-          </a:fontRef>
-        </p:style>
-        <p:txBody>
-          <a:bodyPr rtlCol="0" anchor="ctr"/>
-          <a:lstStyle/>
-          <a:p>
-            <a:pPr algn="ctr"/>
-            <a:endParaRPr kumimoji="1" lang="ja-JP" altLang="en-US"/>
-          </a:p>
-        </p:txBody>
-      </p:sp>
-      <p:sp>
-        <p:nvSpPr>
-          <p:cNvPr id="11" name="矢印: 上向き折線 10">
-            <a:extLst>
-              <a:ext uri="{FF2B5EF4-FFF2-40B4-BE49-F238E27FC236}">
-                <a16:creationId xmlns:a16="http://schemas.microsoft.com/office/drawing/2014/main" id="{2BF6E8BE-6C73-4835-9CDA-FEF68D19A37E}"/>
-              </a:ext>
-            </a:extLst>
-          </p:cNvPr>
-          <p:cNvSpPr/>
-          <p:nvPr/>
-        </p:nvSpPr>
-        <p:spPr>
-          <a:xfrm rot="5400000">
-            <a:off x="6080475" y="4962887"/>
-            <a:ext cx="1727208" cy="1080907"/>
-          </a:xfrm>
-          <a:prstGeom prst="bentUpArrow">
-            <a:avLst>
-              <a:gd name="adj1" fmla="val 36003"/>
-              <a:gd name="adj2" fmla="val 25000"/>
-              <a:gd name="adj3" fmla="val 25000"/>
-            </a:avLst>
-          </a:prstGeom>
-        </p:spPr>
-        <p:style>
-          <a:lnRef idx="2">
-            <a:schemeClr val="accent1">
-              <a:shade val="50000"/>
-            </a:schemeClr>
-          </a:lnRef>
-          <a:fillRef idx="1">
-            <a:schemeClr val="accent1"/>
-          </a:fillRef>
-          <a:effectRef idx="0">
-            <a:schemeClr val="accent1"/>
-          </a:effectRef>
-          <a:fontRef idx="minor">
-            <a:schemeClr val="lt1"/>
-          </a:fontRef>
-        </p:style>
-        <p:txBody>
-          <a:bodyPr rtlCol="0" anchor="ctr"/>
-          <a:lstStyle/>
-          <a:p>
-            <a:pPr algn="ctr"/>
-            <a:endParaRPr kumimoji="1" lang="ja-JP" altLang="en-US"/>
-          </a:p>
-        </p:txBody>
-      </p:sp>
-      <p:sp>
-        <p:nvSpPr>
-          <p:cNvPr id="12" name="矢印: 上向き折線 11">
-            <a:extLst>
-              <a:ext uri="{FF2B5EF4-FFF2-40B4-BE49-F238E27FC236}">
-                <a16:creationId xmlns:a16="http://schemas.microsoft.com/office/drawing/2014/main" id="{01271B01-3AAE-4970-A523-924494A138CC}"/>
-              </a:ext>
-            </a:extLst>
-          </p:cNvPr>
-          <p:cNvSpPr/>
-          <p:nvPr/>
-        </p:nvSpPr>
-        <p:spPr>
-          <a:xfrm rot="16200000" flipV="1">
-            <a:off x="6080474" y="2942157"/>
-            <a:ext cx="1727208" cy="1080907"/>
-          </a:xfrm>
-          <a:prstGeom prst="bentUpArrow">
-            <a:avLst>
-              <a:gd name="adj1" fmla="val 36003"/>
-              <a:gd name="adj2" fmla="val 25000"/>
-              <a:gd name="adj3" fmla="val 25000"/>
-            </a:avLst>
-          </a:prstGeom>
-        </p:spPr>
-        <p:style>
-          <a:lnRef idx="2">
-            <a:schemeClr val="accent1">
-              <a:shade val="50000"/>
-            </a:schemeClr>
-          </a:lnRef>
-          <a:fillRef idx="1">
-            <a:schemeClr val="accent1"/>
-          </a:fillRef>
-          <a:effectRef idx="0">
-            <a:schemeClr val="accent1"/>
-          </a:effectRef>
-          <a:fontRef idx="minor">
-            <a:schemeClr val="lt1"/>
-          </a:fontRef>
-        </p:style>
-        <p:txBody>
-          <a:bodyPr rtlCol="0" anchor="ctr"/>
-          <a:lstStyle/>
-          <a:p>
-            <a:pPr algn="ctr"/>
-            <a:endParaRPr kumimoji="1" lang="ja-JP" altLang="en-US"/>
-          </a:p>
-        </p:txBody>
-      </p:sp>
-      <p:sp>
-        <p:nvSpPr>
-          <p:cNvPr id="13" name="矢印: 上向き折線 12">
-            <a:extLst>
-              <a:ext uri="{FF2B5EF4-FFF2-40B4-BE49-F238E27FC236}">
-                <a16:creationId xmlns:a16="http://schemas.microsoft.com/office/drawing/2014/main" id="{4FE2FA16-DF5C-4B39-A7F9-1A80D71648C3}"/>
-              </a:ext>
-            </a:extLst>
-          </p:cNvPr>
-          <p:cNvSpPr/>
-          <p:nvPr/>
-        </p:nvSpPr>
-        <p:spPr>
-          <a:xfrm rot="5400000" flipV="1">
-            <a:off x="3999110" y="5231119"/>
-            <a:ext cx="1278475" cy="1080911"/>
-          </a:xfrm>
-          <a:prstGeom prst="bentUpArrow">
-            <a:avLst>
-              <a:gd name="adj1" fmla="val 28692"/>
-              <a:gd name="adj2" fmla="val 25000"/>
-              <a:gd name="adj3" fmla="val 25000"/>
-            </a:avLst>
-          </a:prstGeom>
-        </p:spPr>
-        <p:style>
-          <a:lnRef idx="2">
-            <a:schemeClr val="accent1">
-              <a:shade val="50000"/>
-            </a:schemeClr>
-          </a:lnRef>
-          <a:fillRef idx="1">
-            <a:schemeClr val="accent1"/>
-          </a:fillRef>
-          <a:effectRef idx="0">
-            <a:schemeClr val="accent1"/>
-          </a:effectRef>
-          <a:fontRef idx="minor">
-            <a:schemeClr val="lt1"/>
-          </a:fontRef>
-        </p:style>
-        <p:txBody>
-          <a:bodyPr rtlCol="0" anchor="ctr"/>
-          <a:lstStyle/>
-          <a:p>
-            <a:pPr algn="ctr"/>
-            <a:endParaRPr kumimoji="1" lang="ja-JP" altLang="en-US"/>
-          </a:p>
-        </p:txBody>
-      </p:sp>
-      <p:sp>
-        <p:nvSpPr>
-          <p:cNvPr id="14" name="矢印: 上向き折線 13">
-            <a:extLst>
-              <a:ext uri="{FF2B5EF4-FFF2-40B4-BE49-F238E27FC236}">
-                <a16:creationId xmlns:a16="http://schemas.microsoft.com/office/drawing/2014/main" id="{DDCF0F7B-A852-4689-82CC-45A6441F8394}"/>
-              </a:ext>
-            </a:extLst>
-          </p:cNvPr>
-          <p:cNvSpPr/>
-          <p:nvPr/>
-        </p:nvSpPr>
-        <p:spPr>
-          <a:xfrm rot="10800000" flipV="1">
-            <a:off x="1037211" y="5143638"/>
-            <a:ext cx="1113341" cy="1080911"/>
-          </a:xfrm>
-          <a:prstGeom prst="bentUpArrow">
-            <a:avLst>
-              <a:gd name="adj1" fmla="val 28692"/>
-              <a:gd name="adj2" fmla="val 25000"/>
-              <a:gd name="adj3" fmla="val 25000"/>
-            </a:avLst>
-          </a:prstGeom>
-        </p:spPr>
-        <p:style>
-          <a:lnRef idx="2">
-            <a:schemeClr val="accent1">
-              <a:shade val="50000"/>
-            </a:schemeClr>
-          </a:lnRef>
-          <a:fillRef idx="1">
-            <a:schemeClr val="accent1"/>
-          </a:fillRef>
-          <a:effectRef idx="0">
-            <a:schemeClr val="accent1"/>
-          </a:effectRef>
-          <a:fontRef idx="minor">
-            <a:schemeClr val="lt1"/>
-          </a:fontRef>
-        </p:style>
-        <p:txBody>
-          <a:bodyPr rtlCol="0" anchor="ctr"/>
-          <a:lstStyle/>
-          <a:p>
-            <a:pPr algn="ctr"/>
-            <a:endParaRPr kumimoji="1" lang="ja-JP" altLang="en-US"/>
-          </a:p>
-        </p:txBody>
-      </p:sp>
-    </p:spTree>
-    <p:extLst>
-      <p:ext uri="{BB962C8B-B14F-4D97-AF65-F5344CB8AC3E}">
-        <p14:creationId xmlns:p14="http://schemas.microsoft.com/office/powerpoint/2010/main" val="607151583"/>
-      </p:ext>
-    </p:extLst>
-  </p:cSld>
-  <p:clrMapOvr>
-    <a:masterClrMapping/>
-  </p:clrMapOvr>
-</p:sld>
-</file>
-
 <file path=ppt/slides/slide2.xml><?xml version="1.0" encoding="utf-8"?>
 <p:sld xmlns:a="http://schemas.openxmlformats.org/drawingml/2006/main" xmlns:r="http://schemas.openxmlformats.org/officeDocument/2006/relationships" xmlns:p="http://schemas.openxmlformats.org/presentationml/2006/main">
   <p:cSld>
@@ -9332,7 +6637,7 @@
         <p:spPr/>
         <p:txBody>
           <a:bodyPr>
-            <a:normAutofit/>
+            <a:normAutofit fontScale="90000"/>
           </a:bodyPr>
           <a:lstStyle/>
           <a:p>
@@ -9341,530 +6646,25 @@
                 <a:latin typeface="メイリオ" panose="020B0604030504040204" pitchFamily="50" charset="-128"/>
                 <a:ea typeface="メイリオ" panose="020B0604030504040204" pitchFamily="50" charset="-128"/>
               </a:rPr>
-              <a:t>表の表示</a:t>
-            </a:r>
-          </a:p>
-        </p:txBody>
-      </p:sp>
-      <p:graphicFrame>
-        <p:nvGraphicFramePr>
-          <p:cNvPr id="3" name="表 3">
-            <a:extLst>
-              <a:ext uri="{FF2B5EF4-FFF2-40B4-BE49-F238E27FC236}">
-                <a16:creationId xmlns:a16="http://schemas.microsoft.com/office/drawing/2014/main" id="{3A140D7C-55F8-44E7-BE4C-B427B854B599}"/>
-              </a:ext>
-            </a:extLst>
-          </p:cNvPr>
-          <p:cNvGraphicFramePr>
-            <a:graphicFrameLocks noGrp="1"/>
-          </p:cNvGraphicFramePr>
-          <p:nvPr>
-            <p:extLst>
-              <p:ext uri="{D42A27DB-BD31-4B8C-83A1-F6EECF244321}">
-                <p14:modId xmlns:p14="http://schemas.microsoft.com/office/powerpoint/2010/main" val="3524695114"/>
-              </p:ext>
-            </p:extLst>
-          </p:nvPr>
-        </p:nvGraphicFramePr>
-        <p:xfrm>
-          <a:off x="2840278" y="2060810"/>
-          <a:ext cx="6890575" cy="4435521"/>
-        </p:xfrm>
-        <a:graphic>
-          <a:graphicData uri="http://schemas.openxmlformats.org/drawingml/2006/table">
-            <a:tbl>
-              <a:tblPr firstRow="1" bandRow="1">
-                <a:tableStyleId>{5C22544A-7EE6-4342-B048-85BDC9FD1C3A}</a:tableStyleId>
-              </a:tblPr>
-              <a:tblGrid>
-                <a:gridCol w="1509455">
-                  <a:extLst>
-                    <a:ext uri="{9D8B030D-6E8A-4147-A177-3AD203B41FA5}">
-                      <a16:colId xmlns:a16="http://schemas.microsoft.com/office/drawing/2014/main" val="2361284706"/>
-                    </a:ext>
-                  </a:extLst>
-                </a:gridCol>
-                <a:gridCol w="2111935">
-                  <a:extLst>
-                    <a:ext uri="{9D8B030D-6E8A-4147-A177-3AD203B41FA5}">
-                      <a16:colId xmlns:a16="http://schemas.microsoft.com/office/drawing/2014/main" val="1052821415"/>
-                    </a:ext>
-                  </a:extLst>
-                </a:gridCol>
-                <a:gridCol w="3269185">
-                  <a:extLst>
-                    <a:ext uri="{9D8B030D-6E8A-4147-A177-3AD203B41FA5}">
-                      <a16:colId xmlns:a16="http://schemas.microsoft.com/office/drawing/2014/main" val="2900064323"/>
-                    </a:ext>
-                  </a:extLst>
-                </a:gridCol>
-              </a:tblGrid>
-              <a:tr h="519085">
-                <a:tc>
-                  <a:txBody>
-                    <a:bodyPr/>
-                    <a:lstStyle/>
-                    <a:p>
-                      <a:pPr algn="ctr"/>
-                      <a:r>
-                        <a:rPr kumimoji="1" lang="ja-JP" altLang="en-US" dirty="0"/>
-                        <a:t>日付</a:t>
-                      </a:r>
-                    </a:p>
-                  </a:txBody>
-                  <a:tcPr/>
-                </a:tc>
-                <a:tc>
-                  <a:txBody>
-                    <a:bodyPr/>
-                    <a:lstStyle/>
-                    <a:p>
-                      <a:pPr algn="ctr"/>
-                      <a:r>
-                        <a:rPr kumimoji="1" lang="ja-JP" altLang="en-US" dirty="0"/>
-                        <a:t>出費内容</a:t>
-                      </a:r>
-                    </a:p>
-                  </a:txBody>
-                  <a:tcPr/>
-                </a:tc>
-                <a:tc>
-                  <a:txBody>
-                    <a:bodyPr/>
-                    <a:lstStyle/>
-                    <a:p>
-                      <a:pPr algn="ctr"/>
-                      <a:r>
-                        <a:rPr kumimoji="1" lang="ja-JP" altLang="en-US" dirty="0"/>
-                        <a:t>金額</a:t>
-                      </a:r>
-                    </a:p>
-                  </a:txBody>
-                  <a:tcPr/>
-                </a:tc>
-                <a:extLst>
-                  <a:ext uri="{0D108BD9-81ED-4DB2-BD59-A6C34878D82A}">
-                    <a16:rowId xmlns:a16="http://schemas.microsoft.com/office/drawing/2014/main" val="3945316653"/>
-                  </a:ext>
-                </a:extLst>
-              </a:tr>
-              <a:tr h="400963">
-                <a:tc>
-                  <a:txBody>
-                    <a:bodyPr/>
-                    <a:lstStyle/>
-                    <a:p>
-                      <a:pPr algn="ctr"/>
-                      <a:r>
-                        <a:rPr kumimoji="1" lang="en-US" altLang="ja-JP" dirty="0"/>
-                        <a:t>4/3</a:t>
-                      </a:r>
-                      <a:endParaRPr kumimoji="1" lang="ja-JP" altLang="en-US" dirty="0"/>
-                    </a:p>
-                  </a:txBody>
-                  <a:tcPr/>
-                </a:tc>
-                <a:tc>
-                  <a:txBody>
-                    <a:bodyPr/>
-                    <a:lstStyle/>
-                    <a:p>
-                      <a:pPr algn="ctr"/>
-                      <a:r>
-                        <a:rPr kumimoji="1" lang="ja-JP" altLang="en-US" dirty="0"/>
-                        <a:t>食費</a:t>
-                      </a:r>
-                    </a:p>
-                  </a:txBody>
-                  <a:tcPr/>
-                </a:tc>
-                <a:tc>
-                  <a:txBody>
-                    <a:bodyPr/>
-                    <a:lstStyle/>
-                    <a:p>
-                      <a:pPr algn="ctr"/>
-                      <a:r>
-                        <a:rPr kumimoji="1" lang="en-US" altLang="ja-JP" dirty="0"/>
-                        <a:t>3,000</a:t>
-                      </a:r>
-                      <a:endParaRPr kumimoji="1" lang="ja-JP" altLang="en-US" dirty="0"/>
-                    </a:p>
-                  </a:txBody>
-                  <a:tcPr/>
-                </a:tc>
-                <a:extLst>
-                  <a:ext uri="{0D108BD9-81ED-4DB2-BD59-A6C34878D82A}">
-                    <a16:rowId xmlns:a16="http://schemas.microsoft.com/office/drawing/2014/main" val="4067319031"/>
-                  </a:ext>
-                </a:extLst>
-              </a:tr>
-              <a:tr h="400963">
-                <a:tc>
-                  <a:txBody>
-                    <a:bodyPr/>
-                    <a:lstStyle/>
-                    <a:p>
-                      <a:pPr algn="ctr"/>
-                      <a:r>
-                        <a:rPr kumimoji="1" lang="en-US" altLang="ja-JP" dirty="0"/>
-                        <a:t>4/5</a:t>
-                      </a:r>
-                      <a:endParaRPr kumimoji="1" lang="ja-JP" altLang="en-US" dirty="0"/>
-                    </a:p>
-                  </a:txBody>
-                  <a:tcPr/>
-                </a:tc>
-                <a:tc>
-                  <a:txBody>
-                    <a:bodyPr/>
-                    <a:lstStyle/>
-                    <a:p>
-                      <a:pPr algn="ctr"/>
-                      <a:r>
-                        <a:rPr kumimoji="1" lang="ja-JP" altLang="en-US" dirty="0"/>
-                        <a:t>食費</a:t>
-                      </a:r>
-                    </a:p>
-                  </a:txBody>
-                  <a:tcPr/>
-                </a:tc>
-                <a:tc>
-                  <a:txBody>
-                    <a:bodyPr/>
-                    <a:lstStyle/>
-                    <a:p>
-                      <a:pPr algn="ctr"/>
-                      <a:r>
-                        <a:rPr kumimoji="1" lang="en-US" altLang="ja-JP" dirty="0"/>
-                        <a:t>2,000</a:t>
-                      </a:r>
-                      <a:endParaRPr kumimoji="1" lang="ja-JP" altLang="en-US" dirty="0"/>
-                    </a:p>
-                  </a:txBody>
-                  <a:tcPr/>
-                </a:tc>
-                <a:extLst>
-                  <a:ext uri="{0D108BD9-81ED-4DB2-BD59-A6C34878D82A}">
-                    <a16:rowId xmlns:a16="http://schemas.microsoft.com/office/drawing/2014/main" val="4104330001"/>
-                  </a:ext>
-                </a:extLst>
-              </a:tr>
-              <a:tr h="519085">
-                <a:tc>
-                  <a:txBody>
-                    <a:bodyPr/>
-                    <a:lstStyle/>
-                    <a:p>
-                      <a:pPr algn="ctr"/>
-                      <a:r>
-                        <a:rPr kumimoji="1" lang="en-US" altLang="ja-JP" dirty="0"/>
-                        <a:t>4/11</a:t>
-                      </a:r>
-                      <a:endParaRPr kumimoji="1" lang="ja-JP" altLang="en-US" dirty="0"/>
-                    </a:p>
-                  </a:txBody>
-                  <a:tcPr/>
-                </a:tc>
-                <a:tc>
-                  <a:txBody>
-                    <a:bodyPr/>
-                    <a:lstStyle/>
-                    <a:p>
-                      <a:pPr algn="ctr"/>
-                      <a:r>
-                        <a:rPr kumimoji="1" lang="ja-JP" altLang="en-US" dirty="0"/>
-                        <a:t>娯楽費</a:t>
-                      </a:r>
-                      <a:endParaRPr kumimoji="1" lang="en-US" altLang="ja-JP" dirty="0"/>
-                    </a:p>
-                  </a:txBody>
-                  <a:tcPr/>
-                </a:tc>
-                <a:tc>
-                  <a:txBody>
-                    <a:bodyPr/>
-                    <a:lstStyle/>
-                    <a:p>
-                      <a:pPr algn="ctr"/>
-                      <a:r>
-                        <a:rPr kumimoji="1" lang="en-US" altLang="ja-JP" dirty="0"/>
-                        <a:t>10,000</a:t>
-                      </a:r>
-                      <a:endParaRPr kumimoji="1" lang="ja-JP" altLang="en-US" dirty="0"/>
-                    </a:p>
-                  </a:txBody>
-                  <a:tcPr/>
-                </a:tc>
-                <a:extLst>
-                  <a:ext uri="{0D108BD9-81ED-4DB2-BD59-A6C34878D82A}">
-                    <a16:rowId xmlns:a16="http://schemas.microsoft.com/office/drawing/2014/main" val="3943393902"/>
-                  </a:ext>
-                </a:extLst>
-              </a:tr>
-              <a:tr h="519085">
-                <a:tc>
-                  <a:txBody>
-                    <a:bodyPr/>
-                    <a:lstStyle/>
-                    <a:p>
-                      <a:pPr algn="ctr"/>
-                      <a:r>
-                        <a:rPr kumimoji="1" lang="en-US" altLang="ja-JP" dirty="0"/>
-                        <a:t>4/14</a:t>
-                      </a:r>
-                      <a:endParaRPr kumimoji="1" lang="ja-JP" altLang="en-US" dirty="0"/>
-                    </a:p>
-                  </a:txBody>
-                  <a:tcPr/>
-                </a:tc>
-                <a:tc>
-                  <a:txBody>
-                    <a:bodyPr/>
-                    <a:lstStyle/>
-                    <a:p>
-                      <a:pPr algn="ctr"/>
-                      <a:r>
-                        <a:rPr kumimoji="1" lang="ja-JP" altLang="en-US" dirty="0"/>
-                        <a:t>交通費</a:t>
-                      </a:r>
-                    </a:p>
-                  </a:txBody>
-                  <a:tcPr/>
-                </a:tc>
-                <a:tc>
-                  <a:txBody>
-                    <a:bodyPr/>
-                    <a:lstStyle/>
-                    <a:p>
-                      <a:pPr algn="ctr"/>
-                      <a:r>
-                        <a:rPr kumimoji="1" lang="en-US" altLang="ja-JP" dirty="0"/>
-                        <a:t>5,000</a:t>
-                      </a:r>
-                      <a:endParaRPr kumimoji="1" lang="ja-JP" altLang="en-US" dirty="0"/>
-                    </a:p>
-                  </a:txBody>
-                  <a:tcPr/>
-                </a:tc>
-                <a:extLst>
-                  <a:ext uri="{0D108BD9-81ED-4DB2-BD59-A6C34878D82A}">
-                    <a16:rowId xmlns:a16="http://schemas.microsoft.com/office/drawing/2014/main" val="2787471009"/>
-                  </a:ext>
-                </a:extLst>
-              </a:tr>
-              <a:tr h="519085">
-                <a:tc>
-                  <a:txBody>
-                    <a:bodyPr/>
-                    <a:lstStyle/>
-                    <a:p>
-                      <a:pPr algn="ctr"/>
-                      <a:r>
-                        <a:rPr kumimoji="1" lang="en-US" altLang="ja-JP" dirty="0"/>
-                        <a:t>4/19</a:t>
-                      </a:r>
-                      <a:endParaRPr kumimoji="1" lang="ja-JP" altLang="en-US" dirty="0"/>
-                    </a:p>
-                  </a:txBody>
-                  <a:tcPr/>
-                </a:tc>
-                <a:tc>
-                  <a:txBody>
-                    <a:bodyPr/>
-                    <a:lstStyle/>
-                    <a:p>
-                      <a:pPr algn="ctr"/>
-                      <a:r>
-                        <a:rPr kumimoji="1" lang="ja-JP" altLang="en-US" dirty="0"/>
-                        <a:t>食費</a:t>
-                      </a:r>
-                    </a:p>
-                  </a:txBody>
-                  <a:tcPr/>
-                </a:tc>
-                <a:tc>
-                  <a:txBody>
-                    <a:bodyPr/>
-                    <a:lstStyle/>
-                    <a:p>
-                      <a:pPr algn="ctr"/>
-                      <a:r>
-                        <a:rPr kumimoji="1" lang="en-US" altLang="ja-JP" dirty="0"/>
-                        <a:t>2,000</a:t>
-                      </a:r>
-                      <a:endParaRPr kumimoji="1" lang="ja-JP" altLang="en-US" dirty="0"/>
-                    </a:p>
-                  </a:txBody>
-                  <a:tcPr/>
-                </a:tc>
-                <a:extLst>
-                  <a:ext uri="{0D108BD9-81ED-4DB2-BD59-A6C34878D82A}">
-                    <a16:rowId xmlns:a16="http://schemas.microsoft.com/office/drawing/2014/main" val="997083052"/>
-                  </a:ext>
-                </a:extLst>
-              </a:tr>
-              <a:tr h="519085">
-                <a:tc>
-                  <a:txBody>
-                    <a:bodyPr/>
-                    <a:lstStyle/>
-                    <a:p>
-                      <a:pPr algn="ctr"/>
-                      <a:r>
-                        <a:rPr kumimoji="1" lang="en-US" altLang="ja-JP" dirty="0"/>
-                        <a:t>4/23</a:t>
-                      </a:r>
-                      <a:endParaRPr kumimoji="1" lang="ja-JP" altLang="en-US" dirty="0"/>
-                    </a:p>
-                  </a:txBody>
-                  <a:tcPr/>
-                </a:tc>
-                <a:tc>
-                  <a:txBody>
-                    <a:bodyPr/>
-                    <a:lstStyle/>
-                    <a:p>
-                      <a:pPr algn="ctr"/>
-                      <a:r>
-                        <a:rPr kumimoji="1" lang="ja-JP" altLang="en-US" dirty="0"/>
-                        <a:t>通信費</a:t>
-                      </a:r>
-                    </a:p>
-                  </a:txBody>
-                  <a:tcPr/>
-                </a:tc>
-                <a:tc>
-                  <a:txBody>
-                    <a:bodyPr/>
-                    <a:lstStyle/>
-                    <a:p>
-                      <a:pPr algn="ctr"/>
-                      <a:r>
-                        <a:rPr kumimoji="1" lang="en-US" altLang="ja-JP" dirty="0"/>
-                        <a:t>10,000</a:t>
-                      </a:r>
-                      <a:endParaRPr kumimoji="1" lang="ja-JP" altLang="en-US" dirty="0"/>
-                    </a:p>
-                  </a:txBody>
-                  <a:tcPr/>
-                </a:tc>
-                <a:extLst>
-                  <a:ext uri="{0D108BD9-81ED-4DB2-BD59-A6C34878D82A}">
-                    <a16:rowId xmlns:a16="http://schemas.microsoft.com/office/drawing/2014/main" val="472355981"/>
-                  </a:ext>
-                </a:extLst>
-              </a:tr>
-              <a:tr h="519085">
-                <a:tc>
-                  <a:txBody>
-                    <a:bodyPr/>
-                    <a:lstStyle/>
-                    <a:p>
-                      <a:pPr algn="ctr"/>
-                      <a:r>
-                        <a:rPr kumimoji="1" lang="en-US" altLang="ja-JP" dirty="0"/>
-                        <a:t>4/29</a:t>
-                      </a:r>
-                      <a:endParaRPr kumimoji="1" lang="ja-JP" altLang="en-US" dirty="0"/>
-                    </a:p>
-                  </a:txBody>
-                  <a:tcPr/>
-                </a:tc>
-                <a:tc>
-                  <a:txBody>
-                    <a:bodyPr/>
-                    <a:lstStyle/>
-                    <a:p>
-                      <a:pPr algn="ctr"/>
-                      <a:r>
-                        <a:rPr kumimoji="1" lang="ja-JP" altLang="en-US" dirty="0"/>
-                        <a:t>交通費</a:t>
-                      </a:r>
-                    </a:p>
-                  </a:txBody>
-                  <a:tcPr/>
-                </a:tc>
-                <a:tc>
-                  <a:txBody>
-                    <a:bodyPr/>
-                    <a:lstStyle/>
-                    <a:p>
-                      <a:pPr algn="ctr"/>
-                      <a:r>
-                        <a:rPr kumimoji="1" lang="en-US" altLang="ja-JP" dirty="0"/>
-                        <a:t>10,000</a:t>
-                      </a:r>
-                      <a:endParaRPr kumimoji="1" lang="ja-JP" altLang="en-US" dirty="0"/>
-                    </a:p>
-                  </a:txBody>
-                  <a:tcPr/>
-                </a:tc>
-                <a:extLst>
-                  <a:ext uri="{0D108BD9-81ED-4DB2-BD59-A6C34878D82A}">
-                    <a16:rowId xmlns:a16="http://schemas.microsoft.com/office/drawing/2014/main" val="1192541178"/>
-                  </a:ext>
-                </a:extLst>
-              </a:tr>
-              <a:tr h="519085">
-                <a:tc>
-                  <a:txBody>
-                    <a:bodyPr/>
-                    <a:lstStyle/>
-                    <a:p>
-                      <a:pPr algn="ctr"/>
-                      <a:endParaRPr kumimoji="1" lang="ja-JP" altLang="en-US" dirty="0"/>
-                    </a:p>
-                  </a:txBody>
-                  <a:tcPr/>
-                </a:tc>
-                <a:tc>
-                  <a:txBody>
-                    <a:bodyPr/>
-                    <a:lstStyle/>
-                    <a:p>
-                      <a:pPr algn="ctr"/>
-                      <a:endParaRPr kumimoji="1" lang="ja-JP" altLang="en-US" dirty="0"/>
-                    </a:p>
-                  </a:txBody>
-                  <a:tcPr/>
-                </a:tc>
-                <a:tc>
-                  <a:txBody>
-                    <a:bodyPr/>
-                    <a:lstStyle/>
-                    <a:p>
-                      <a:pPr algn="ctr"/>
-                      <a:r>
-                        <a:rPr kumimoji="1" lang="ja-JP" altLang="en-US" dirty="0"/>
-                        <a:t>合計金額：</a:t>
-                      </a:r>
-                      <a:r>
-                        <a:rPr kumimoji="1" lang="en-US" altLang="ja-JP" dirty="0"/>
-                        <a:t>52,000</a:t>
-                      </a:r>
-                      <a:r>
-                        <a:rPr kumimoji="1" lang="ja-JP" altLang="en-US" dirty="0"/>
-                        <a:t>円</a:t>
-                      </a:r>
-                    </a:p>
-                  </a:txBody>
-                  <a:tcPr/>
-                </a:tc>
-                <a:extLst>
-                  <a:ext uri="{0D108BD9-81ED-4DB2-BD59-A6C34878D82A}">
-                    <a16:rowId xmlns:a16="http://schemas.microsoft.com/office/drawing/2014/main" val="3034334264"/>
-                  </a:ext>
-                </a:extLst>
-              </a:tr>
-            </a:tbl>
-          </a:graphicData>
-        </a:graphic>
-      </p:graphicFrame>
+              <a:t>デモ</a:t>
+            </a:r>
+            <a:br>
+              <a:rPr kumimoji="1" lang="en-US" altLang="ja-JP" sz="6600" b="1" dirty="0">
+                <a:latin typeface="メイリオ" panose="020B0604030504040204" pitchFamily="50" charset="-128"/>
+                <a:ea typeface="メイリオ" panose="020B0604030504040204" pitchFamily="50" charset="-128"/>
+              </a:rPr>
+            </a:br>
+            <a:endParaRPr kumimoji="1" lang="ja-JP" altLang="en-US" sz="6600" b="1" dirty="0">
+              <a:latin typeface="メイリオ" panose="020B0604030504040204" pitchFamily="50" charset="-128"/>
+              <a:ea typeface="メイリオ" panose="020B0604030504040204" pitchFamily="50" charset="-128"/>
+            </a:endParaRPr>
+          </a:p>
+        </p:txBody>
+      </p:sp>
     </p:spTree>
     <p:extLst>
       <p:ext uri="{BB962C8B-B14F-4D97-AF65-F5344CB8AC3E}">
-        <p14:creationId xmlns:p14="http://schemas.microsoft.com/office/powerpoint/2010/main" val="69149410"/>
+        <p14:creationId xmlns:p14="http://schemas.microsoft.com/office/powerpoint/2010/main" val="3692228257"/>
       </p:ext>
     </p:extLst>
   </p:cSld>
@@ -9915,283 +6715,11 @@
           <a:lstStyle/>
           <a:p>
             <a:r>
-              <a:rPr lang="ja-JP" altLang="en-US" sz="6600" b="1" dirty="0">
+              <a:rPr kumimoji="1" lang="ja-JP" altLang="en-US" sz="6600" b="1" dirty="0">
                 <a:latin typeface="メイリオ" panose="020B0604030504040204" pitchFamily="50" charset="-128"/>
                 <a:ea typeface="メイリオ" panose="020B0604030504040204" pitchFamily="50" charset="-128"/>
               </a:rPr>
-              <a:t>グラフについて</a:t>
-            </a:r>
-            <a:endParaRPr kumimoji="1" lang="ja-JP" altLang="en-US" sz="6600" b="1" dirty="0">
-              <a:latin typeface="メイリオ" panose="020B0604030504040204" pitchFamily="50" charset="-128"/>
-              <a:ea typeface="メイリオ" panose="020B0604030504040204" pitchFamily="50" charset="-128"/>
-            </a:endParaRPr>
-          </a:p>
-        </p:txBody>
-      </p:sp>
-      <p:graphicFrame>
-        <p:nvGraphicFramePr>
-          <p:cNvPr id="5" name="グラフ 4">
-            <a:extLst>
-              <a:ext uri="{FF2B5EF4-FFF2-40B4-BE49-F238E27FC236}">
-                <a16:creationId xmlns:a16="http://schemas.microsoft.com/office/drawing/2014/main" id="{DD32688E-7520-46C6-8037-B9F5D9885BCC}"/>
-              </a:ext>
-            </a:extLst>
-          </p:cNvPr>
-          <p:cNvGraphicFramePr/>
-          <p:nvPr>
-            <p:extLst>
-              <p:ext uri="{D42A27DB-BD31-4B8C-83A1-F6EECF244321}">
-                <p14:modId xmlns:p14="http://schemas.microsoft.com/office/powerpoint/2010/main" val="4235236485"/>
-              </p:ext>
-            </p:extLst>
-          </p:nvPr>
-        </p:nvGraphicFramePr>
-        <p:xfrm>
-          <a:off x="1137146" y="1853754"/>
-          <a:ext cx="5517422" cy="4199727"/>
-        </p:xfrm>
-        <a:graphic>
-          <a:graphicData uri="http://schemas.openxmlformats.org/drawingml/2006/chart">
-            <c:chart xmlns:c="http://schemas.openxmlformats.org/drawingml/2006/chart" xmlns:r="http://schemas.openxmlformats.org/officeDocument/2006/relationships" r:id="rId3"/>
-          </a:graphicData>
-        </a:graphic>
-      </p:graphicFrame>
-      <p:sp>
-        <p:nvSpPr>
-          <p:cNvPr id="8" name="タイトル 1">
-            <a:extLst>
-              <a:ext uri="{FF2B5EF4-FFF2-40B4-BE49-F238E27FC236}">
-                <a16:creationId xmlns:a16="http://schemas.microsoft.com/office/drawing/2014/main" id="{0E44BE37-B083-43B0-B2B2-178F4515F374}"/>
-              </a:ext>
-            </a:extLst>
-          </p:cNvPr>
-          <p:cNvSpPr txBox="1">
-            <a:spLocks/>
-          </p:cNvSpPr>
-          <p:nvPr/>
-        </p:nvSpPr>
-        <p:spPr>
-          <a:xfrm>
-            <a:off x="6414933" y="2995095"/>
-            <a:ext cx="4056814" cy="970450"/>
-          </a:xfrm>
-          <a:prstGeom prst="rect">
-            <a:avLst/>
-          </a:prstGeom>
-          <a:effectLst>
-            <a:outerShdw blurRad="50800" dir="14400000">
-              <a:srgbClr val="000000">
-                <a:alpha val="60000"/>
-              </a:srgbClr>
-            </a:outerShdw>
-          </a:effectLst>
-        </p:spPr>
-        <p:txBody>
-          <a:bodyPr vert="horz" lIns="91440" tIns="45720" rIns="91440" bIns="45720" rtlCol="0" anchor="b">
-            <a:normAutofit fontScale="90000" lnSpcReduction="10000"/>
-          </a:bodyPr>
-          <a:lstStyle>
-            <a:lvl1pPr algn="l" defTabSz="457200" rtl="0" eaLnBrk="1" latinLnBrk="0" hangingPunct="1">
-              <a:spcBef>
-                <a:spcPct val="0"/>
-              </a:spcBef>
-              <a:buNone/>
-              <a:defRPr kumimoji="1" sz="4000" b="1" kern="1200">
-                <a:solidFill>
-                  <a:srgbClr val="FEFEFE"/>
-                </a:solidFill>
-                <a:latin typeface="+mj-lt"/>
-                <a:ea typeface="+mj-ea"/>
-                <a:cs typeface="+mj-cs"/>
-              </a:defRPr>
-            </a:lvl1pPr>
-            <a:lvl2pPr eaLnBrk="1" hangingPunct="1">
-              <a:defRPr kumimoji="1">
-                <a:solidFill>
-                  <a:schemeClr val="tx2"/>
-                </a:solidFill>
-              </a:defRPr>
-            </a:lvl2pPr>
-            <a:lvl3pPr eaLnBrk="1" hangingPunct="1">
-              <a:defRPr kumimoji="1">
-                <a:solidFill>
-                  <a:schemeClr val="tx2"/>
-                </a:solidFill>
-              </a:defRPr>
-            </a:lvl3pPr>
-            <a:lvl4pPr eaLnBrk="1" hangingPunct="1">
-              <a:defRPr kumimoji="1">
-                <a:solidFill>
-                  <a:schemeClr val="tx2"/>
-                </a:solidFill>
-              </a:defRPr>
-            </a:lvl4pPr>
-            <a:lvl5pPr eaLnBrk="1" hangingPunct="1">
-              <a:defRPr kumimoji="1">
-                <a:solidFill>
-                  <a:schemeClr val="tx2"/>
-                </a:solidFill>
-              </a:defRPr>
-            </a:lvl5pPr>
-            <a:lvl6pPr eaLnBrk="1" hangingPunct="1">
-              <a:defRPr kumimoji="1">
-                <a:solidFill>
-                  <a:schemeClr val="tx2"/>
-                </a:solidFill>
-              </a:defRPr>
-            </a:lvl6pPr>
-            <a:lvl7pPr eaLnBrk="1" hangingPunct="1">
-              <a:defRPr kumimoji="1">
-                <a:solidFill>
-                  <a:schemeClr val="tx2"/>
-                </a:solidFill>
-              </a:defRPr>
-            </a:lvl7pPr>
-            <a:lvl8pPr eaLnBrk="1" hangingPunct="1">
-              <a:defRPr kumimoji="1">
-                <a:solidFill>
-                  <a:schemeClr val="tx2"/>
-                </a:solidFill>
-              </a:defRPr>
-            </a:lvl8pPr>
-            <a:lvl9pPr eaLnBrk="1" hangingPunct="1">
-              <a:defRPr kumimoji="1">
-                <a:solidFill>
-                  <a:schemeClr val="tx2"/>
-                </a:solidFill>
-              </a:defRPr>
-            </a:lvl9pPr>
-          </a:lstStyle>
-          <a:p>
-            <a:r>
-              <a:rPr lang="ja-JP" altLang="en-US" sz="6600" dirty="0">
-                <a:solidFill>
-                  <a:schemeClr val="tx1"/>
-                </a:solidFill>
-                <a:latin typeface="メイリオ" panose="020B0604030504040204" pitchFamily="50" charset="-128"/>
-                <a:ea typeface="メイリオ" panose="020B0604030504040204" pitchFamily="50" charset="-128"/>
-              </a:rPr>
-              <a:t>・見やすい</a:t>
-            </a:r>
-          </a:p>
-        </p:txBody>
-      </p:sp>
-      <p:sp>
-        <p:nvSpPr>
-          <p:cNvPr id="9" name="タイトル 1">
-            <a:extLst>
-              <a:ext uri="{FF2B5EF4-FFF2-40B4-BE49-F238E27FC236}">
-                <a16:creationId xmlns:a16="http://schemas.microsoft.com/office/drawing/2014/main" id="{78BC0118-037E-4B4E-B08D-3548E6C4C2C7}"/>
-              </a:ext>
-            </a:extLst>
-          </p:cNvPr>
-          <p:cNvSpPr txBox="1">
-            <a:spLocks/>
-          </p:cNvSpPr>
-          <p:nvPr/>
-        </p:nvSpPr>
-        <p:spPr>
-          <a:xfrm>
-            <a:off x="6414933" y="4144205"/>
-            <a:ext cx="5517422" cy="1174044"/>
-          </a:xfrm>
-          <a:prstGeom prst="rect">
-            <a:avLst/>
-          </a:prstGeom>
-          <a:effectLst>
-            <a:outerShdw blurRad="50800" dir="14400000">
-              <a:srgbClr val="000000">
-                <a:alpha val="60000"/>
-              </a:srgbClr>
-            </a:outerShdw>
-          </a:effectLst>
-        </p:spPr>
-        <p:txBody>
-          <a:bodyPr vert="horz" lIns="91440" tIns="45720" rIns="91440" bIns="45720" rtlCol="0" anchor="b">
-            <a:normAutofit fontScale="90000"/>
-          </a:bodyPr>
-          <a:lstStyle>
-            <a:lvl1pPr algn="l" defTabSz="457200" rtl="0" eaLnBrk="1" latinLnBrk="0" hangingPunct="1">
-              <a:spcBef>
-                <a:spcPct val="0"/>
-              </a:spcBef>
-              <a:buNone/>
-              <a:defRPr kumimoji="1" sz="4000" b="1" kern="1200">
-                <a:solidFill>
-                  <a:srgbClr val="FEFEFE"/>
-                </a:solidFill>
-                <a:latin typeface="+mj-lt"/>
-                <a:ea typeface="+mj-ea"/>
-                <a:cs typeface="+mj-cs"/>
-              </a:defRPr>
-            </a:lvl1pPr>
-            <a:lvl2pPr eaLnBrk="1" hangingPunct="1">
-              <a:defRPr kumimoji="1">
-                <a:solidFill>
-                  <a:schemeClr val="tx2"/>
-                </a:solidFill>
-              </a:defRPr>
-            </a:lvl2pPr>
-            <a:lvl3pPr eaLnBrk="1" hangingPunct="1">
-              <a:defRPr kumimoji="1">
-                <a:solidFill>
-                  <a:schemeClr val="tx2"/>
-                </a:solidFill>
-              </a:defRPr>
-            </a:lvl3pPr>
-            <a:lvl4pPr eaLnBrk="1" hangingPunct="1">
-              <a:defRPr kumimoji="1">
-                <a:solidFill>
-                  <a:schemeClr val="tx2"/>
-                </a:solidFill>
-              </a:defRPr>
-            </a:lvl4pPr>
-            <a:lvl5pPr eaLnBrk="1" hangingPunct="1">
-              <a:defRPr kumimoji="1">
-                <a:solidFill>
-                  <a:schemeClr val="tx2"/>
-                </a:solidFill>
-              </a:defRPr>
-            </a:lvl5pPr>
-            <a:lvl6pPr eaLnBrk="1" hangingPunct="1">
-              <a:defRPr kumimoji="1">
-                <a:solidFill>
-                  <a:schemeClr val="tx2"/>
-                </a:solidFill>
-              </a:defRPr>
-            </a:lvl6pPr>
-            <a:lvl7pPr eaLnBrk="1" hangingPunct="1">
-              <a:defRPr kumimoji="1">
-                <a:solidFill>
-                  <a:schemeClr val="tx2"/>
-                </a:solidFill>
-              </a:defRPr>
-            </a:lvl7pPr>
-            <a:lvl8pPr eaLnBrk="1" hangingPunct="1">
-              <a:defRPr kumimoji="1">
-                <a:solidFill>
-                  <a:schemeClr val="tx2"/>
-                </a:solidFill>
-              </a:defRPr>
-            </a:lvl8pPr>
-            <a:lvl9pPr eaLnBrk="1" hangingPunct="1">
-              <a:defRPr kumimoji="1">
-                <a:solidFill>
-                  <a:schemeClr val="tx2"/>
-                </a:solidFill>
-              </a:defRPr>
-            </a:lvl9pPr>
-          </a:lstStyle>
-          <a:p>
-            <a:r>
-              <a:rPr lang="ja-JP" altLang="en-US" sz="6600" dirty="0">
-                <a:solidFill>
-                  <a:schemeClr val="tx1"/>
-                </a:solidFill>
-                <a:latin typeface="メイリオ" panose="020B0604030504040204" pitchFamily="50" charset="-128"/>
-                <a:ea typeface="メイリオ" panose="020B0604030504040204" pitchFamily="50" charset="-128"/>
-              </a:rPr>
-              <a:t>・わかりやすい</a:t>
+              <a:t>まとめ</a:t>
             </a:r>
           </a:p>
         </p:txBody>
@@ -10199,7 +6727,7 @@
     </p:spTree>
     <p:extLst>
       <p:ext uri="{BB962C8B-B14F-4D97-AF65-F5344CB8AC3E}">
-        <p14:creationId xmlns:p14="http://schemas.microsoft.com/office/powerpoint/2010/main" val="582732901"/>
+        <p14:creationId xmlns:p14="http://schemas.microsoft.com/office/powerpoint/2010/main" val="3468611157"/>
       </p:ext>
     </p:extLst>
   </p:cSld>
@@ -10245,17 +6773,23 @@
         <p:spPr/>
         <p:txBody>
           <a:bodyPr>
-            <a:normAutofit/>
+            <a:normAutofit fontScale="90000"/>
           </a:bodyPr>
           <a:lstStyle/>
           <a:p>
             <a:r>
-              <a:rPr lang="ja-JP" altLang="en-US" sz="6600" b="1" dirty="0">
+              <a:rPr kumimoji="1" lang="ja-JP" altLang="en-US" sz="6600" b="1" dirty="0">
                 <a:latin typeface="メイリオ" panose="020B0604030504040204" pitchFamily="50" charset="-128"/>
                 <a:ea typeface="メイリオ" panose="020B0604030504040204" pitchFamily="50" charset="-128"/>
               </a:rPr>
-              <a:t>通知機能について</a:t>
-            </a:r>
+              <a:t>個人の感想</a:t>
+            </a:r>
+            <a:br>
+              <a:rPr kumimoji="1" lang="en-US" altLang="ja-JP" sz="6600" b="1" dirty="0">
+                <a:latin typeface="メイリオ" panose="020B0604030504040204" pitchFamily="50" charset="-128"/>
+                <a:ea typeface="メイリオ" panose="020B0604030504040204" pitchFamily="50" charset="-128"/>
+              </a:rPr>
+            </a:br>
             <a:endParaRPr kumimoji="1" lang="ja-JP" altLang="en-US" sz="6600" b="1" dirty="0">
               <a:latin typeface="メイリオ" panose="020B0604030504040204" pitchFamily="50" charset="-128"/>
               <a:ea typeface="メイリオ" panose="020B0604030504040204" pitchFamily="50" charset="-128"/>
@@ -10263,202 +6797,10 @@
           </a:p>
         </p:txBody>
       </p:sp>
-      <p:pic>
-        <p:nvPicPr>
-          <p:cNvPr id="6" name="図 5" descr="コンピュータ が含まれている画像&#10;&#10;自動的に生成された説明">
-            <a:extLst>
-              <a:ext uri="{FF2B5EF4-FFF2-40B4-BE49-F238E27FC236}">
-                <a16:creationId xmlns:a16="http://schemas.microsoft.com/office/drawing/2014/main" id="{3C3BC2A6-9D57-4A5D-A4B9-D1719765485C}"/>
-              </a:ext>
-            </a:extLst>
-          </p:cNvPr>
-          <p:cNvPicPr>
-            <a:picLocks noChangeAspect="1"/>
-          </p:cNvPicPr>
-          <p:nvPr/>
-        </p:nvPicPr>
-        <p:blipFill>
-          <a:blip r:embed="rId3">
-            <a:extLst>
-              <a:ext uri="{28A0092B-C50C-407E-A947-70E740481C1C}">
-                <a14:useLocalDpi xmlns:a14="http://schemas.microsoft.com/office/drawing/2010/main" val="0"/>
-              </a:ext>
-            </a:extLst>
-          </a:blip>
-          <a:stretch>
-            <a:fillRect/>
-          </a:stretch>
-        </p:blipFill>
-        <p:spPr>
-          <a:xfrm>
-            <a:off x="747937" y="2748993"/>
-            <a:ext cx="3810532" cy="3057952"/>
-          </a:xfrm>
-          <a:prstGeom prst="rect">
-            <a:avLst/>
-          </a:prstGeom>
-        </p:spPr>
-      </p:pic>
-      <p:pic>
-        <p:nvPicPr>
-          <p:cNvPr id="8" name="図 7" descr="時計, 挿絵 が含まれている画像&#10;&#10;自動的に生成された説明">
-            <a:extLst>
-              <a:ext uri="{FF2B5EF4-FFF2-40B4-BE49-F238E27FC236}">
-                <a16:creationId xmlns:a16="http://schemas.microsoft.com/office/drawing/2014/main" id="{878C19F6-0BE7-452B-9D92-8CE62CBA498B}"/>
-              </a:ext>
-            </a:extLst>
-          </p:cNvPr>
-          <p:cNvPicPr>
-            <a:picLocks noChangeAspect="1"/>
-          </p:cNvPicPr>
-          <p:nvPr/>
-        </p:nvPicPr>
-        <p:blipFill>
-          <a:blip r:embed="rId4">
-            <a:extLst>
-              <a:ext uri="{28A0092B-C50C-407E-A947-70E740481C1C}">
-                <a14:useLocalDpi xmlns:a14="http://schemas.microsoft.com/office/drawing/2010/main" val="0"/>
-              </a:ext>
-            </a:extLst>
-          </a:blip>
-          <a:stretch>
-            <a:fillRect/>
-          </a:stretch>
-        </p:blipFill>
-        <p:spPr>
-          <a:xfrm>
-            <a:off x="5172384" y="2113200"/>
-            <a:ext cx="1847229" cy="1847229"/>
-          </a:xfrm>
-          <a:prstGeom prst="rect">
-            <a:avLst/>
-          </a:prstGeom>
-        </p:spPr>
-      </p:pic>
-      <p:pic>
-        <p:nvPicPr>
-          <p:cNvPr id="10" name="図 9">
-            <a:extLst>
-              <a:ext uri="{FF2B5EF4-FFF2-40B4-BE49-F238E27FC236}">
-                <a16:creationId xmlns:a16="http://schemas.microsoft.com/office/drawing/2014/main" id="{56570851-A78A-4AA3-B1E1-AF584AD3F3AC}"/>
-              </a:ext>
-            </a:extLst>
-          </p:cNvPr>
-          <p:cNvPicPr>
-            <a:picLocks noChangeAspect="1"/>
-          </p:cNvPicPr>
-          <p:nvPr/>
-        </p:nvPicPr>
-        <p:blipFill>
-          <a:blip r:embed="rId5">
-            <a:extLst>
-              <a:ext uri="{28A0092B-C50C-407E-A947-70E740481C1C}">
-                <a14:useLocalDpi xmlns:a14="http://schemas.microsoft.com/office/drawing/2010/main" val="0"/>
-              </a:ext>
-            </a:extLst>
-          </a:blip>
-          <a:stretch>
-            <a:fillRect/>
-          </a:stretch>
-        </p:blipFill>
-        <p:spPr>
-          <a:xfrm>
-            <a:off x="8188342" y="1862920"/>
-            <a:ext cx="3000794" cy="4286848"/>
-          </a:xfrm>
-          <a:prstGeom prst="rect">
-            <a:avLst/>
-          </a:prstGeom>
-        </p:spPr>
-      </p:pic>
-      <p:sp>
-        <p:nvSpPr>
-          <p:cNvPr id="11" name="矢印: 右 10">
-            <a:extLst>
-              <a:ext uri="{FF2B5EF4-FFF2-40B4-BE49-F238E27FC236}">
-                <a16:creationId xmlns:a16="http://schemas.microsoft.com/office/drawing/2014/main" id="{A6BFCFFB-CA96-4D08-A2CA-9265FCFBBA9E}"/>
-              </a:ext>
-            </a:extLst>
-          </p:cNvPr>
-          <p:cNvSpPr/>
-          <p:nvPr/>
-        </p:nvSpPr>
-        <p:spPr>
-          <a:xfrm>
-            <a:off x="4804540" y="3977290"/>
-            <a:ext cx="3137731" cy="1118914"/>
-          </a:xfrm>
-          <a:prstGeom prst="rightArrow">
-            <a:avLst/>
-          </a:prstGeom>
-        </p:spPr>
-        <p:style>
-          <a:lnRef idx="2">
-            <a:schemeClr val="accent1">
-              <a:shade val="50000"/>
-            </a:schemeClr>
-          </a:lnRef>
-          <a:fillRef idx="1">
-            <a:schemeClr val="accent1"/>
-          </a:fillRef>
-          <a:effectRef idx="0">
-            <a:schemeClr val="accent1"/>
-          </a:effectRef>
-          <a:fontRef idx="minor">
-            <a:schemeClr val="lt1"/>
-          </a:fontRef>
-        </p:style>
-        <p:txBody>
-          <a:bodyPr rtlCol="0" anchor="ctr"/>
-          <a:lstStyle/>
-          <a:p>
-            <a:pPr algn="ctr"/>
-            <a:endParaRPr kumimoji="1" lang="ja-JP" altLang="en-US"/>
-          </a:p>
-        </p:txBody>
-      </p:sp>
-      <p:sp>
-        <p:nvSpPr>
-          <p:cNvPr id="12" name="テキスト ボックス 11">
-            <a:extLst>
-              <a:ext uri="{FF2B5EF4-FFF2-40B4-BE49-F238E27FC236}">
-                <a16:creationId xmlns:a16="http://schemas.microsoft.com/office/drawing/2014/main" id="{5D513AA7-D923-460F-90CA-EB0C00E52258}"/>
-              </a:ext>
-            </a:extLst>
-          </p:cNvPr>
-          <p:cNvSpPr txBox="1"/>
-          <p:nvPr/>
-        </p:nvSpPr>
-        <p:spPr>
-          <a:xfrm>
-            <a:off x="5172384" y="5036768"/>
-            <a:ext cx="2283638" cy="1207734"/>
-          </a:xfrm>
-          <a:prstGeom prst="rect">
-            <a:avLst/>
-          </a:prstGeom>
-          <a:noFill/>
-        </p:spPr>
-        <p:txBody>
-          <a:bodyPr wrap="square" rtlCol="0">
-            <a:spAutoFit/>
-          </a:bodyPr>
-          <a:lstStyle/>
-          <a:p>
-            <a:r>
-              <a:rPr kumimoji="1" lang="ja-JP" altLang="en-US" sz="7200" b="1" dirty="0">
-                <a:latin typeface="メイリオ" panose="020B0604030504040204" pitchFamily="50" charset="-128"/>
-                <a:ea typeface="メイリオ" panose="020B0604030504040204" pitchFamily="50" charset="-128"/>
-              </a:rPr>
-              <a:t>通知</a:t>
-            </a:r>
-          </a:p>
-        </p:txBody>
-      </p:sp>
     </p:spTree>
     <p:extLst>
       <p:ext uri="{BB962C8B-B14F-4D97-AF65-F5344CB8AC3E}">
-        <p14:creationId xmlns:p14="http://schemas.microsoft.com/office/powerpoint/2010/main" val="4282658993"/>
+        <p14:creationId xmlns:p14="http://schemas.microsoft.com/office/powerpoint/2010/main" val="584786710"/>
       </p:ext>
     </p:extLst>
   </p:cSld>
@@ -10501,297 +6843,42 @@
             <p:ph type="title"/>
           </p:nvPr>
         </p:nvSpPr>
-        <p:spPr/>
+        <p:spPr>
+          <a:xfrm>
+            <a:off x="906437" y="3298480"/>
+            <a:ext cx="10936111" cy="1325563"/>
+          </a:xfrm>
+        </p:spPr>
         <p:txBody>
           <a:bodyPr>
-            <a:normAutofit/>
+            <a:normAutofit fontScale="90000"/>
           </a:bodyPr>
           <a:lstStyle/>
           <a:p>
             <a:r>
-              <a:rPr kumimoji="1" lang="ja-JP" altLang="en-US" sz="6600" b="1" dirty="0">
+              <a:rPr lang="ja-JP" altLang="en-US" sz="6600" b="1" dirty="0">
                 <a:latin typeface="メイリオ" panose="020B0604030504040204" pitchFamily="50" charset="-128"/>
                 <a:ea typeface="メイリオ" panose="020B0604030504040204" pitchFamily="50" charset="-128"/>
               </a:rPr>
-              <a:t>まとめ</a:t>
-            </a:r>
-          </a:p>
-        </p:txBody>
-      </p:sp>
-      <p:sp>
-        <p:nvSpPr>
-          <p:cNvPr id="4" name="テキスト ボックス 3">
-            <a:extLst>
-              <a:ext uri="{FF2B5EF4-FFF2-40B4-BE49-F238E27FC236}">
-                <a16:creationId xmlns:a16="http://schemas.microsoft.com/office/drawing/2014/main" id="{F6B07B36-F475-49AB-98BA-68CEE1A6A6C1}"/>
-              </a:ext>
-            </a:extLst>
-          </p:cNvPr>
-          <p:cNvSpPr txBox="1"/>
-          <p:nvPr/>
-        </p:nvSpPr>
-        <p:spPr>
-          <a:xfrm>
-            <a:off x="1676400" y="2243220"/>
-            <a:ext cx="10515600" cy="923330"/>
-          </a:xfrm>
-          <a:prstGeom prst="rect">
-            <a:avLst/>
-          </a:prstGeom>
-          <a:noFill/>
-        </p:spPr>
-        <p:txBody>
-          <a:bodyPr wrap="square" rtlCol="0">
-            <a:spAutoFit/>
-          </a:bodyPr>
-          <a:lstStyle/>
-          <a:p>
-            <a:r>
-              <a:rPr kumimoji="1" lang="ja-JP" altLang="en-US" sz="5400" b="1" dirty="0">
-                <a:latin typeface="メイリオ" panose="020B0604030504040204" pitchFamily="50" charset="-128"/>
-                <a:ea typeface="メイリオ" panose="020B0604030504040204" pitchFamily="50" charset="-128"/>
-              </a:rPr>
-              <a:t>・わかりやすい円グラフ</a:t>
-            </a:r>
-          </a:p>
-        </p:txBody>
-      </p:sp>
-      <p:sp>
-        <p:nvSpPr>
-          <p:cNvPr id="5" name="テキスト ボックス 4">
-            <a:extLst>
-              <a:ext uri="{FF2B5EF4-FFF2-40B4-BE49-F238E27FC236}">
-                <a16:creationId xmlns:a16="http://schemas.microsoft.com/office/drawing/2014/main" id="{764637BF-41C7-4AB6-B502-31890ADC4B9B}"/>
-              </a:ext>
-            </a:extLst>
-          </p:cNvPr>
-          <p:cNvSpPr txBox="1"/>
-          <p:nvPr/>
-        </p:nvSpPr>
-        <p:spPr>
-          <a:xfrm>
-            <a:off x="1676400" y="3251740"/>
-            <a:ext cx="10515600" cy="923330"/>
-          </a:xfrm>
-          <a:prstGeom prst="rect">
-            <a:avLst/>
-          </a:prstGeom>
-          <a:noFill/>
-        </p:spPr>
-        <p:txBody>
-          <a:bodyPr wrap="square" rtlCol="0">
-            <a:spAutoFit/>
-          </a:bodyPr>
-          <a:lstStyle/>
-          <a:p>
-            <a:r>
-              <a:rPr kumimoji="1" lang="ja-JP" altLang="en-US" sz="5400" b="1" dirty="0">
-                <a:latin typeface="メイリオ" panose="020B0604030504040204" pitchFamily="50" charset="-128"/>
-                <a:ea typeface="メイリオ" panose="020B0604030504040204" pitchFamily="50" charset="-128"/>
-              </a:rPr>
-              <a:t>・継続するための通知機能</a:t>
-            </a:r>
-          </a:p>
-        </p:txBody>
-      </p:sp>
-      <p:grpSp>
-        <p:nvGrpSpPr>
-          <p:cNvPr id="3" name="グループ化 2">
-            <a:extLst>
-              <a:ext uri="{FF2B5EF4-FFF2-40B4-BE49-F238E27FC236}">
-                <a16:creationId xmlns:a16="http://schemas.microsoft.com/office/drawing/2014/main" id="{3DFCC775-FC06-4CFF-8803-2181EBF7C574}"/>
-              </a:ext>
-            </a:extLst>
-          </p:cNvPr>
-          <p:cNvGrpSpPr/>
-          <p:nvPr/>
-        </p:nvGrpSpPr>
-        <p:grpSpPr>
-          <a:xfrm>
-            <a:off x="853440" y="4080917"/>
-            <a:ext cx="11338560" cy="2031326"/>
-            <a:chOff x="853440" y="4080917"/>
-            <a:chExt cx="11338560" cy="2031326"/>
-          </a:xfrm>
-        </p:grpSpPr>
-        <p:sp>
-          <p:nvSpPr>
-            <p:cNvPr id="6" name="テキスト ボックス 5">
-              <a:extLst>
-                <a:ext uri="{FF2B5EF4-FFF2-40B4-BE49-F238E27FC236}">
-                  <a16:creationId xmlns:a16="http://schemas.microsoft.com/office/drawing/2014/main" id="{60B63C3D-0924-43CE-AFE9-97666171B49F}"/>
-                </a:ext>
-              </a:extLst>
-            </p:cNvPr>
-            <p:cNvSpPr txBox="1"/>
-            <p:nvPr/>
-          </p:nvSpPr>
-          <p:spPr>
-            <a:xfrm>
-              <a:off x="853440" y="5004247"/>
-              <a:ext cx="11338560" cy="1107996"/>
-            </a:xfrm>
-            <a:prstGeom prst="rect">
-              <a:avLst/>
-            </a:prstGeom>
-            <a:noFill/>
-          </p:spPr>
-          <p:txBody>
-            <a:bodyPr wrap="square" rtlCol="0">
-              <a:spAutoFit/>
-            </a:bodyPr>
-            <a:lstStyle/>
-            <a:p>
-              <a:r>
-                <a:rPr kumimoji="1" lang="ja-JP" altLang="en-US" sz="6600" b="1" dirty="0">
-                  <a:latin typeface="メイリオ" panose="020B0604030504040204" pitchFamily="50" charset="-128"/>
-                  <a:ea typeface="メイリオ" panose="020B0604030504040204" pitchFamily="50" charset="-128"/>
-                </a:rPr>
-                <a:t>家計簿アプリの開発を目指す</a:t>
-              </a:r>
-            </a:p>
-          </p:txBody>
-        </p:sp>
-        <p:sp>
-          <p:nvSpPr>
-            <p:cNvPr id="7" name="矢印: 下 6">
-              <a:extLst>
-                <a:ext uri="{FF2B5EF4-FFF2-40B4-BE49-F238E27FC236}">
-                  <a16:creationId xmlns:a16="http://schemas.microsoft.com/office/drawing/2014/main" id="{AE313CD0-7327-454D-9AFC-A92635353BEF}"/>
-                </a:ext>
-              </a:extLst>
-            </p:cNvPr>
-            <p:cNvSpPr/>
-            <p:nvPr/>
-          </p:nvSpPr>
-          <p:spPr>
-            <a:xfrm>
-              <a:off x="5274808" y="4080917"/>
-              <a:ext cx="1956816" cy="923330"/>
-            </a:xfrm>
-            <a:prstGeom prst="downArrow">
-              <a:avLst/>
-            </a:prstGeom>
-          </p:spPr>
-          <p:style>
-            <a:lnRef idx="2">
-              <a:schemeClr val="accent1">
-                <a:shade val="50000"/>
-              </a:schemeClr>
-            </a:lnRef>
-            <a:fillRef idx="1">
-              <a:schemeClr val="accent1"/>
-            </a:fillRef>
-            <a:effectRef idx="0">
-              <a:schemeClr val="accent1"/>
-            </a:effectRef>
-            <a:fontRef idx="minor">
-              <a:schemeClr val="lt1"/>
-            </a:fontRef>
-          </p:style>
-          <p:txBody>
-            <a:bodyPr rtlCol="0" anchor="ctr"/>
-            <a:lstStyle/>
-            <a:p>
-              <a:pPr algn="ctr"/>
-              <a:endParaRPr kumimoji="1" lang="ja-JP" altLang="en-US"/>
-            </a:p>
-          </p:txBody>
-        </p:sp>
-      </p:grpSp>
+              <a:t>ご清聴ありがとうございました</a:t>
+            </a:r>
+            <a:endParaRPr kumimoji="1" lang="ja-JP" altLang="en-US" sz="6600" b="1" dirty="0">
+              <a:latin typeface="メイリオ" panose="020B0604030504040204" pitchFamily="50" charset="-128"/>
+              <a:ea typeface="メイリオ" panose="020B0604030504040204" pitchFamily="50" charset="-128"/>
+            </a:endParaRPr>
+          </a:p>
+        </p:txBody>
+      </p:sp>
     </p:spTree>
     <p:extLst>
       <p:ext uri="{BB962C8B-B14F-4D97-AF65-F5344CB8AC3E}">
-        <p14:creationId xmlns:p14="http://schemas.microsoft.com/office/powerpoint/2010/main" val="3468611157"/>
+        <p14:creationId xmlns:p14="http://schemas.microsoft.com/office/powerpoint/2010/main" val="930684599"/>
       </p:ext>
     </p:extLst>
   </p:cSld>
   <p:clrMapOvr>
     <a:masterClrMapping/>
   </p:clrMapOvr>
-  <p:timing>
-    <p:tnLst>
-      <p:par>
-        <p:cTn id="1" dur="indefinite" restart="never" nodeType="tmRoot">
-          <p:childTnLst>
-            <p:seq concurrent="1" nextAc="seek">
-              <p:cTn id="2" dur="indefinite" nodeType="mainSeq">
-                <p:childTnLst>
-                  <p:par>
-                    <p:cTn id="3" fill="hold">
-                      <p:stCondLst>
-                        <p:cond delay="indefinite"/>
-                      </p:stCondLst>
-                      <p:childTnLst>
-                        <p:par>
-                          <p:cTn id="4" fill="hold">
-                            <p:stCondLst>
-                              <p:cond delay="0"/>
-                            </p:stCondLst>
-                            <p:childTnLst>
-                              <p:par>
-                                <p:cTn id="5" presetID="10" presetClass="entr" presetSubtype="0" fill="hold" nodeType="clickEffect">
-                                  <p:stCondLst>
-                                    <p:cond delay="0"/>
-                                  </p:stCondLst>
-                                  <p:childTnLst>
-                                    <p:set>
-                                      <p:cBhvr>
-                                        <p:cTn id="6" dur="1" fill="hold">
-                                          <p:stCondLst>
-                                            <p:cond delay="0"/>
-                                          </p:stCondLst>
-                                        </p:cTn>
-                                        <p:tgtEl>
-                                          <p:spTgt spid="3"/>
-                                        </p:tgtEl>
-                                        <p:attrNameLst>
-                                          <p:attrName>style.visibility</p:attrName>
-                                        </p:attrNameLst>
-                                      </p:cBhvr>
-                                      <p:to>
-                                        <p:strVal val="visible"/>
-                                      </p:to>
-                                    </p:set>
-                                    <p:animEffect transition="in" filter="fade">
-                                      <p:cBhvr>
-                                        <p:cTn id="7" dur="500"/>
-                                        <p:tgtEl>
-                                          <p:spTgt spid="3"/>
-                                        </p:tgtEl>
-                                      </p:cBhvr>
-                                    </p:animEffect>
-                                  </p:childTnLst>
-                                </p:cTn>
-                              </p:par>
-                            </p:childTnLst>
-                          </p:cTn>
-                        </p:par>
-                      </p:childTnLst>
-                    </p:cTn>
-                  </p:par>
-                </p:childTnLst>
-              </p:cTn>
-              <p:prevCondLst>
-                <p:cond evt="onPrev" delay="0">
-                  <p:tgtEl>
-                    <p:sldTgt/>
-                  </p:tgtEl>
-                </p:cond>
-              </p:prevCondLst>
-              <p:nextCondLst>
-                <p:cond evt="onNext" delay="0">
-                  <p:tgtEl>
-                    <p:sldTgt/>
-                  </p:tgtEl>
-                </p:cond>
-              </p:nextCondLst>
-            </p:seq>
-          </p:childTnLst>
-        </p:cTn>
-      </p:par>
-    </p:tnLst>
-  </p:timing>
 </p:sld>
 </file>
 

--- a/9.発表資料/グループディスカッション_グループA.pptx
+++ b/9.発表資料/グループディスカッション_グループA.pptx
@@ -5,7 +5,7 @@
     <p:sldMasterId id="2147483687" r:id="rId1"/>
   </p:sldMasterIdLst>
   <p:notesMasterIdLst>
-    <p:notesMasterId r:id="rId11"/>
+    <p:notesMasterId r:id="rId16"/>
   </p:notesMasterIdLst>
   <p:sldIdLst>
     <p:sldId id="256" r:id="rId2"/>
@@ -13,10 +13,15 @@
     <p:sldId id="257" r:id="rId4"/>
     <p:sldId id="258" r:id="rId5"/>
     <p:sldId id="259" r:id="rId6"/>
-    <p:sldId id="270" r:id="rId7"/>
-    <p:sldId id="262" r:id="rId8"/>
-    <p:sldId id="271" r:id="rId9"/>
-    <p:sldId id="263" r:id="rId10"/>
+    <p:sldId id="264" r:id="rId7"/>
+    <p:sldId id="261" r:id="rId8"/>
+    <p:sldId id="260" r:id="rId9"/>
+    <p:sldId id="265" r:id="rId10"/>
+    <p:sldId id="262" r:id="rId11"/>
+    <p:sldId id="268" r:id="rId12"/>
+    <p:sldId id="269" r:id="rId13"/>
+    <p:sldId id="263" r:id="rId14"/>
+    <p:sldId id="267" r:id="rId15"/>
   </p:sldIdLst>
   <p:sldSz cx="12192000" cy="6858000"/>
   <p:notesSz cx="6858000" cy="9144000"/>
@@ -123,6 +128,1038 @@
 </p:presentation>
 </file>
 
+<file path=ppt/charts/chart1.xml><?xml version="1.0" encoding="utf-8"?>
+<c:chartSpace xmlns:c="http://schemas.openxmlformats.org/drawingml/2006/chart" xmlns:a="http://schemas.openxmlformats.org/drawingml/2006/main" xmlns:r="http://schemas.openxmlformats.org/officeDocument/2006/relationships" xmlns:c16r2="http://schemas.microsoft.com/office/drawing/2015/06/chart">
+  <c:date1904 val="0"/>
+  <c:lang val="ja-JP"/>
+  <c:roundedCorners val="0"/>
+  <mc:AlternateContent xmlns:mc="http://schemas.openxmlformats.org/markup-compatibility/2006">
+    <mc:Choice xmlns:c14="http://schemas.microsoft.com/office/drawing/2007/8/2/chart" Requires="c14">
+      <c14:style val="102"/>
+    </mc:Choice>
+    <mc:Fallback>
+      <c:style val="2"/>
+    </mc:Fallback>
+  </mc:AlternateContent>
+  <c:chart>
+    <c:title>
+      <c:overlay val="0"/>
+      <c:spPr>
+        <a:noFill/>
+        <a:ln>
+          <a:noFill/>
+        </a:ln>
+        <a:effectLst/>
+      </c:spPr>
+      <c:txPr>
+        <a:bodyPr rot="0" spcFirstLastPara="1" vertOverflow="ellipsis" vert="horz" wrap="square" anchor="ctr" anchorCtr="1"/>
+        <a:lstStyle/>
+        <a:p>
+          <a:pPr>
+            <a:defRPr sz="2200" b="1" i="0" u="none" strike="noStrike" kern="1200" baseline="0">
+              <a:solidFill>
+                <a:schemeClr val="dk1">
+                  <a:lumMod val="75000"/>
+                  <a:lumOff val="25000"/>
+                </a:schemeClr>
+              </a:solidFill>
+              <a:latin typeface="+mn-lt"/>
+              <a:ea typeface="+mn-ea"/>
+              <a:cs typeface="+mn-cs"/>
+            </a:defRPr>
+          </a:pPr>
+          <a:endParaRPr lang="ja-JP"/>
+        </a:p>
+      </c:txPr>
+    </c:title>
+    <c:autoTitleDeleted val="0"/>
+    <c:plotArea>
+      <c:layout/>
+      <c:pieChart>
+        <c:varyColors val="1"/>
+        <c:ser>
+          <c:idx val="0"/>
+          <c:order val="0"/>
+          <c:tx>
+            <c:strRef>
+              <c:f>Sheet1!$B$1</c:f>
+              <c:strCache>
+                <c:ptCount val="1"/>
+                <c:pt idx="0">
+                  <c:v>４月</c:v>
+                </c:pt>
+              </c:strCache>
+            </c:strRef>
+          </c:tx>
+          <c:dPt>
+            <c:idx val="0"/>
+            <c:bubble3D val="0"/>
+            <c:spPr>
+              <a:solidFill>
+                <a:schemeClr val="accent1"/>
+              </a:solidFill>
+              <a:ln>
+                <a:noFill/>
+              </a:ln>
+              <a:effectLst>
+                <a:outerShdw blurRad="254000" sx="102000" sy="102000" algn="ctr" rotWithShape="0">
+                  <a:prstClr val="black">
+                    <a:alpha val="20000"/>
+                  </a:prstClr>
+                </a:outerShdw>
+              </a:effectLst>
+            </c:spPr>
+            <c:extLst>
+              <c:ext xmlns:c16="http://schemas.microsoft.com/office/drawing/2014/chart" uri="{C3380CC4-5D6E-409C-BE32-E72D297353CC}">
+                <c16:uniqueId val="{00000001-09D3-4E42-A0D9-5934BBDC84A4}"/>
+              </c:ext>
+            </c:extLst>
+          </c:dPt>
+          <c:dPt>
+            <c:idx val="1"/>
+            <c:bubble3D val="0"/>
+            <c:spPr>
+              <a:solidFill>
+                <a:schemeClr val="accent2"/>
+              </a:solidFill>
+              <a:ln>
+                <a:noFill/>
+              </a:ln>
+              <a:effectLst>
+                <a:outerShdw blurRad="254000" sx="102000" sy="102000" algn="ctr" rotWithShape="0">
+                  <a:prstClr val="black">
+                    <a:alpha val="20000"/>
+                  </a:prstClr>
+                </a:outerShdw>
+              </a:effectLst>
+            </c:spPr>
+            <c:extLst>
+              <c:ext xmlns:c16="http://schemas.microsoft.com/office/drawing/2014/chart" uri="{C3380CC4-5D6E-409C-BE32-E72D297353CC}">
+                <c16:uniqueId val="{00000003-09D3-4E42-A0D9-5934BBDC84A4}"/>
+              </c:ext>
+            </c:extLst>
+          </c:dPt>
+          <c:dPt>
+            <c:idx val="2"/>
+            <c:bubble3D val="0"/>
+            <c:spPr>
+              <a:solidFill>
+                <a:schemeClr val="accent3"/>
+              </a:solidFill>
+              <a:ln>
+                <a:noFill/>
+              </a:ln>
+              <a:effectLst>
+                <a:outerShdw blurRad="254000" sx="102000" sy="102000" algn="ctr" rotWithShape="0">
+                  <a:prstClr val="black">
+                    <a:alpha val="20000"/>
+                  </a:prstClr>
+                </a:outerShdw>
+              </a:effectLst>
+            </c:spPr>
+            <c:extLst>
+              <c:ext xmlns:c16="http://schemas.microsoft.com/office/drawing/2014/chart" uri="{C3380CC4-5D6E-409C-BE32-E72D297353CC}">
+                <c16:uniqueId val="{00000005-09D3-4E42-A0D9-5934BBDC84A4}"/>
+              </c:ext>
+            </c:extLst>
+          </c:dPt>
+          <c:dPt>
+            <c:idx val="3"/>
+            <c:bubble3D val="0"/>
+            <c:spPr>
+              <a:solidFill>
+                <a:schemeClr val="accent4"/>
+              </a:solidFill>
+              <a:ln>
+                <a:noFill/>
+              </a:ln>
+              <a:effectLst>
+                <a:outerShdw blurRad="254000" sx="102000" sy="102000" algn="ctr" rotWithShape="0">
+                  <a:prstClr val="black">
+                    <a:alpha val="20000"/>
+                  </a:prstClr>
+                </a:outerShdw>
+              </a:effectLst>
+            </c:spPr>
+            <c:extLst>
+              <c:ext xmlns:c16="http://schemas.microsoft.com/office/drawing/2014/chart" uri="{C3380CC4-5D6E-409C-BE32-E72D297353CC}">
+                <c16:uniqueId val="{00000007-09D3-4E42-A0D9-5934BBDC84A4}"/>
+              </c:ext>
+            </c:extLst>
+          </c:dPt>
+          <c:dLbls>
+            <c:spPr>
+              <a:pattFill prst="pct75">
+                <a:fgClr>
+                  <a:schemeClr val="dk1">
+                    <a:lumMod val="75000"/>
+                    <a:lumOff val="25000"/>
+                  </a:schemeClr>
+                </a:fgClr>
+                <a:bgClr>
+                  <a:schemeClr val="dk1">
+                    <a:lumMod val="65000"/>
+                    <a:lumOff val="35000"/>
+                  </a:schemeClr>
+                </a:bgClr>
+              </a:pattFill>
+              <a:ln>
+                <a:noFill/>
+              </a:ln>
+              <a:effectLst>
+                <a:outerShdw blurRad="50800" dist="38100" dir="2700000" algn="tl" rotWithShape="0">
+                  <a:prstClr val="black">
+                    <a:alpha val="40000"/>
+                  </a:prstClr>
+                </a:outerShdw>
+              </a:effectLst>
+            </c:spPr>
+            <c:txPr>
+              <a:bodyPr rot="0" spcFirstLastPara="1" vertOverflow="ellipsis" vert="horz" wrap="square" lIns="38100" tIns="19050" rIns="38100" bIns="19050" anchor="ctr" anchorCtr="1">
+                <a:spAutoFit/>
+              </a:bodyPr>
+              <a:lstStyle/>
+              <a:p>
+                <a:pPr>
+                  <a:defRPr sz="1330" b="1" i="0" u="none" strike="noStrike" kern="1200" baseline="0">
+                    <a:solidFill>
+                      <a:schemeClr val="lt1"/>
+                    </a:solidFill>
+                    <a:latin typeface="+mn-lt"/>
+                    <a:ea typeface="+mn-ea"/>
+                    <a:cs typeface="+mn-cs"/>
+                  </a:defRPr>
+                </a:pPr>
+                <a:endParaRPr lang="ja-JP"/>
+              </a:p>
+            </c:txPr>
+            <c:dLblPos val="ctr"/>
+            <c:showLegendKey val="0"/>
+            <c:showVal val="0"/>
+            <c:showCatName val="0"/>
+            <c:showSerName val="0"/>
+            <c:showPercent val="1"/>
+            <c:showBubbleSize val="0"/>
+            <c:showLeaderLines val="1"/>
+            <c:leaderLines>
+              <c:spPr>
+                <a:ln w="9525">
+                  <a:solidFill>
+                    <a:schemeClr val="dk1">
+                      <a:lumMod val="50000"/>
+                      <a:lumOff val="50000"/>
+                    </a:schemeClr>
+                  </a:solidFill>
+                </a:ln>
+                <a:effectLst/>
+              </c:spPr>
+            </c:leaderLines>
+            <c:extLst>
+              <c:ext xmlns:c15="http://schemas.microsoft.com/office/drawing/2012/chart" uri="{CE6537A1-D6FC-4f65-9D91-7224C49458BB}"/>
+            </c:extLst>
+          </c:dLbls>
+          <c:cat>
+            <c:strRef>
+              <c:f>Sheet1!$A$2:$A$5</c:f>
+              <c:strCache>
+                <c:ptCount val="4"/>
+                <c:pt idx="0">
+                  <c:v>食費</c:v>
+                </c:pt>
+                <c:pt idx="1">
+                  <c:v>交通費</c:v>
+                </c:pt>
+                <c:pt idx="2">
+                  <c:v>娯楽費</c:v>
+                </c:pt>
+                <c:pt idx="3">
+                  <c:v>その他</c:v>
+                </c:pt>
+              </c:strCache>
+            </c:strRef>
+          </c:cat>
+          <c:val>
+            <c:numRef>
+              <c:f>Sheet1!$B$2:$B$5</c:f>
+              <c:numCache>
+                <c:formatCode>General</c:formatCode>
+                <c:ptCount val="4"/>
+                <c:pt idx="0">
+                  <c:v>7000</c:v>
+                </c:pt>
+                <c:pt idx="1">
+                  <c:v>15000</c:v>
+                </c:pt>
+                <c:pt idx="2">
+                  <c:v>10000</c:v>
+                </c:pt>
+                <c:pt idx="3">
+                  <c:v>10000</c:v>
+                </c:pt>
+              </c:numCache>
+            </c:numRef>
+          </c:val>
+          <c:extLst>
+            <c:ext xmlns:c16="http://schemas.microsoft.com/office/drawing/2014/chart" uri="{C3380CC4-5D6E-409C-BE32-E72D297353CC}">
+              <c16:uniqueId val="{00000000-0600-47A0-B38C-7DD28B31DC72}"/>
+            </c:ext>
+          </c:extLst>
+        </c:ser>
+        <c:dLbls>
+          <c:dLblPos val="ctr"/>
+          <c:showLegendKey val="0"/>
+          <c:showVal val="0"/>
+          <c:showCatName val="0"/>
+          <c:showSerName val="0"/>
+          <c:showPercent val="1"/>
+          <c:showBubbleSize val="0"/>
+          <c:showLeaderLines val="1"/>
+        </c:dLbls>
+        <c:firstSliceAng val="0"/>
+      </c:pieChart>
+      <c:spPr>
+        <a:noFill/>
+        <a:ln>
+          <a:noFill/>
+        </a:ln>
+        <a:effectLst/>
+      </c:spPr>
+    </c:plotArea>
+    <c:legend>
+      <c:legendPos val="r"/>
+      <c:overlay val="0"/>
+      <c:spPr>
+        <a:solidFill>
+          <a:schemeClr val="lt1">
+            <a:lumMod val="95000"/>
+            <a:alpha val="39000"/>
+          </a:schemeClr>
+        </a:solidFill>
+        <a:ln>
+          <a:noFill/>
+        </a:ln>
+        <a:effectLst/>
+      </c:spPr>
+      <c:txPr>
+        <a:bodyPr rot="0" spcFirstLastPara="1" vertOverflow="ellipsis" vert="horz" wrap="square" anchor="ctr" anchorCtr="1"/>
+        <a:lstStyle/>
+        <a:p>
+          <a:pPr>
+            <a:defRPr sz="1197" b="0" i="0" u="none" strike="noStrike" kern="1200" baseline="0">
+              <a:solidFill>
+                <a:schemeClr val="dk1">
+                  <a:lumMod val="75000"/>
+                  <a:lumOff val="25000"/>
+                </a:schemeClr>
+              </a:solidFill>
+              <a:latin typeface="+mn-lt"/>
+              <a:ea typeface="+mn-ea"/>
+              <a:cs typeface="+mn-cs"/>
+            </a:defRPr>
+          </a:pPr>
+          <a:endParaRPr lang="ja-JP"/>
+        </a:p>
+      </c:txPr>
+    </c:legend>
+    <c:plotVisOnly val="1"/>
+    <c:dispBlanksAs val="gap"/>
+    <c:extLst>
+      <c:ext xmlns:c16r3="http://schemas.microsoft.com/office/drawing/2017/03/chart" uri="{56B9EC1D-385E-4148-901F-78D8002777C0}">
+        <c16r3:dataDisplayOptions16>
+          <c16r3:dispNaAsBlank val="1"/>
+        </c16r3:dataDisplayOptions16>
+      </c:ext>
+    </c:extLst>
+    <c:showDLblsOverMax val="0"/>
+  </c:chart>
+  <c:spPr>
+    <a:gradFill flip="none" rotWithShape="1">
+      <a:gsLst>
+        <a:gs pos="0">
+          <a:schemeClr val="lt1"/>
+        </a:gs>
+        <a:gs pos="39000">
+          <a:schemeClr val="lt1"/>
+        </a:gs>
+        <a:gs pos="100000">
+          <a:schemeClr val="lt1">
+            <a:lumMod val="75000"/>
+          </a:schemeClr>
+        </a:gs>
+      </a:gsLst>
+      <a:path path="circle">
+        <a:fillToRect l="50000" t="-80000" r="50000" b="180000"/>
+      </a:path>
+      <a:tileRect/>
+    </a:gradFill>
+    <a:ln w="9525" cap="flat" cmpd="sng" algn="ctr">
+      <a:solidFill>
+        <a:schemeClr val="dk1">
+          <a:lumMod val="25000"/>
+          <a:lumOff val="75000"/>
+        </a:schemeClr>
+      </a:solidFill>
+      <a:round/>
+    </a:ln>
+    <a:effectLst/>
+  </c:spPr>
+  <c:txPr>
+    <a:bodyPr/>
+    <a:lstStyle/>
+    <a:p>
+      <a:pPr>
+        <a:defRPr/>
+      </a:pPr>
+      <a:endParaRPr lang="ja-JP"/>
+    </a:p>
+  </c:txPr>
+  <c:externalData r:id="rId3">
+    <c:autoUpdate val="0"/>
+  </c:externalData>
+</c:chartSpace>
+</file>
+
+<file path=ppt/charts/colors1.xml><?xml version="1.0" encoding="utf-8"?>
+<cs:colorStyle xmlns:cs="http://schemas.microsoft.com/office/drawing/2012/chartStyle" xmlns:a="http://schemas.openxmlformats.org/drawingml/2006/main" meth="cycle" id="10">
+  <a:schemeClr val="accent1"/>
+  <a:schemeClr val="accent2"/>
+  <a:schemeClr val="accent3"/>
+  <a:schemeClr val="accent4"/>
+  <a:schemeClr val="accent5"/>
+  <a:schemeClr val="accent6"/>
+  <cs:variation/>
+  <cs:variation>
+    <a:lumMod val="60000"/>
+  </cs:variation>
+  <cs:variation>
+    <a:lumMod val="80000"/>
+    <a:lumOff val="20000"/>
+  </cs:variation>
+  <cs:variation>
+    <a:lumMod val="80000"/>
+  </cs:variation>
+  <cs:variation>
+    <a:lumMod val="60000"/>
+    <a:lumOff val="40000"/>
+  </cs:variation>
+  <cs:variation>
+    <a:lumMod val="50000"/>
+  </cs:variation>
+  <cs:variation>
+    <a:lumMod val="70000"/>
+    <a:lumOff val="30000"/>
+  </cs:variation>
+  <cs:variation>
+    <a:lumMod val="70000"/>
+  </cs:variation>
+  <cs:variation>
+    <a:lumMod val="50000"/>
+    <a:lumOff val="50000"/>
+  </cs:variation>
+</cs:colorStyle>
+</file>
+
+<file path=ppt/charts/style1.xml><?xml version="1.0" encoding="utf-8"?>
+<cs:chartStyle xmlns:cs="http://schemas.microsoft.com/office/drawing/2012/chartStyle" xmlns:a="http://schemas.openxmlformats.org/drawingml/2006/main" id="253">
+  <cs:axisTitle>
+    <cs:lnRef idx="0"/>
+    <cs:fillRef idx="0"/>
+    <cs:effectRef idx="0"/>
+    <cs:fontRef idx="minor">
+      <a:schemeClr val="dk1">
+        <a:lumMod val="75000"/>
+        <a:lumOff val="25000"/>
+      </a:schemeClr>
+    </cs:fontRef>
+    <cs:defRPr sz="1197" b="1" kern="1200"/>
+  </cs:axisTitle>
+  <cs:categoryAxis>
+    <cs:lnRef idx="0"/>
+    <cs:fillRef idx="0"/>
+    <cs:effectRef idx="0"/>
+    <cs:fontRef idx="minor">
+      <a:schemeClr val="dk1">
+        <a:lumMod val="75000"/>
+        <a:lumOff val="25000"/>
+      </a:schemeClr>
+    </cs:fontRef>
+    <cs:spPr>
+      <a:ln w="19050" cap="flat" cmpd="sng" algn="ctr">
+        <a:solidFill>
+          <a:schemeClr val="dk1">
+            <a:lumMod val="75000"/>
+            <a:lumOff val="25000"/>
+          </a:schemeClr>
+        </a:solidFill>
+        <a:round/>
+      </a:ln>
+    </cs:spPr>
+    <cs:defRPr sz="1197" kern="1200" cap="all" baseline="0"/>
+  </cs:categoryAxis>
+  <cs:chartArea>
+    <cs:lnRef idx="0"/>
+    <cs:fillRef idx="0"/>
+    <cs:effectRef idx="0"/>
+    <cs:fontRef idx="minor">
+      <a:schemeClr val="dk1"/>
+    </cs:fontRef>
+    <cs:spPr>
+      <a:gradFill flip="none" rotWithShape="1">
+        <a:gsLst>
+          <a:gs pos="0">
+            <a:schemeClr val="lt1"/>
+          </a:gs>
+          <a:gs pos="39000">
+            <a:schemeClr val="lt1"/>
+          </a:gs>
+          <a:gs pos="100000">
+            <a:schemeClr val="lt1">
+              <a:lumMod val="75000"/>
+            </a:schemeClr>
+          </a:gs>
+        </a:gsLst>
+        <a:path path="circle">
+          <a:fillToRect l="50000" t="-80000" r="50000" b="180000"/>
+        </a:path>
+        <a:tileRect/>
+      </a:gradFill>
+      <a:ln w="9525" cap="flat" cmpd="sng" algn="ctr">
+        <a:solidFill>
+          <a:schemeClr val="dk1">
+            <a:lumMod val="25000"/>
+            <a:lumOff val="75000"/>
+          </a:schemeClr>
+        </a:solidFill>
+        <a:round/>
+      </a:ln>
+    </cs:spPr>
+    <cs:defRPr sz="1197" kern="1200"/>
+  </cs:chartArea>
+  <cs:dataLabel>
+    <cs:lnRef idx="0"/>
+    <cs:fillRef idx="0"/>
+    <cs:effectRef idx="0"/>
+    <cs:fontRef idx="minor">
+      <a:schemeClr val="lt1"/>
+    </cs:fontRef>
+    <cs:spPr>
+      <a:pattFill prst="pct75">
+        <a:fgClr>
+          <a:schemeClr val="dk1">
+            <a:lumMod val="75000"/>
+            <a:lumOff val="25000"/>
+          </a:schemeClr>
+        </a:fgClr>
+        <a:bgClr>
+          <a:schemeClr val="dk1">
+            <a:lumMod val="65000"/>
+            <a:lumOff val="35000"/>
+          </a:schemeClr>
+        </a:bgClr>
+      </a:pattFill>
+      <a:effectLst>
+        <a:outerShdw blurRad="50800" dist="38100" dir="2700000" algn="tl" rotWithShape="0">
+          <a:prstClr val="black">
+            <a:alpha val="40000"/>
+          </a:prstClr>
+        </a:outerShdw>
+      </a:effectLst>
+    </cs:spPr>
+    <cs:defRPr sz="1330" b="1" i="0" u="none" strike="noStrike" kern="1200" baseline="0"/>
+  </cs:dataLabel>
+  <cs:dataLabelCallout>
+    <cs:lnRef idx="0"/>
+    <cs:fillRef idx="0"/>
+    <cs:effectRef idx="0"/>
+    <cs:fontRef idx="minor">
+      <a:schemeClr val="lt1"/>
+    </cs:fontRef>
+    <cs:spPr>
+      <a:pattFill prst="pct75">
+        <a:fgClr>
+          <a:schemeClr val="dk1">
+            <a:lumMod val="75000"/>
+            <a:lumOff val="25000"/>
+          </a:schemeClr>
+        </a:fgClr>
+        <a:bgClr>
+          <a:schemeClr val="dk1">
+            <a:lumMod val="65000"/>
+            <a:lumOff val="35000"/>
+          </a:schemeClr>
+        </a:bgClr>
+      </a:pattFill>
+      <a:effectLst>
+        <a:outerShdw blurRad="50800" dist="38100" dir="2700000" algn="tl" rotWithShape="0">
+          <a:prstClr val="black">
+            <a:alpha val="40000"/>
+          </a:prstClr>
+        </a:outerShdw>
+      </a:effectLst>
+    </cs:spPr>
+    <cs:defRPr sz="1330" b="1" i="0" u="none" strike="noStrike" kern="1200" baseline="0"/>
+    <cs:bodyPr rot="0" spcFirstLastPara="1" vertOverflow="clip" horzOverflow="clip" vert="horz" wrap="square" lIns="36576" tIns="18288" rIns="36576" bIns="18288" anchor="ctr" anchorCtr="1">
+      <a:spAutoFit/>
+    </cs:bodyPr>
+  </cs:dataLabelCallout>
+  <cs:dataPoint>
+    <cs:lnRef idx="0"/>
+    <cs:fillRef idx="0">
+      <cs:styleClr val="auto"/>
+    </cs:fillRef>
+    <cs:effectRef idx="0"/>
+    <cs:fontRef idx="minor">
+      <a:schemeClr val="dk1"/>
+    </cs:fontRef>
+    <cs:spPr>
+      <a:solidFill>
+        <a:schemeClr val="phClr"/>
+      </a:solidFill>
+      <a:effectLst>
+        <a:outerShdw blurRad="254000" sx="102000" sy="102000" algn="ctr" rotWithShape="0">
+          <a:prstClr val="black">
+            <a:alpha val="20000"/>
+          </a:prstClr>
+        </a:outerShdw>
+      </a:effectLst>
+    </cs:spPr>
+  </cs:dataPoint>
+  <cs:dataPoint3D>
+    <cs:lnRef idx="0"/>
+    <cs:fillRef idx="0">
+      <cs:styleClr val="auto"/>
+    </cs:fillRef>
+    <cs:effectRef idx="0"/>
+    <cs:fontRef idx="minor">
+      <a:schemeClr val="dk1"/>
+    </cs:fontRef>
+    <cs:spPr>
+      <a:solidFill>
+        <a:schemeClr val="phClr"/>
+      </a:solidFill>
+      <a:effectLst>
+        <a:outerShdw blurRad="254000" sx="102000" sy="102000" algn="ctr" rotWithShape="0">
+          <a:prstClr val="black">
+            <a:alpha val="20000"/>
+          </a:prstClr>
+        </a:outerShdw>
+      </a:effectLst>
+    </cs:spPr>
+  </cs:dataPoint3D>
+  <cs:dataPointLine>
+    <cs:lnRef idx="0">
+      <cs:styleClr val="auto"/>
+    </cs:lnRef>
+    <cs:fillRef idx="0"/>
+    <cs:effectRef idx="0"/>
+    <cs:fontRef idx="minor">
+      <a:schemeClr val="dk1"/>
+    </cs:fontRef>
+    <cs:spPr>
+      <a:ln w="31750" cap="rnd">
+        <a:solidFill>
+          <a:schemeClr val="phClr">
+            <a:alpha val="85000"/>
+          </a:schemeClr>
+        </a:solidFill>
+        <a:round/>
+      </a:ln>
+    </cs:spPr>
+  </cs:dataPointLine>
+  <cs:dataPointMarker>
+    <cs:lnRef idx="0"/>
+    <cs:fillRef idx="0">
+      <cs:styleClr val="auto"/>
+    </cs:fillRef>
+    <cs:effectRef idx="0"/>
+    <cs:fontRef idx="minor">
+      <a:schemeClr val="dk1"/>
+    </cs:fontRef>
+    <cs:spPr>
+      <a:solidFill>
+        <a:schemeClr val="phClr">
+          <a:alpha val="85000"/>
+        </a:schemeClr>
+      </a:solidFill>
+    </cs:spPr>
+  </cs:dataPointMarker>
+  <cs:dataPointMarkerLayout symbol="circle" size="6"/>
+  <cs:dataPointWireframe>
+    <cs:lnRef idx="0">
+      <cs:styleClr val="auto"/>
+    </cs:lnRef>
+    <cs:fillRef idx="0"/>
+    <cs:effectRef idx="0"/>
+    <cs:fontRef idx="minor">
+      <a:schemeClr val="dk1"/>
+    </cs:fontRef>
+    <cs:spPr>
+      <a:ln w="9525" cap="rnd">
+        <a:solidFill>
+          <a:schemeClr val="phClr"/>
+        </a:solidFill>
+        <a:round/>
+      </a:ln>
+    </cs:spPr>
+  </cs:dataPointWireframe>
+  <cs:dataTable>
+    <cs:lnRef idx="0"/>
+    <cs:fillRef idx="0"/>
+    <cs:effectRef idx="0"/>
+    <cs:fontRef idx="minor">
+      <a:schemeClr val="dk1">
+        <a:lumMod val="75000"/>
+        <a:lumOff val="25000"/>
+      </a:schemeClr>
+    </cs:fontRef>
+    <cs:spPr>
+      <a:ln w="9525">
+        <a:solidFill>
+          <a:schemeClr val="dk1">
+            <a:lumMod val="35000"/>
+            <a:lumOff val="65000"/>
+          </a:schemeClr>
+        </a:solidFill>
+      </a:ln>
+    </cs:spPr>
+    <cs:defRPr sz="1197" kern="1200"/>
+  </cs:dataTable>
+  <cs:downBar>
+    <cs:lnRef idx="0"/>
+    <cs:fillRef idx="0"/>
+    <cs:effectRef idx="0"/>
+    <cs:fontRef idx="minor">
+      <a:schemeClr val="dk1"/>
+    </cs:fontRef>
+    <cs:spPr>
+      <a:solidFill>
+        <a:schemeClr val="dk1">
+          <a:lumMod val="50000"/>
+          <a:lumOff val="50000"/>
+        </a:schemeClr>
+      </a:solidFill>
+      <a:ln w="9525">
+        <a:solidFill>
+          <a:schemeClr val="dk1">
+            <a:lumMod val="65000"/>
+            <a:lumOff val="35000"/>
+          </a:schemeClr>
+        </a:solidFill>
+      </a:ln>
+    </cs:spPr>
+  </cs:downBar>
+  <cs:dropLine>
+    <cs:lnRef idx="0"/>
+    <cs:fillRef idx="0"/>
+    <cs:effectRef idx="0"/>
+    <cs:fontRef idx="minor">
+      <a:schemeClr val="dk1"/>
+    </cs:fontRef>
+    <cs:spPr>
+      <a:ln w="9525">
+        <a:solidFill>
+          <a:schemeClr val="dk1">
+            <a:lumMod val="35000"/>
+            <a:lumOff val="65000"/>
+          </a:schemeClr>
+        </a:solidFill>
+        <a:prstDash val="dash"/>
+      </a:ln>
+    </cs:spPr>
+  </cs:dropLine>
+  <cs:errorBar>
+    <cs:lnRef idx="0"/>
+    <cs:fillRef idx="0"/>
+    <cs:effectRef idx="0"/>
+    <cs:fontRef idx="minor">
+      <a:schemeClr val="dk1"/>
+    </cs:fontRef>
+    <cs:spPr>
+      <a:ln w="9525">
+        <a:solidFill>
+          <a:schemeClr val="dk1">
+            <a:lumMod val="65000"/>
+            <a:lumOff val="35000"/>
+          </a:schemeClr>
+        </a:solidFill>
+        <a:round/>
+      </a:ln>
+    </cs:spPr>
+  </cs:errorBar>
+  <cs:floor>
+    <cs:lnRef idx="0"/>
+    <cs:fillRef idx="0"/>
+    <cs:effectRef idx="0"/>
+    <cs:fontRef idx="minor">
+      <a:schemeClr val="dk1"/>
+    </cs:fontRef>
+  </cs:floor>
+  <cs:gridlineMajor>
+    <cs:lnRef idx="0"/>
+    <cs:fillRef idx="0"/>
+    <cs:effectRef idx="0"/>
+    <cs:fontRef idx="minor">
+      <a:schemeClr val="dk1"/>
+    </cs:fontRef>
+    <cs:spPr>
+      <a:ln w="9525" cap="flat" cmpd="sng" algn="ctr">
+        <a:gradFill>
+          <a:gsLst>
+            <a:gs pos="100000">
+              <a:schemeClr val="dk1">
+                <a:lumMod val="95000"/>
+                <a:lumOff val="5000"/>
+                <a:alpha val="42000"/>
+              </a:schemeClr>
+            </a:gs>
+            <a:gs pos="0">
+              <a:schemeClr val="lt1">
+                <a:lumMod val="75000"/>
+                <a:alpha val="36000"/>
+              </a:schemeClr>
+            </a:gs>
+          </a:gsLst>
+          <a:lin ang="5400000" scaled="0"/>
+        </a:gradFill>
+        <a:round/>
+      </a:ln>
+    </cs:spPr>
+  </cs:gridlineMajor>
+  <cs:gridlineMinor>
+    <cs:lnRef idx="0"/>
+    <cs:fillRef idx="0"/>
+    <cs:effectRef idx="0"/>
+    <cs:fontRef idx="minor">
+      <a:schemeClr val="dk1"/>
+    </cs:fontRef>
+    <cs:spPr>
+      <a:ln>
+        <a:gradFill>
+          <a:gsLst>
+            <a:gs pos="100000">
+              <a:schemeClr val="dk1">
+                <a:lumMod val="95000"/>
+                <a:lumOff val="5000"/>
+                <a:alpha val="42000"/>
+              </a:schemeClr>
+            </a:gs>
+            <a:gs pos="0">
+              <a:schemeClr val="lt1">
+                <a:lumMod val="75000"/>
+                <a:alpha val="36000"/>
+              </a:schemeClr>
+            </a:gs>
+          </a:gsLst>
+          <a:lin ang="5400000" scaled="0"/>
+        </a:gradFill>
+      </a:ln>
+    </cs:spPr>
+  </cs:gridlineMinor>
+  <cs:hiLoLine>
+    <cs:lnRef idx="0"/>
+    <cs:fillRef idx="0"/>
+    <cs:effectRef idx="0"/>
+    <cs:fontRef idx="minor">
+      <a:schemeClr val="dk1"/>
+    </cs:fontRef>
+    <cs:spPr>
+      <a:ln w="9525">
+        <a:solidFill>
+          <a:schemeClr val="dk1">
+            <a:lumMod val="35000"/>
+            <a:lumOff val="65000"/>
+          </a:schemeClr>
+        </a:solidFill>
+        <a:prstDash val="dash"/>
+      </a:ln>
+    </cs:spPr>
+  </cs:hiLoLine>
+  <cs:leaderLine>
+    <cs:lnRef idx="0"/>
+    <cs:fillRef idx="0"/>
+    <cs:effectRef idx="0"/>
+    <cs:fontRef idx="minor">
+      <a:schemeClr val="dk1"/>
+    </cs:fontRef>
+    <cs:spPr>
+      <a:ln w="9525">
+        <a:solidFill>
+          <a:schemeClr val="dk1">
+            <a:lumMod val="50000"/>
+            <a:lumOff val="50000"/>
+          </a:schemeClr>
+        </a:solidFill>
+      </a:ln>
+    </cs:spPr>
+  </cs:leaderLine>
+  <cs:legend>
+    <cs:lnRef idx="0"/>
+    <cs:fillRef idx="0"/>
+    <cs:effectRef idx="0"/>
+    <cs:fontRef idx="minor">
+      <a:schemeClr val="dk1">
+        <a:lumMod val="75000"/>
+        <a:lumOff val="25000"/>
+      </a:schemeClr>
+    </cs:fontRef>
+    <cs:spPr>
+      <a:solidFill>
+        <a:schemeClr val="lt1">
+          <a:lumMod val="95000"/>
+          <a:alpha val="39000"/>
+        </a:schemeClr>
+      </a:solidFill>
+    </cs:spPr>
+    <cs:defRPr sz="1197" kern="1200"/>
+  </cs:legend>
+  <cs:plotArea>
+    <cs:lnRef idx="0"/>
+    <cs:fillRef idx="0"/>
+    <cs:effectRef idx="0"/>
+    <cs:fontRef idx="minor">
+      <a:schemeClr val="dk1"/>
+    </cs:fontRef>
+  </cs:plotArea>
+  <cs:plotArea3D>
+    <cs:lnRef idx="0"/>
+    <cs:fillRef idx="0"/>
+    <cs:effectRef idx="0"/>
+    <cs:fontRef idx="minor">
+      <a:schemeClr val="dk1"/>
+    </cs:fontRef>
+  </cs:plotArea3D>
+  <cs:seriesAxis>
+    <cs:lnRef idx="0"/>
+    <cs:fillRef idx="0"/>
+    <cs:effectRef idx="0"/>
+    <cs:fontRef idx="minor">
+      <a:schemeClr val="dk1">
+        <a:lumMod val="75000"/>
+        <a:lumOff val="25000"/>
+      </a:schemeClr>
+    </cs:fontRef>
+    <cs:spPr>
+      <a:ln w="31750" cap="flat" cmpd="sng" algn="ctr">
+        <a:solidFill>
+          <a:schemeClr val="dk1">
+            <a:lumMod val="75000"/>
+            <a:lumOff val="25000"/>
+          </a:schemeClr>
+        </a:solidFill>
+        <a:round/>
+      </a:ln>
+    </cs:spPr>
+    <cs:defRPr sz="1197" kern="1200"/>
+  </cs:seriesAxis>
+  <cs:seriesLine>
+    <cs:lnRef idx="0"/>
+    <cs:fillRef idx="0"/>
+    <cs:effectRef idx="0"/>
+    <cs:fontRef idx="minor">
+      <a:schemeClr val="dk1"/>
+    </cs:fontRef>
+    <cs:spPr>
+      <a:ln w="9525">
+        <a:solidFill>
+          <a:schemeClr val="dk1">
+            <a:lumMod val="50000"/>
+            <a:lumOff val="50000"/>
+          </a:schemeClr>
+        </a:solidFill>
+        <a:round/>
+      </a:ln>
+    </cs:spPr>
+  </cs:seriesLine>
+  <cs:title>
+    <cs:lnRef idx="0"/>
+    <cs:fillRef idx="0"/>
+    <cs:effectRef idx="0"/>
+    <cs:fontRef idx="minor">
+      <a:schemeClr val="dk1">
+        <a:lumMod val="75000"/>
+        <a:lumOff val="25000"/>
+      </a:schemeClr>
+    </cs:fontRef>
+    <cs:defRPr sz="2200" b="1" kern="1200" baseline="0"/>
+  </cs:title>
+  <cs:trendline>
+    <cs:lnRef idx="0">
+      <cs:styleClr val="auto"/>
+    </cs:lnRef>
+    <cs:fillRef idx="0"/>
+    <cs:effectRef idx="0"/>
+    <cs:fontRef idx="minor">
+      <a:schemeClr val="dk1"/>
+    </cs:fontRef>
+    <cs:spPr>
+      <a:ln w="19050" cap="rnd">
+        <a:solidFill>
+          <a:schemeClr val="phClr"/>
+        </a:solidFill>
+      </a:ln>
+    </cs:spPr>
+  </cs:trendline>
+  <cs:trendlineLabel>
+    <cs:lnRef idx="0"/>
+    <cs:fillRef idx="0"/>
+    <cs:effectRef idx="0"/>
+    <cs:fontRef idx="minor">
+      <a:schemeClr val="dk1">
+        <a:lumMod val="75000"/>
+        <a:lumOff val="25000"/>
+      </a:schemeClr>
+    </cs:fontRef>
+    <cs:defRPr sz="1197" kern="1200"/>
+  </cs:trendlineLabel>
+  <cs:upBar>
+    <cs:lnRef idx="0"/>
+    <cs:fillRef idx="0"/>
+    <cs:effectRef idx="0"/>
+    <cs:fontRef idx="minor">
+      <a:schemeClr val="dk1"/>
+    </cs:fontRef>
+    <cs:spPr>
+      <a:solidFill>
+        <a:schemeClr val="lt1"/>
+      </a:solidFill>
+      <a:ln w="9525">
+        <a:solidFill>
+          <a:schemeClr val="dk1">
+            <a:lumMod val="65000"/>
+            <a:lumOff val="35000"/>
+          </a:schemeClr>
+        </a:solidFill>
+      </a:ln>
+    </cs:spPr>
+  </cs:upBar>
+  <cs:valueAxis>
+    <cs:lnRef idx="0"/>
+    <cs:fillRef idx="0"/>
+    <cs:effectRef idx="0"/>
+    <cs:fontRef idx="minor">
+      <a:schemeClr val="dk1">
+        <a:lumMod val="75000"/>
+        <a:lumOff val="25000"/>
+      </a:schemeClr>
+    </cs:fontRef>
+    <cs:spPr>
+      <a:ln>
+        <a:noFill/>
+      </a:ln>
+    </cs:spPr>
+    <cs:defRPr sz="1197" kern="1200"/>
+  </cs:valueAxis>
+  <cs:wall>
+    <cs:lnRef idx="0"/>
+    <cs:fillRef idx="0"/>
+    <cs:effectRef idx="0"/>
+    <cs:fontRef idx="minor">
+      <a:schemeClr val="dk1"/>
+    </cs:fontRef>
+  </cs:wall>
+</cs:chartStyle>
+</file>
+
 <file path=ppt/notesMasters/notesMaster1.xml><?xml version="1.0" encoding="utf-8"?>
 <p:notesMaster xmlns:a="http://schemas.openxmlformats.org/drawingml/2006/main" xmlns:r="http://schemas.openxmlformats.org/officeDocument/2006/relationships" xmlns:p="http://schemas.openxmlformats.org/presentationml/2006/main">
   <p:cSld>
@@ -205,7 +1242,7 @@
           <a:p>
             <a:fld id="{F058BF6C-206F-4AAE-B98E-F04B0A00992F}" type="datetimeFigureOut">
               <a:rPr kumimoji="1" lang="ja-JP" altLang="en-US" smtClean="0"/>
-              <a:t>2020/6/25</a:t>
+              <a:t>2020/6/26</a:t>
             </a:fld>
             <a:endParaRPr kumimoji="1" lang="ja-JP" altLang="en-US"/>
           </a:p>
@@ -599,6 +1636,505 @@
 </p:notes>
 </file>
 
+<file path=ppt/notesSlides/notesSlide10.xml><?xml version="1.0" encoding="utf-8"?>
+<p:notes xmlns:a="http://schemas.openxmlformats.org/drawingml/2006/main" xmlns:r="http://schemas.openxmlformats.org/officeDocument/2006/relationships" xmlns:p="http://schemas.openxmlformats.org/presentationml/2006/main">
+  <p:cSld>
+    <p:spTree>
+      <p:nvGrpSpPr>
+        <p:cNvPr id="1" name=""/>
+        <p:cNvGrpSpPr/>
+        <p:nvPr/>
+      </p:nvGrpSpPr>
+      <p:grpSpPr>
+        <a:xfrm>
+          <a:off x="0" y="0"/>
+          <a:ext cx="0" cy="0"/>
+          <a:chOff x="0" y="0"/>
+          <a:chExt cx="0" cy="0"/>
+        </a:xfrm>
+      </p:grpSpPr>
+      <p:sp>
+        <p:nvSpPr>
+          <p:cNvPr id="2" name="スライド イメージ プレースホルダー 1"/>
+          <p:cNvSpPr>
+            <a:spLocks noGrp="1" noRot="1" noChangeAspect="1"/>
+          </p:cNvSpPr>
+          <p:nvPr>
+            <p:ph type="sldImg"/>
+          </p:nvPr>
+        </p:nvSpPr>
+        <p:spPr/>
+      </p:sp>
+      <p:sp>
+        <p:nvSpPr>
+          <p:cNvPr id="3" name="ノート プレースホルダー 2"/>
+          <p:cNvSpPr>
+            <a:spLocks noGrp="1"/>
+          </p:cNvSpPr>
+          <p:nvPr>
+            <p:ph type="body" idx="1"/>
+          </p:nvPr>
+        </p:nvSpPr>
+        <p:spPr/>
+        <p:txBody>
+          <a:bodyPr/>
+          <a:lstStyle/>
+          <a:p>
+            <a:r>
+              <a:rPr kumimoji="1" lang="ja-JP" altLang="en-US" sz="1200" kern="1200" dirty="0">
+                <a:solidFill>
+                  <a:schemeClr val="tx1"/>
+                </a:solidFill>
+                <a:effectLst/>
+                <a:latin typeface="+mn-lt"/>
+                <a:ea typeface="+mn-ea"/>
+                <a:cs typeface="+mn-cs"/>
+              </a:rPr>
+              <a:t>・</a:t>
+            </a:r>
+            <a:r>
+              <a:rPr kumimoji="1" lang="ja-JP" altLang="ja-JP" sz="1200" kern="1200" dirty="0">
+                <a:solidFill>
+                  <a:schemeClr val="tx1"/>
+                </a:solidFill>
+                <a:effectLst/>
+                <a:latin typeface="+mn-lt"/>
+                <a:ea typeface="+mn-ea"/>
+                <a:cs typeface="+mn-cs"/>
+              </a:rPr>
+              <a:t>円グラフによって視覚的にわかりや</a:t>
+            </a:r>
+            <a:r>
+              <a:rPr kumimoji="1" lang="ja-JP" altLang="en-US" sz="1200" kern="1200" dirty="0">
+                <a:solidFill>
+                  <a:schemeClr val="tx1"/>
+                </a:solidFill>
+                <a:effectLst/>
+                <a:latin typeface="+mn-lt"/>
+                <a:ea typeface="+mn-ea"/>
+                <a:cs typeface="+mn-cs"/>
+              </a:rPr>
+              <a:t>い</a:t>
+            </a:r>
+            <a:endParaRPr kumimoji="1" lang="en-US" altLang="ja-JP" sz="1200" kern="1200" dirty="0">
+              <a:solidFill>
+                <a:schemeClr val="tx1"/>
+              </a:solidFill>
+              <a:effectLst/>
+              <a:latin typeface="+mn-lt"/>
+              <a:ea typeface="+mn-ea"/>
+              <a:cs typeface="+mn-cs"/>
+            </a:endParaRPr>
+          </a:p>
+          <a:p>
+            <a:r>
+              <a:rPr kumimoji="1" lang="ja-JP" altLang="en-US" sz="1200" kern="1200" dirty="0">
+                <a:solidFill>
+                  <a:schemeClr val="tx1"/>
+                </a:solidFill>
+                <a:effectLst/>
+                <a:latin typeface="+mn-lt"/>
+                <a:ea typeface="+mn-ea"/>
+                <a:cs typeface="+mn-cs"/>
+              </a:rPr>
+              <a:t>・</a:t>
+            </a:r>
+            <a:r>
+              <a:rPr kumimoji="1" lang="ja-JP" altLang="ja-JP" sz="1200" kern="1200" dirty="0">
+                <a:solidFill>
+                  <a:schemeClr val="tx1"/>
+                </a:solidFill>
+                <a:effectLst/>
+                <a:latin typeface="+mn-lt"/>
+                <a:ea typeface="+mn-ea"/>
+                <a:cs typeface="+mn-cs"/>
+              </a:rPr>
+              <a:t>通知機能によって毎日の家計簿を付けるための機能</a:t>
+            </a:r>
+            <a:endParaRPr kumimoji="1" lang="en-US" altLang="ja-JP" sz="1200" kern="1200" dirty="0">
+              <a:solidFill>
+                <a:schemeClr val="tx1"/>
+              </a:solidFill>
+              <a:effectLst/>
+              <a:latin typeface="+mn-lt"/>
+              <a:ea typeface="+mn-ea"/>
+              <a:cs typeface="+mn-cs"/>
+            </a:endParaRPr>
+          </a:p>
+          <a:p>
+            <a:r>
+              <a:rPr kumimoji="1" lang="ja-JP" altLang="en-US" sz="1200" kern="1200" dirty="0">
+                <a:solidFill>
+                  <a:schemeClr val="tx1"/>
+                </a:solidFill>
+                <a:effectLst/>
+                <a:latin typeface="+mn-lt"/>
+                <a:ea typeface="+mn-ea"/>
+                <a:cs typeface="+mn-cs"/>
+              </a:rPr>
+              <a:t>・</a:t>
+            </a:r>
+            <a:r>
+              <a:rPr kumimoji="1" lang="ja-JP" altLang="ja-JP" sz="1200" kern="1200" dirty="0">
+                <a:solidFill>
+                  <a:schemeClr val="tx1"/>
+                </a:solidFill>
+                <a:effectLst/>
+                <a:latin typeface="+mn-lt"/>
+                <a:ea typeface="+mn-ea"/>
+                <a:cs typeface="+mn-cs"/>
+              </a:rPr>
+              <a:t>ユーザーにとって使いやすい・わかりやすい家計簿アプリの開発を目指していきたいと思います。</a:t>
+            </a:r>
+          </a:p>
+          <a:p>
+            <a:endParaRPr kumimoji="1" lang="ja-JP" altLang="en-US" dirty="0"/>
+          </a:p>
+        </p:txBody>
+      </p:sp>
+      <p:sp>
+        <p:nvSpPr>
+          <p:cNvPr id="4" name="スライド番号プレースホルダー 3"/>
+          <p:cNvSpPr>
+            <a:spLocks noGrp="1"/>
+          </p:cNvSpPr>
+          <p:nvPr>
+            <p:ph type="sldNum" sz="quarter" idx="5"/>
+          </p:nvPr>
+        </p:nvSpPr>
+        <p:spPr/>
+        <p:txBody>
+          <a:bodyPr/>
+          <a:lstStyle/>
+          <a:p>
+            <a:fld id="{C5F0AAD1-73BA-49F9-B2C5-148F68FD1FEC}" type="slidenum">
+              <a:rPr kumimoji="1" lang="ja-JP" altLang="en-US" smtClean="0"/>
+              <a:t>11</a:t>
+            </a:fld>
+            <a:endParaRPr kumimoji="1" lang="ja-JP" altLang="en-US"/>
+          </a:p>
+        </p:txBody>
+      </p:sp>
+    </p:spTree>
+    <p:extLst>
+      <p:ext uri="{BB962C8B-B14F-4D97-AF65-F5344CB8AC3E}">
+        <p14:creationId xmlns:p14="http://schemas.microsoft.com/office/powerpoint/2010/main" val="2593963937"/>
+      </p:ext>
+    </p:extLst>
+  </p:cSld>
+  <p:clrMapOvr>
+    <a:masterClrMapping/>
+  </p:clrMapOvr>
+</p:notes>
+</file>
+
+<file path=ppt/notesSlides/notesSlide11.xml><?xml version="1.0" encoding="utf-8"?>
+<p:notes xmlns:a="http://schemas.openxmlformats.org/drawingml/2006/main" xmlns:r="http://schemas.openxmlformats.org/officeDocument/2006/relationships" xmlns:p="http://schemas.openxmlformats.org/presentationml/2006/main">
+  <p:cSld>
+    <p:spTree>
+      <p:nvGrpSpPr>
+        <p:cNvPr id="1" name=""/>
+        <p:cNvGrpSpPr/>
+        <p:nvPr/>
+      </p:nvGrpSpPr>
+      <p:grpSpPr>
+        <a:xfrm>
+          <a:off x="0" y="0"/>
+          <a:ext cx="0" cy="0"/>
+          <a:chOff x="0" y="0"/>
+          <a:chExt cx="0" cy="0"/>
+        </a:xfrm>
+      </p:grpSpPr>
+      <p:sp>
+        <p:nvSpPr>
+          <p:cNvPr id="2" name="スライド イメージ プレースホルダー 1"/>
+          <p:cNvSpPr>
+            <a:spLocks noGrp="1" noRot="1" noChangeAspect="1"/>
+          </p:cNvSpPr>
+          <p:nvPr>
+            <p:ph type="sldImg"/>
+          </p:nvPr>
+        </p:nvSpPr>
+        <p:spPr/>
+      </p:sp>
+      <p:sp>
+        <p:nvSpPr>
+          <p:cNvPr id="3" name="ノート プレースホルダー 2"/>
+          <p:cNvSpPr>
+            <a:spLocks noGrp="1"/>
+          </p:cNvSpPr>
+          <p:nvPr>
+            <p:ph type="body" idx="1"/>
+          </p:nvPr>
+        </p:nvSpPr>
+        <p:spPr/>
+        <p:txBody>
+          <a:bodyPr/>
+          <a:lstStyle/>
+          <a:p>
+            <a:r>
+              <a:rPr kumimoji="1" lang="ja-JP" altLang="en-US" sz="1200" kern="1200" dirty="0">
+                <a:solidFill>
+                  <a:schemeClr val="tx1"/>
+                </a:solidFill>
+                <a:effectLst/>
+                <a:latin typeface="+mn-lt"/>
+                <a:ea typeface="+mn-ea"/>
+                <a:cs typeface="+mn-cs"/>
+              </a:rPr>
+              <a:t>・</a:t>
+            </a:r>
+            <a:r>
+              <a:rPr kumimoji="1" lang="ja-JP" altLang="ja-JP" sz="1200" kern="1200" dirty="0">
+                <a:solidFill>
+                  <a:schemeClr val="tx1"/>
+                </a:solidFill>
+                <a:effectLst/>
+                <a:latin typeface="+mn-lt"/>
+                <a:ea typeface="+mn-ea"/>
+                <a:cs typeface="+mn-cs"/>
+              </a:rPr>
+              <a:t>円グラフによって視覚的にわかりや</a:t>
+            </a:r>
+            <a:r>
+              <a:rPr kumimoji="1" lang="ja-JP" altLang="en-US" sz="1200" kern="1200" dirty="0">
+                <a:solidFill>
+                  <a:schemeClr val="tx1"/>
+                </a:solidFill>
+                <a:effectLst/>
+                <a:latin typeface="+mn-lt"/>
+                <a:ea typeface="+mn-ea"/>
+                <a:cs typeface="+mn-cs"/>
+              </a:rPr>
+              <a:t>い</a:t>
+            </a:r>
+            <a:endParaRPr kumimoji="1" lang="en-US" altLang="ja-JP" sz="1200" kern="1200" dirty="0">
+              <a:solidFill>
+                <a:schemeClr val="tx1"/>
+              </a:solidFill>
+              <a:effectLst/>
+              <a:latin typeface="+mn-lt"/>
+              <a:ea typeface="+mn-ea"/>
+              <a:cs typeface="+mn-cs"/>
+            </a:endParaRPr>
+          </a:p>
+          <a:p>
+            <a:r>
+              <a:rPr kumimoji="1" lang="ja-JP" altLang="en-US" sz="1200" kern="1200" dirty="0">
+                <a:solidFill>
+                  <a:schemeClr val="tx1"/>
+                </a:solidFill>
+                <a:effectLst/>
+                <a:latin typeface="+mn-lt"/>
+                <a:ea typeface="+mn-ea"/>
+                <a:cs typeface="+mn-cs"/>
+              </a:rPr>
+              <a:t>・</a:t>
+            </a:r>
+            <a:r>
+              <a:rPr kumimoji="1" lang="ja-JP" altLang="ja-JP" sz="1200" kern="1200" dirty="0">
+                <a:solidFill>
+                  <a:schemeClr val="tx1"/>
+                </a:solidFill>
+                <a:effectLst/>
+                <a:latin typeface="+mn-lt"/>
+                <a:ea typeface="+mn-ea"/>
+                <a:cs typeface="+mn-cs"/>
+              </a:rPr>
+              <a:t>通知機能によって毎日の家計簿を付けるための機能</a:t>
+            </a:r>
+            <a:endParaRPr kumimoji="1" lang="en-US" altLang="ja-JP" sz="1200" kern="1200" dirty="0">
+              <a:solidFill>
+                <a:schemeClr val="tx1"/>
+              </a:solidFill>
+              <a:effectLst/>
+              <a:latin typeface="+mn-lt"/>
+              <a:ea typeface="+mn-ea"/>
+              <a:cs typeface="+mn-cs"/>
+            </a:endParaRPr>
+          </a:p>
+          <a:p>
+            <a:r>
+              <a:rPr kumimoji="1" lang="ja-JP" altLang="en-US" sz="1200" kern="1200" dirty="0">
+                <a:solidFill>
+                  <a:schemeClr val="tx1"/>
+                </a:solidFill>
+                <a:effectLst/>
+                <a:latin typeface="+mn-lt"/>
+                <a:ea typeface="+mn-ea"/>
+                <a:cs typeface="+mn-cs"/>
+              </a:rPr>
+              <a:t>・</a:t>
+            </a:r>
+            <a:r>
+              <a:rPr kumimoji="1" lang="ja-JP" altLang="ja-JP" sz="1200" kern="1200" dirty="0">
+                <a:solidFill>
+                  <a:schemeClr val="tx1"/>
+                </a:solidFill>
+                <a:effectLst/>
+                <a:latin typeface="+mn-lt"/>
+                <a:ea typeface="+mn-ea"/>
+                <a:cs typeface="+mn-cs"/>
+              </a:rPr>
+              <a:t>ユーザーにとって使いやすい・わかりやすい家計簿アプリの開発を目指していきたいと思います。</a:t>
+            </a:r>
+          </a:p>
+          <a:p>
+            <a:endParaRPr kumimoji="1" lang="ja-JP" altLang="en-US" dirty="0"/>
+          </a:p>
+        </p:txBody>
+      </p:sp>
+      <p:sp>
+        <p:nvSpPr>
+          <p:cNvPr id="4" name="スライド番号プレースホルダー 3"/>
+          <p:cNvSpPr>
+            <a:spLocks noGrp="1"/>
+          </p:cNvSpPr>
+          <p:nvPr>
+            <p:ph type="sldNum" sz="quarter" idx="5"/>
+          </p:nvPr>
+        </p:nvSpPr>
+        <p:spPr/>
+        <p:txBody>
+          <a:bodyPr/>
+          <a:lstStyle/>
+          <a:p>
+            <a:fld id="{C5F0AAD1-73BA-49F9-B2C5-148F68FD1FEC}" type="slidenum">
+              <a:rPr kumimoji="1" lang="ja-JP" altLang="en-US" smtClean="0"/>
+              <a:t>12</a:t>
+            </a:fld>
+            <a:endParaRPr kumimoji="1" lang="ja-JP" altLang="en-US"/>
+          </a:p>
+        </p:txBody>
+      </p:sp>
+    </p:spTree>
+    <p:extLst>
+      <p:ext uri="{BB962C8B-B14F-4D97-AF65-F5344CB8AC3E}">
+        <p14:creationId xmlns:p14="http://schemas.microsoft.com/office/powerpoint/2010/main" val="2343446406"/>
+      </p:ext>
+    </p:extLst>
+  </p:cSld>
+  <p:clrMapOvr>
+    <a:masterClrMapping/>
+  </p:clrMapOvr>
+</p:notes>
+</file>
+
+<file path=ppt/notesSlides/notesSlide12.xml><?xml version="1.0" encoding="utf-8"?>
+<p:notes xmlns:a="http://schemas.openxmlformats.org/drawingml/2006/main" xmlns:r="http://schemas.openxmlformats.org/officeDocument/2006/relationships" xmlns:p="http://schemas.openxmlformats.org/presentationml/2006/main">
+  <p:cSld>
+    <p:spTree>
+      <p:nvGrpSpPr>
+        <p:cNvPr id="1" name=""/>
+        <p:cNvGrpSpPr/>
+        <p:nvPr/>
+      </p:nvGrpSpPr>
+      <p:grpSpPr>
+        <a:xfrm>
+          <a:off x="0" y="0"/>
+          <a:ext cx="0" cy="0"/>
+          <a:chOff x="0" y="0"/>
+          <a:chExt cx="0" cy="0"/>
+        </a:xfrm>
+      </p:grpSpPr>
+      <p:sp>
+        <p:nvSpPr>
+          <p:cNvPr id="2" name="スライド イメージ プレースホルダー 1"/>
+          <p:cNvSpPr>
+            <a:spLocks noGrp="1" noRot="1" noChangeAspect="1"/>
+          </p:cNvSpPr>
+          <p:nvPr>
+            <p:ph type="sldImg"/>
+          </p:nvPr>
+        </p:nvSpPr>
+        <p:spPr/>
+      </p:sp>
+      <p:sp>
+        <p:nvSpPr>
+          <p:cNvPr id="3" name="ノート プレースホルダー 2"/>
+          <p:cNvSpPr>
+            <a:spLocks noGrp="1"/>
+          </p:cNvSpPr>
+          <p:nvPr>
+            <p:ph type="body" idx="1"/>
+          </p:nvPr>
+        </p:nvSpPr>
+        <p:spPr/>
+        <p:txBody>
+          <a:bodyPr/>
+          <a:lstStyle/>
+          <a:p>
+            <a:r>
+              <a:rPr lang="ja-JP" altLang="en-US" sz="1200" dirty="0">
+                <a:solidFill>
+                  <a:schemeClr val="tx1"/>
+                </a:solidFill>
+                <a:latin typeface="メイリオ" panose="020B0604030504040204" pitchFamily="50" charset="-128"/>
+                <a:ea typeface="メイリオ" panose="020B0604030504040204" pitchFamily="50" charset="-128"/>
+              </a:rPr>
+              <a:t>ユーザが使いやすい</a:t>
+            </a:r>
+            <a:endParaRPr lang="en-US" altLang="ja-JP" sz="1200" dirty="0">
+              <a:solidFill>
+                <a:schemeClr val="tx1"/>
+              </a:solidFill>
+              <a:latin typeface="メイリオ" panose="020B0604030504040204" pitchFamily="50" charset="-128"/>
+              <a:ea typeface="メイリオ" panose="020B0604030504040204" pitchFamily="50" charset="-128"/>
+            </a:endParaRPr>
+          </a:p>
+          <a:p>
+            <a:r>
+              <a:rPr lang="ja-JP" altLang="en-US" sz="1200" dirty="0">
+                <a:solidFill>
+                  <a:schemeClr val="tx1"/>
+                </a:solidFill>
+                <a:latin typeface="メイリオ" panose="020B0604030504040204" pitchFamily="50" charset="-128"/>
+                <a:ea typeface="メイリオ" panose="020B0604030504040204" pitchFamily="50" charset="-128"/>
+              </a:rPr>
+              <a:t>家計簿アプリの作成を目指す</a:t>
+            </a:r>
+          </a:p>
+          <a:p>
+            <a:endParaRPr kumimoji="1" lang="ja-JP" altLang="en-US" dirty="0"/>
+          </a:p>
+        </p:txBody>
+      </p:sp>
+      <p:sp>
+        <p:nvSpPr>
+          <p:cNvPr id="4" name="スライド番号プレースホルダー 3"/>
+          <p:cNvSpPr>
+            <a:spLocks noGrp="1"/>
+          </p:cNvSpPr>
+          <p:nvPr>
+            <p:ph type="sldNum" sz="quarter" idx="5"/>
+          </p:nvPr>
+        </p:nvSpPr>
+        <p:spPr/>
+        <p:txBody>
+          <a:bodyPr/>
+          <a:lstStyle/>
+          <a:p>
+            <a:fld id="{C5F0AAD1-73BA-49F9-B2C5-148F68FD1FEC}" type="slidenum">
+              <a:rPr kumimoji="1" lang="ja-JP" altLang="en-US" smtClean="0"/>
+              <a:t>14</a:t>
+            </a:fld>
+            <a:endParaRPr kumimoji="1" lang="ja-JP" altLang="en-US"/>
+          </a:p>
+        </p:txBody>
+      </p:sp>
+    </p:spTree>
+    <p:extLst>
+      <p:ext uri="{BB962C8B-B14F-4D97-AF65-F5344CB8AC3E}">
+        <p14:creationId xmlns:p14="http://schemas.microsoft.com/office/powerpoint/2010/main" val="86249045"/>
+      </p:ext>
+    </p:extLst>
+  </p:cSld>
+  <p:clrMapOvr>
+    <a:masterClrMapping/>
+  </p:clrMapOvr>
+</p:notes>
+</file>
+
 <file path=ppt/notesSlides/notesSlide2.xml><?xml version="1.0" encoding="utf-8"?>
 <p:notes xmlns:a="http://schemas.openxmlformats.org/drawingml/2006/main" xmlns:r="http://schemas.openxmlformats.org/officeDocument/2006/relationships" xmlns:p="http://schemas.openxmlformats.org/presentationml/2006/main">
   <p:cSld>
@@ -653,43 +2189,7 @@
                 <a:ea typeface="+mn-ea"/>
                 <a:cs typeface="+mn-cs"/>
               </a:rPr>
-              <a:t>・</a:t>
-            </a:r>
-            <a:r>
-              <a:rPr kumimoji="1" lang="ja-JP" altLang="ja-JP" sz="1200" kern="1200" dirty="0">
-                <a:solidFill>
-                  <a:schemeClr val="tx1"/>
-                </a:solidFill>
-                <a:effectLst/>
-                <a:latin typeface="+mn-lt"/>
-                <a:ea typeface="+mn-ea"/>
-                <a:cs typeface="+mn-cs"/>
-              </a:rPr>
-              <a:t>グループ内で話し合いを行った結果、使いやすい・わかりやすい家計簿アプリの作成を行</a:t>
-            </a:r>
-            <a:r>
-              <a:rPr kumimoji="1" lang="ja-JP" altLang="en-US" sz="1200" kern="1200" dirty="0">
-                <a:solidFill>
-                  <a:schemeClr val="tx1"/>
-                </a:solidFill>
-                <a:effectLst/>
-                <a:latin typeface="+mn-lt"/>
-                <a:ea typeface="+mn-ea"/>
-                <a:cs typeface="+mn-cs"/>
-              </a:rPr>
-              <a:t>う</a:t>
-            </a:r>
-            <a:r>
-              <a:rPr kumimoji="1" lang="ja-JP" altLang="ja-JP" sz="1200" kern="1200" dirty="0">
-                <a:solidFill>
-                  <a:schemeClr val="tx1"/>
-                </a:solidFill>
-                <a:effectLst/>
-                <a:latin typeface="+mn-lt"/>
-                <a:ea typeface="+mn-ea"/>
-                <a:cs typeface="+mn-cs"/>
-              </a:rPr>
-              <a:t>。</a:t>
+              <a:t>私たちはグループ開発で家計簿アプリ、スーテェ簿を作りました。</a:t>
             </a:r>
             <a:endParaRPr kumimoji="1" lang="en-US" altLang="ja-JP" sz="1200" kern="1200" dirty="0">
               <a:solidFill>
@@ -702,31 +2202,7 @@
             </a:endParaRPr>
           </a:p>
           <a:p>
-            <a:r>
-              <a:rPr kumimoji="1" lang="ja-JP" altLang="en-US" sz="1200" kern="1200" dirty="0">
-                <a:solidFill>
-                  <a:schemeClr val="tx1"/>
-                </a:solidFill>
-                <a:effectLst/>
-                <a:latin typeface="+mn-lt"/>
-                <a:ea typeface="+mn-ea"/>
-                <a:cs typeface="+mn-cs"/>
-              </a:rPr>
-              <a:t>・</a:t>
-            </a:r>
-            <a:r>
-              <a:rPr kumimoji="1" lang="ja-JP" altLang="ja-JP" sz="1200" kern="1200" dirty="0">
-                <a:solidFill>
-                  <a:schemeClr val="tx1"/>
-                </a:solidFill>
-                <a:effectLst/>
-                <a:latin typeface="+mn-lt"/>
-                <a:ea typeface="+mn-ea"/>
-                <a:cs typeface="+mn-cs"/>
-              </a:rPr>
-              <a:t>アプリ名はスーテェー簿です。</a:t>
-            </a:r>
-            <a:endParaRPr kumimoji="1" lang="en-US" altLang="ja-JP" sz="1200" kern="1200" dirty="0">
+            <a:endParaRPr kumimoji="1" lang="ja-JP" altLang="ja-JP" sz="1200" kern="1200" dirty="0">
               <a:solidFill>
                 <a:schemeClr val="tx1"/>
               </a:solidFill>
@@ -735,32 +2211,6 @@
               <a:ea typeface="+mn-ea"/>
               <a:cs typeface="+mn-cs"/>
             </a:endParaRPr>
-          </a:p>
-          <a:p>
-            <a:r>
-              <a:rPr kumimoji="1" lang="ja-JP" altLang="en-US" sz="1200" kern="1200" dirty="0">
-                <a:solidFill>
-                  <a:schemeClr val="tx1"/>
-                </a:solidFill>
-                <a:effectLst/>
-                <a:latin typeface="+mn-lt"/>
-                <a:ea typeface="+mn-ea"/>
-                <a:cs typeface="+mn-cs"/>
-              </a:rPr>
-              <a:t>・</a:t>
-            </a:r>
-            <a:r>
-              <a:rPr kumimoji="1" lang="ja-JP" altLang="ja-JP" sz="1200" kern="1200" dirty="0">
-                <a:solidFill>
-                  <a:schemeClr val="tx1"/>
-                </a:solidFill>
-                <a:effectLst/>
-                <a:latin typeface="+mn-lt"/>
-                <a:ea typeface="+mn-ea"/>
-                <a:cs typeface="+mn-cs"/>
-              </a:rPr>
-              <a:t>名前の由来は沖縄の方言で家計という意味を持つ「スーテェー」に家計簿の「簿」の字を据えてこの名前にした。</a:t>
-            </a:r>
           </a:p>
         </p:txBody>
       </p:sp>
@@ -947,6 +2397,7 @@
               <a:rPr kumimoji="1" lang="ja-JP" altLang="en-US" dirty="0"/>
               <a:t>などがあげられる</a:t>
             </a:r>
+            <a:endParaRPr kumimoji="1" lang="en-US" altLang="ja-JP" dirty="0"/>
           </a:p>
         </p:txBody>
       </p:sp>
@@ -1140,28 +2591,7 @@
           <a:p>
             <a:r>
               <a:rPr kumimoji="1" lang="ja-JP" altLang="en-US" dirty="0"/>
-              <a:t>開発物の主な特徴として</a:t>
-            </a:r>
-            <a:endParaRPr kumimoji="1" lang="en-US" altLang="ja-JP" dirty="0"/>
-          </a:p>
-          <a:p>
-            <a:r>
-              <a:rPr kumimoji="1" lang="ja-JP" altLang="en-US" dirty="0"/>
-              <a:t>・グラフの表示</a:t>
-            </a:r>
-            <a:endParaRPr kumimoji="1" lang="en-US" altLang="ja-JP" dirty="0"/>
-          </a:p>
-          <a:p>
-            <a:r>
-              <a:rPr kumimoji="1" lang="ja-JP" altLang="en-US" dirty="0"/>
-              <a:t>・通知機能</a:t>
-            </a:r>
-            <a:endParaRPr kumimoji="1" lang="en-US" altLang="ja-JP" dirty="0"/>
-          </a:p>
-          <a:p>
-            <a:r>
-              <a:rPr kumimoji="1" lang="ja-JP" altLang="en-US" dirty="0"/>
-              <a:t>などがあげられる</a:t>
+              <a:t>大まかなシステムの流れについて説明を行う。</a:t>
             </a:r>
           </a:p>
         </p:txBody>
@@ -1192,7 +2622,7 @@
     </p:spTree>
     <p:extLst>
       <p:ext uri="{BB962C8B-B14F-4D97-AF65-F5344CB8AC3E}">
-        <p14:creationId xmlns:p14="http://schemas.microsoft.com/office/powerpoint/2010/main" val="699206462"/>
+        <p14:creationId xmlns:p14="http://schemas.microsoft.com/office/powerpoint/2010/main" val="1206517289"/>
       </p:ext>
     </p:extLst>
   </p:cSld>
@@ -1247,7 +2677,7 @@
           <a:lstStyle/>
           <a:p>
             <a:r>
-              <a:rPr kumimoji="1" lang="ja-JP" altLang="en-US" sz="1200" kern="1200" dirty="0">
+              <a:rPr kumimoji="1" lang="ja-JP" altLang="ja-JP" sz="1200" kern="1200" dirty="0">
                 <a:solidFill>
                   <a:schemeClr val="tx1"/>
                 </a:solidFill>
@@ -1259,7 +2689,7 @@
               <a:t>・</a:t>
             </a:r>
             <a:r>
-              <a:rPr kumimoji="1" lang="ja-JP" altLang="ja-JP" sz="1200" kern="1200" dirty="0">
+              <a:rPr kumimoji="1" lang="ja-JP" altLang="en-US" sz="1200" kern="1200" dirty="0">
                 <a:solidFill>
                   <a:schemeClr val="tx1"/>
                 </a:solidFill>
@@ -1268,10 +2698,10 @@
                 <a:ea typeface="+mn-ea"/>
                 <a:cs typeface="+mn-cs"/>
               </a:rPr>
-              <a:t>円グラフによって視覚的にわかりや</a:t>
-            </a:r>
-            <a:r>
-              <a:rPr kumimoji="1" lang="ja-JP" altLang="en-US" sz="1200" kern="1200" dirty="0">
+              <a:t>入力された情報を可視化し</a:t>
+            </a:r>
+            <a:r>
+              <a:rPr kumimoji="1" lang="ja-JP" altLang="ja-JP" sz="1200" kern="1200" dirty="0">
                 <a:solidFill>
                   <a:schemeClr val="tx1"/>
                 </a:solidFill>
@@ -1280,19 +2710,8 @@
                 <a:ea typeface="+mn-ea"/>
                 <a:cs typeface="+mn-cs"/>
               </a:rPr>
-              <a:t>い</a:t>
-            </a:r>
-            <a:endParaRPr kumimoji="1" lang="en-US" altLang="ja-JP" sz="1200" kern="1200" dirty="0">
-              <a:solidFill>
-                <a:schemeClr val="tx1"/>
-              </a:solidFill>
-              <a:effectLst/>
-              <a:latin typeface="+mn-lt"/>
-              <a:ea typeface="+mn-ea"/>
-              <a:cs typeface="+mn-cs"/>
-            </a:endParaRPr>
-          </a:p>
-          <a:p>
+              <a:t>、</a:t>
+            </a:r>
             <a:r>
               <a:rPr kumimoji="1" lang="ja-JP" altLang="en-US" sz="1200" kern="1200" dirty="0">
                 <a:solidFill>
@@ -1303,7 +2722,7 @@
                 <a:ea typeface="+mn-ea"/>
                 <a:cs typeface="+mn-cs"/>
               </a:rPr>
-              <a:t>・</a:t>
+              <a:t>把握できるよう</a:t>
             </a:r>
             <a:r>
               <a:rPr kumimoji="1" lang="ja-JP" altLang="ja-JP" sz="1200" kern="1200" dirty="0">
@@ -1315,21 +2734,12 @@
                 <a:ea typeface="+mn-ea"/>
                 <a:cs typeface="+mn-cs"/>
               </a:rPr>
-              <a:t>通知機能によって毎日の家計簿を付けるための機能</a:t>
-            </a:r>
-            <a:endParaRPr kumimoji="1" lang="en-US" altLang="ja-JP" sz="1200" kern="1200" dirty="0">
-              <a:solidFill>
-                <a:schemeClr val="tx1"/>
-              </a:solidFill>
-              <a:effectLst/>
-              <a:latin typeface="+mn-lt"/>
-              <a:ea typeface="+mn-ea"/>
-              <a:cs typeface="+mn-cs"/>
-            </a:endParaRPr>
-          </a:p>
-          <a:p>
-            <a:r>
-              <a:rPr kumimoji="1" lang="ja-JP" altLang="en-US" sz="1200" kern="1200" dirty="0">
+              <a:t>円グラフの表示を行う。</a:t>
+            </a:r>
+          </a:p>
+          <a:p>
+            <a:r>
+              <a:rPr kumimoji="1" lang="en-US" altLang="ja-JP" sz="1200" kern="1200" dirty="0">
                 <a:solidFill>
                   <a:schemeClr val="tx1"/>
                 </a:solidFill>
@@ -1338,7 +2748,7 @@
                 <a:ea typeface="+mn-ea"/>
                 <a:cs typeface="+mn-cs"/>
               </a:rPr>
-              <a:t>・</a:t>
+              <a:t>	</a:t>
             </a:r>
             <a:r>
               <a:rPr kumimoji="1" lang="ja-JP" altLang="ja-JP" sz="1200" kern="1200" dirty="0">
@@ -1350,10 +2760,110 @@
                 <a:ea typeface="+mn-ea"/>
                 <a:cs typeface="+mn-cs"/>
               </a:rPr>
-              <a:t>ユーザーにとって使いやすい・わかりやすい家計簿アプリの開発を目指していきたいと思います。</a:t>
-            </a:r>
-          </a:p>
-          <a:p>
+              <a:t>・食費内容</a:t>
+            </a:r>
+            <a:r>
+              <a:rPr kumimoji="1" lang="ja-JP" altLang="en-US" sz="1200" kern="1200" dirty="0">
+                <a:solidFill>
+                  <a:schemeClr val="tx1"/>
+                </a:solidFill>
+                <a:effectLst/>
+                <a:latin typeface="+mn-lt"/>
+                <a:ea typeface="+mn-ea"/>
+                <a:cs typeface="+mn-cs"/>
+              </a:rPr>
+              <a:t>の割合を</a:t>
+            </a:r>
+            <a:r>
+              <a:rPr kumimoji="1" lang="ja-JP" altLang="ja-JP" sz="1200" kern="1200" dirty="0">
+                <a:solidFill>
+                  <a:schemeClr val="tx1"/>
+                </a:solidFill>
+                <a:effectLst/>
+                <a:latin typeface="+mn-lt"/>
+                <a:ea typeface="+mn-ea"/>
+                <a:cs typeface="+mn-cs"/>
+              </a:rPr>
+              <a:t>表示する</a:t>
+            </a:r>
+          </a:p>
+          <a:p>
+            <a:r>
+              <a:rPr kumimoji="1" lang="en-US" altLang="ja-JP" sz="1200" kern="1200" dirty="0">
+                <a:solidFill>
+                  <a:schemeClr val="tx1"/>
+                </a:solidFill>
+                <a:effectLst/>
+                <a:latin typeface="+mn-lt"/>
+                <a:ea typeface="+mn-ea"/>
+                <a:cs typeface="+mn-cs"/>
+              </a:rPr>
+              <a:t>		</a:t>
+            </a:r>
+            <a:r>
+              <a:rPr kumimoji="1" lang="ja-JP" altLang="ja-JP" sz="1200" kern="1200" dirty="0">
+                <a:solidFill>
+                  <a:schemeClr val="tx1"/>
+                </a:solidFill>
+                <a:effectLst/>
+                <a:latin typeface="+mn-lt"/>
+                <a:ea typeface="+mn-ea"/>
+                <a:cs typeface="+mn-cs"/>
+              </a:rPr>
+              <a:t>・食費</a:t>
+            </a:r>
+          </a:p>
+          <a:p>
+            <a:r>
+              <a:rPr kumimoji="1" lang="en-US" altLang="ja-JP" sz="1200" kern="1200" dirty="0">
+                <a:solidFill>
+                  <a:schemeClr val="tx1"/>
+                </a:solidFill>
+                <a:effectLst/>
+                <a:latin typeface="+mn-lt"/>
+                <a:ea typeface="+mn-ea"/>
+                <a:cs typeface="+mn-cs"/>
+              </a:rPr>
+              <a:t>		</a:t>
+            </a:r>
+            <a:r>
+              <a:rPr kumimoji="1" lang="ja-JP" altLang="ja-JP" sz="1200" kern="1200" dirty="0">
+                <a:solidFill>
+                  <a:schemeClr val="tx1"/>
+                </a:solidFill>
+                <a:effectLst/>
+                <a:latin typeface="+mn-lt"/>
+                <a:ea typeface="+mn-ea"/>
+                <a:cs typeface="+mn-cs"/>
+              </a:rPr>
+              <a:t>・交通費</a:t>
+            </a:r>
+          </a:p>
+          <a:p>
+            <a:r>
+              <a:rPr kumimoji="1" lang="en-US" altLang="ja-JP" sz="1200" kern="1200" dirty="0">
+                <a:solidFill>
+                  <a:schemeClr val="tx1"/>
+                </a:solidFill>
+                <a:effectLst/>
+                <a:latin typeface="+mn-lt"/>
+                <a:ea typeface="+mn-ea"/>
+                <a:cs typeface="+mn-cs"/>
+              </a:rPr>
+              <a:t>		</a:t>
+            </a:r>
+            <a:r>
+              <a:rPr kumimoji="1" lang="ja-JP" altLang="ja-JP" sz="1200" kern="1200" dirty="0">
+                <a:solidFill>
+                  <a:schemeClr val="tx1"/>
+                </a:solidFill>
+                <a:effectLst/>
+                <a:latin typeface="+mn-lt"/>
+                <a:ea typeface="+mn-ea"/>
+                <a:cs typeface="+mn-cs"/>
+              </a:rPr>
+              <a:t>・通信費など</a:t>
+            </a:r>
             <a:endParaRPr kumimoji="1" lang="ja-JP" altLang="en-US" dirty="0"/>
           </a:p>
         </p:txBody>
@@ -1384,7 +2894,7 @@
     </p:spTree>
     <p:extLst>
       <p:ext uri="{BB962C8B-B14F-4D97-AF65-F5344CB8AC3E}">
-        <p14:creationId xmlns:p14="http://schemas.microsoft.com/office/powerpoint/2010/main" val="1675948578"/>
+        <p14:creationId xmlns:p14="http://schemas.microsoft.com/office/powerpoint/2010/main" val="1933452850"/>
       </p:ext>
     </p:extLst>
   </p:cSld>
@@ -1439,30 +2949,254 @@
           <a:lstStyle/>
           <a:p>
             <a:r>
-              <a:rPr kumimoji="1" lang="ja-JP" altLang="en-US" dirty="0"/>
-              <a:t>開発物の主な特徴として</a:t>
-            </a:r>
-            <a:endParaRPr kumimoji="1" lang="en-US" altLang="ja-JP" dirty="0"/>
-          </a:p>
-          <a:p>
-            <a:r>
-              <a:rPr kumimoji="1" lang="ja-JP" altLang="en-US" dirty="0"/>
-              <a:t>・グラフの表示</a:t>
-            </a:r>
-            <a:endParaRPr kumimoji="1" lang="en-US" altLang="ja-JP" dirty="0"/>
-          </a:p>
-          <a:p>
-            <a:r>
-              <a:rPr kumimoji="1" lang="ja-JP" altLang="en-US" dirty="0"/>
-              <a:t>・通知機能</a:t>
-            </a:r>
-            <a:endParaRPr kumimoji="1" lang="en-US" altLang="ja-JP" dirty="0"/>
-          </a:p>
-          <a:p>
-            <a:r>
-              <a:rPr kumimoji="1" lang="ja-JP" altLang="en-US" dirty="0"/>
-              <a:t>などがあげられる</a:t>
-            </a:r>
+              <a:rPr kumimoji="1" lang="ja-JP" altLang="en-US" sz="1200" kern="1200" dirty="0">
+                <a:solidFill>
+                  <a:schemeClr val="tx1"/>
+                </a:solidFill>
+                <a:effectLst/>
+                <a:latin typeface="+mn-lt"/>
+                <a:ea typeface="+mn-ea"/>
+                <a:cs typeface="+mn-cs"/>
+              </a:rPr>
+              <a:t>・毎日家計簿を付けると浪費を減らせるが</a:t>
+            </a:r>
+            <a:endParaRPr kumimoji="1" lang="en-US" altLang="ja-JP" sz="1200" kern="1200" dirty="0">
+              <a:solidFill>
+                <a:schemeClr val="tx1"/>
+              </a:solidFill>
+              <a:effectLst/>
+              <a:latin typeface="+mn-lt"/>
+              <a:ea typeface="+mn-ea"/>
+              <a:cs typeface="+mn-cs"/>
+            </a:endParaRPr>
+          </a:p>
+          <a:p>
+            <a:r>
+              <a:rPr kumimoji="1" lang="ja-JP" altLang="en-US" sz="1200" kern="1200" dirty="0">
+                <a:solidFill>
+                  <a:schemeClr val="tx1"/>
+                </a:solidFill>
+                <a:effectLst/>
+                <a:latin typeface="+mn-lt"/>
+                <a:ea typeface="+mn-ea"/>
+                <a:cs typeface="+mn-cs"/>
+              </a:rPr>
+              <a:t>　めんどくさい・忘れるなどの</a:t>
+            </a:r>
+            <a:r>
+              <a:rPr kumimoji="1" lang="ja-JP" altLang="en-US" sz="1200" kern="1200">
+                <a:solidFill>
+                  <a:schemeClr val="tx1"/>
+                </a:solidFill>
+                <a:effectLst/>
+                <a:latin typeface="+mn-lt"/>
+                <a:ea typeface="+mn-ea"/>
+                <a:cs typeface="+mn-cs"/>
+              </a:rPr>
+              <a:t>理由から継続できないユーザー</a:t>
+            </a:r>
+            <a:r>
+              <a:rPr kumimoji="1" lang="ja-JP" altLang="en-US" sz="1200" kern="1200" dirty="0">
+                <a:solidFill>
+                  <a:schemeClr val="tx1"/>
+                </a:solidFill>
+                <a:effectLst/>
+                <a:latin typeface="+mn-lt"/>
+                <a:ea typeface="+mn-ea"/>
+                <a:cs typeface="+mn-cs"/>
+              </a:rPr>
+              <a:t>がいる</a:t>
+            </a:r>
+            <a:endParaRPr kumimoji="1" lang="en-US" altLang="ja-JP" sz="1200" kern="1200" dirty="0">
+              <a:solidFill>
+                <a:schemeClr val="tx1"/>
+              </a:solidFill>
+              <a:effectLst/>
+              <a:latin typeface="+mn-lt"/>
+              <a:ea typeface="+mn-ea"/>
+              <a:cs typeface="+mn-cs"/>
+            </a:endParaRPr>
+          </a:p>
+          <a:p>
+            <a:endParaRPr kumimoji="1" lang="en-US" altLang="ja-JP" sz="1200" kern="1200" dirty="0">
+              <a:solidFill>
+                <a:schemeClr val="tx1"/>
+              </a:solidFill>
+              <a:effectLst/>
+              <a:latin typeface="+mn-lt"/>
+              <a:ea typeface="+mn-ea"/>
+              <a:cs typeface="+mn-cs"/>
+            </a:endParaRPr>
+          </a:p>
+          <a:p>
+            <a:r>
+              <a:rPr kumimoji="1" lang="ja-JP" altLang="en-US" sz="1200" kern="1200" dirty="0">
+                <a:solidFill>
+                  <a:schemeClr val="tx1"/>
+                </a:solidFill>
+                <a:effectLst/>
+                <a:latin typeface="+mn-lt"/>
+                <a:ea typeface="+mn-ea"/>
+                <a:cs typeface="+mn-cs"/>
+              </a:rPr>
+              <a:t>・この問題を解決するために</a:t>
+            </a:r>
+            <a:r>
+              <a:rPr kumimoji="1" lang="ja-JP" altLang="ja-JP" sz="1200" kern="1200" dirty="0">
+                <a:solidFill>
+                  <a:schemeClr val="tx1"/>
+                </a:solidFill>
+                <a:effectLst/>
+                <a:latin typeface="+mn-lt"/>
+                <a:ea typeface="+mn-ea"/>
+                <a:cs typeface="+mn-cs"/>
+              </a:rPr>
+              <a:t>特定時間に</a:t>
+            </a:r>
+            <a:r>
+              <a:rPr kumimoji="1" lang="en-US" altLang="ja-JP" sz="1200" kern="1200" dirty="0">
+                <a:solidFill>
+                  <a:schemeClr val="tx1"/>
+                </a:solidFill>
+                <a:effectLst/>
+                <a:latin typeface="+mn-lt"/>
+                <a:ea typeface="+mn-ea"/>
+                <a:cs typeface="+mn-cs"/>
+              </a:rPr>
+              <a:t>LINE</a:t>
+            </a:r>
+            <a:r>
+              <a:rPr kumimoji="1" lang="ja-JP" altLang="ja-JP" sz="1200" kern="1200" dirty="0">
+                <a:solidFill>
+                  <a:schemeClr val="tx1"/>
+                </a:solidFill>
+                <a:effectLst/>
+                <a:latin typeface="+mn-lt"/>
+                <a:ea typeface="+mn-ea"/>
+                <a:cs typeface="+mn-cs"/>
+              </a:rPr>
+              <a:t>などを使用してログインを促す通知をユーザーに送る</a:t>
+            </a:r>
+            <a:endParaRPr kumimoji="1" lang="en-US" altLang="ja-JP" sz="1200" kern="1200" dirty="0">
+              <a:solidFill>
+                <a:schemeClr val="tx1"/>
+              </a:solidFill>
+              <a:effectLst/>
+              <a:latin typeface="+mn-lt"/>
+              <a:ea typeface="+mn-ea"/>
+              <a:cs typeface="+mn-cs"/>
+            </a:endParaRPr>
+          </a:p>
+          <a:p>
+            <a:r>
+              <a:rPr kumimoji="1" lang="ja-JP" altLang="en-US" sz="1200" kern="1200" dirty="0">
+                <a:solidFill>
+                  <a:schemeClr val="tx1"/>
+                </a:solidFill>
+                <a:effectLst/>
+                <a:latin typeface="+mn-lt"/>
+                <a:ea typeface="+mn-ea"/>
+                <a:cs typeface="+mn-cs"/>
+              </a:rPr>
+              <a:t>・</a:t>
+            </a:r>
+            <a:r>
+              <a:rPr kumimoji="1" lang="en-US" altLang="ja-JP" sz="1200" kern="1200" dirty="0">
+                <a:solidFill>
+                  <a:schemeClr val="tx1"/>
+                </a:solidFill>
+                <a:effectLst/>
+                <a:latin typeface="+mn-lt"/>
+                <a:ea typeface="+mn-ea"/>
+                <a:cs typeface="+mn-cs"/>
+              </a:rPr>
+              <a:t>PC</a:t>
+            </a:r>
+            <a:r>
+              <a:rPr kumimoji="1" lang="ja-JP" altLang="en-US" sz="1200" kern="1200" dirty="0">
+                <a:solidFill>
+                  <a:schemeClr val="tx1"/>
+                </a:solidFill>
+                <a:effectLst/>
+                <a:latin typeface="+mn-lt"/>
+                <a:ea typeface="+mn-ea"/>
+                <a:cs typeface="+mn-cs"/>
+              </a:rPr>
+              <a:t>やスマホに</a:t>
+            </a:r>
+            <a:r>
+              <a:rPr kumimoji="1" lang="en-US" altLang="ja-JP" sz="1200" kern="1200" dirty="0">
+                <a:solidFill>
+                  <a:schemeClr val="tx1"/>
+                </a:solidFill>
+                <a:effectLst/>
+                <a:latin typeface="+mn-lt"/>
+                <a:ea typeface="+mn-ea"/>
+                <a:cs typeface="+mn-cs"/>
+              </a:rPr>
+              <a:t>LINE</a:t>
+            </a:r>
+            <a:r>
+              <a:rPr kumimoji="1" lang="ja-JP" altLang="en-US" sz="1200" kern="1200" dirty="0">
+                <a:solidFill>
+                  <a:schemeClr val="tx1"/>
+                </a:solidFill>
+                <a:effectLst/>
+                <a:latin typeface="+mn-lt"/>
+                <a:ea typeface="+mn-ea"/>
+                <a:cs typeface="+mn-cs"/>
+              </a:rPr>
+              <a:t>を導入していれば利用できる。</a:t>
+            </a:r>
+            <a:endParaRPr kumimoji="1" lang="en-US" altLang="ja-JP" sz="1200" kern="1200" dirty="0">
+              <a:solidFill>
+                <a:schemeClr val="tx1"/>
+              </a:solidFill>
+              <a:effectLst/>
+              <a:latin typeface="+mn-lt"/>
+              <a:ea typeface="+mn-ea"/>
+              <a:cs typeface="+mn-cs"/>
+            </a:endParaRPr>
+          </a:p>
+          <a:p>
+            <a:r>
+              <a:rPr kumimoji="1" lang="ja-JP" altLang="ja-JP" sz="1200" kern="1200" dirty="0">
+                <a:solidFill>
+                  <a:schemeClr val="tx1"/>
+                </a:solidFill>
+                <a:effectLst/>
+                <a:latin typeface="+mn-lt"/>
+                <a:ea typeface="+mn-ea"/>
+                <a:cs typeface="+mn-cs"/>
+              </a:rPr>
+              <a:t>・継続的に家計簿を付ける手助けになる</a:t>
+            </a:r>
+          </a:p>
+          <a:p>
+            <a:r>
+              <a:rPr kumimoji="1" lang="en-US" altLang="ja-JP" sz="1200" kern="1200" dirty="0">
+                <a:solidFill>
+                  <a:schemeClr val="tx1"/>
+                </a:solidFill>
+                <a:effectLst/>
+                <a:latin typeface="+mn-lt"/>
+                <a:ea typeface="+mn-ea"/>
+                <a:cs typeface="+mn-cs"/>
+              </a:rPr>
+              <a:t> </a:t>
+            </a:r>
+            <a:endParaRPr kumimoji="1" lang="ja-JP" altLang="ja-JP" sz="1200" kern="1200" dirty="0">
+              <a:solidFill>
+                <a:schemeClr val="tx1"/>
+              </a:solidFill>
+              <a:effectLst/>
+              <a:latin typeface="+mn-lt"/>
+              <a:ea typeface="+mn-ea"/>
+              <a:cs typeface="+mn-cs"/>
+            </a:endParaRPr>
+          </a:p>
+          <a:p>
+            <a:endParaRPr kumimoji="1" lang="ja-JP" altLang="en-US" dirty="0"/>
           </a:p>
         </p:txBody>
       </p:sp>
@@ -1492,7 +3226,181 @@
     </p:spTree>
     <p:extLst>
       <p:ext uri="{BB962C8B-B14F-4D97-AF65-F5344CB8AC3E}">
-        <p14:creationId xmlns:p14="http://schemas.microsoft.com/office/powerpoint/2010/main" val="1500310010"/>
+        <p14:creationId xmlns:p14="http://schemas.microsoft.com/office/powerpoint/2010/main" val="3631216687"/>
+      </p:ext>
+    </p:extLst>
+  </p:cSld>
+  <p:clrMapOvr>
+    <a:masterClrMapping/>
+  </p:clrMapOvr>
+</p:notes>
+</file>
+
+<file path=ppt/notesSlides/notesSlide8.xml><?xml version="1.0" encoding="utf-8"?>
+<p:notes xmlns:a="http://schemas.openxmlformats.org/drawingml/2006/main" xmlns:r="http://schemas.openxmlformats.org/officeDocument/2006/relationships" xmlns:p="http://schemas.openxmlformats.org/presentationml/2006/main">
+  <p:cSld>
+    <p:spTree>
+      <p:nvGrpSpPr>
+        <p:cNvPr id="1" name=""/>
+        <p:cNvGrpSpPr/>
+        <p:nvPr/>
+      </p:nvGrpSpPr>
+      <p:grpSpPr>
+        <a:xfrm>
+          <a:off x="0" y="0"/>
+          <a:ext cx="0" cy="0"/>
+          <a:chOff x="0" y="0"/>
+          <a:chExt cx="0" cy="0"/>
+        </a:xfrm>
+      </p:grpSpPr>
+      <p:sp>
+        <p:nvSpPr>
+          <p:cNvPr id="2" name="スライド イメージ プレースホルダー 1"/>
+          <p:cNvSpPr>
+            <a:spLocks noGrp="1" noRot="1" noChangeAspect="1"/>
+          </p:cNvSpPr>
+          <p:nvPr>
+            <p:ph type="sldImg"/>
+          </p:nvPr>
+        </p:nvSpPr>
+        <p:spPr/>
+      </p:sp>
+      <p:sp>
+        <p:nvSpPr>
+          <p:cNvPr id="3" name="ノート プレースホルダー 2"/>
+          <p:cNvSpPr>
+            <a:spLocks noGrp="1"/>
+          </p:cNvSpPr>
+          <p:nvPr>
+            <p:ph type="body" idx="1"/>
+          </p:nvPr>
+        </p:nvSpPr>
+        <p:spPr/>
+        <p:txBody>
+          <a:bodyPr/>
+          <a:lstStyle/>
+          <a:p>
+            <a:r>
+              <a:rPr kumimoji="1" lang="ja-JP" altLang="en-US" dirty="0"/>
+              <a:t>カレンダーでその月で使った支出を表示することで見やすくなりまっす</a:t>
+            </a:r>
+          </a:p>
+        </p:txBody>
+      </p:sp>
+      <p:sp>
+        <p:nvSpPr>
+          <p:cNvPr id="4" name="スライド番号プレースホルダー 3"/>
+          <p:cNvSpPr>
+            <a:spLocks noGrp="1"/>
+          </p:cNvSpPr>
+          <p:nvPr>
+            <p:ph type="sldNum" sz="quarter" idx="5"/>
+          </p:nvPr>
+        </p:nvSpPr>
+        <p:spPr/>
+        <p:txBody>
+          <a:bodyPr/>
+          <a:lstStyle/>
+          <a:p>
+            <a:fld id="{C5F0AAD1-73BA-49F9-B2C5-148F68FD1FEC}" type="slidenum">
+              <a:rPr kumimoji="1" lang="ja-JP" altLang="en-US" smtClean="0"/>
+              <a:t>9</a:t>
+            </a:fld>
+            <a:endParaRPr kumimoji="1" lang="ja-JP" altLang="en-US"/>
+          </a:p>
+        </p:txBody>
+      </p:sp>
+    </p:spTree>
+    <p:extLst>
+      <p:ext uri="{BB962C8B-B14F-4D97-AF65-F5344CB8AC3E}">
+        <p14:creationId xmlns:p14="http://schemas.microsoft.com/office/powerpoint/2010/main" val="1442547059"/>
+      </p:ext>
+    </p:extLst>
+  </p:cSld>
+  <p:clrMapOvr>
+    <a:masterClrMapping/>
+  </p:clrMapOvr>
+</p:notes>
+</file>
+
+<file path=ppt/notesSlides/notesSlide9.xml><?xml version="1.0" encoding="utf-8"?>
+<p:notes xmlns:a="http://schemas.openxmlformats.org/drawingml/2006/main" xmlns:r="http://schemas.openxmlformats.org/officeDocument/2006/relationships" xmlns:p="http://schemas.openxmlformats.org/presentationml/2006/main">
+  <p:cSld>
+    <p:spTree>
+      <p:nvGrpSpPr>
+        <p:cNvPr id="1" name=""/>
+        <p:cNvGrpSpPr/>
+        <p:nvPr/>
+      </p:nvGrpSpPr>
+      <p:grpSpPr>
+        <a:xfrm>
+          <a:off x="0" y="0"/>
+          <a:ext cx="0" cy="0"/>
+          <a:chOff x="0" y="0"/>
+          <a:chExt cx="0" cy="0"/>
+        </a:xfrm>
+      </p:grpSpPr>
+      <p:sp>
+        <p:nvSpPr>
+          <p:cNvPr id="2" name="スライド イメージ プレースホルダー 1"/>
+          <p:cNvSpPr>
+            <a:spLocks noGrp="1" noRot="1" noChangeAspect="1"/>
+          </p:cNvSpPr>
+          <p:nvPr>
+            <p:ph type="sldImg"/>
+          </p:nvPr>
+        </p:nvSpPr>
+        <p:spPr/>
+      </p:sp>
+      <p:sp>
+        <p:nvSpPr>
+          <p:cNvPr id="3" name="ノート プレースホルダー 2"/>
+          <p:cNvSpPr>
+            <a:spLocks noGrp="1"/>
+          </p:cNvSpPr>
+          <p:nvPr>
+            <p:ph type="body" idx="1"/>
+          </p:nvPr>
+        </p:nvSpPr>
+        <p:spPr/>
+        <p:txBody>
+          <a:bodyPr/>
+          <a:lstStyle/>
+          <a:p>
+            <a:r>
+              <a:rPr kumimoji="1" lang="ja-JP" altLang="en-US" dirty="0"/>
+              <a:t>それぞれのメンバーが担当した家計簿システムのデモプレイを行います。</a:t>
+            </a:r>
+          </a:p>
+        </p:txBody>
+      </p:sp>
+      <p:sp>
+        <p:nvSpPr>
+          <p:cNvPr id="4" name="スライド番号プレースホルダー 3"/>
+          <p:cNvSpPr>
+            <a:spLocks noGrp="1"/>
+          </p:cNvSpPr>
+          <p:nvPr>
+            <p:ph type="sldNum" sz="quarter" idx="5"/>
+          </p:nvPr>
+        </p:nvSpPr>
+        <p:spPr/>
+        <p:txBody>
+          <a:bodyPr/>
+          <a:lstStyle/>
+          <a:p>
+            <a:fld id="{C5F0AAD1-73BA-49F9-B2C5-148F68FD1FEC}" type="slidenum">
+              <a:rPr kumimoji="1" lang="ja-JP" altLang="en-US" smtClean="0"/>
+              <a:t>10</a:t>
+            </a:fld>
+            <a:endParaRPr kumimoji="1" lang="ja-JP" altLang="en-US"/>
+          </a:p>
+        </p:txBody>
+      </p:sp>
+    </p:spTree>
+    <p:extLst>
+      <p:ext uri="{BB962C8B-B14F-4D97-AF65-F5344CB8AC3E}">
+        <p14:creationId xmlns:p14="http://schemas.microsoft.com/office/powerpoint/2010/main" val="1675948578"/>
       </p:ext>
     </p:extLst>
   </p:cSld>
@@ -1641,7 +3549,7 @@
           <a:p>
             <a:fld id="{05EA5B4D-3085-4260-9D17-3A6C004E7E0F}" type="datetimeFigureOut">
               <a:rPr kumimoji="1" lang="ja-JP" altLang="en-US" smtClean="0"/>
-              <a:t>2020/6/25</a:t>
+              <a:t>2020/6/26</a:t>
             </a:fld>
             <a:endParaRPr kumimoji="1" lang="ja-JP" altLang="en-US"/>
           </a:p>
@@ -1884,7 +3792,7 @@
           <a:p>
             <a:fld id="{05EA5B4D-3085-4260-9D17-3A6C004E7E0F}" type="datetimeFigureOut">
               <a:rPr kumimoji="1" lang="ja-JP" altLang="en-US" smtClean="0"/>
-              <a:t>2020/6/25</a:t>
+              <a:t>2020/6/26</a:t>
             </a:fld>
             <a:endParaRPr kumimoji="1" lang="ja-JP" altLang="en-US"/>
           </a:p>
@@ -2131,7 +4039,7 @@
           <a:p>
             <a:fld id="{05EA5B4D-3085-4260-9D17-3A6C004E7E0F}" type="datetimeFigureOut">
               <a:rPr kumimoji="1" lang="ja-JP" altLang="en-US" smtClean="0"/>
-              <a:t>2020/6/25</a:t>
+              <a:t>2020/6/26</a:t>
             </a:fld>
             <a:endParaRPr kumimoji="1" lang="ja-JP" altLang="en-US"/>
           </a:p>
@@ -2364,7 +4272,7 @@
           <a:p>
             <a:fld id="{05EA5B4D-3085-4260-9D17-3A6C004E7E0F}" type="datetimeFigureOut">
               <a:rPr kumimoji="1" lang="ja-JP" altLang="en-US" smtClean="0"/>
-              <a:t>2020/6/25</a:t>
+              <a:t>2020/6/26</a:t>
             </a:fld>
             <a:endParaRPr kumimoji="1" lang="ja-JP" altLang="en-US"/>
           </a:p>
@@ -2643,7 +4551,7 @@
           <a:p>
             <a:fld id="{05EA5B4D-3085-4260-9D17-3A6C004E7E0F}" type="datetimeFigureOut">
               <a:rPr kumimoji="1" lang="ja-JP" altLang="en-US" smtClean="0"/>
-              <a:t>2020/6/25</a:t>
+              <a:t>2020/6/26</a:t>
             </a:fld>
             <a:endParaRPr kumimoji="1" lang="ja-JP" altLang="en-US"/>
           </a:p>
@@ -2975,7 +4883,7 @@
           <a:p>
             <a:fld id="{05EA5B4D-3085-4260-9D17-3A6C004E7E0F}" type="datetimeFigureOut">
               <a:rPr kumimoji="1" lang="ja-JP" altLang="en-US" smtClean="0"/>
-              <a:t>2020/6/25</a:t>
+              <a:t>2020/6/26</a:t>
             </a:fld>
             <a:endParaRPr kumimoji="1" lang="ja-JP" altLang="en-US"/>
           </a:p>
@@ -3455,7 +5363,7 @@
           <a:p>
             <a:fld id="{05EA5B4D-3085-4260-9D17-3A6C004E7E0F}" type="datetimeFigureOut">
               <a:rPr kumimoji="1" lang="ja-JP" altLang="en-US" smtClean="0"/>
-              <a:t>2020/6/25</a:t>
+              <a:t>2020/6/26</a:t>
             </a:fld>
             <a:endParaRPr kumimoji="1" lang="ja-JP" altLang="en-US"/>
           </a:p>
@@ -3604,7 +5512,7 @@
           <a:p>
             <a:fld id="{05EA5B4D-3085-4260-9D17-3A6C004E7E0F}" type="datetimeFigureOut">
               <a:rPr kumimoji="1" lang="ja-JP" altLang="en-US" smtClean="0"/>
-              <a:t>2020/6/25</a:t>
+              <a:t>2020/6/26</a:t>
             </a:fld>
             <a:endParaRPr kumimoji="1" lang="ja-JP" altLang="en-US"/>
           </a:p>
@@ -3730,7 +5638,7 @@
           <a:p>
             <a:fld id="{05EA5B4D-3085-4260-9D17-3A6C004E7E0F}" type="datetimeFigureOut">
               <a:rPr kumimoji="1" lang="ja-JP" altLang="en-US" smtClean="0"/>
-              <a:t>2020/6/25</a:t>
+              <a:t>2020/6/26</a:t>
             </a:fld>
             <a:endParaRPr kumimoji="1" lang="ja-JP" altLang="en-US"/>
           </a:p>
@@ -4013,7 +5921,7 @@
           <a:p>
             <a:fld id="{05EA5B4D-3085-4260-9D17-3A6C004E7E0F}" type="datetimeFigureOut">
               <a:rPr kumimoji="1" lang="ja-JP" altLang="en-US" smtClean="0"/>
-              <a:t>2020/6/25</a:t>
+              <a:t>2020/6/26</a:t>
             </a:fld>
             <a:endParaRPr kumimoji="1" lang="ja-JP" altLang="en-US"/>
           </a:p>
@@ -4458,7 +6366,7 @@
           <a:p>
             <a:fld id="{05EA5B4D-3085-4260-9D17-3A6C004E7E0F}" type="datetimeFigureOut">
               <a:rPr kumimoji="1" lang="ja-JP" altLang="en-US" smtClean="0"/>
-              <a:t>2020/6/25</a:t>
+              <a:t>2020/6/26</a:t>
             </a:fld>
             <a:endParaRPr kumimoji="1" lang="ja-JP" altLang="en-US"/>
           </a:p>
@@ -4817,7 +6725,7 @@
           <a:p>
             <a:fld id="{05EA5B4D-3085-4260-9D17-3A6C004E7E0F}" type="datetimeFigureOut">
               <a:rPr kumimoji="1" lang="ja-JP" altLang="en-US" smtClean="0"/>
-              <a:t>2020/6/25</a:t>
+              <a:t>2020/6/26</a:t>
             </a:fld>
             <a:endParaRPr kumimoji="1" lang="ja-JP" altLang="en-US"/>
           </a:p>
@@ -5411,6 +7319,466 @@
 </p:sld>
 </file>
 
+<file path=ppt/slides/slide10.xml><?xml version="1.0" encoding="utf-8"?>
+<p:sld xmlns:a="http://schemas.openxmlformats.org/drawingml/2006/main" xmlns:r="http://schemas.openxmlformats.org/officeDocument/2006/relationships" xmlns:p="http://schemas.openxmlformats.org/presentationml/2006/main">
+  <p:cSld>
+    <p:spTree>
+      <p:nvGrpSpPr>
+        <p:cNvPr id="1" name=""/>
+        <p:cNvGrpSpPr/>
+        <p:nvPr/>
+      </p:nvGrpSpPr>
+      <p:grpSpPr>
+        <a:xfrm>
+          <a:off x="0" y="0"/>
+          <a:ext cx="0" cy="0"/>
+          <a:chOff x="0" y="0"/>
+          <a:chExt cx="0" cy="0"/>
+        </a:xfrm>
+      </p:grpSpPr>
+      <p:sp>
+        <p:nvSpPr>
+          <p:cNvPr id="2" name="タイトル 1">
+            <a:extLst>
+              <a:ext uri="{FF2B5EF4-FFF2-40B4-BE49-F238E27FC236}">
+                <a16:creationId xmlns:a16="http://schemas.microsoft.com/office/drawing/2014/main" id="{FFABA0C2-B4FA-42D6-8028-545472FA6A61}"/>
+              </a:ext>
+            </a:extLst>
+          </p:cNvPr>
+          <p:cNvSpPr>
+            <a:spLocks noGrp="1"/>
+          </p:cNvSpPr>
+          <p:nvPr>
+            <p:ph type="title"/>
+          </p:nvPr>
+        </p:nvSpPr>
+        <p:spPr/>
+        <p:txBody>
+          <a:bodyPr>
+            <a:normAutofit/>
+          </a:bodyPr>
+          <a:lstStyle/>
+          <a:p>
+            <a:r>
+              <a:rPr lang="ja-JP" altLang="en-US" sz="6600" b="1" dirty="0">
+                <a:latin typeface="メイリオ" panose="020B0604030504040204" pitchFamily="50" charset="-128"/>
+                <a:ea typeface="メイリオ" panose="020B0604030504040204" pitchFamily="50" charset="-128"/>
+              </a:rPr>
+              <a:t>スーテェ簿・デモプレイ</a:t>
+            </a:r>
+            <a:endParaRPr kumimoji="1" lang="ja-JP" altLang="en-US" sz="6600" b="1" dirty="0">
+              <a:latin typeface="メイリオ" panose="020B0604030504040204" pitchFamily="50" charset="-128"/>
+              <a:ea typeface="メイリオ" panose="020B0604030504040204" pitchFamily="50" charset="-128"/>
+            </a:endParaRPr>
+          </a:p>
+        </p:txBody>
+      </p:sp>
+      <p:sp>
+        <p:nvSpPr>
+          <p:cNvPr id="8" name="テキスト ボックス 7">
+            <a:extLst>
+              <a:ext uri="{FF2B5EF4-FFF2-40B4-BE49-F238E27FC236}">
+                <a16:creationId xmlns:a16="http://schemas.microsoft.com/office/drawing/2014/main" id="{3206FEE9-F065-49EC-A7B6-2B90B511C99D}"/>
+              </a:ext>
+            </a:extLst>
+          </p:cNvPr>
+          <p:cNvSpPr txBox="1"/>
+          <p:nvPr/>
+        </p:nvSpPr>
+        <p:spPr>
+          <a:xfrm>
+            <a:off x="1313402" y="2618339"/>
+            <a:ext cx="9879628" cy="2585323"/>
+          </a:xfrm>
+          <a:prstGeom prst="rect">
+            <a:avLst/>
+          </a:prstGeom>
+          <a:noFill/>
+        </p:spPr>
+        <p:txBody>
+          <a:bodyPr wrap="none" rtlCol="0">
+            <a:spAutoFit/>
+          </a:bodyPr>
+          <a:lstStyle/>
+          <a:p>
+            <a:r>
+              <a:rPr kumimoji="1" lang="ja-JP" altLang="en-US" sz="5400" dirty="0"/>
+              <a:t>それぞれのメンバーが担当した</a:t>
+            </a:r>
+            <a:endParaRPr kumimoji="1" lang="en-US" altLang="ja-JP" sz="5400" dirty="0"/>
+          </a:p>
+          <a:p>
+            <a:r>
+              <a:rPr kumimoji="1" lang="ja-JP" altLang="en-US" sz="5400" dirty="0"/>
+              <a:t>家計簿システムのデモプレイを</a:t>
+            </a:r>
+            <a:endParaRPr kumimoji="1" lang="en-US" altLang="ja-JP" sz="5400" dirty="0"/>
+          </a:p>
+          <a:p>
+            <a:r>
+              <a:rPr kumimoji="1" lang="ja-JP" altLang="en-US" sz="5400" dirty="0"/>
+              <a:t>行っていきます。</a:t>
+            </a:r>
+          </a:p>
+        </p:txBody>
+      </p:sp>
+    </p:spTree>
+    <p:extLst>
+      <p:ext uri="{BB962C8B-B14F-4D97-AF65-F5344CB8AC3E}">
+        <p14:creationId xmlns:p14="http://schemas.microsoft.com/office/powerpoint/2010/main" val="3468611157"/>
+      </p:ext>
+    </p:extLst>
+  </p:cSld>
+  <p:clrMapOvr>
+    <a:masterClrMapping/>
+  </p:clrMapOvr>
+</p:sld>
+</file>
+
+<file path=ppt/slides/slide11.xml><?xml version="1.0" encoding="utf-8"?>
+<p:sld xmlns:a="http://schemas.openxmlformats.org/drawingml/2006/main" xmlns:r="http://schemas.openxmlformats.org/officeDocument/2006/relationships" xmlns:p="http://schemas.openxmlformats.org/presentationml/2006/main">
+  <p:cSld>
+    <p:spTree>
+      <p:nvGrpSpPr>
+        <p:cNvPr id="1" name=""/>
+        <p:cNvGrpSpPr/>
+        <p:nvPr/>
+      </p:nvGrpSpPr>
+      <p:grpSpPr>
+        <a:xfrm>
+          <a:off x="0" y="0"/>
+          <a:ext cx="0" cy="0"/>
+          <a:chOff x="0" y="0"/>
+          <a:chExt cx="0" cy="0"/>
+        </a:xfrm>
+      </p:grpSpPr>
+      <p:sp>
+        <p:nvSpPr>
+          <p:cNvPr id="2" name="タイトル 1">
+            <a:extLst>
+              <a:ext uri="{FF2B5EF4-FFF2-40B4-BE49-F238E27FC236}">
+                <a16:creationId xmlns:a16="http://schemas.microsoft.com/office/drawing/2014/main" id="{FFABA0C2-B4FA-42D6-8028-545472FA6A61}"/>
+              </a:ext>
+            </a:extLst>
+          </p:cNvPr>
+          <p:cNvSpPr>
+            <a:spLocks noGrp="1"/>
+          </p:cNvSpPr>
+          <p:nvPr>
+            <p:ph type="title"/>
+          </p:nvPr>
+        </p:nvSpPr>
+        <p:spPr/>
+        <p:txBody>
+          <a:bodyPr>
+            <a:normAutofit/>
+          </a:bodyPr>
+          <a:lstStyle/>
+          <a:p>
+            <a:r>
+              <a:rPr lang="ja-JP" altLang="en-US" sz="6600" b="1" dirty="0">
+                <a:latin typeface="メイリオ" panose="020B0604030504040204" pitchFamily="50" charset="-128"/>
+                <a:ea typeface="メイリオ" panose="020B0604030504040204" pitchFamily="50" charset="-128"/>
+              </a:rPr>
+              <a:t>個人</a:t>
+            </a:r>
+            <a:r>
+              <a:rPr kumimoji="1" lang="ja-JP" altLang="en-US" sz="6600" b="1" dirty="0">
+                <a:latin typeface="メイリオ" panose="020B0604030504040204" pitchFamily="50" charset="-128"/>
+                <a:ea typeface="メイリオ" panose="020B0604030504040204" pitchFamily="50" charset="-128"/>
+              </a:rPr>
+              <a:t>感想</a:t>
+            </a:r>
+          </a:p>
+        </p:txBody>
+      </p:sp>
+    </p:spTree>
+    <p:extLst>
+      <p:ext uri="{BB962C8B-B14F-4D97-AF65-F5344CB8AC3E}">
+        <p14:creationId xmlns:p14="http://schemas.microsoft.com/office/powerpoint/2010/main" val="2682101459"/>
+      </p:ext>
+    </p:extLst>
+  </p:cSld>
+  <p:clrMapOvr>
+    <a:masterClrMapping/>
+  </p:clrMapOvr>
+</p:sld>
+</file>
+
+<file path=ppt/slides/slide12.xml><?xml version="1.0" encoding="utf-8"?>
+<p:sld xmlns:a="http://schemas.openxmlformats.org/drawingml/2006/main" xmlns:r="http://schemas.openxmlformats.org/officeDocument/2006/relationships" xmlns:p="http://schemas.openxmlformats.org/presentationml/2006/main">
+  <p:cSld>
+    <p:spTree>
+      <p:nvGrpSpPr>
+        <p:cNvPr id="1" name=""/>
+        <p:cNvGrpSpPr/>
+        <p:nvPr/>
+      </p:nvGrpSpPr>
+      <p:grpSpPr>
+        <a:xfrm>
+          <a:off x="0" y="0"/>
+          <a:ext cx="0" cy="0"/>
+          <a:chOff x="0" y="0"/>
+          <a:chExt cx="0" cy="0"/>
+        </a:xfrm>
+      </p:grpSpPr>
+      <p:sp>
+        <p:nvSpPr>
+          <p:cNvPr id="2" name="タイトル 1">
+            <a:extLst>
+              <a:ext uri="{FF2B5EF4-FFF2-40B4-BE49-F238E27FC236}">
+                <a16:creationId xmlns:a16="http://schemas.microsoft.com/office/drawing/2014/main" id="{FFABA0C2-B4FA-42D6-8028-545472FA6A61}"/>
+              </a:ext>
+            </a:extLst>
+          </p:cNvPr>
+          <p:cNvSpPr>
+            <a:spLocks noGrp="1"/>
+          </p:cNvSpPr>
+          <p:nvPr>
+            <p:ph type="title"/>
+          </p:nvPr>
+        </p:nvSpPr>
+        <p:spPr/>
+        <p:txBody>
+          <a:bodyPr>
+            <a:normAutofit/>
+          </a:bodyPr>
+          <a:lstStyle/>
+          <a:p>
+            <a:r>
+              <a:rPr kumimoji="1" lang="ja-JP" altLang="en-US" sz="6600" b="1" dirty="0">
+                <a:latin typeface="メイリオ" panose="020B0604030504040204" pitchFamily="50" charset="-128"/>
+                <a:ea typeface="メイリオ" panose="020B0604030504040204" pitchFamily="50" charset="-128"/>
+              </a:rPr>
+              <a:t>まとめ</a:t>
+            </a:r>
+          </a:p>
+        </p:txBody>
+      </p:sp>
+    </p:spTree>
+    <p:extLst>
+      <p:ext uri="{BB962C8B-B14F-4D97-AF65-F5344CB8AC3E}">
+        <p14:creationId xmlns:p14="http://schemas.microsoft.com/office/powerpoint/2010/main" val="880168525"/>
+      </p:ext>
+    </p:extLst>
+  </p:cSld>
+  <p:clrMapOvr>
+    <a:masterClrMapping/>
+  </p:clrMapOvr>
+</p:sld>
+</file>
+
+<file path=ppt/slides/slide13.xml><?xml version="1.0" encoding="utf-8"?>
+<p:sld xmlns:a="http://schemas.openxmlformats.org/drawingml/2006/main" xmlns:r="http://schemas.openxmlformats.org/officeDocument/2006/relationships" xmlns:p="http://schemas.openxmlformats.org/presentationml/2006/main">
+  <p:cSld>
+    <p:spTree>
+      <p:nvGrpSpPr>
+        <p:cNvPr id="1" name=""/>
+        <p:cNvGrpSpPr/>
+        <p:nvPr/>
+      </p:nvGrpSpPr>
+      <p:grpSpPr>
+        <a:xfrm>
+          <a:off x="0" y="0"/>
+          <a:ext cx="0" cy="0"/>
+          <a:chOff x="0" y="0"/>
+          <a:chExt cx="0" cy="0"/>
+        </a:xfrm>
+      </p:grpSpPr>
+      <p:sp>
+        <p:nvSpPr>
+          <p:cNvPr id="2" name="タイトル 1">
+            <a:extLst>
+              <a:ext uri="{FF2B5EF4-FFF2-40B4-BE49-F238E27FC236}">
+                <a16:creationId xmlns:a16="http://schemas.microsoft.com/office/drawing/2014/main" id="{FFABA0C2-B4FA-42D6-8028-545472FA6A61}"/>
+              </a:ext>
+            </a:extLst>
+          </p:cNvPr>
+          <p:cNvSpPr>
+            <a:spLocks noGrp="1"/>
+          </p:cNvSpPr>
+          <p:nvPr>
+            <p:ph type="title"/>
+          </p:nvPr>
+        </p:nvSpPr>
+        <p:spPr>
+          <a:xfrm>
+            <a:off x="906437" y="3298480"/>
+            <a:ext cx="10936111" cy="1325563"/>
+          </a:xfrm>
+        </p:spPr>
+        <p:txBody>
+          <a:bodyPr>
+            <a:normAutofit fontScale="90000"/>
+          </a:bodyPr>
+          <a:lstStyle/>
+          <a:p>
+            <a:r>
+              <a:rPr lang="ja-JP" altLang="en-US" sz="6600" b="1" dirty="0">
+                <a:latin typeface="メイリオ" panose="020B0604030504040204" pitchFamily="50" charset="-128"/>
+                <a:ea typeface="メイリオ" panose="020B0604030504040204" pitchFamily="50" charset="-128"/>
+              </a:rPr>
+              <a:t>ご清聴ありがとうございました</a:t>
+            </a:r>
+            <a:endParaRPr kumimoji="1" lang="ja-JP" altLang="en-US" sz="6600" b="1" dirty="0">
+              <a:latin typeface="メイリオ" panose="020B0604030504040204" pitchFamily="50" charset="-128"/>
+              <a:ea typeface="メイリオ" panose="020B0604030504040204" pitchFamily="50" charset="-128"/>
+            </a:endParaRPr>
+          </a:p>
+        </p:txBody>
+      </p:sp>
+    </p:spTree>
+    <p:extLst>
+      <p:ext uri="{BB962C8B-B14F-4D97-AF65-F5344CB8AC3E}">
+        <p14:creationId xmlns:p14="http://schemas.microsoft.com/office/powerpoint/2010/main" val="930684599"/>
+      </p:ext>
+    </p:extLst>
+  </p:cSld>
+  <p:clrMapOvr>
+    <a:masterClrMapping/>
+  </p:clrMapOvr>
+</p:sld>
+</file>
+
+<file path=ppt/slides/slide14.xml><?xml version="1.0" encoding="utf-8"?>
+<p:sld xmlns:a="http://schemas.openxmlformats.org/drawingml/2006/main" xmlns:r="http://schemas.openxmlformats.org/officeDocument/2006/relationships" xmlns:p="http://schemas.openxmlformats.org/presentationml/2006/main">
+  <p:cSld>
+    <p:spTree>
+      <p:nvGrpSpPr>
+        <p:cNvPr id="1" name=""/>
+        <p:cNvGrpSpPr/>
+        <p:nvPr/>
+      </p:nvGrpSpPr>
+      <p:grpSpPr>
+        <a:xfrm>
+          <a:off x="0" y="0"/>
+          <a:ext cx="0" cy="0"/>
+          <a:chOff x="0" y="0"/>
+          <a:chExt cx="0" cy="0"/>
+        </a:xfrm>
+      </p:grpSpPr>
+      <p:sp>
+        <p:nvSpPr>
+          <p:cNvPr id="2" name="タイトル 1">
+            <a:extLst>
+              <a:ext uri="{FF2B5EF4-FFF2-40B4-BE49-F238E27FC236}">
+                <a16:creationId xmlns:a16="http://schemas.microsoft.com/office/drawing/2014/main" id="{FFABA0C2-B4FA-42D6-8028-545472FA6A61}"/>
+              </a:ext>
+            </a:extLst>
+          </p:cNvPr>
+          <p:cNvSpPr>
+            <a:spLocks noGrp="1"/>
+          </p:cNvSpPr>
+          <p:nvPr>
+            <p:ph type="title"/>
+          </p:nvPr>
+        </p:nvSpPr>
+        <p:spPr/>
+        <p:txBody>
+          <a:bodyPr>
+            <a:normAutofit/>
+          </a:bodyPr>
+          <a:lstStyle/>
+          <a:p>
+            <a:r>
+              <a:rPr kumimoji="1" lang="ja-JP" altLang="en-US" sz="6600" b="1" dirty="0">
+                <a:latin typeface="メイリオ" panose="020B0604030504040204" pitchFamily="50" charset="-128"/>
+                <a:ea typeface="メイリオ" panose="020B0604030504040204" pitchFamily="50" charset="-128"/>
+              </a:rPr>
+              <a:t>まとめ</a:t>
+            </a:r>
+          </a:p>
+        </p:txBody>
+      </p:sp>
+      <p:sp>
+        <p:nvSpPr>
+          <p:cNvPr id="4" name="テキスト ボックス 3">
+            <a:extLst>
+              <a:ext uri="{FF2B5EF4-FFF2-40B4-BE49-F238E27FC236}">
+                <a16:creationId xmlns:a16="http://schemas.microsoft.com/office/drawing/2014/main" id="{F6B07B36-F475-49AB-98BA-68CEE1A6A6C1}"/>
+              </a:ext>
+            </a:extLst>
+          </p:cNvPr>
+          <p:cNvSpPr txBox="1"/>
+          <p:nvPr/>
+        </p:nvSpPr>
+        <p:spPr>
+          <a:xfrm>
+            <a:off x="1676400" y="2243220"/>
+            <a:ext cx="10515600" cy="1107996"/>
+          </a:xfrm>
+          <a:prstGeom prst="rect">
+            <a:avLst/>
+          </a:prstGeom>
+          <a:noFill/>
+        </p:spPr>
+        <p:txBody>
+          <a:bodyPr wrap="square" rtlCol="0">
+            <a:spAutoFit/>
+          </a:bodyPr>
+          <a:lstStyle/>
+          <a:p>
+            <a:r>
+              <a:rPr kumimoji="1" lang="ja-JP" altLang="en-US" sz="6600" b="1" dirty="0">
+                <a:latin typeface="メイリオ" panose="020B0604030504040204" pitchFamily="50" charset="-128"/>
+                <a:ea typeface="メイリオ" panose="020B0604030504040204" pitchFamily="50" charset="-128"/>
+              </a:rPr>
+              <a:t>ユーザーが使いやすい</a:t>
+            </a:r>
+          </a:p>
+        </p:txBody>
+      </p:sp>
+      <p:sp>
+        <p:nvSpPr>
+          <p:cNvPr id="8" name="テキスト ボックス 7">
+            <a:extLst>
+              <a:ext uri="{FF2B5EF4-FFF2-40B4-BE49-F238E27FC236}">
+                <a16:creationId xmlns:a16="http://schemas.microsoft.com/office/drawing/2014/main" id="{B64809F7-4D2B-46A6-95EA-B1B704123C55}"/>
+              </a:ext>
+            </a:extLst>
+          </p:cNvPr>
+          <p:cNvSpPr txBox="1"/>
+          <p:nvPr/>
+        </p:nvSpPr>
+        <p:spPr>
+          <a:xfrm>
+            <a:off x="1675760" y="3433512"/>
+            <a:ext cx="8840480" cy="1107996"/>
+          </a:xfrm>
+          <a:prstGeom prst="rect">
+            <a:avLst/>
+          </a:prstGeom>
+          <a:noFill/>
+        </p:spPr>
+        <p:txBody>
+          <a:bodyPr wrap="square" rtlCol="0">
+            <a:spAutoFit/>
+          </a:bodyPr>
+          <a:lstStyle/>
+          <a:p>
+            <a:r>
+              <a:rPr kumimoji="1" lang="ja-JP" altLang="en-US" sz="6600" b="1" dirty="0">
+                <a:latin typeface="メイリオ" panose="020B0604030504040204" pitchFamily="50" charset="-128"/>
+                <a:ea typeface="メイリオ" panose="020B0604030504040204" pitchFamily="50" charset="-128"/>
+              </a:rPr>
+              <a:t>家計簿アプリを目指す</a:t>
+            </a:r>
+          </a:p>
+        </p:txBody>
+      </p:sp>
+    </p:spTree>
+    <p:extLst>
+      <p:ext uri="{BB962C8B-B14F-4D97-AF65-F5344CB8AC3E}">
+        <p14:creationId xmlns:p14="http://schemas.microsoft.com/office/powerpoint/2010/main" val="2856672876"/>
+      </p:ext>
+    </p:extLst>
+  </p:cSld>
+  <p:clrMapOvr>
+    <a:masterClrMapping/>
+  </p:clrMapOvr>
+</p:sld>
+</file>
+
 <file path=ppt/slides/slide2.xml><?xml version="1.0" encoding="utf-8"?>
 <p:sld xmlns:a="http://schemas.openxmlformats.org/drawingml/2006/main" xmlns:r="http://schemas.openxmlformats.org/officeDocument/2006/relationships" xmlns:p="http://schemas.openxmlformats.org/presentationml/2006/main">
   <p:cSld>
@@ -6003,92 +8371,6 @@
   <p:clrMapOvr>
     <a:masterClrMapping/>
   </p:clrMapOvr>
-  <p:timing>
-    <p:tnLst>
-      <p:par>
-        <p:cTn id="1" dur="indefinite" restart="never" nodeType="tmRoot">
-          <p:childTnLst>
-            <p:seq concurrent="1" nextAc="seek">
-              <p:cTn id="2" dur="indefinite" nodeType="mainSeq">
-                <p:childTnLst>
-                  <p:par>
-                    <p:cTn id="3" fill="hold">
-                      <p:stCondLst>
-                        <p:cond delay="indefinite"/>
-                      </p:stCondLst>
-                      <p:childTnLst>
-                        <p:par>
-                          <p:cTn id="4" fill="hold">
-                            <p:stCondLst>
-                              <p:cond delay="0"/>
-                            </p:stCondLst>
-                            <p:childTnLst>
-                              <p:par>
-                                <p:cTn id="5" presetID="10" presetClass="entr" presetSubtype="0" fill="hold" grpId="0" nodeType="clickEffect">
-                                  <p:stCondLst>
-                                    <p:cond delay="0"/>
-                                  </p:stCondLst>
-                                  <p:childTnLst>
-                                    <p:set>
-                                      <p:cBhvr>
-                                        <p:cTn id="6" dur="1" fill="hold">
-                                          <p:stCondLst>
-                                            <p:cond delay="0"/>
-                                          </p:stCondLst>
-                                        </p:cTn>
-                                        <p:tgtEl>
-                                          <p:spTgt spid="5"/>
-                                        </p:tgtEl>
-                                        <p:attrNameLst>
-                                          <p:attrName>style.visibility</p:attrName>
-                                        </p:attrNameLst>
-                                      </p:cBhvr>
-                                      <p:to>
-                                        <p:strVal val="visible"/>
-                                      </p:to>
-                                    </p:set>
-                                    <p:animEffect transition="in" filter="fade">
-                                      <p:cBhvr>
-                                        <p:cTn id="7" dur="500"/>
-                                        <p:tgtEl>
-                                          <p:spTgt spid="5"/>
-                                        </p:tgtEl>
-                                      </p:cBhvr>
-                                    </p:animEffect>
-                                  </p:childTnLst>
-                                </p:cTn>
-                              </p:par>
-                            </p:childTnLst>
-                          </p:cTn>
-                        </p:par>
-                      </p:childTnLst>
-                    </p:cTn>
-                  </p:par>
-                </p:childTnLst>
-              </p:cTn>
-              <p:prevCondLst>
-                <p:cond evt="onPrev" delay="0">
-                  <p:tgtEl>
-                    <p:sldTgt/>
-                  </p:tgtEl>
-                </p:cond>
-              </p:prevCondLst>
-              <p:nextCondLst>
-                <p:cond evt="onNext" delay="0">
-                  <p:tgtEl>
-                    <p:sldTgt/>
-                  </p:tgtEl>
-                </p:cond>
-              </p:nextCondLst>
-            </p:seq>
-          </p:childTnLst>
-        </p:cTn>
-      </p:par>
-    </p:tnLst>
-    <p:bldLst>
-      <p:bldP spid="5" grpId="0"/>
-    </p:bldLst>
-  </p:timing>
 </p:sld>
 </file>
 
@@ -6364,7 +8646,7 @@
         </p:nvSpPr>
         <p:spPr>
           <a:xfrm>
-            <a:off x="1903242" y="3849981"/>
+            <a:off x="1903242" y="3548571"/>
             <a:ext cx="10571998" cy="970450"/>
           </a:xfrm>
           <a:prstGeom prst="rect">
@@ -6584,6 +8866,126 @@
                 <a:ea typeface="メイリオ" panose="020B0604030504040204" pitchFamily="50" charset="-128"/>
               </a:rPr>
               <a:t>・グラフの表示</a:t>
+            </a:r>
+          </a:p>
+        </p:txBody>
+      </p:sp>
+      <p:sp>
+        <p:nvSpPr>
+          <p:cNvPr id="6" name="タイトル 1">
+            <a:extLst>
+              <a:ext uri="{FF2B5EF4-FFF2-40B4-BE49-F238E27FC236}">
+                <a16:creationId xmlns:a16="http://schemas.microsoft.com/office/drawing/2014/main" id="{3D6B25C4-CF4F-495E-9032-874309C657A3}"/>
+              </a:ext>
+            </a:extLst>
+          </p:cNvPr>
+          <p:cNvSpPr txBox="1">
+            <a:spLocks/>
+          </p:cNvSpPr>
+          <p:nvPr/>
+        </p:nvSpPr>
+        <p:spPr>
+          <a:xfrm>
+            <a:off x="1903242" y="4638592"/>
+            <a:ext cx="10571998" cy="970450"/>
+          </a:xfrm>
+          <a:prstGeom prst="rect">
+            <a:avLst/>
+          </a:prstGeom>
+          <a:effectLst>
+            <a:outerShdw blurRad="50800" dir="14400000">
+              <a:srgbClr val="000000">
+                <a:alpha val="60000"/>
+              </a:srgbClr>
+            </a:outerShdw>
+          </a:effectLst>
+        </p:spPr>
+        <p:txBody>
+          <a:bodyPr vert="horz" lIns="91440" tIns="45720" rIns="91440" bIns="45720" rtlCol="0" anchor="b">
+            <a:normAutofit fontScale="90000" lnSpcReduction="10000"/>
+          </a:bodyPr>
+          <a:lstStyle>
+            <a:lvl1pPr algn="l" defTabSz="457200" rtl="0" eaLnBrk="1" latinLnBrk="0" hangingPunct="1">
+              <a:spcBef>
+                <a:spcPct val="0"/>
+              </a:spcBef>
+              <a:buNone/>
+              <a:defRPr kumimoji="1" sz="4000" b="1" kern="1200">
+                <a:solidFill>
+                  <a:srgbClr val="FEFEFE"/>
+                </a:solidFill>
+                <a:latin typeface="+mj-lt"/>
+                <a:ea typeface="+mj-ea"/>
+                <a:cs typeface="+mj-cs"/>
+              </a:defRPr>
+            </a:lvl1pPr>
+            <a:lvl2pPr eaLnBrk="1" hangingPunct="1">
+              <a:defRPr kumimoji="1">
+                <a:solidFill>
+                  <a:schemeClr val="tx2"/>
+                </a:solidFill>
+              </a:defRPr>
+            </a:lvl2pPr>
+            <a:lvl3pPr eaLnBrk="1" hangingPunct="1">
+              <a:defRPr kumimoji="1">
+                <a:solidFill>
+                  <a:schemeClr val="tx2"/>
+                </a:solidFill>
+              </a:defRPr>
+            </a:lvl3pPr>
+            <a:lvl4pPr eaLnBrk="1" hangingPunct="1">
+              <a:defRPr kumimoji="1">
+                <a:solidFill>
+                  <a:schemeClr val="tx2"/>
+                </a:solidFill>
+              </a:defRPr>
+            </a:lvl4pPr>
+            <a:lvl5pPr eaLnBrk="1" hangingPunct="1">
+              <a:defRPr kumimoji="1">
+                <a:solidFill>
+                  <a:schemeClr val="tx2"/>
+                </a:solidFill>
+              </a:defRPr>
+            </a:lvl5pPr>
+            <a:lvl6pPr eaLnBrk="1" hangingPunct="1">
+              <a:defRPr kumimoji="1">
+                <a:solidFill>
+                  <a:schemeClr val="tx2"/>
+                </a:solidFill>
+              </a:defRPr>
+            </a:lvl6pPr>
+            <a:lvl7pPr eaLnBrk="1" hangingPunct="1">
+              <a:defRPr kumimoji="1">
+                <a:solidFill>
+                  <a:schemeClr val="tx2"/>
+                </a:solidFill>
+              </a:defRPr>
+            </a:lvl7pPr>
+            <a:lvl8pPr eaLnBrk="1" hangingPunct="1">
+              <a:defRPr kumimoji="1">
+                <a:solidFill>
+                  <a:schemeClr val="tx2"/>
+                </a:solidFill>
+              </a:defRPr>
+            </a:lvl8pPr>
+            <a:lvl9pPr eaLnBrk="1" hangingPunct="1">
+              <a:defRPr kumimoji="1">
+                <a:solidFill>
+                  <a:schemeClr val="tx2"/>
+                </a:solidFill>
+              </a:defRPr>
+            </a:lvl9pPr>
+          </a:lstStyle>
+          <a:p>
+            <a:r>
+              <a:rPr lang="ja-JP" altLang="en-US" sz="6600" dirty="0">
+                <a:solidFill>
+                  <a:schemeClr val="tx1"/>
+                </a:solidFill>
+                <a:latin typeface="メイリオ" panose="020B0604030504040204" pitchFamily="50" charset="-128"/>
+                <a:ea typeface="メイリオ" panose="020B0604030504040204" pitchFamily="50" charset="-128"/>
+              </a:rPr>
+              <a:t>・カレンダー機能</a:t>
             </a:r>
           </a:p>
         </p:txBody>
@@ -6637,34 +9039,699 @@
         <p:spPr/>
         <p:txBody>
           <a:bodyPr>
-            <a:normAutofit fontScale="90000"/>
+            <a:normAutofit/>
           </a:bodyPr>
           <a:lstStyle/>
           <a:p>
             <a:r>
-              <a:rPr kumimoji="1" lang="ja-JP" altLang="en-US" sz="6600" b="1" dirty="0">
-                <a:latin typeface="メイリオ" panose="020B0604030504040204" pitchFamily="50" charset="-128"/>
-                <a:ea typeface="メイリオ" panose="020B0604030504040204" pitchFamily="50" charset="-128"/>
-              </a:rPr>
-              <a:t>デモ</a:t>
-            </a:r>
-            <a:br>
-              <a:rPr kumimoji="1" lang="en-US" altLang="ja-JP" sz="6600" b="1" dirty="0">
-                <a:latin typeface="メイリオ" panose="020B0604030504040204" pitchFamily="50" charset="-128"/>
-                <a:ea typeface="メイリオ" panose="020B0604030504040204" pitchFamily="50" charset="-128"/>
-              </a:rPr>
-            </a:br>
-            <a:endParaRPr kumimoji="1" lang="ja-JP" altLang="en-US" sz="6600" b="1" dirty="0">
-              <a:latin typeface="メイリオ" panose="020B0604030504040204" pitchFamily="50" charset="-128"/>
-              <a:ea typeface="メイリオ" panose="020B0604030504040204" pitchFamily="50" charset="-128"/>
-            </a:endParaRPr>
+              <a:rPr kumimoji="1" lang="ja-JP" altLang="en-US" sz="6600" b="1" dirty="0"/>
+              <a:t>システムの流れ図</a:t>
+            </a:r>
+          </a:p>
+        </p:txBody>
+      </p:sp>
+      <p:sp>
+        <p:nvSpPr>
+          <p:cNvPr id="3" name="四角形: 角を丸くする 2">
+            <a:extLst>
+              <a:ext uri="{FF2B5EF4-FFF2-40B4-BE49-F238E27FC236}">
+                <a16:creationId xmlns:a16="http://schemas.microsoft.com/office/drawing/2014/main" id="{74DB3251-5219-46C6-9B9F-7113BDC97138}"/>
+              </a:ext>
+            </a:extLst>
+          </p:cNvPr>
+          <p:cNvSpPr/>
+          <p:nvPr/>
+        </p:nvSpPr>
+        <p:spPr>
+          <a:xfrm>
+            <a:off x="2262034" y="2163011"/>
+            <a:ext cx="1761066" cy="1083733"/>
+          </a:xfrm>
+          <a:prstGeom prst="roundRect">
+            <a:avLst/>
+          </a:prstGeom>
+        </p:spPr>
+        <p:style>
+          <a:lnRef idx="2">
+            <a:schemeClr val="accent1">
+              <a:shade val="50000"/>
+            </a:schemeClr>
+          </a:lnRef>
+          <a:fillRef idx="1">
+            <a:schemeClr val="accent1"/>
+          </a:fillRef>
+          <a:effectRef idx="0">
+            <a:schemeClr val="accent1"/>
+          </a:effectRef>
+          <a:fontRef idx="minor">
+            <a:schemeClr val="lt1"/>
+          </a:fontRef>
+        </p:style>
+        <p:txBody>
+          <a:bodyPr rtlCol="0" anchor="ctr"/>
+          <a:lstStyle/>
+          <a:p>
+            <a:pPr algn="ctr"/>
+            <a:r>
+              <a:rPr kumimoji="1" lang="ja-JP" altLang="en-US" dirty="0"/>
+              <a:t>ログイン</a:t>
+            </a:r>
+          </a:p>
+        </p:txBody>
+      </p:sp>
+      <p:sp>
+        <p:nvSpPr>
+          <p:cNvPr id="4" name="四角形: 角を丸くする 3">
+            <a:extLst>
+              <a:ext uri="{FF2B5EF4-FFF2-40B4-BE49-F238E27FC236}">
+                <a16:creationId xmlns:a16="http://schemas.microsoft.com/office/drawing/2014/main" id="{B65C9EC2-357D-4033-8D6B-5C1A25F3C732}"/>
+              </a:ext>
+            </a:extLst>
+          </p:cNvPr>
+          <p:cNvSpPr/>
+          <p:nvPr/>
+        </p:nvSpPr>
+        <p:spPr>
+          <a:xfrm>
+            <a:off x="5523091" y="2153302"/>
+            <a:ext cx="1761066" cy="1083733"/>
+          </a:xfrm>
+          <a:prstGeom prst="roundRect">
+            <a:avLst/>
+          </a:prstGeom>
+        </p:spPr>
+        <p:style>
+          <a:lnRef idx="2">
+            <a:schemeClr val="accent1">
+              <a:shade val="50000"/>
+            </a:schemeClr>
+          </a:lnRef>
+          <a:fillRef idx="1">
+            <a:schemeClr val="accent1"/>
+          </a:fillRef>
+          <a:effectRef idx="0">
+            <a:schemeClr val="accent1"/>
+          </a:effectRef>
+          <a:fontRef idx="minor">
+            <a:schemeClr val="lt1"/>
+          </a:fontRef>
+        </p:style>
+        <p:txBody>
+          <a:bodyPr rtlCol="0" anchor="ctr"/>
+          <a:lstStyle/>
+          <a:p>
+            <a:pPr algn="ctr"/>
+            <a:r>
+              <a:rPr kumimoji="1" lang="ja-JP" altLang="en-US" dirty="0"/>
+              <a:t>メニュー</a:t>
+            </a:r>
+          </a:p>
+        </p:txBody>
+      </p:sp>
+      <p:sp>
+        <p:nvSpPr>
+          <p:cNvPr id="5" name="四角形: 角を丸くする 4">
+            <a:extLst>
+              <a:ext uri="{FF2B5EF4-FFF2-40B4-BE49-F238E27FC236}">
+                <a16:creationId xmlns:a16="http://schemas.microsoft.com/office/drawing/2014/main" id="{B18812CE-A403-4502-96FB-11BCE88DB41E}"/>
+              </a:ext>
+            </a:extLst>
+          </p:cNvPr>
+          <p:cNvSpPr/>
+          <p:nvPr/>
+        </p:nvSpPr>
+        <p:spPr>
+          <a:xfrm>
+            <a:off x="9293788" y="2163010"/>
+            <a:ext cx="1761066" cy="1083733"/>
+          </a:xfrm>
+          <a:prstGeom prst="roundRect">
+            <a:avLst/>
+          </a:prstGeom>
+        </p:spPr>
+        <p:style>
+          <a:lnRef idx="2">
+            <a:schemeClr val="accent1">
+              <a:shade val="50000"/>
+            </a:schemeClr>
+          </a:lnRef>
+          <a:fillRef idx="1">
+            <a:schemeClr val="accent1"/>
+          </a:fillRef>
+          <a:effectRef idx="0">
+            <a:schemeClr val="accent1"/>
+          </a:effectRef>
+          <a:fontRef idx="minor">
+            <a:schemeClr val="lt1"/>
+          </a:fontRef>
+        </p:style>
+        <p:txBody>
+          <a:bodyPr rtlCol="0" anchor="ctr"/>
+          <a:lstStyle/>
+          <a:p>
+            <a:pPr algn="ctr"/>
+            <a:r>
+              <a:rPr kumimoji="1" lang="ja-JP" altLang="en-US" dirty="0"/>
+              <a:t>入力画面</a:t>
+            </a:r>
+            <a:endParaRPr kumimoji="1" lang="en-US" altLang="ja-JP" dirty="0"/>
+          </a:p>
+          <a:p>
+            <a:pPr algn="ctr"/>
+            <a:endParaRPr kumimoji="1" lang="ja-JP" altLang="en-US" dirty="0"/>
+          </a:p>
+        </p:txBody>
+      </p:sp>
+      <p:sp>
+        <p:nvSpPr>
+          <p:cNvPr id="6" name="四角形: 角を丸くする 5">
+            <a:extLst>
+              <a:ext uri="{FF2B5EF4-FFF2-40B4-BE49-F238E27FC236}">
+                <a16:creationId xmlns:a16="http://schemas.microsoft.com/office/drawing/2014/main" id="{D3C5FBD9-D834-43A3-99CA-87848A8FDF77}"/>
+              </a:ext>
+            </a:extLst>
+          </p:cNvPr>
+          <p:cNvSpPr/>
+          <p:nvPr/>
+        </p:nvSpPr>
+        <p:spPr>
+          <a:xfrm>
+            <a:off x="9392342" y="3947124"/>
+            <a:ext cx="1761066" cy="1083733"/>
+          </a:xfrm>
+          <a:prstGeom prst="roundRect">
+            <a:avLst/>
+          </a:prstGeom>
+        </p:spPr>
+        <p:style>
+          <a:lnRef idx="2">
+            <a:schemeClr val="accent1">
+              <a:shade val="50000"/>
+            </a:schemeClr>
+          </a:lnRef>
+          <a:fillRef idx="1">
+            <a:schemeClr val="accent1"/>
+          </a:fillRef>
+          <a:effectRef idx="0">
+            <a:schemeClr val="accent1"/>
+          </a:effectRef>
+          <a:fontRef idx="minor">
+            <a:schemeClr val="lt1"/>
+          </a:fontRef>
+        </p:style>
+        <p:txBody>
+          <a:bodyPr rtlCol="0" anchor="ctr"/>
+          <a:lstStyle/>
+          <a:p>
+            <a:pPr algn="ctr"/>
+            <a:r>
+              <a:rPr kumimoji="1" lang="ja-JP" altLang="en-US" dirty="0"/>
+              <a:t>閲覧画面</a:t>
+            </a:r>
+          </a:p>
+        </p:txBody>
+      </p:sp>
+      <p:sp>
+        <p:nvSpPr>
+          <p:cNvPr id="7" name="四角形: 角を丸くする 6">
+            <a:extLst>
+              <a:ext uri="{FF2B5EF4-FFF2-40B4-BE49-F238E27FC236}">
+                <a16:creationId xmlns:a16="http://schemas.microsoft.com/office/drawing/2014/main" id="{4AC1EBE1-A9AF-406C-8E19-66C1FF4C653B}"/>
+              </a:ext>
+            </a:extLst>
+          </p:cNvPr>
+          <p:cNvSpPr/>
+          <p:nvPr/>
+        </p:nvSpPr>
+        <p:spPr>
+          <a:xfrm>
+            <a:off x="9392342" y="5619043"/>
+            <a:ext cx="1761066" cy="1083733"/>
+          </a:xfrm>
+          <a:prstGeom prst="roundRect">
+            <a:avLst/>
+          </a:prstGeom>
+        </p:spPr>
+        <p:style>
+          <a:lnRef idx="2">
+            <a:schemeClr val="accent1">
+              <a:shade val="50000"/>
+            </a:schemeClr>
+          </a:lnRef>
+          <a:fillRef idx="1">
+            <a:schemeClr val="accent1"/>
+          </a:fillRef>
+          <a:effectRef idx="0">
+            <a:schemeClr val="accent1"/>
+          </a:effectRef>
+          <a:fontRef idx="minor">
+            <a:schemeClr val="lt1"/>
+          </a:fontRef>
+        </p:style>
+        <p:txBody>
+          <a:bodyPr rtlCol="0" anchor="ctr"/>
+          <a:lstStyle/>
+          <a:p>
+            <a:pPr algn="ctr"/>
+            <a:r>
+              <a:rPr kumimoji="1" lang="ja-JP" altLang="en-US" dirty="0"/>
+              <a:t>設定画面</a:t>
+            </a:r>
+          </a:p>
+        </p:txBody>
+      </p:sp>
+      <p:sp>
+        <p:nvSpPr>
+          <p:cNvPr id="8" name="四角形: 角を丸くする 7">
+            <a:extLst>
+              <a:ext uri="{FF2B5EF4-FFF2-40B4-BE49-F238E27FC236}">
+                <a16:creationId xmlns:a16="http://schemas.microsoft.com/office/drawing/2014/main" id="{DB79EDAD-893D-4993-BFC5-730211480FE8}"/>
+              </a:ext>
+            </a:extLst>
+          </p:cNvPr>
+          <p:cNvSpPr/>
+          <p:nvPr/>
+        </p:nvSpPr>
+        <p:spPr>
+          <a:xfrm>
+            <a:off x="2496746" y="5252410"/>
+            <a:ext cx="2032024" cy="1083733"/>
+          </a:xfrm>
+          <a:prstGeom prst="roundRect">
+            <a:avLst/>
+          </a:prstGeom>
+        </p:spPr>
+        <p:style>
+          <a:lnRef idx="2">
+            <a:schemeClr val="accent1">
+              <a:shade val="50000"/>
+            </a:schemeClr>
+          </a:lnRef>
+          <a:fillRef idx="1">
+            <a:schemeClr val="accent1"/>
+          </a:fillRef>
+          <a:effectRef idx="0">
+            <a:schemeClr val="accent1"/>
+          </a:effectRef>
+          <a:fontRef idx="minor">
+            <a:schemeClr val="lt1"/>
+          </a:fontRef>
+        </p:style>
+        <p:txBody>
+          <a:bodyPr rtlCol="0" anchor="ctr"/>
+          <a:lstStyle/>
+          <a:p>
+            <a:pPr algn="ctr"/>
+            <a:r>
+              <a:rPr kumimoji="1" lang="ja-JP" altLang="en-US" dirty="0"/>
+              <a:t>アカウント作成</a:t>
+            </a:r>
+          </a:p>
+        </p:txBody>
+      </p:sp>
+      <p:sp>
+        <p:nvSpPr>
+          <p:cNvPr id="9" name="矢印: 右 8">
+            <a:extLst>
+              <a:ext uri="{FF2B5EF4-FFF2-40B4-BE49-F238E27FC236}">
+                <a16:creationId xmlns:a16="http://schemas.microsoft.com/office/drawing/2014/main" id="{3990CAFE-81F6-46E0-A1BA-3A9AA12A3D79}"/>
+              </a:ext>
+            </a:extLst>
+          </p:cNvPr>
+          <p:cNvSpPr/>
+          <p:nvPr/>
+        </p:nvSpPr>
+        <p:spPr>
+          <a:xfrm rot="16200000">
+            <a:off x="2405282" y="3956066"/>
+            <a:ext cx="1474571" cy="587022"/>
+          </a:xfrm>
+          <a:prstGeom prst="rightArrow">
+            <a:avLst/>
+          </a:prstGeom>
+        </p:spPr>
+        <p:style>
+          <a:lnRef idx="2">
+            <a:schemeClr val="accent1">
+              <a:shade val="50000"/>
+            </a:schemeClr>
+          </a:lnRef>
+          <a:fillRef idx="1">
+            <a:schemeClr val="accent1"/>
+          </a:fillRef>
+          <a:effectRef idx="0">
+            <a:schemeClr val="accent1"/>
+          </a:effectRef>
+          <a:fontRef idx="minor">
+            <a:schemeClr val="lt1"/>
+          </a:fontRef>
+        </p:style>
+        <p:txBody>
+          <a:bodyPr rtlCol="0" anchor="ctr"/>
+          <a:lstStyle/>
+          <a:p>
+            <a:pPr algn="ctr"/>
+            <a:endParaRPr kumimoji="1" lang="ja-JP" altLang="en-US"/>
+          </a:p>
+        </p:txBody>
+      </p:sp>
+      <p:sp>
+        <p:nvSpPr>
+          <p:cNvPr id="10" name="矢印: 右 9">
+            <a:extLst>
+              <a:ext uri="{FF2B5EF4-FFF2-40B4-BE49-F238E27FC236}">
+                <a16:creationId xmlns:a16="http://schemas.microsoft.com/office/drawing/2014/main" id="{3940F8E6-4EE8-43AB-9E5C-C0DA696F40BF}"/>
+              </a:ext>
+            </a:extLst>
+          </p:cNvPr>
+          <p:cNvSpPr/>
+          <p:nvPr/>
+        </p:nvSpPr>
+        <p:spPr>
+          <a:xfrm>
+            <a:off x="4339014" y="2462852"/>
+            <a:ext cx="1080912" cy="587022"/>
+          </a:xfrm>
+          <a:prstGeom prst="rightArrow">
+            <a:avLst/>
+          </a:prstGeom>
+        </p:spPr>
+        <p:style>
+          <a:lnRef idx="2">
+            <a:schemeClr val="accent1">
+              <a:shade val="50000"/>
+            </a:schemeClr>
+          </a:lnRef>
+          <a:fillRef idx="1">
+            <a:schemeClr val="accent1"/>
+          </a:fillRef>
+          <a:effectRef idx="0">
+            <a:schemeClr val="accent1"/>
+          </a:effectRef>
+          <a:fontRef idx="minor">
+            <a:schemeClr val="lt1"/>
+          </a:fontRef>
+        </p:style>
+        <p:txBody>
+          <a:bodyPr rtlCol="0" anchor="ctr"/>
+          <a:lstStyle/>
+          <a:p>
+            <a:pPr algn="ctr"/>
+            <a:endParaRPr kumimoji="1" lang="ja-JP" altLang="en-US"/>
+          </a:p>
+        </p:txBody>
+      </p:sp>
+      <p:sp>
+        <p:nvSpPr>
+          <p:cNvPr id="14" name="矢印: 上向き折線 13">
+            <a:extLst>
+              <a:ext uri="{FF2B5EF4-FFF2-40B4-BE49-F238E27FC236}">
+                <a16:creationId xmlns:a16="http://schemas.microsoft.com/office/drawing/2014/main" id="{DDCF0F7B-A852-4689-82CC-45A6441F8394}"/>
+              </a:ext>
+            </a:extLst>
+          </p:cNvPr>
+          <p:cNvSpPr/>
+          <p:nvPr/>
+        </p:nvSpPr>
+        <p:spPr>
+          <a:xfrm rot="16200000" flipH="1" flipV="1">
+            <a:off x="941045" y="4884896"/>
+            <a:ext cx="1083733" cy="1468294"/>
+          </a:xfrm>
+          <a:prstGeom prst="bentUpArrow">
+            <a:avLst>
+              <a:gd name="adj1" fmla="val 30497"/>
+              <a:gd name="adj2" fmla="val 24233"/>
+              <a:gd name="adj3" fmla="val 35738"/>
+            </a:avLst>
+          </a:prstGeom>
+        </p:spPr>
+        <p:style>
+          <a:lnRef idx="2">
+            <a:schemeClr val="accent1">
+              <a:shade val="50000"/>
+            </a:schemeClr>
+          </a:lnRef>
+          <a:fillRef idx="1">
+            <a:schemeClr val="accent1"/>
+          </a:fillRef>
+          <a:effectRef idx="0">
+            <a:schemeClr val="accent1"/>
+          </a:effectRef>
+          <a:fontRef idx="minor">
+            <a:schemeClr val="lt1"/>
+          </a:fontRef>
+        </p:style>
+        <p:txBody>
+          <a:bodyPr rtlCol="0" anchor="ctr"/>
+          <a:lstStyle/>
+          <a:p>
+            <a:pPr algn="ctr"/>
+            <a:endParaRPr kumimoji="1" lang="ja-JP" altLang="en-US"/>
+          </a:p>
+        </p:txBody>
+      </p:sp>
+      <p:sp>
+        <p:nvSpPr>
+          <p:cNvPr id="15" name="四角形: 角を丸くする 14">
+            <a:extLst>
+              <a:ext uri="{FF2B5EF4-FFF2-40B4-BE49-F238E27FC236}">
+                <a16:creationId xmlns:a16="http://schemas.microsoft.com/office/drawing/2014/main" id="{C6CF8050-8BAC-4081-98B0-E35385A4CA26}"/>
+              </a:ext>
+            </a:extLst>
+          </p:cNvPr>
+          <p:cNvSpPr/>
+          <p:nvPr/>
+        </p:nvSpPr>
+        <p:spPr>
+          <a:xfrm>
+            <a:off x="327534" y="3774458"/>
+            <a:ext cx="1761066" cy="1083733"/>
+          </a:xfrm>
+          <a:prstGeom prst="roundRect">
+            <a:avLst/>
+          </a:prstGeom>
+        </p:spPr>
+        <p:style>
+          <a:lnRef idx="2">
+            <a:schemeClr val="accent1">
+              <a:shade val="50000"/>
+            </a:schemeClr>
+          </a:lnRef>
+          <a:fillRef idx="1">
+            <a:schemeClr val="accent1"/>
+          </a:fillRef>
+          <a:effectRef idx="0">
+            <a:schemeClr val="accent1"/>
+          </a:effectRef>
+          <a:fontRef idx="minor">
+            <a:schemeClr val="lt1"/>
+          </a:fontRef>
+        </p:style>
+        <p:txBody>
+          <a:bodyPr rtlCol="0" anchor="ctr"/>
+          <a:lstStyle/>
+          <a:p>
+            <a:pPr algn="ctr"/>
+            <a:r>
+              <a:rPr kumimoji="1" lang="ja-JP" altLang="en-US" dirty="0"/>
+              <a:t>トップ</a:t>
+            </a:r>
+          </a:p>
+        </p:txBody>
+      </p:sp>
+      <p:sp>
+        <p:nvSpPr>
+          <p:cNvPr id="16" name="矢印: 上向き折線 15">
+            <a:extLst>
+              <a:ext uri="{FF2B5EF4-FFF2-40B4-BE49-F238E27FC236}">
+                <a16:creationId xmlns:a16="http://schemas.microsoft.com/office/drawing/2014/main" id="{3BD66A0D-99EB-48E6-9ECB-67E702652594}"/>
+              </a:ext>
+            </a:extLst>
+          </p:cNvPr>
+          <p:cNvSpPr/>
+          <p:nvPr/>
+        </p:nvSpPr>
+        <p:spPr>
+          <a:xfrm rot="16200000" flipV="1">
+            <a:off x="953058" y="2474965"/>
+            <a:ext cx="1113341" cy="1080911"/>
+          </a:xfrm>
+          <a:prstGeom prst="bentUpArrow">
+            <a:avLst>
+              <a:gd name="adj1" fmla="val 28692"/>
+              <a:gd name="adj2" fmla="val 25000"/>
+              <a:gd name="adj3" fmla="val 25000"/>
+            </a:avLst>
+          </a:prstGeom>
+        </p:spPr>
+        <p:style>
+          <a:lnRef idx="2">
+            <a:schemeClr val="accent1">
+              <a:shade val="50000"/>
+            </a:schemeClr>
+          </a:lnRef>
+          <a:fillRef idx="1">
+            <a:schemeClr val="accent1"/>
+          </a:fillRef>
+          <a:effectRef idx="0">
+            <a:schemeClr val="accent1"/>
+          </a:effectRef>
+          <a:fontRef idx="minor">
+            <a:schemeClr val="lt1"/>
+          </a:fontRef>
+        </p:style>
+        <p:txBody>
+          <a:bodyPr rtlCol="0" anchor="ctr"/>
+          <a:lstStyle/>
+          <a:p>
+            <a:pPr algn="ctr"/>
+            <a:endParaRPr kumimoji="1" lang="ja-JP" altLang="en-US"/>
+          </a:p>
+        </p:txBody>
+      </p:sp>
+      <p:sp>
+        <p:nvSpPr>
+          <p:cNvPr id="17" name="矢印: 右 16">
+            <a:extLst>
+              <a:ext uri="{FF2B5EF4-FFF2-40B4-BE49-F238E27FC236}">
+                <a16:creationId xmlns:a16="http://schemas.microsoft.com/office/drawing/2014/main" id="{3D2ACEC2-6F5A-4A6D-B2ED-55469FF27192}"/>
+              </a:ext>
+            </a:extLst>
+          </p:cNvPr>
+          <p:cNvSpPr/>
+          <p:nvPr/>
+        </p:nvSpPr>
+        <p:spPr>
+          <a:xfrm>
+            <a:off x="7631276" y="2357219"/>
+            <a:ext cx="1474571" cy="695313"/>
+          </a:xfrm>
+          <a:prstGeom prst="rightArrow">
+            <a:avLst/>
+          </a:prstGeom>
+        </p:spPr>
+        <p:style>
+          <a:lnRef idx="2">
+            <a:schemeClr val="accent1">
+              <a:shade val="50000"/>
+            </a:schemeClr>
+          </a:lnRef>
+          <a:fillRef idx="1">
+            <a:schemeClr val="accent1"/>
+          </a:fillRef>
+          <a:effectRef idx="0">
+            <a:schemeClr val="accent1"/>
+          </a:effectRef>
+          <a:fontRef idx="minor">
+            <a:schemeClr val="lt1"/>
+          </a:fontRef>
+        </p:style>
+        <p:txBody>
+          <a:bodyPr rtlCol="0" anchor="ctr"/>
+          <a:lstStyle/>
+          <a:p>
+            <a:pPr algn="ctr"/>
+            <a:endParaRPr kumimoji="1" lang="ja-JP" altLang="en-US"/>
+          </a:p>
+        </p:txBody>
+      </p:sp>
+      <p:sp>
+        <p:nvSpPr>
+          <p:cNvPr id="18" name="矢印: 右 17">
+            <a:extLst>
+              <a:ext uri="{FF2B5EF4-FFF2-40B4-BE49-F238E27FC236}">
+                <a16:creationId xmlns:a16="http://schemas.microsoft.com/office/drawing/2014/main" id="{B1BD62AC-587B-4B8E-AFA1-9BA9E4136668}"/>
+              </a:ext>
+            </a:extLst>
+          </p:cNvPr>
+          <p:cNvSpPr/>
+          <p:nvPr/>
+        </p:nvSpPr>
+        <p:spPr>
+          <a:xfrm rot="2022801">
+            <a:off x="7379587" y="3653613"/>
+            <a:ext cx="1965742" cy="587022"/>
+          </a:xfrm>
+          <a:prstGeom prst="rightArrow">
+            <a:avLst/>
+          </a:prstGeom>
+        </p:spPr>
+        <p:style>
+          <a:lnRef idx="2">
+            <a:schemeClr val="accent1">
+              <a:shade val="50000"/>
+            </a:schemeClr>
+          </a:lnRef>
+          <a:fillRef idx="1">
+            <a:schemeClr val="accent1"/>
+          </a:fillRef>
+          <a:effectRef idx="0">
+            <a:schemeClr val="accent1"/>
+          </a:effectRef>
+          <a:fontRef idx="minor">
+            <a:schemeClr val="lt1"/>
+          </a:fontRef>
+        </p:style>
+        <p:txBody>
+          <a:bodyPr rtlCol="0" anchor="ctr"/>
+          <a:lstStyle/>
+          <a:p>
+            <a:pPr algn="ctr"/>
+            <a:endParaRPr kumimoji="1" lang="ja-JP" altLang="en-US"/>
+          </a:p>
+        </p:txBody>
+      </p:sp>
+      <p:sp>
+        <p:nvSpPr>
+          <p:cNvPr id="19" name="矢印: 右 18">
+            <a:extLst>
+              <a:ext uri="{FF2B5EF4-FFF2-40B4-BE49-F238E27FC236}">
+                <a16:creationId xmlns:a16="http://schemas.microsoft.com/office/drawing/2014/main" id="{AFF91D37-2575-4E7B-B4D0-2FDF1DE26A90}"/>
+              </a:ext>
+            </a:extLst>
+          </p:cNvPr>
+          <p:cNvSpPr/>
+          <p:nvPr/>
+        </p:nvSpPr>
+        <p:spPr>
+          <a:xfrm rot="3285299">
+            <a:off x="6530676" y="4644269"/>
+            <a:ext cx="3016609" cy="587022"/>
+          </a:xfrm>
+          <a:prstGeom prst="rightArrow">
+            <a:avLst/>
+          </a:prstGeom>
+        </p:spPr>
+        <p:style>
+          <a:lnRef idx="2">
+            <a:schemeClr val="accent1">
+              <a:shade val="50000"/>
+            </a:schemeClr>
+          </a:lnRef>
+          <a:fillRef idx="1">
+            <a:schemeClr val="accent1"/>
+          </a:fillRef>
+          <a:effectRef idx="0">
+            <a:schemeClr val="accent1"/>
+          </a:effectRef>
+          <a:fontRef idx="minor">
+            <a:schemeClr val="lt1"/>
+          </a:fontRef>
+        </p:style>
+        <p:txBody>
+          <a:bodyPr rtlCol="0" anchor="ctr"/>
+          <a:lstStyle/>
+          <a:p>
+            <a:pPr algn="ctr"/>
+            <a:endParaRPr kumimoji="1" lang="ja-JP" altLang="en-US"/>
           </a:p>
         </p:txBody>
       </p:sp>
     </p:spTree>
     <p:extLst>
       <p:ext uri="{BB962C8B-B14F-4D97-AF65-F5344CB8AC3E}">
-        <p14:creationId xmlns:p14="http://schemas.microsoft.com/office/powerpoint/2010/main" val="3692228257"/>
+        <p14:creationId xmlns:p14="http://schemas.microsoft.com/office/powerpoint/2010/main" val="607151583"/>
       </p:ext>
     </p:extLst>
   </p:cSld>
@@ -6675,7 +9742,7 @@
 </file>
 
 <file path=ppt/slides/slide7.xml><?xml version="1.0" encoding="utf-8"?>
-<p:sld xmlns:a="http://schemas.openxmlformats.org/drawingml/2006/main" xmlns:r="http://schemas.openxmlformats.org/officeDocument/2006/relationships" xmlns:p="http://schemas.openxmlformats.org/presentationml/2006/main">
+<p:sld xmlns:a="http://schemas.openxmlformats.org/drawingml/2006/main" xmlns:r="http://schemas.openxmlformats.org/officeDocument/2006/relationships" xmlns:p="http://schemas.openxmlformats.org/presentationml/2006/main" show="0">
   <p:cSld>
     <p:spTree>
       <p:nvGrpSpPr>
@@ -6715,11 +9782,283 @@
           <a:lstStyle/>
           <a:p>
             <a:r>
-              <a:rPr kumimoji="1" lang="ja-JP" altLang="en-US" sz="6600" b="1" dirty="0">
+              <a:rPr lang="ja-JP" altLang="en-US" sz="6600" b="1" dirty="0">
                 <a:latin typeface="メイリオ" panose="020B0604030504040204" pitchFamily="50" charset="-128"/>
                 <a:ea typeface="メイリオ" panose="020B0604030504040204" pitchFamily="50" charset="-128"/>
               </a:rPr>
-              <a:t>まとめ</a:t>
+              <a:t>グラフについて</a:t>
+            </a:r>
+            <a:endParaRPr kumimoji="1" lang="ja-JP" altLang="en-US" sz="6600" b="1" dirty="0">
+              <a:latin typeface="メイリオ" panose="020B0604030504040204" pitchFamily="50" charset="-128"/>
+              <a:ea typeface="メイリオ" panose="020B0604030504040204" pitchFamily="50" charset="-128"/>
+            </a:endParaRPr>
+          </a:p>
+        </p:txBody>
+      </p:sp>
+      <p:graphicFrame>
+        <p:nvGraphicFramePr>
+          <p:cNvPr id="5" name="グラフ 4">
+            <a:extLst>
+              <a:ext uri="{FF2B5EF4-FFF2-40B4-BE49-F238E27FC236}">
+                <a16:creationId xmlns:a16="http://schemas.microsoft.com/office/drawing/2014/main" id="{DD32688E-7520-46C6-8037-B9F5D9885BCC}"/>
+              </a:ext>
+            </a:extLst>
+          </p:cNvPr>
+          <p:cNvGraphicFramePr/>
+          <p:nvPr>
+            <p:extLst>
+              <p:ext uri="{D42A27DB-BD31-4B8C-83A1-F6EECF244321}">
+                <p14:modId xmlns:p14="http://schemas.microsoft.com/office/powerpoint/2010/main" val="4235236485"/>
+              </p:ext>
+            </p:extLst>
+          </p:nvPr>
+        </p:nvGraphicFramePr>
+        <p:xfrm>
+          <a:off x="1137146" y="1853754"/>
+          <a:ext cx="5517422" cy="4199727"/>
+        </p:xfrm>
+        <a:graphic>
+          <a:graphicData uri="http://schemas.openxmlformats.org/drawingml/2006/chart">
+            <c:chart xmlns:c="http://schemas.openxmlformats.org/drawingml/2006/chart" xmlns:r="http://schemas.openxmlformats.org/officeDocument/2006/relationships" r:id="rId3"/>
+          </a:graphicData>
+        </a:graphic>
+      </p:graphicFrame>
+      <p:sp>
+        <p:nvSpPr>
+          <p:cNvPr id="8" name="タイトル 1">
+            <a:extLst>
+              <a:ext uri="{FF2B5EF4-FFF2-40B4-BE49-F238E27FC236}">
+                <a16:creationId xmlns:a16="http://schemas.microsoft.com/office/drawing/2014/main" id="{0E44BE37-B083-43B0-B2B2-178F4515F374}"/>
+              </a:ext>
+            </a:extLst>
+          </p:cNvPr>
+          <p:cNvSpPr txBox="1">
+            <a:spLocks/>
+          </p:cNvSpPr>
+          <p:nvPr/>
+        </p:nvSpPr>
+        <p:spPr>
+          <a:xfrm>
+            <a:off x="6414933" y="2995095"/>
+            <a:ext cx="4056814" cy="970450"/>
+          </a:xfrm>
+          <a:prstGeom prst="rect">
+            <a:avLst/>
+          </a:prstGeom>
+          <a:effectLst>
+            <a:outerShdw blurRad="50800" dir="14400000">
+              <a:srgbClr val="000000">
+                <a:alpha val="60000"/>
+              </a:srgbClr>
+            </a:outerShdw>
+          </a:effectLst>
+        </p:spPr>
+        <p:txBody>
+          <a:bodyPr vert="horz" lIns="91440" tIns="45720" rIns="91440" bIns="45720" rtlCol="0" anchor="b">
+            <a:normAutofit fontScale="90000" lnSpcReduction="10000"/>
+          </a:bodyPr>
+          <a:lstStyle>
+            <a:lvl1pPr algn="l" defTabSz="457200" rtl="0" eaLnBrk="1" latinLnBrk="0" hangingPunct="1">
+              <a:spcBef>
+                <a:spcPct val="0"/>
+              </a:spcBef>
+              <a:buNone/>
+              <a:defRPr kumimoji="1" sz="4000" b="1" kern="1200">
+                <a:solidFill>
+                  <a:srgbClr val="FEFEFE"/>
+                </a:solidFill>
+                <a:latin typeface="+mj-lt"/>
+                <a:ea typeface="+mj-ea"/>
+                <a:cs typeface="+mj-cs"/>
+              </a:defRPr>
+            </a:lvl1pPr>
+            <a:lvl2pPr eaLnBrk="1" hangingPunct="1">
+              <a:defRPr kumimoji="1">
+                <a:solidFill>
+                  <a:schemeClr val="tx2"/>
+                </a:solidFill>
+              </a:defRPr>
+            </a:lvl2pPr>
+            <a:lvl3pPr eaLnBrk="1" hangingPunct="1">
+              <a:defRPr kumimoji="1">
+                <a:solidFill>
+                  <a:schemeClr val="tx2"/>
+                </a:solidFill>
+              </a:defRPr>
+            </a:lvl3pPr>
+            <a:lvl4pPr eaLnBrk="1" hangingPunct="1">
+              <a:defRPr kumimoji="1">
+                <a:solidFill>
+                  <a:schemeClr val="tx2"/>
+                </a:solidFill>
+              </a:defRPr>
+            </a:lvl4pPr>
+            <a:lvl5pPr eaLnBrk="1" hangingPunct="1">
+              <a:defRPr kumimoji="1">
+                <a:solidFill>
+                  <a:schemeClr val="tx2"/>
+                </a:solidFill>
+              </a:defRPr>
+            </a:lvl5pPr>
+            <a:lvl6pPr eaLnBrk="1" hangingPunct="1">
+              <a:defRPr kumimoji="1">
+                <a:solidFill>
+                  <a:schemeClr val="tx2"/>
+                </a:solidFill>
+              </a:defRPr>
+            </a:lvl6pPr>
+            <a:lvl7pPr eaLnBrk="1" hangingPunct="1">
+              <a:defRPr kumimoji="1">
+                <a:solidFill>
+                  <a:schemeClr val="tx2"/>
+                </a:solidFill>
+              </a:defRPr>
+            </a:lvl7pPr>
+            <a:lvl8pPr eaLnBrk="1" hangingPunct="1">
+              <a:defRPr kumimoji="1">
+                <a:solidFill>
+                  <a:schemeClr val="tx2"/>
+                </a:solidFill>
+              </a:defRPr>
+            </a:lvl8pPr>
+            <a:lvl9pPr eaLnBrk="1" hangingPunct="1">
+              <a:defRPr kumimoji="1">
+                <a:solidFill>
+                  <a:schemeClr val="tx2"/>
+                </a:solidFill>
+              </a:defRPr>
+            </a:lvl9pPr>
+          </a:lstStyle>
+          <a:p>
+            <a:r>
+              <a:rPr lang="ja-JP" altLang="en-US" sz="6600" dirty="0">
+                <a:solidFill>
+                  <a:schemeClr val="tx1"/>
+                </a:solidFill>
+                <a:latin typeface="メイリオ" panose="020B0604030504040204" pitchFamily="50" charset="-128"/>
+                <a:ea typeface="メイリオ" panose="020B0604030504040204" pitchFamily="50" charset="-128"/>
+              </a:rPr>
+              <a:t>・見やすい</a:t>
+            </a:r>
+          </a:p>
+        </p:txBody>
+      </p:sp>
+      <p:sp>
+        <p:nvSpPr>
+          <p:cNvPr id="9" name="タイトル 1">
+            <a:extLst>
+              <a:ext uri="{FF2B5EF4-FFF2-40B4-BE49-F238E27FC236}">
+                <a16:creationId xmlns:a16="http://schemas.microsoft.com/office/drawing/2014/main" id="{78BC0118-037E-4B4E-B08D-3548E6C4C2C7}"/>
+              </a:ext>
+            </a:extLst>
+          </p:cNvPr>
+          <p:cNvSpPr txBox="1">
+            <a:spLocks/>
+          </p:cNvSpPr>
+          <p:nvPr/>
+        </p:nvSpPr>
+        <p:spPr>
+          <a:xfrm>
+            <a:off x="6414933" y="4144205"/>
+            <a:ext cx="5517422" cy="1174044"/>
+          </a:xfrm>
+          <a:prstGeom prst="rect">
+            <a:avLst/>
+          </a:prstGeom>
+          <a:effectLst>
+            <a:outerShdw blurRad="50800" dir="14400000">
+              <a:srgbClr val="000000">
+                <a:alpha val="60000"/>
+              </a:srgbClr>
+            </a:outerShdw>
+          </a:effectLst>
+        </p:spPr>
+        <p:txBody>
+          <a:bodyPr vert="horz" lIns="91440" tIns="45720" rIns="91440" bIns="45720" rtlCol="0" anchor="b">
+            <a:normAutofit fontScale="90000"/>
+          </a:bodyPr>
+          <a:lstStyle>
+            <a:lvl1pPr algn="l" defTabSz="457200" rtl="0" eaLnBrk="1" latinLnBrk="0" hangingPunct="1">
+              <a:spcBef>
+                <a:spcPct val="0"/>
+              </a:spcBef>
+              <a:buNone/>
+              <a:defRPr kumimoji="1" sz="4000" b="1" kern="1200">
+                <a:solidFill>
+                  <a:srgbClr val="FEFEFE"/>
+                </a:solidFill>
+                <a:latin typeface="+mj-lt"/>
+                <a:ea typeface="+mj-ea"/>
+                <a:cs typeface="+mj-cs"/>
+              </a:defRPr>
+            </a:lvl1pPr>
+            <a:lvl2pPr eaLnBrk="1" hangingPunct="1">
+              <a:defRPr kumimoji="1">
+                <a:solidFill>
+                  <a:schemeClr val="tx2"/>
+                </a:solidFill>
+              </a:defRPr>
+            </a:lvl2pPr>
+            <a:lvl3pPr eaLnBrk="1" hangingPunct="1">
+              <a:defRPr kumimoji="1">
+                <a:solidFill>
+                  <a:schemeClr val="tx2"/>
+                </a:solidFill>
+              </a:defRPr>
+            </a:lvl3pPr>
+            <a:lvl4pPr eaLnBrk="1" hangingPunct="1">
+              <a:defRPr kumimoji="1">
+                <a:solidFill>
+                  <a:schemeClr val="tx2"/>
+                </a:solidFill>
+              </a:defRPr>
+            </a:lvl4pPr>
+            <a:lvl5pPr eaLnBrk="1" hangingPunct="1">
+              <a:defRPr kumimoji="1">
+                <a:solidFill>
+                  <a:schemeClr val="tx2"/>
+                </a:solidFill>
+              </a:defRPr>
+            </a:lvl5pPr>
+            <a:lvl6pPr eaLnBrk="1" hangingPunct="1">
+              <a:defRPr kumimoji="1">
+                <a:solidFill>
+                  <a:schemeClr val="tx2"/>
+                </a:solidFill>
+              </a:defRPr>
+            </a:lvl6pPr>
+            <a:lvl7pPr eaLnBrk="1" hangingPunct="1">
+              <a:defRPr kumimoji="1">
+                <a:solidFill>
+                  <a:schemeClr val="tx2"/>
+                </a:solidFill>
+              </a:defRPr>
+            </a:lvl7pPr>
+            <a:lvl8pPr eaLnBrk="1" hangingPunct="1">
+              <a:defRPr kumimoji="1">
+                <a:solidFill>
+                  <a:schemeClr val="tx2"/>
+                </a:solidFill>
+              </a:defRPr>
+            </a:lvl8pPr>
+            <a:lvl9pPr eaLnBrk="1" hangingPunct="1">
+              <a:defRPr kumimoji="1">
+                <a:solidFill>
+                  <a:schemeClr val="tx2"/>
+                </a:solidFill>
+              </a:defRPr>
+            </a:lvl9pPr>
+          </a:lstStyle>
+          <a:p>
+            <a:r>
+              <a:rPr lang="ja-JP" altLang="en-US" sz="6600" dirty="0">
+                <a:solidFill>
+                  <a:schemeClr val="tx1"/>
+                </a:solidFill>
+                <a:latin typeface="メイリオ" panose="020B0604030504040204" pitchFamily="50" charset="-128"/>
+                <a:ea typeface="メイリオ" panose="020B0604030504040204" pitchFamily="50" charset="-128"/>
+              </a:rPr>
+              <a:t>・わかりやすい</a:t>
             </a:r>
           </a:p>
         </p:txBody>
@@ -6727,7 +10066,7 @@
     </p:spTree>
     <p:extLst>
       <p:ext uri="{BB962C8B-B14F-4D97-AF65-F5344CB8AC3E}">
-        <p14:creationId xmlns:p14="http://schemas.microsoft.com/office/powerpoint/2010/main" val="3468611157"/>
+        <p14:creationId xmlns:p14="http://schemas.microsoft.com/office/powerpoint/2010/main" val="582732901"/>
       </p:ext>
     </p:extLst>
   </p:cSld>
@@ -6738,7 +10077,7 @@
 </file>
 
 <file path=ppt/slides/slide8.xml><?xml version="1.0" encoding="utf-8"?>
-<p:sld xmlns:a="http://schemas.openxmlformats.org/drawingml/2006/main" xmlns:r="http://schemas.openxmlformats.org/officeDocument/2006/relationships" xmlns:p="http://schemas.openxmlformats.org/presentationml/2006/main">
+<p:sld xmlns:a="http://schemas.openxmlformats.org/drawingml/2006/main" xmlns:r="http://schemas.openxmlformats.org/officeDocument/2006/relationships" xmlns:p="http://schemas.openxmlformats.org/presentationml/2006/main" show="0">
   <p:cSld>
     <p:spTree>
       <p:nvGrpSpPr>
@@ -6773,23 +10112,17 @@
         <p:spPr/>
         <p:txBody>
           <a:bodyPr>
-            <a:normAutofit fontScale="90000"/>
+            <a:normAutofit/>
           </a:bodyPr>
           <a:lstStyle/>
           <a:p>
             <a:r>
-              <a:rPr kumimoji="1" lang="ja-JP" altLang="en-US" sz="6600" b="1" dirty="0">
+              <a:rPr lang="ja-JP" altLang="en-US" sz="6600" b="1" dirty="0">
                 <a:latin typeface="メイリオ" panose="020B0604030504040204" pitchFamily="50" charset="-128"/>
                 <a:ea typeface="メイリオ" panose="020B0604030504040204" pitchFamily="50" charset="-128"/>
               </a:rPr>
-              <a:t>個人の感想</a:t>
-            </a:r>
-            <a:br>
-              <a:rPr kumimoji="1" lang="en-US" altLang="ja-JP" sz="6600" b="1" dirty="0">
-                <a:latin typeface="メイリオ" panose="020B0604030504040204" pitchFamily="50" charset="-128"/>
-                <a:ea typeface="メイリオ" panose="020B0604030504040204" pitchFamily="50" charset="-128"/>
-              </a:rPr>
-            </a:br>
+              <a:t>通知機能について</a:t>
+            </a:r>
             <a:endParaRPr kumimoji="1" lang="ja-JP" altLang="en-US" sz="6600" b="1" dirty="0">
               <a:latin typeface="メイリオ" panose="020B0604030504040204" pitchFamily="50" charset="-128"/>
               <a:ea typeface="メイリオ" panose="020B0604030504040204" pitchFamily="50" charset="-128"/>
@@ -6797,10 +10130,202 @@
           </a:p>
         </p:txBody>
       </p:sp>
+      <p:pic>
+        <p:nvPicPr>
+          <p:cNvPr id="6" name="図 5" descr="コンピュータ が含まれている画像&#10;&#10;自動的に生成された説明">
+            <a:extLst>
+              <a:ext uri="{FF2B5EF4-FFF2-40B4-BE49-F238E27FC236}">
+                <a16:creationId xmlns:a16="http://schemas.microsoft.com/office/drawing/2014/main" id="{3C3BC2A6-9D57-4A5D-A4B9-D1719765485C}"/>
+              </a:ext>
+            </a:extLst>
+          </p:cNvPr>
+          <p:cNvPicPr>
+            <a:picLocks noChangeAspect="1"/>
+          </p:cNvPicPr>
+          <p:nvPr/>
+        </p:nvPicPr>
+        <p:blipFill>
+          <a:blip r:embed="rId3">
+            <a:extLst>
+              <a:ext uri="{28A0092B-C50C-407E-A947-70E740481C1C}">
+                <a14:useLocalDpi xmlns:a14="http://schemas.microsoft.com/office/drawing/2010/main" val="0"/>
+              </a:ext>
+            </a:extLst>
+          </a:blip>
+          <a:stretch>
+            <a:fillRect/>
+          </a:stretch>
+        </p:blipFill>
+        <p:spPr>
+          <a:xfrm>
+            <a:off x="747937" y="2748993"/>
+            <a:ext cx="3810532" cy="3057952"/>
+          </a:xfrm>
+          <a:prstGeom prst="rect">
+            <a:avLst/>
+          </a:prstGeom>
+        </p:spPr>
+      </p:pic>
+      <p:pic>
+        <p:nvPicPr>
+          <p:cNvPr id="8" name="図 7" descr="時計, 挿絵 が含まれている画像&#10;&#10;自動的に生成された説明">
+            <a:extLst>
+              <a:ext uri="{FF2B5EF4-FFF2-40B4-BE49-F238E27FC236}">
+                <a16:creationId xmlns:a16="http://schemas.microsoft.com/office/drawing/2014/main" id="{878C19F6-0BE7-452B-9D92-8CE62CBA498B}"/>
+              </a:ext>
+            </a:extLst>
+          </p:cNvPr>
+          <p:cNvPicPr>
+            <a:picLocks noChangeAspect="1"/>
+          </p:cNvPicPr>
+          <p:nvPr/>
+        </p:nvPicPr>
+        <p:blipFill>
+          <a:blip r:embed="rId4">
+            <a:extLst>
+              <a:ext uri="{28A0092B-C50C-407E-A947-70E740481C1C}">
+                <a14:useLocalDpi xmlns:a14="http://schemas.microsoft.com/office/drawing/2010/main" val="0"/>
+              </a:ext>
+            </a:extLst>
+          </a:blip>
+          <a:stretch>
+            <a:fillRect/>
+          </a:stretch>
+        </p:blipFill>
+        <p:spPr>
+          <a:xfrm>
+            <a:off x="5172384" y="2113200"/>
+            <a:ext cx="1847229" cy="1847229"/>
+          </a:xfrm>
+          <a:prstGeom prst="rect">
+            <a:avLst/>
+          </a:prstGeom>
+        </p:spPr>
+      </p:pic>
+      <p:pic>
+        <p:nvPicPr>
+          <p:cNvPr id="10" name="図 9">
+            <a:extLst>
+              <a:ext uri="{FF2B5EF4-FFF2-40B4-BE49-F238E27FC236}">
+                <a16:creationId xmlns:a16="http://schemas.microsoft.com/office/drawing/2014/main" id="{56570851-A78A-4AA3-B1E1-AF584AD3F3AC}"/>
+              </a:ext>
+            </a:extLst>
+          </p:cNvPr>
+          <p:cNvPicPr>
+            <a:picLocks noChangeAspect="1"/>
+          </p:cNvPicPr>
+          <p:nvPr/>
+        </p:nvPicPr>
+        <p:blipFill>
+          <a:blip r:embed="rId5">
+            <a:extLst>
+              <a:ext uri="{28A0092B-C50C-407E-A947-70E740481C1C}">
+                <a14:useLocalDpi xmlns:a14="http://schemas.microsoft.com/office/drawing/2010/main" val="0"/>
+              </a:ext>
+            </a:extLst>
+          </a:blip>
+          <a:stretch>
+            <a:fillRect/>
+          </a:stretch>
+        </p:blipFill>
+        <p:spPr>
+          <a:xfrm>
+            <a:off x="8188342" y="1862920"/>
+            <a:ext cx="3000794" cy="4286848"/>
+          </a:xfrm>
+          <a:prstGeom prst="rect">
+            <a:avLst/>
+          </a:prstGeom>
+        </p:spPr>
+      </p:pic>
+      <p:sp>
+        <p:nvSpPr>
+          <p:cNvPr id="11" name="矢印: 右 10">
+            <a:extLst>
+              <a:ext uri="{FF2B5EF4-FFF2-40B4-BE49-F238E27FC236}">
+                <a16:creationId xmlns:a16="http://schemas.microsoft.com/office/drawing/2014/main" id="{A6BFCFFB-CA96-4D08-A2CA-9265FCFBBA9E}"/>
+              </a:ext>
+            </a:extLst>
+          </p:cNvPr>
+          <p:cNvSpPr/>
+          <p:nvPr/>
+        </p:nvSpPr>
+        <p:spPr>
+          <a:xfrm>
+            <a:off x="4804540" y="3977290"/>
+            <a:ext cx="3137731" cy="1118914"/>
+          </a:xfrm>
+          <a:prstGeom prst="rightArrow">
+            <a:avLst/>
+          </a:prstGeom>
+        </p:spPr>
+        <p:style>
+          <a:lnRef idx="2">
+            <a:schemeClr val="accent1">
+              <a:shade val="50000"/>
+            </a:schemeClr>
+          </a:lnRef>
+          <a:fillRef idx="1">
+            <a:schemeClr val="accent1"/>
+          </a:fillRef>
+          <a:effectRef idx="0">
+            <a:schemeClr val="accent1"/>
+          </a:effectRef>
+          <a:fontRef idx="minor">
+            <a:schemeClr val="lt1"/>
+          </a:fontRef>
+        </p:style>
+        <p:txBody>
+          <a:bodyPr rtlCol="0" anchor="ctr"/>
+          <a:lstStyle/>
+          <a:p>
+            <a:pPr algn="ctr"/>
+            <a:endParaRPr kumimoji="1" lang="ja-JP" altLang="en-US"/>
+          </a:p>
+        </p:txBody>
+      </p:sp>
+      <p:sp>
+        <p:nvSpPr>
+          <p:cNvPr id="12" name="テキスト ボックス 11">
+            <a:extLst>
+              <a:ext uri="{FF2B5EF4-FFF2-40B4-BE49-F238E27FC236}">
+                <a16:creationId xmlns:a16="http://schemas.microsoft.com/office/drawing/2014/main" id="{5D513AA7-D923-460F-90CA-EB0C00E52258}"/>
+              </a:ext>
+            </a:extLst>
+          </p:cNvPr>
+          <p:cNvSpPr txBox="1"/>
+          <p:nvPr/>
+        </p:nvSpPr>
+        <p:spPr>
+          <a:xfrm>
+            <a:off x="5172384" y="5036768"/>
+            <a:ext cx="2283638" cy="1207734"/>
+          </a:xfrm>
+          <a:prstGeom prst="rect">
+            <a:avLst/>
+          </a:prstGeom>
+          <a:noFill/>
+        </p:spPr>
+        <p:txBody>
+          <a:bodyPr wrap="square" rtlCol="0">
+            <a:spAutoFit/>
+          </a:bodyPr>
+          <a:lstStyle/>
+          <a:p>
+            <a:r>
+              <a:rPr kumimoji="1" lang="ja-JP" altLang="en-US" sz="7200" b="1" dirty="0">
+                <a:latin typeface="メイリオ" panose="020B0604030504040204" pitchFamily="50" charset="-128"/>
+                <a:ea typeface="メイリオ" panose="020B0604030504040204" pitchFamily="50" charset="-128"/>
+              </a:rPr>
+              <a:t>通知</a:t>
+            </a:r>
+          </a:p>
+        </p:txBody>
+      </p:sp>
     </p:spTree>
     <p:extLst>
       <p:ext uri="{BB962C8B-B14F-4D97-AF65-F5344CB8AC3E}">
-        <p14:creationId xmlns:p14="http://schemas.microsoft.com/office/powerpoint/2010/main" val="584786710"/>
+        <p14:creationId xmlns:p14="http://schemas.microsoft.com/office/powerpoint/2010/main" val="4282658993"/>
       </p:ext>
     </p:extLst>
   </p:cSld>
@@ -6811,7 +10336,7 @@
 </file>
 
 <file path=ppt/slides/slide9.xml><?xml version="1.0" encoding="utf-8"?>
-<p:sld xmlns:a="http://schemas.openxmlformats.org/drawingml/2006/main" xmlns:r="http://schemas.openxmlformats.org/officeDocument/2006/relationships" xmlns:p="http://schemas.openxmlformats.org/presentationml/2006/main">
+<p:sld xmlns:a="http://schemas.openxmlformats.org/drawingml/2006/main" xmlns:r="http://schemas.openxmlformats.org/officeDocument/2006/relationships" xmlns:p="http://schemas.openxmlformats.org/presentationml/2006/main" show="0">
   <p:cSld>
     <p:spTree>
       <p:nvGrpSpPr>
@@ -6827,52 +10352,984 @@
           <a:chExt cx="0" cy="0"/>
         </a:xfrm>
       </p:grpSpPr>
-      <p:sp>
-        <p:nvSpPr>
-          <p:cNvPr id="2" name="タイトル 1">
+      <p:pic>
+        <p:nvPicPr>
+          <p:cNvPr id="4" name="図 3">
             <a:extLst>
               <a:ext uri="{FF2B5EF4-FFF2-40B4-BE49-F238E27FC236}">
-                <a16:creationId xmlns:a16="http://schemas.microsoft.com/office/drawing/2014/main" id="{FFABA0C2-B4FA-42D6-8028-545472FA6A61}"/>
+                <a16:creationId xmlns:a16="http://schemas.microsoft.com/office/drawing/2014/main" id="{18506C23-EBA0-46F7-8AE4-0626F131B8B4}"/>
               </a:ext>
             </a:extLst>
           </p:cNvPr>
-          <p:cNvSpPr>
-            <a:spLocks noGrp="1"/>
-          </p:cNvSpPr>
-          <p:nvPr>
-            <p:ph type="title"/>
-          </p:nvPr>
-        </p:nvSpPr>
+          <p:cNvPicPr>
+            <a:picLocks noChangeAspect="1"/>
+          </p:cNvPicPr>
+          <p:nvPr/>
+        </p:nvPicPr>
+        <p:blipFill>
+          <a:blip r:embed="rId3"/>
+          <a:stretch>
+            <a:fillRect/>
+          </a:stretch>
+        </p:blipFill>
         <p:spPr>
           <a:xfrm>
-            <a:off x="906437" y="3298480"/>
-            <a:ext cx="10936111" cy="1325563"/>
+            <a:off x="1402080" y="588779"/>
+            <a:ext cx="9653845" cy="6215551"/>
           </a:xfrm>
+          <a:prstGeom prst="rect">
+            <a:avLst/>
+          </a:prstGeom>
         </p:spPr>
-        <p:txBody>
-          <a:bodyPr>
-            <a:normAutofit fontScale="90000"/>
+      </p:pic>
+      <p:sp>
+        <p:nvSpPr>
+          <p:cNvPr id="5" name="テキスト ボックス 4">
+            <a:extLst>
+              <a:ext uri="{FF2B5EF4-FFF2-40B4-BE49-F238E27FC236}">
+                <a16:creationId xmlns:a16="http://schemas.microsoft.com/office/drawing/2014/main" id="{129A8C72-5083-40ED-9696-F34155993EF8}"/>
+              </a:ext>
+            </a:extLst>
+          </p:cNvPr>
+          <p:cNvSpPr txBox="1"/>
+          <p:nvPr/>
+        </p:nvSpPr>
+        <p:spPr>
+          <a:xfrm>
+            <a:off x="3505764" y="2930068"/>
+            <a:ext cx="1773382" cy="400110"/>
+          </a:xfrm>
+          <a:prstGeom prst="rect">
+            <a:avLst/>
+          </a:prstGeom>
+          <a:noFill/>
+        </p:spPr>
+        <p:txBody>
+          <a:bodyPr wrap="square" rtlCol="0">
+            <a:spAutoFit/>
           </a:bodyPr>
           <a:lstStyle/>
           <a:p>
             <a:r>
-              <a:rPr lang="ja-JP" altLang="en-US" sz="6600" b="1" dirty="0">
-                <a:latin typeface="メイリオ" panose="020B0604030504040204" pitchFamily="50" charset="-128"/>
-                <a:ea typeface="メイリオ" panose="020B0604030504040204" pitchFamily="50" charset="-128"/>
-              </a:rPr>
-              <a:t>ご清聴ありがとうございました</a:t>
-            </a:r>
-            <a:endParaRPr kumimoji="1" lang="ja-JP" altLang="en-US" sz="6600" b="1" dirty="0">
-              <a:latin typeface="メイリオ" panose="020B0604030504040204" pitchFamily="50" charset="-128"/>
-              <a:ea typeface="メイリオ" panose="020B0604030504040204" pitchFamily="50" charset="-128"/>
-            </a:endParaRPr>
+              <a:rPr kumimoji="1" lang="ja-JP" altLang="en-US" sz="2000" dirty="0"/>
+              <a:t>支出：</a:t>
+            </a:r>
+            <a:r>
+              <a:rPr kumimoji="1" lang="en-US" altLang="ja-JP" sz="2000" dirty="0"/>
+              <a:t>2000</a:t>
+            </a:r>
+          </a:p>
+        </p:txBody>
+      </p:sp>
+      <p:sp>
+        <p:nvSpPr>
+          <p:cNvPr id="8" name="正方形/長方形 7">
+            <a:extLst>
+              <a:ext uri="{FF2B5EF4-FFF2-40B4-BE49-F238E27FC236}">
+                <a16:creationId xmlns:a16="http://schemas.microsoft.com/office/drawing/2014/main" id="{3372AC56-915B-4CB2-AF38-714229A2EF85}"/>
+              </a:ext>
+            </a:extLst>
+          </p:cNvPr>
+          <p:cNvSpPr/>
+          <p:nvPr/>
+        </p:nvSpPr>
+        <p:spPr>
+          <a:xfrm>
+            <a:off x="1402080" y="-33251"/>
+            <a:ext cx="9653845" cy="1531256"/>
+          </a:xfrm>
+          <a:prstGeom prst="rect">
+            <a:avLst/>
+          </a:prstGeom>
+        </p:spPr>
+        <p:style>
+          <a:lnRef idx="2">
+            <a:schemeClr val="accent6"/>
+          </a:lnRef>
+          <a:fillRef idx="1">
+            <a:schemeClr val="lt1"/>
+          </a:fillRef>
+          <a:effectRef idx="0">
+            <a:schemeClr val="accent6"/>
+          </a:effectRef>
+          <a:fontRef idx="minor">
+            <a:schemeClr val="dk1"/>
+          </a:fontRef>
+        </p:style>
+        <p:txBody>
+          <a:bodyPr rtlCol="0" anchor="ctr"/>
+          <a:lstStyle/>
+          <a:p>
+            <a:pPr algn="ctr"/>
+            <a:r>
+              <a:rPr kumimoji="1" lang="ja-JP" altLang="en-US" sz="6000" b="1" dirty="0"/>
+              <a:t>カレンダー表示</a:t>
+            </a:r>
+          </a:p>
+        </p:txBody>
+      </p:sp>
+      <p:sp>
+        <p:nvSpPr>
+          <p:cNvPr id="9" name="テキスト ボックス 8">
+            <a:extLst>
+              <a:ext uri="{FF2B5EF4-FFF2-40B4-BE49-F238E27FC236}">
+                <a16:creationId xmlns:a16="http://schemas.microsoft.com/office/drawing/2014/main" id="{A9C17435-FE6B-4DBD-85A6-A9AF5F6BFAF1}"/>
+              </a:ext>
+            </a:extLst>
+          </p:cNvPr>
+          <p:cNvSpPr txBox="1"/>
+          <p:nvPr/>
+        </p:nvSpPr>
+        <p:spPr>
+          <a:xfrm>
+            <a:off x="7000984" y="2891076"/>
+            <a:ext cx="1773382" cy="400110"/>
+          </a:xfrm>
+          <a:prstGeom prst="rect">
+            <a:avLst/>
+          </a:prstGeom>
+          <a:noFill/>
+        </p:spPr>
+        <p:txBody>
+          <a:bodyPr wrap="square" rtlCol="0">
+            <a:spAutoFit/>
+          </a:bodyPr>
+          <a:lstStyle/>
+          <a:p>
+            <a:r>
+              <a:rPr kumimoji="1" lang="ja-JP" altLang="en-US" sz="2000" dirty="0"/>
+              <a:t>支出：</a:t>
+            </a:r>
+            <a:r>
+              <a:rPr kumimoji="1" lang="en-US" altLang="ja-JP" sz="2000" dirty="0"/>
+              <a:t>300</a:t>
+            </a:r>
+          </a:p>
+        </p:txBody>
+      </p:sp>
+      <p:sp>
+        <p:nvSpPr>
+          <p:cNvPr id="10" name="テキスト ボックス 9">
+            <a:extLst>
+              <a:ext uri="{FF2B5EF4-FFF2-40B4-BE49-F238E27FC236}">
+                <a16:creationId xmlns:a16="http://schemas.microsoft.com/office/drawing/2014/main" id="{A69BE002-6819-412E-BA4F-2466F4543990}"/>
+              </a:ext>
+            </a:extLst>
+          </p:cNvPr>
+          <p:cNvSpPr txBox="1"/>
+          <p:nvPr/>
+        </p:nvSpPr>
+        <p:spPr>
+          <a:xfrm>
+            <a:off x="3757522" y="2087659"/>
+            <a:ext cx="1086196" cy="400110"/>
+          </a:xfrm>
+          <a:prstGeom prst="rect">
+            <a:avLst/>
+          </a:prstGeom>
+          <a:noFill/>
+        </p:spPr>
+        <p:txBody>
+          <a:bodyPr wrap="square" rtlCol="0">
+            <a:spAutoFit/>
+          </a:bodyPr>
+          <a:lstStyle/>
+          <a:p>
+            <a:r>
+              <a:rPr kumimoji="1" lang="ja-JP" altLang="en-US" sz="2000" dirty="0"/>
+              <a:t>支出：</a:t>
+            </a:r>
+            <a:r>
+              <a:rPr kumimoji="1" lang="en-US" altLang="ja-JP" sz="2000" dirty="0"/>
+              <a:t>0</a:t>
+            </a:r>
+          </a:p>
+        </p:txBody>
+      </p:sp>
+      <p:sp>
+        <p:nvSpPr>
+          <p:cNvPr id="11" name="テキスト ボックス 10">
+            <a:extLst>
+              <a:ext uri="{FF2B5EF4-FFF2-40B4-BE49-F238E27FC236}">
+                <a16:creationId xmlns:a16="http://schemas.microsoft.com/office/drawing/2014/main" id="{BB695F11-843B-453C-857A-B20F760AAC59}"/>
+              </a:ext>
+            </a:extLst>
+          </p:cNvPr>
+          <p:cNvSpPr txBox="1"/>
+          <p:nvPr/>
+        </p:nvSpPr>
+        <p:spPr>
+          <a:xfrm>
+            <a:off x="5370994" y="2077624"/>
+            <a:ext cx="1086196" cy="400110"/>
+          </a:xfrm>
+          <a:prstGeom prst="rect">
+            <a:avLst/>
+          </a:prstGeom>
+          <a:noFill/>
+        </p:spPr>
+        <p:txBody>
+          <a:bodyPr wrap="square" rtlCol="0">
+            <a:spAutoFit/>
+          </a:bodyPr>
+          <a:lstStyle/>
+          <a:p>
+            <a:r>
+              <a:rPr kumimoji="1" lang="ja-JP" altLang="en-US" sz="2000" dirty="0"/>
+              <a:t>支出：</a:t>
+            </a:r>
+            <a:r>
+              <a:rPr kumimoji="1" lang="en-US" altLang="ja-JP" sz="2000" dirty="0"/>
+              <a:t>0</a:t>
+            </a:r>
+          </a:p>
+        </p:txBody>
+      </p:sp>
+      <p:sp>
+        <p:nvSpPr>
+          <p:cNvPr id="12" name="テキスト ボックス 11">
+            <a:extLst>
+              <a:ext uri="{FF2B5EF4-FFF2-40B4-BE49-F238E27FC236}">
+                <a16:creationId xmlns:a16="http://schemas.microsoft.com/office/drawing/2014/main" id="{1940E7B9-8B6C-43F9-B3C6-316CCDFBE24A}"/>
+              </a:ext>
+            </a:extLst>
+          </p:cNvPr>
+          <p:cNvSpPr txBox="1"/>
+          <p:nvPr/>
+        </p:nvSpPr>
+        <p:spPr>
+          <a:xfrm>
+            <a:off x="8891948" y="3706157"/>
+            <a:ext cx="1086196" cy="400110"/>
+          </a:xfrm>
+          <a:prstGeom prst="rect">
+            <a:avLst/>
+          </a:prstGeom>
+          <a:noFill/>
+        </p:spPr>
+        <p:txBody>
+          <a:bodyPr wrap="square" rtlCol="0">
+            <a:spAutoFit/>
+          </a:bodyPr>
+          <a:lstStyle/>
+          <a:p>
+            <a:r>
+              <a:rPr kumimoji="1" lang="ja-JP" altLang="en-US" sz="2000" dirty="0"/>
+              <a:t>支出：</a:t>
+            </a:r>
+            <a:r>
+              <a:rPr kumimoji="1" lang="en-US" altLang="ja-JP" sz="2000" dirty="0"/>
+              <a:t>0</a:t>
+            </a:r>
+          </a:p>
+        </p:txBody>
+      </p:sp>
+      <p:sp>
+        <p:nvSpPr>
+          <p:cNvPr id="13" name="テキスト ボックス 12">
+            <a:extLst>
+              <a:ext uri="{FF2B5EF4-FFF2-40B4-BE49-F238E27FC236}">
+                <a16:creationId xmlns:a16="http://schemas.microsoft.com/office/drawing/2014/main" id="{3741D464-7958-40F6-BD4C-EDD1C15F9D0A}"/>
+              </a:ext>
+            </a:extLst>
+          </p:cNvPr>
+          <p:cNvSpPr txBox="1"/>
+          <p:nvPr/>
+        </p:nvSpPr>
+        <p:spPr>
+          <a:xfrm>
+            <a:off x="5322277" y="2875283"/>
+            <a:ext cx="1086196" cy="400110"/>
+          </a:xfrm>
+          <a:prstGeom prst="rect">
+            <a:avLst/>
+          </a:prstGeom>
+          <a:noFill/>
+        </p:spPr>
+        <p:txBody>
+          <a:bodyPr wrap="square" rtlCol="0">
+            <a:spAutoFit/>
+          </a:bodyPr>
+          <a:lstStyle/>
+          <a:p>
+            <a:r>
+              <a:rPr kumimoji="1" lang="ja-JP" altLang="en-US" sz="2000" dirty="0"/>
+              <a:t>支出：</a:t>
+            </a:r>
+            <a:r>
+              <a:rPr kumimoji="1" lang="en-US" altLang="ja-JP" sz="2000" dirty="0"/>
+              <a:t>0</a:t>
+            </a:r>
+          </a:p>
+        </p:txBody>
+      </p:sp>
+      <p:sp>
+        <p:nvSpPr>
+          <p:cNvPr id="14" name="テキスト ボックス 13">
+            <a:extLst>
+              <a:ext uri="{FF2B5EF4-FFF2-40B4-BE49-F238E27FC236}">
+                <a16:creationId xmlns:a16="http://schemas.microsoft.com/office/drawing/2014/main" id="{D1701652-EE30-4F1A-9C56-EDD7FA27FD45}"/>
+              </a:ext>
+            </a:extLst>
+          </p:cNvPr>
+          <p:cNvSpPr txBox="1"/>
+          <p:nvPr/>
+        </p:nvSpPr>
+        <p:spPr>
+          <a:xfrm>
+            <a:off x="7169407" y="3696555"/>
+            <a:ext cx="1086196" cy="400110"/>
+          </a:xfrm>
+          <a:prstGeom prst="rect">
+            <a:avLst/>
+          </a:prstGeom>
+          <a:noFill/>
+        </p:spPr>
+        <p:txBody>
+          <a:bodyPr wrap="square" rtlCol="0">
+            <a:spAutoFit/>
+          </a:bodyPr>
+          <a:lstStyle/>
+          <a:p>
+            <a:r>
+              <a:rPr kumimoji="1" lang="ja-JP" altLang="en-US" sz="2000" dirty="0"/>
+              <a:t>支出：</a:t>
+            </a:r>
+            <a:r>
+              <a:rPr kumimoji="1" lang="en-US" altLang="ja-JP" sz="2000" dirty="0"/>
+              <a:t>0</a:t>
+            </a:r>
+          </a:p>
+        </p:txBody>
+      </p:sp>
+      <p:sp>
+        <p:nvSpPr>
+          <p:cNvPr id="15" name="テキスト ボックス 14">
+            <a:extLst>
+              <a:ext uri="{FF2B5EF4-FFF2-40B4-BE49-F238E27FC236}">
+                <a16:creationId xmlns:a16="http://schemas.microsoft.com/office/drawing/2014/main" id="{425D4A23-7A90-4E48-A2F1-057C19A363F0}"/>
+              </a:ext>
+            </a:extLst>
+          </p:cNvPr>
+          <p:cNvSpPr txBox="1"/>
+          <p:nvPr/>
+        </p:nvSpPr>
+        <p:spPr>
+          <a:xfrm>
+            <a:off x="5322277" y="3696555"/>
+            <a:ext cx="1086196" cy="400110"/>
+          </a:xfrm>
+          <a:prstGeom prst="rect">
+            <a:avLst/>
+          </a:prstGeom>
+          <a:noFill/>
+        </p:spPr>
+        <p:txBody>
+          <a:bodyPr wrap="square" rtlCol="0">
+            <a:spAutoFit/>
+          </a:bodyPr>
+          <a:lstStyle/>
+          <a:p>
+            <a:r>
+              <a:rPr kumimoji="1" lang="ja-JP" altLang="en-US" sz="2000" dirty="0"/>
+              <a:t>支出：</a:t>
+            </a:r>
+            <a:r>
+              <a:rPr kumimoji="1" lang="en-US" altLang="ja-JP" sz="2000" dirty="0"/>
+              <a:t>0</a:t>
+            </a:r>
+          </a:p>
+        </p:txBody>
+      </p:sp>
+      <p:sp>
+        <p:nvSpPr>
+          <p:cNvPr id="16" name="テキスト ボックス 15">
+            <a:extLst>
+              <a:ext uri="{FF2B5EF4-FFF2-40B4-BE49-F238E27FC236}">
+                <a16:creationId xmlns:a16="http://schemas.microsoft.com/office/drawing/2014/main" id="{F2E9C166-F8E2-4C8F-B816-50A299B3C680}"/>
+              </a:ext>
+            </a:extLst>
+          </p:cNvPr>
+          <p:cNvSpPr txBox="1"/>
+          <p:nvPr/>
+        </p:nvSpPr>
+        <p:spPr>
+          <a:xfrm>
+            <a:off x="3842780" y="4533882"/>
+            <a:ext cx="1086196" cy="400110"/>
+          </a:xfrm>
+          <a:prstGeom prst="rect">
+            <a:avLst/>
+          </a:prstGeom>
+          <a:noFill/>
+        </p:spPr>
+        <p:txBody>
+          <a:bodyPr wrap="square" rtlCol="0">
+            <a:spAutoFit/>
+          </a:bodyPr>
+          <a:lstStyle/>
+          <a:p>
+            <a:r>
+              <a:rPr kumimoji="1" lang="ja-JP" altLang="en-US" sz="2000" dirty="0"/>
+              <a:t>支出：</a:t>
+            </a:r>
+            <a:r>
+              <a:rPr kumimoji="1" lang="en-US" altLang="ja-JP" sz="2000" dirty="0"/>
+              <a:t>0</a:t>
+            </a:r>
+          </a:p>
+        </p:txBody>
+      </p:sp>
+      <p:sp>
+        <p:nvSpPr>
+          <p:cNvPr id="17" name="テキスト ボックス 16">
+            <a:extLst>
+              <a:ext uri="{FF2B5EF4-FFF2-40B4-BE49-F238E27FC236}">
+                <a16:creationId xmlns:a16="http://schemas.microsoft.com/office/drawing/2014/main" id="{D35589CF-8AFF-4EE9-9D0A-FB10752BA581}"/>
+              </a:ext>
+            </a:extLst>
+          </p:cNvPr>
+          <p:cNvSpPr txBox="1"/>
+          <p:nvPr/>
+        </p:nvSpPr>
+        <p:spPr>
+          <a:xfrm>
+            <a:off x="1847024" y="4533882"/>
+            <a:ext cx="1514604" cy="400110"/>
+          </a:xfrm>
+          <a:prstGeom prst="rect">
+            <a:avLst/>
+          </a:prstGeom>
+          <a:noFill/>
+        </p:spPr>
+        <p:txBody>
+          <a:bodyPr wrap="square" rtlCol="0">
+            <a:spAutoFit/>
+          </a:bodyPr>
+          <a:lstStyle/>
+          <a:p>
+            <a:r>
+              <a:rPr kumimoji="1" lang="ja-JP" altLang="en-US" sz="2000" dirty="0"/>
+              <a:t>支出：</a:t>
+            </a:r>
+            <a:r>
+              <a:rPr kumimoji="1" lang="en-US" altLang="ja-JP" sz="2000" dirty="0"/>
+              <a:t>1000</a:t>
+            </a:r>
+          </a:p>
+        </p:txBody>
+      </p:sp>
+      <p:sp>
+        <p:nvSpPr>
+          <p:cNvPr id="18" name="テキスト ボックス 17">
+            <a:extLst>
+              <a:ext uri="{FF2B5EF4-FFF2-40B4-BE49-F238E27FC236}">
+                <a16:creationId xmlns:a16="http://schemas.microsoft.com/office/drawing/2014/main" id="{CD44446C-8ADD-48E1-9B31-330E95BF749A}"/>
+              </a:ext>
+            </a:extLst>
+          </p:cNvPr>
+          <p:cNvSpPr txBox="1"/>
+          <p:nvPr/>
+        </p:nvSpPr>
+        <p:spPr>
+          <a:xfrm>
+            <a:off x="3757522" y="3728034"/>
+            <a:ext cx="1086196" cy="400110"/>
+          </a:xfrm>
+          <a:prstGeom prst="rect">
+            <a:avLst/>
+          </a:prstGeom>
+          <a:noFill/>
+        </p:spPr>
+        <p:txBody>
+          <a:bodyPr wrap="square" rtlCol="0">
+            <a:spAutoFit/>
+          </a:bodyPr>
+          <a:lstStyle/>
+          <a:p>
+            <a:r>
+              <a:rPr kumimoji="1" lang="ja-JP" altLang="en-US" sz="2000" dirty="0"/>
+              <a:t>支出：</a:t>
+            </a:r>
+            <a:r>
+              <a:rPr kumimoji="1" lang="en-US" altLang="ja-JP" sz="2000" dirty="0"/>
+              <a:t>0</a:t>
+            </a:r>
+          </a:p>
+        </p:txBody>
+      </p:sp>
+      <p:sp>
+        <p:nvSpPr>
+          <p:cNvPr id="19" name="テキスト ボックス 18">
+            <a:extLst>
+              <a:ext uri="{FF2B5EF4-FFF2-40B4-BE49-F238E27FC236}">
+                <a16:creationId xmlns:a16="http://schemas.microsoft.com/office/drawing/2014/main" id="{1F1A3E7F-61E4-4AB4-8794-FFA85F3C7C3E}"/>
+              </a:ext>
+            </a:extLst>
+          </p:cNvPr>
+          <p:cNvSpPr txBox="1"/>
+          <p:nvPr/>
+        </p:nvSpPr>
+        <p:spPr>
+          <a:xfrm>
+            <a:off x="1941139" y="3696555"/>
+            <a:ext cx="1086196" cy="400110"/>
+          </a:xfrm>
+          <a:prstGeom prst="rect">
+            <a:avLst/>
+          </a:prstGeom>
+          <a:noFill/>
+        </p:spPr>
+        <p:txBody>
+          <a:bodyPr wrap="square" rtlCol="0">
+            <a:spAutoFit/>
+          </a:bodyPr>
+          <a:lstStyle/>
+          <a:p>
+            <a:r>
+              <a:rPr kumimoji="1" lang="ja-JP" altLang="en-US" sz="2000" dirty="0"/>
+              <a:t>支出：</a:t>
+            </a:r>
+            <a:r>
+              <a:rPr kumimoji="1" lang="en-US" altLang="ja-JP" sz="2000" dirty="0"/>
+              <a:t>0</a:t>
+            </a:r>
+          </a:p>
+        </p:txBody>
+      </p:sp>
+      <p:sp>
+        <p:nvSpPr>
+          <p:cNvPr id="20" name="テキスト ボックス 19">
+            <a:extLst>
+              <a:ext uri="{FF2B5EF4-FFF2-40B4-BE49-F238E27FC236}">
+                <a16:creationId xmlns:a16="http://schemas.microsoft.com/office/drawing/2014/main" id="{816521E8-3266-41DE-9A0D-2189B53C9D33}"/>
+              </a:ext>
+            </a:extLst>
+          </p:cNvPr>
+          <p:cNvSpPr txBox="1"/>
+          <p:nvPr/>
+        </p:nvSpPr>
+        <p:spPr>
+          <a:xfrm>
+            <a:off x="1994592" y="2914774"/>
+            <a:ext cx="1086196" cy="400110"/>
+          </a:xfrm>
+          <a:prstGeom prst="rect">
+            <a:avLst/>
+          </a:prstGeom>
+          <a:noFill/>
+        </p:spPr>
+        <p:txBody>
+          <a:bodyPr wrap="square" rtlCol="0">
+            <a:spAutoFit/>
+          </a:bodyPr>
+          <a:lstStyle/>
+          <a:p>
+            <a:r>
+              <a:rPr kumimoji="1" lang="ja-JP" altLang="en-US" sz="2000" dirty="0"/>
+              <a:t>支出：</a:t>
+            </a:r>
+            <a:r>
+              <a:rPr kumimoji="1" lang="en-US" altLang="ja-JP" sz="2000" dirty="0"/>
+              <a:t>0</a:t>
+            </a:r>
+          </a:p>
+        </p:txBody>
+      </p:sp>
+      <p:sp>
+        <p:nvSpPr>
+          <p:cNvPr id="21" name="テキスト ボックス 20">
+            <a:extLst>
+              <a:ext uri="{FF2B5EF4-FFF2-40B4-BE49-F238E27FC236}">
+                <a16:creationId xmlns:a16="http://schemas.microsoft.com/office/drawing/2014/main" id="{E3509759-9B9F-4FC0-82D9-0062F6597E6C}"/>
+              </a:ext>
+            </a:extLst>
+          </p:cNvPr>
+          <p:cNvSpPr txBox="1"/>
+          <p:nvPr/>
+        </p:nvSpPr>
+        <p:spPr>
+          <a:xfrm>
+            <a:off x="8818700" y="2897593"/>
+            <a:ext cx="1302327" cy="400110"/>
+          </a:xfrm>
+          <a:prstGeom prst="rect">
+            <a:avLst/>
+          </a:prstGeom>
+          <a:noFill/>
+        </p:spPr>
+        <p:txBody>
+          <a:bodyPr wrap="square" rtlCol="0">
+            <a:spAutoFit/>
+          </a:bodyPr>
+          <a:lstStyle/>
+          <a:p>
+            <a:r>
+              <a:rPr kumimoji="1" lang="ja-JP" altLang="en-US" sz="2000" dirty="0"/>
+              <a:t>支出：</a:t>
+            </a:r>
+            <a:r>
+              <a:rPr kumimoji="1" lang="en-US" altLang="ja-JP" sz="2000" dirty="0"/>
+              <a:t>0</a:t>
+            </a:r>
+          </a:p>
+        </p:txBody>
+      </p:sp>
+      <p:sp>
+        <p:nvSpPr>
+          <p:cNvPr id="22" name="テキスト ボックス 21">
+            <a:extLst>
+              <a:ext uri="{FF2B5EF4-FFF2-40B4-BE49-F238E27FC236}">
+                <a16:creationId xmlns:a16="http://schemas.microsoft.com/office/drawing/2014/main" id="{2EFB6A03-5484-4338-8AE4-6FE57350ECBC}"/>
+              </a:ext>
+            </a:extLst>
+          </p:cNvPr>
+          <p:cNvSpPr txBox="1"/>
+          <p:nvPr/>
+        </p:nvSpPr>
+        <p:spPr>
+          <a:xfrm>
+            <a:off x="8891948" y="2069868"/>
+            <a:ext cx="1086196" cy="400110"/>
+          </a:xfrm>
+          <a:prstGeom prst="rect">
+            <a:avLst/>
+          </a:prstGeom>
+          <a:noFill/>
+        </p:spPr>
+        <p:txBody>
+          <a:bodyPr wrap="square" rtlCol="0">
+            <a:spAutoFit/>
+          </a:bodyPr>
+          <a:lstStyle/>
+          <a:p>
+            <a:r>
+              <a:rPr kumimoji="1" lang="ja-JP" altLang="en-US" sz="2000" dirty="0"/>
+              <a:t>支出：</a:t>
+            </a:r>
+            <a:r>
+              <a:rPr kumimoji="1" lang="en-US" altLang="ja-JP" sz="2000" dirty="0"/>
+              <a:t>0</a:t>
+            </a:r>
+          </a:p>
+        </p:txBody>
+      </p:sp>
+      <p:sp>
+        <p:nvSpPr>
+          <p:cNvPr id="23" name="テキスト ボックス 22">
+            <a:extLst>
+              <a:ext uri="{FF2B5EF4-FFF2-40B4-BE49-F238E27FC236}">
+                <a16:creationId xmlns:a16="http://schemas.microsoft.com/office/drawing/2014/main" id="{2600BAAF-FA9A-4D89-9746-73B7EAB7E548}"/>
+              </a:ext>
+            </a:extLst>
+          </p:cNvPr>
+          <p:cNvSpPr txBox="1"/>
+          <p:nvPr/>
+        </p:nvSpPr>
+        <p:spPr>
+          <a:xfrm>
+            <a:off x="7058199" y="2062497"/>
+            <a:ext cx="1086196" cy="400110"/>
+          </a:xfrm>
+          <a:prstGeom prst="rect">
+            <a:avLst/>
+          </a:prstGeom>
+          <a:noFill/>
+        </p:spPr>
+        <p:txBody>
+          <a:bodyPr wrap="square" rtlCol="0">
+            <a:spAutoFit/>
+          </a:bodyPr>
+          <a:lstStyle/>
+          <a:p>
+            <a:r>
+              <a:rPr kumimoji="1" lang="ja-JP" altLang="en-US" sz="2000" dirty="0"/>
+              <a:t>支出：</a:t>
+            </a:r>
+            <a:r>
+              <a:rPr kumimoji="1" lang="en-US" altLang="ja-JP" sz="2000" dirty="0"/>
+              <a:t>0</a:t>
+            </a:r>
+          </a:p>
+        </p:txBody>
+      </p:sp>
+      <p:sp>
+        <p:nvSpPr>
+          <p:cNvPr id="24" name="テキスト ボックス 23">
+            <a:extLst>
+              <a:ext uri="{FF2B5EF4-FFF2-40B4-BE49-F238E27FC236}">
+                <a16:creationId xmlns:a16="http://schemas.microsoft.com/office/drawing/2014/main" id="{78F0BE54-2862-4484-A89D-4FC2FB0A0B61}"/>
+              </a:ext>
+            </a:extLst>
+          </p:cNvPr>
+          <p:cNvSpPr txBox="1"/>
+          <p:nvPr/>
+        </p:nvSpPr>
+        <p:spPr>
+          <a:xfrm>
+            <a:off x="5246740" y="4492356"/>
+            <a:ext cx="1514605" cy="400110"/>
+          </a:xfrm>
+          <a:prstGeom prst="rect">
+            <a:avLst/>
+          </a:prstGeom>
+          <a:noFill/>
+        </p:spPr>
+        <p:txBody>
+          <a:bodyPr wrap="square" rtlCol="0">
+            <a:spAutoFit/>
+          </a:bodyPr>
+          <a:lstStyle/>
+          <a:p>
+            <a:r>
+              <a:rPr kumimoji="1" lang="ja-JP" altLang="en-US" sz="2000" dirty="0"/>
+              <a:t>支出：</a:t>
+            </a:r>
+            <a:r>
+              <a:rPr kumimoji="1" lang="en-US" altLang="ja-JP" sz="2000" dirty="0"/>
+              <a:t>300</a:t>
+            </a:r>
+          </a:p>
+        </p:txBody>
+      </p:sp>
+      <p:sp>
+        <p:nvSpPr>
+          <p:cNvPr id="25" name="テキスト ボックス 24">
+            <a:extLst>
+              <a:ext uri="{FF2B5EF4-FFF2-40B4-BE49-F238E27FC236}">
+                <a16:creationId xmlns:a16="http://schemas.microsoft.com/office/drawing/2014/main" id="{714BC412-47A3-4EE0-9C0F-353CC0324247}"/>
+              </a:ext>
+            </a:extLst>
+          </p:cNvPr>
+          <p:cNvSpPr txBox="1"/>
+          <p:nvPr/>
+        </p:nvSpPr>
+        <p:spPr>
+          <a:xfrm>
+            <a:off x="3847797" y="5379561"/>
+            <a:ext cx="1086196" cy="400110"/>
+          </a:xfrm>
+          <a:prstGeom prst="rect">
+            <a:avLst/>
+          </a:prstGeom>
+          <a:noFill/>
+        </p:spPr>
+        <p:txBody>
+          <a:bodyPr wrap="square" rtlCol="0">
+            <a:spAutoFit/>
+          </a:bodyPr>
+          <a:lstStyle/>
+          <a:p>
+            <a:r>
+              <a:rPr kumimoji="1" lang="ja-JP" altLang="en-US" sz="2000" dirty="0"/>
+              <a:t>支出：</a:t>
+            </a:r>
+            <a:r>
+              <a:rPr kumimoji="1" lang="en-US" altLang="ja-JP" sz="2000" dirty="0"/>
+              <a:t>0</a:t>
+            </a:r>
+          </a:p>
+        </p:txBody>
+      </p:sp>
+      <p:sp>
+        <p:nvSpPr>
+          <p:cNvPr id="26" name="テキスト ボックス 25">
+            <a:extLst>
+              <a:ext uri="{FF2B5EF4-FFF2-40B4-BE49-F238E27FC236}">
+                <a16:creationId xmlns:a16="http://schemas.microsoft.com/office/drawing/2014/main" id="{53921E6B-3152-4D7D-8E29-50E34DA85805}"/>
+              </a:ext>
+            </a:extLst>
+          </p:cNvPr>
+          <p:cNvSpPr txBox="1"/>
+          <p:nvPr/>
+        </p:nvSpPr>
+        <p:spPr>
+          <a:xfrm>
+            <a:off x="1994592" y="5352964"/>
+            <a:ext cx="1086196" cy="400110"/>
+          </a:xfrm>
+          <a:prstGeom prst="rect">
+            <a:avLst/>
+          </a:prstGeom>
+          <a:noFill/>
+        </p:spPr>
+        <p:txBody>
+          <a:bodyPr wrap="square" rtlCol="0">
+            <a:spAutoFit/>
+          </a:bodyPr>
+          <a:lstStyle/>
+          <a:p>
+            <a:r>
+              <a:rPr kumimoji="1" lang="ja-JP" altLang="en-US" sz="2000" dirty="0"/>
+              <a:t>支出：</a:t>
+            </a:r>
+            <a:r>
+              <a:rPr kumimoji="1" lang="en-US" altLang="ja-JP" sz="2000" dirty="0"/>
+              <a:t>0</a:t>
+            </a:r>
+          </a:p>
+        </p:txBody>
+      </p:sp>
+      <p:sp>
+        <p:nvSpPr>
+          <p:cNvPr id="27" name="テキスト ボックス 26">
+            <a:extLst>
+              <a:ext uri="{FF2B5EF4-FFF2-40B4-BE49-F238E27FC236}">
+                <a16:creationId xmlns:a16="http://schemas.microsoft.com/office/drawing/2014/main" id="{E8D8EDF8-A86C-4AF7-8D8F-B817196CFB1F}"/>
+              </a:ext>
+            </a:extLst>
+          </p:cNvPr>
+          <p:cNvSpPr txBox="1"/>
+          <p:nvPr/>
+        </p:nvSpPr>
+        <p:spPr>
+          <a:xfrm>
+            <a:off x="7076530" y="4505063"/>
+            <a:ext cx="1514605" cy="400110"/>
+          </a:xfrm>
+          <a:prstGeom prst="rect">
+            <a:avLst/>
+          </a:prstGeom>
+          <a:noFill/>
+        </p:spPr>
+        <p:txBody>
+          <a:bodyPr wrap="square" rtlCol="0">
+            <a:spAutoFit/>
+          </a:bodyPr>
+          <a:lstStyle/>
+          <a:p>
+            <a:r>
+              <a:rPr kumimoji="1" lang="ja-JP" altLang="en-US" sz="2000" dirty="0"/>
+              <a:t>支出：</a:t>
+            </a:r>
+            <a:r>
+              <a:rPr kumimoji="1" lang="en-US" altLang="ja-JP" sz="2000" dirty="0"/>
+              <a:t>5000</a:t>
+            </a:r>
+          </a:p>
+        </p:txBody>
+      </p:sp>
+      <p:sp>
+        <p:nvSpPr>
+          <p:cNvPr id="28" name="テキスト ボックス 27">
+            <a:extLst>
+              <a:ext uri="{FF2B5EF4-FFF2-40B4-BE49-F238E27FC236}">
+                <a16:creationId xmlns:a16="http://schemas.microsoft.com/office/drawing/2014/main" id="{5986C6DD-E9C6-4F00-97A2-A911DF5CE906}"/>
+              </a:ext>
+            </a:extLst>
+          </p:cNvPr>
+          <p:cNvSpPr txBox="1"/>
+          <p:nvPr/>
+        </p:nvSpPr>
+        <p:spPr>
+          <a:xfrm>
+            <a:off x="7093930" y="5360886"/>
+            <a:ext cx="1086196" cy="400110"/>
+          </a:xfrm>
+          <a:prstGeom prst="rect">
+            <a:avLst/>
+          </a:prstGeom>
+          <a:noFill/>
+        </p:spPr>
+        <p:txBody>
+          <a:bodyPr wrap="square" rtlCol="0">
+            <a:spAutoFit/>
+          </a:bodyPr>
+          <a:lstStyle/>
+          <a:p>
+            <a:r>
+              <a:rPr kumimoji="1" lang="ja-JP" altLang="en-US" sz="2000" dirty="0"/>
+              <a:t>支出：</a:t>
+            </a:r>
+            <a:r>
+              <a:rPr kumimoji="1" lang="en-US" altLang="ja-JP" sz="2000" dirty="0"/>
+              <a:t>0</a:t>
+            </a:r>
+          </a:p>
+        </p:txBody>
+      </p:sp>
+      <p:sp>
+        <p:nvSpPr>
+          <p:cNvPr id="29" name="テキスト ボックス 28">
+            <a:extLst>
+              <a:ext uri="{FF2B5EF4-FFF2-40B4-BE49-F238E27FC236}">
+                <a16:creationId xmlns:a16="http://schemas.microsoft.com/office/drawing/2014/main" id="{A1F7D2F5-3704-4007-B859-DF1FD7B12B54}"/>
+              </a:ext>
+            </a:extLst>
+          </p:cNvPr>
+          <p:cNvSpPr txBox="1"/>
+          <p:nvPr/>
+        </p:nvSpPr>
+        <p:spPr>
+          <a:xfrm>
+            <a:off x="5365307" y="5352964"/>
+            <a:ext cx="1086196" cy="400110"/>
+          </a:xfrm>
+          <a:prstGeom prst="rect">
+            <a:avLst/>
+          </a:prstGeom>
+          <a:noFill/>
+        </p:spPr>
+        <p:txBody>
+          <a:bodyPr wrap="square" rtlCol="0">
+            <a:spAutoFit/>
+          </a:bodyPr>
+          <a:lstStyle/>
+          <a:p>
+            <a:r>
+              <a:rPr kumimoji="1" lang="ja-JP" altLang="en-US" sz="2000" dirty="0"/>
+              <a:t>支出：</a:t>
+            </a:r>
+            <a:r>
+              <a:rPr kumimoji="1" lang="en-US" altLang="ja-JP" sz="2000" dirty="0"/>
+              <a:t>0</a:t>
+            </a:r>
+          </a:p>
+        </p:txBody>
+      </p:sp>
+      <p:sp>
+        <p:nvSpPr>
+          <p:cNvPr id="30" name="テキスト ボックス 29">
+            <a:extLst>
+              <a:ext uri="{FF2B5EF4-FFF2-40B4-BE49-F238E27FC236}">
+                <a16:creationId xmlns:a16="http://schemas.microsoft.com/office/drawing/2014/main" id="{60519ED6-A32E-4130-8815-D24CDB02C20B}"/>
+              </a:ext>
+            </a:extLst>
+          </p:cNvPr>
+          <p:cNvSpPr txBox="1"/>
+          <p:nvPr/>
+        </p:nvSpPr>
+        <p:spPr>
+          <a:xfrm>
+            <a:off x="8891948" y="4514721"/>
+            <a:ext cx="1086196" cy="400110"/>
+          </a:xfrm>
+          <a:prstGeom prst="rect">
+            <a:avLst/>
+          </a:prstGeom>
+          <a:noFill/>
+        </p:spPr>
+        <p:txBody>
+          <a:bodyPr wrap="square" rtlCol="0">
+            <a:spAutoFit/>
+          </a:bodyPr>
+          <a:lstStyle/>
+          <a:p>
+            <a:r>
+              <a:rPr kumimoji="1" lang="ja-JP" altLang="en-US" sz="2000" dirty="0"/>
+              <a:t>支出：</a:t>
+            </a:r>
+            <a:r>
+              <a:rPr kumimoji="1" lang="en-US" altLang="ja-JP" sz="2000" dirty="0"/>
+              <a:t>0</a:t>
+            </a:r>
           </a:p>
         </p:txBody>
       </p:sp>
     </p:spTree>
     <p:extLst>
       <p:ext uri="{BB962C8B-B14F-4D97-AF65-F5344CB8AC3E}">
-        <p14:creationId xmlns:p14="http://schemas.microsoft.com/office/powerpoint/2010/main" val="930684599"/>
+        <p14:creationId xmlns:p14="http://schemas.microsoft.com/office/powerpoint/2010/main" val="69149410"/>
       </p:ext>
     </p:extLst>
   </p:cSld>

--- a/9.発表資料/グループディスカッション_グループA.pptx
+++ b/9.発表資料/グループディスカッション_グループA.pptx
@@ -1242,7 +1242,7 @@
           <a:p>
             <a:fld id="{F058BF6C-206F-4AAE-B98E-F04B0A00992F}" type="datetimeFigureOut">
               <a:rPr kumimoji="1" lang="ja-JP" altLang="en-US" smtClean="0"/>
-              <a:t>2020/6/26</a:t>
+              <a:t>2020/6/28</a:t>
             </a:fld>
             <a:endParaRPr kumimoji="1" lang="ja-JP" altLang="en-US"/>
           </a:p>
@@ -3549,7 +3549,7 @@
           <a:p>
             <a:fld id="{05EA5B4D-3085-4260-9D17-3A6C004E7E0F}" type="datetimeFigureOut">
               <a:rPr kumimoji="1" lang="ja-JP" altLang="en-US" smtClean="0"/>
-              <a:t>2020/6/26</a:t>
+              <a:t>2020/6/28</a:t>
             </a:fld>
             <a:endParaRPr kumimoji="1" lang="ja-JP" altLang="en-US"/>
           </a:p>
@@ -3792,7 +3792,7 @@
           <a:p>
             <a:fld id="{05EA5B4D-3085-4260-9D17-3A6C004E7E0F}" type="datetimeFigureOut">
               <a:rPr kumimoji="1" lang="ja-JP" altLang="en-US" smtClean="0"/>
-              <a:t>2020/6/26</a:t>
+              <a:t>2020/6/28</a:t>
             </a:fld>
             <a:endParaRPr kumimoji="1" lang="ja-JP" altLang="en-US"/>
           </a:p>
@@ -4039,7 +4039,7 @@
           <a:p>
             <a:fld id="{05EA5B4D-3085-4260-9D17-3A6C004E7E0F}" type="datetimeFigureOut">
               <a:rPr kumimoji="1" lang="ja-JP" altLang="en-US" smtClean="0"/>
-              <a:t>2020/6/26</a:t>
+              <a:t>2020/6/28</a:t>
             </a:fld>
             <a:endParaRPr kumimoji="1" lang="ja-JP" altLang="en-US"/>
           </a:p>
@@ -4272,7 +4272,7 @@
           <a:p>
             <a:fld id="{05EA5B4D-3085-4260-9D17-3A6C004E7E0F}" type="datetimeFigureOut">
               <a:rPr kumimoji="1" lang="ja-JP" altLang="en-US" smtClean="0"/>
-              <a:t>2020/6/26</a:t>
+              <a:t>2020/6/28</a:t>
             </a:fld>
             <a:endParaRPr kumimoji="1" lang="ja-JP" altLang="en-US"/>
           </a:p>
@@ -4551,7 +4551,7 @@
           <a:p>
             <a:fld id="{05EA5B4D-3085-4260-9D17-3A6C004E7E0F}" type="datetimeFigureOut">
               <a:rPr kumimoji="1" lang="ja-JP" altLang="en-US" smtClean="0"/>
-              <a:t>2020/6/26</a:t>
+              <a:t>2020/6/28</a:t>
             </a:fld>
             <a:endParaRPr kumimoji="1" lang="ja-JP" altLang="en-US"/>
           </a:p>
@@ -4883,7 +4883,7 @@
           <a:p>
             <a:fld id="{05EA5B4D-3085-4260-9D17-3A6C004E7E0F}" type="datetimeFigureOut">
               <a:rPr kumimoji="1" lang="ja-JP" altLang="en-US" smtClean="0"/>
-              <a:t>2020/6/26</a:t>
+              <a:t>2020/6/28</a:t>
             </a:fld>
             <a:endParaRPr kumimoji="1" lang="ja-JP" altLang="en-US"/>
           </a:p>
@@ -5363,7 +5363,7 @@
           <a:p>
             <a:fld id="{05EA5B4D-3085-4260-9D17-3A6C004E7E0F}" type="datetimeFigureOut">
               <a:rPr kumimoji="1" lang="ja-JP" altLang="en-US" smtClean="0"/>
-              <a:t>2020/6/26</a:t>
+              <a:t>2020/6/28</a:t>
             </a:fld>
             <a:endParaRPr kumimoji="1" lang="ja-JP" altLang="en-US"/>
           </a:p>
@@ -5512,7 +5512,7 @@
           <a:p>
             <a:fld id="{05EA5B4D-3085-4260-9D17-3A6C004E7E0F}" type="datetimeFigureOut">
               <a:rPr kumimoji="1" lang="ja-JP" altLang="en-US" smtClean="0"/>
-              <a:t>2020/6/26</a:t>
+              <a:t>2020/6/28</a:t>
             </a:fld>
             <a:endParaRPr kumimoji="1" lang="ja-JP" altLang="en-US"/>
           </a:p>
@@ -5638,7 +5638,7 @@
           <a:p>
             <a:fld id="{05EA5B4D-3085-4260-9D17-3A6C004E7E0F}" type="datetimeFigureOut">
               <a:rPr kumimoji="1" lang="ja-JP" altLang="en-US" smtClean="0"/>
-              <a:t>2020/6/26</a:t>
+              <a:t>2020/6/28</a:t>
             </a:fld>
             <a:endParaRPr kumimoji="1" lang="ja-JP" altLang="en-US"/>
           </a:p>
@@ -5921,7 +5921,7 @@
           <a:p>
             <a:fld id="{05EA5B4D-3085-4260-9D17-3A6C004E7E0F}" type="datetimeFigureOut">
               <a:rPr kumimoji="1" lang="ja-JP" altLang="en-US" smtClean="0"/>
-              <a:t>2020/6/26</a:t>
+              <a:t>2020/6/28</a:t>
             </a:fld>
             <a:endParaRPr kumimoji="1" lang="ja-JP" altLang="en-US"/>
           </a:p>
@@ -6366,7 +6366,7 @@
           <a:p>
             <a:fld id="{05EA5B4D-3085-4260-9D17-3A6C004E7E0F}" type="datetimeFigureOut">
               <a:rPr kumimoji="1" lang="ja-JP" altLang="en-US" smtClean="0"/>
-              <a:t>2020/6/26</a:t>
+              <a:t>2020/6/28</a:t>
             </a:fld>
             <a:endParaRPr kumimoji="1" lang="ja-JP" altLang="en-US"/>
           </a:p>
@@ -6725,7 +6725,7 @@
           <a:p>
             <a:fld id="{05EA5B4D-3085-4260-9D17-3A6C004E7E0F}" type="datetimeFigureOut">
               <a:rPr kumimoji="1" lang="ja-JP" altLang="en-US" smtClean="0"/>
-              <a:t>2020/6/26</a:t>
+              <a:t>2020/6/28</a:t>
             </a:fld>
             <a:endParaRPr kumimoji="1" lang="ja-JP" altLang="en-US"/>
           </a:p>
@@ -7551,6 +7551,82 @@
                 <a:ea typeface="メイリオ" panose="020B0604030504040204" pitchFamily="50" charset="-128"/>
               </a:rPr>
               <a:t>まとめ</a:t>
+            </a:r>
+          </a:p>
+        </p:txBody>
+      </p:sp>
+      <p:sp>
+        <p:nvSpPr>
+          <p:cNvPr id="3" name="テキスト ボックス 2">
+            <a:extLst>
+              <a:ext uri="{FF2B5EF4-FFF2-40B4-BE49-F238E27FC236}">
+                <a16:creationId xmlns:a16="http://schemas.microsoft.com/office/drawing/2014/main" id="{2220F58C-CC67-46A0-9C01-06ABD1661BB4}"/>
+              </a:ext>
+            </a:extLst>
+          </p:cNvPr>
+          <p:cNvSpPr txBox="1"/>
+          <p:nvPr/>
+        </p:nvSpPr>
+        <p:spPr>
+          <a:xfrm>
+            <a:off x="1676400" y="2243220"/>
+            <a:ext cx="9378454" cy="830997"/>
+          </a:xfrm>
+          <a:prstGeom prst="rect">
+            <a:avLst/>
+          </a:prstGeom>
+          <a:noFill/>
+        </p:spPr>
+        <p:txBody>
+          <a:bodyPr wrap="square" rtlCol="0">
+            <a:spAutoFit/>
+          </a:bodyPr>
+          <a:lstStyle/>
+          <a:p>
+            <a:r>
+              <a:rPr kumimoji="1" lang="ja-JP" altLang="en-US" sz="4800" b="1" dirty="0">
+                <a:latin typeface="メイリオ" panose="020B0604030504040204" pitchFamily="50" charset="-128"/>
+                <a:ea typeface="メイリオ" panose="020B0604030504040204" pitchFamily="50" charset="-128"/>
+              </a:rPr>
+              <a:t>・スケジュール管理の大切さ</a:t>
+            </a:r>
+          </a:p>
+        </p:txBody>
+      </p:sp>
+      <p:sp>
+        <p:nvSpPr>
+          <p:cNvPr id="4" name="テキスト ボックス 3">
+            <a:extLst>
+              <a:ext uri="{FF2B5EF4-FFF2-40B4-BE49-F238E27FC236}">
+                <a16:creationId xmlns:a16="http://schemas.microsoft.com/office/drawing/2014/main" id="{0FD05E18-7536-4258-8DDD-B467E1FB8349}"/>
+              </a:ext>
+            </a:extLst>
+          </p:cNvPr>
+          <p:cNvSpPr txBox="1"/>
+          <p:nvPr/>
+        </p:nvSpPr>
+        <p:spPr>
+          <a:xfrm>
+            <a:off x="1676400" y="3269077"/>
+            <a:ext cx="8300113" cy="830997"/>
+          </a:xfrm>
+          <a:prstGeom prst="rect">
+            <a:avLst/>
+          </a:prstGeom>
+          <a:noFill/>
+        </p:spPr>
+        <p:txBody>
+          <a:bodyPr wrap="square" rtlCol="0">
+            <a:spAutoFit/>
+          </a:bodyPr>
+          <a:lstStyle/>
+          <a:p>
+            <a:r>
+              <a:rPr kumimoji="1" lang="ja-JP" altLang="en-US" sz="4800" b="1" dirty="0">
+                <a:latin typeface="メイリオ" panose="020B0604030504040204" pitchFamily="50" charset="-128"/>
+                <a:ea typeface="メイリオ" panose="020B0604030504040204" pitchFamily="50" charset="-128"/>
+              </a:rPr>
+              <a:t>・報連相が大事</a:t>
             </a:r>
           </a:p>
         </p:txBody>
